--- a/présentation groupe 1H.pptx
+++ b/présentation groupe 1H.pptx
@@ -104,6 +104,11 @@
       </a:defRPr>
     </a:lvl9pPr>
   </p:defaultTextStyle>
+  <p:extLst>
+    <p:ext uri="{EFAFB233-063F-42B5-8137-9DF3F51BA10A}">
+      <p15:sldGuideLst xmlns:p15="http://schemas.microsoft.com/office/powerpoint/2012/main"/>
+    </p:ext>
+  </p:extLst>
 </p:presentation>
 </file>
 
@@ -238,7 +243,7 @@
           <a:p>
             <a:fld id="{4DD0A917-C272-441A-92EE-F01DF0D33BF7}" type="datetimeFigureOut">
               <a:rPr lang="fr-FR" smtClean="0"/>
-              <a:t>19/05/2019</a:t>
+              <a:t>20/05/2019</a:t>
             </a:fld>
             <a:endParaRPr lang="fr-FR"/>
           </a:p>
@@ -408,7 +413,7 @@
           <a:p>
             <a:fld id="{4DD0A917-C272-441A-92EE-F01DF0D33BF7}" type="datetimeFigureOut">
               <a:rPr lang="fr-FR" smtClean="0"/>
-              <a:t>19/05/2019</a:t>
+              <a:t>20/05/2019</a:t>
             </a:fld>
             <a:endParaRPr lang="fr-FR"/>
           </a:p>
@@ -588,7 +593,7 @@
           <a:p>
             <a:fld id="{4DD0A917-C272-441A-92EE-F01DF0D33BF7}" type="datetimeFigureOut">
               <a:rPr lang="fr-FR" smtClean="0"/>
-              <a:t>19/05/2019</a:t>
+              <a:t>20/05/2019</a:t>
             </a:fld>
             <a:endParaRPr lang="fr-FR"/>
           </a:p>
@@ -758,7 +763,7 @@
           <a:p>
             <a:fld id="{4DD0A917-C272-441A-92EE-F01DF0D33BF7}" type="datetimeFigureOut">
               <a:rPr lang="fr-FR" smtClean="0"/>
-              <a:t>19/05/2019</a:t>
+              <a:t>20/05/2019</a:t>
             </a:fld>
             <a:endParaRPr lang="fr-FR"/>
           </a:p>
@@ -1002,7 +1007,7 @@
           <a:p>
             <a:fld id="{4DD0A917-C272-441A-92EE-F01DF0D33BF7}" type="datetimeFigureOut">
               <a:rPr lang="fr-FR" smtClean="0"/>
-              <a:t>19/05/2019</a:t>
+              <a:t>20/05/2019</a:t>
             </a:fld>
             <a:endParaRPr lang="fr-FR"/>
           </a:p>
@@ -1234,7 +1239,7 @@
           <a:p>
             <a:fld id="{4DD0A917-C272-441A-92EE-F01DF0D33BF7}" type="datetimeFigureOut">
               <a:rPr lang="fr-FR" smtClean="0"/>
-              <a:t>19/05/2019</a:t>
+              <a:t>20/05/2019</a:t>
             </a:fld>
             <a:endParaRPr lang="fr-FR"/>
           </a:p>
@@ -1601,7 +1606,7 @@
           <a:p>
             <a:fld id="{4DD0A917-C272-441A-92EE-F01DF0D33BF7}" type="datetimeFigureOut">
               <a:rPr lang="fr-FR" smtClean="0"/>
-              <a:t>19/05/2019</a:t>
+              <a:t>20/05/2019</a:t>
             </a:fld>
             <a:endParaRPr lang="fr-FR"/>
           </a:p>
@@ -1719,7 +1724,7 @@
           <a:p>
             <a:fld id="{4DD0A917-C272-441A-92EE-F01DF0D33BF7}" type="datetimeFigureOut">
               <a:rPr lang="fr-FR" smtClean="0"/>
-              <a:t>19/05/2019</a:t>
+              <a:t>20/05/2019</a:t>
             </a:fld>
             <a:endParaRPr lang="fr-FR"/>
           </a:p>
@@ -1814,7 +1819,7 @@
           <a:p>
             <a:fld id="{4DD0A917-C272-441A-92EE-F01DF0D33BF7}" type="datetimeFigureOut">
               <a:rPr lang="fr-FR" smtClean="0"/>
-              <a:t>19/05/2019</a:t>
+              <a:t>20/05/2019</a:t>
             </a:fld>
             <a:endParaRPr lang="fr-FR"/>
           </a:p>
@@ -2091,7 +2096,7 @@
           <a:p>
             <a:fld id="{4DD0A917-C272-441A-92EE-F01DF0D33BF7}" type="datetimeFigureOut">
               <a:rPr lang="fr-FR" smtClean="0"/>
-              <a:t>19/05/2019</a:t>
+              <a:t>20/05/2019</a:t>
             </a:fld>
             <a:endParaRPr lang="fr-FR"/>
           </a:p>
@@ -2348,7 +2353,7 @@
           <a:p>
             <a:fld id="{4DD0A917-C272-441A-92EE-F01DF0D33BF7}" type="datetimeFigureOut">
               <a:rPr lang="fr-FR" smtClean="0"/>
-              <a:t>19/05/2019</a:t>
+              <a:t>20/05/2019</a:t>
             </a:fld>
             <a:endParaRPr lang="fr-FR"/>
           </a:p>
@@ -2561,7 +2566,7 @@
           <a:p>
             <a:fld id="{4DD0A917-C272-441A-92EE-F01DF0D33BF7}" type="datetimeFigureOut">
               <a:rPr lang="fr-FR" smtClean="0"/>
-              <a:t>19/05/2019</a:t>
+              <a:t>20/05/2019</a:t>
             </a:fld>
             <a:endParaRPr lang="fr-FR"/>
           </a:p>

--- a/présentation groupe 1H.pptx
+++ b/présentation groupe 1H.pptx
@@ -2,7 +2,7 @@
 <file path=ppt/presentation.xml><?xml version="1.0" encoding="utf-8"?>
 <p:presentation xmlns:a="http://schemas.openxmlformats.org/drawingml/2006/main" xmlns:r="http://schemas.openxmlformats.org/officeDocument/2006/relationships" xmlns:p="http://schemas.openxmlformats.org/presentationml/2006/main" saveSubsetFonts="1">
   <p:sldMasterIdLst>
-    <p:sldMasterId id="2147483672" r:id="rId1"/>
+    <p:sldMasterId id="2147483854" r:id="rId1"/>
   </p:sldMasterIdLst>
   <p:sldIdLst>
     <p:sldId id="256" r:id="rId2"/>
@@ -104,11 +104,16 @@
       </a:defRPr>
     </a:lvl9pPr>
   </p:defaultTextStyle>
+  <p:extLst>
+    <p:ext uri="{EFAFB233-063F-42B5-8137-9DF3F51BA10A}">
+      <p15:sldGuideLst xmlns:p15="http://schemas.microsoft.com/office/powerpoint/2012/main"/>
+    </p:ext>
+  </p:extLst>
 </p:presentation>
 </file>
 
 <file path=ppt/slideLayouts/slideLayout1.xml><?xml version="1.0" encoding="utf-8"?>
-<p:sldLayout xmlns:a="http://schemas.openxmlformats.org/drawingml/2006/main" xmlns:r="http://schemas.openxmlformats.org/officeDocument/2006/relationships" xmlns:p="http://schemas.openxmlformats.org/presentationml/2006/main" type="title" preserve="1">
+<p:sldLayout xmlns:a="http://schemas.openxmlformats.org/drawingml/2006/main" xmlns:r="http://schemas.openxmlformats.org/officeDocument/2006/relationships" xmlns:p="http://schemas.openxmlformats.org/presentationml/2006/main" showMasterSp="0" type="title" preserve="1">
   <p:cSld name="Diapositive de titre">
     <p:spTree>
       <p:nvGrpSpPr>
@@ -124,6 +129,609 @@
           <a:chExt cx="0" cy="0"/>
         </a:xfrm>
       </p:grpSpPr>
+      <p:grpSp>
+        <p:nvGrpSpPr>
+          <p:cNvPr id="7" name="Group 6"/>
+          <p:cNvGrpSpPr/>
+          <p:nvPr/>
+        </p:nvGrpSpPr>
+        <p:grpSpPr>
+          <a:xfrm>
+            <a:off x="-19798" y="-18668"/>
+            <a:ext cx="21447505" cy="15156685"/>
+            <a:chOff x="-8466" y="-8468"/>
+            <a:chExt cx="9171316" cy="6874935"/>
+          </a:xfrm>
+        </p:grpSpPr>
+        <p:cxnSp>
+          <p:nvCxnSpPr>
+            <p:cNvPr id="28" name="Straight Connector 27"/>
+            <p:cNvCxnSpPr/>
+            <p:nvPr/>
+          </p:nvCxnSpPr>
+          <p:spPr>
+            <a:xfrm flipV="1">
+              <a:off x="5130830" y="4175605"/>
+              <a:ext cx="4022475" cy="2682396"/>
+            </a:xfrm>
+            <a:prstGeom prst="line">
+              <a:avLst/>
+            </a:prstGeom>
+            <a:ln w="9525">
+              <a:solidFill>
+                <a:schemeClr val="accent1">
+                  <a:alpha val="70000"/>
+                </a:schemeClr>
+              </a:solidFill>
+            </a:ln>
+          </p:spPr>
+          <p:style>
+            <a:lnRef idx="2">
+              <a:schemeClr val="accent1"/>
+            </a:lnRef>
+            <a:fillRef idx="0">
+              <a:schemeClr val="accent1"/>
+            </a:fillRef>
+            <a:effectRef idx="1">
+              <a:schemeClr val="accent1"/>
+            </a:effectRef>
+            <a:fontRef idx="minor">
+              <a:schemeClr val="tx1"/>
+            </a:fontRef>
+          </p:style>
+        </p:cxnSp>
+        <p:cxnSp>
+          <p:nvCxnSpPr>
+            <p:cNvPr id="29" name="Straight Connector 28"/>
+            <p:cNvCxnSpPr/>
+            <p:nvPr/>
+          </p:nvCxnSpPr>
+          <p:spPr>
+            <a:xfrm>
+              <a:off x="7042707" y="0"/>
+              <a:ext cx="1219200" cy="6858000"/>
+            </a:xfrm>
+            <a:prstGeom prst="line">
+              <a:avLst/>
+            </a:prstGeom>
+            <a:ln w="9525">
+              <a:solidFill>
+                <a:schemeClr val="accent1">
+                  <a:alpha val="70000"/>
+                </a:schemeClr>
+              </a:solidFill>
+            </a:ln>
+          </p:spPr>
+          <p:style>
+            <a:lnRef idx="2">
+              <a:schemeClr val="accent1"/>
+            </a:lnRef>
+            <a:fillRef idx="0">
+              <a:schemeClr val="accent1"/>
+            </a:fillRef>
+            <a:effectRef idx="1">
+              <a:schemeClr val="accent1"/>
+            </a:effectRef>
+            <a:fontRef idx="minor">
+              <a:schemeClr val="tx1"/>
+            </a:fontRef>
+          </p:style>
+        </p:cxnSp>
+        <p:sp>
+          <p:nvSpPr>
+            <p:cNvPr id="30" name="Freeform 29"/>
+            <p:cNvSpPr/>
+            <p:nvPr/>
+          </p:nvSpPr>
+          <p:spPr>
+            <a:xfrm>
+              <a:off x="6891896" y="1"/>
+              <a:ext cx="2269442" cy="6866466"/>
+            </a:xfrm>
+            <a:custGeom>
+              <a:avLst/>
+              <a:gdLst/>
+              <a:ahLst/>
+              <a:cxnLst/>
+              <a:rect l="l" t="t" r="r" b="b"/>
+              <a:pathLst>
+                <a:path w="2269442" h="6866466">
+                  <a:moveTo>
+                    <a:pt x="2023534" y="0"/>
+                  </a:moveTo>
+                  <a:lnTo>
+                    <a:pt x="0" y="6858000"/>
+                  </a:lnTo>
+                  <a:lnTo>
+                    <a:pt x="2269067" y="6866466"/>
+                  </a:lnTo>
+                  <a:cubicBezTo>
+                    <a:pt x="2271889" y="4580466"/>
+                    <a:pt x="2257778" y="2294466"/>
+                    <a:pt x="2260600" y="8466"/>
+                  </a:cubicBezTo>
+                  <a:lnTo>
+                    <a:pt x="2023534" y="0"/>
+                  </a:lnTo>
+                  <a:close/>
+                </a:path>
+              </a:pathLst>
+            </a:custGeom>
+            <a:solidFill>
+              <a:schemeClr val="accent1">
+                <a:alpha val="36000"/>
+              </a:schemeClr>
+            </a:solidFill>
+            <a:ln>
+              <a:noFill/>
+            </a:ln>
+            <a:effectLst/>
+          </p:spPr>
+          <p:style>
+            <a:lnRef idx="1">
+              <a:schemeClr val="accent1"/>
+            </a:lnRef>
+            <a:fillRef idx="3">
+              <a:schemeClr val="accent1"/>
+            </a:fillRef>
+            <a:effectRef idx="2">
+              <a:schemeClr val="accent1"/>
+            </a:effectRef>
+            <a:fontRef idx="minor">
+              <a:schemeClr val="lt1"/>
+            </a:fontRef>
+          </p:style>
+        </p:sp>
+        <p:sp>
+          <p:nvSpPr>
+            <p:cNvPr id="31" name="Freeform 30"/>
+            <p:cNvSpPr/>
+            <p:nvPr/>
+          </p:nvSpPr>
+          <p:spPr>
+            <a:xfrm>
+              <a:off x="7205158" y="-8467"/>
+              <a:ext cx="1948147" cy="6866467"/>
+            </a:xfrm>
+            <a:custGeom>
+              <a:avLst/>
+              <a:gdLst/>
+              <a:ahLst/>
+              <a:cxnLst/>
+              <a:rect l="l" t="t" r="r" b="b"/>
+              <a:pathLst>
+                <a:path w="1948147" h="6866467">
+                  <a:moveTo>
+                    <a:pt x="0" y="0"/>
+                  </a:moveTo>
+                  <a:lnTo>
+                    <a:pt x="1202267" y="6866467"/>
+                  </a:lnTo>
+                  <a:lnTo>
+                    <a:pt x="1947333" y="6866467"/>
+                  </a:lnTo>
+                  <a:cubicBezTo>
+                    <a:pt x="1944511" y="4577645"/>
+                    <a:pt x="1950155" y="2288822"/>
+                    <a:pt x="1947333" y="0"/>
+                  </a:cubicBezTo>
+                  <a:lnTo>
+                    <a:pt x="0" y="0"/>
+                  </a:lnTo>
+                  <a:close/>
+                </a:path>
+              </a:pathLst>
+            </a:custGeom>
+            <a:solidFill>
+              <a:schemeClr val="accent1">
+                <a:alpha val="20000"/>
+              </a:schemeClr>
+            </a:solidFill>
+            <a:ln>
+              <a:noFill/>
+            </a:ln>
+            <a:effectLst/>
+          </p:spPr>
+          <p:style>
+            <a:lnRef idx="1">
+              <a:schemeClr val="accent1"/>
+            </a:lnRef>
+            <a:fillRef idx="3">
+              <a:schemeClr val="accent1"/>
+            </a:fillRef>
+            <a:effectRef idx="2">
+              <a:schemeClr val="accent1"/>
+            </a:effectRef>
+            <a:fontRef idx="minor">
+              <a:schemeClr val="lt1"/>
+            </a:fontRef>
+          </p:style>
+        </p:sp>
+        <p:sp>
+          <p:nvSpPr>
+            <p:cNvPr id="32" name="Freeform 31"/>
+            <p:cNvSpPr/>
+            <p:nvPr/>
+          </p:nvSpPr>
+          <p:spPr>
+            <a:xfrm>
+              <a:off x="6637896" y="3920066"/>
+              <a:ext cx="2513565" cy="2937933"/>
+            </a:xfrm>
+            <a:custGeom>
+              <a:avLst/>
+              <a:gdLst/>
+              <a:ahLst/>
+              <a:cxnLst/>
+              <a:rect l="l" t="t" r="r" b="b"/>
+              <a:pathLst>
+                <a:path w="3259667" h="3810000">
+                  <a:moveTo>
+                    <a:pt x="0" y="3810000"/>
+                  </a:moveTo>
+                  <a:lnTo>
+                    <a:pt x="3251200" y="0"/>
+                  </a:lnTo>
+                  <a:cubicBezTo>
+                    <a:pt x="3254022" y="1270000"/>
+                    <a:pt x="3256845" y="2540000"/>
+                    <a:pt x="3259667" y="3810000"/>
+                  </a:cubicBezTo>
+                  <a:lnTo>
+                    <a:pt x="0" y="3810000"/>
+                  </a:lnTo>
+                  <a:close/>
+                </a:path>
+              </a:pathLst>
+            </a:custGeom>
+            <a:solidFill>
+              <a:schemeClr val="accent1">
+                <a:lumMod val="75000"/>
+                <a:alpha val="66000"/>
+              </a:schemeClr>
+            </a:solidFill>
+            <a:ln>
+              <a:noFill/>
+            </a:ln>
+            <a:effectLst/>
+          </p:spPr>
+          <p:style>
+            <a:lnRef idx="1">
+              <a:schemeClr val="accent1"/>
+            </a:lnRef>
+            <a:fillRef idx="3">
+              <a:schemeClr val="accent1"/>
+            </a:fillRef>
+            <a:effectRef idx="2">
+              <a:schemeClr val="accent1"/>
+            </a:effectRef>
+            <a:fontRef idx="minor">
+              <a:schemeClr val="lt1"/>
+            </a:fontRef>
+          </p:style>
+        </p:sp>
+        <p:sp>
+          <p:nvSpPr>
+            <p:cNvPr id="33" name="Freeform 32"/>
+            <p:cNvSpPr/>
+            <p:nvPr/>
+          </p:nvSpPr>
+          <p:spPr>
+            <a:xfrm>
+              <a:off x="7010429" y="-8467"/>
+              <a:ext cx="2142876" cy="6866467"/>
+            </a:xfrm>
+            <a:custGeom>
+              <a:avLst/>
+              <a:gdLst/>
+              <a:ahLst/>
+              <a:cxnLst/>
+              <a:rect l="l" t="t" r="r" b="b"/>
+              <a:pathLst>
+                <a:path w="2853267" h="6866467">
+                  <a:moveTo>
+                    <a:pt x="0" y="0"/>
+                  </a:moveTo>
+                  <a:lnTo>
+                    <a:pt x="2472267" y="6866467"/>
+                  </a:lnTo>
+                  <a:lnTo>
+                    <a:pt x="2853267" y="6858000"/>
+                  </a:lnTo>
+                  <a:lnTo>
+                    <a:pt x="2853267" y="0"/>
+                  </a:lnTo>
+                  <a:lnTo>
+                    <a:pt x="0" y="0"/>
+                  </a:lnTo>
+                  <a:close/>
+                </a:path>
+              </a:pathLst>
+            </a:custGeom>
+            <a:solidFill>
+              <a:schemeClr val="accent1">
+                <a:lumMod val="75000"/>
+                <a:alpha val="50000"/>
+              </a:schemeClr>
+            </a:solidFill>
+            <a:ln>
+              <a:noFill/>
+            </a:ln>
+            <a:effectLst/>
+          </p:spPr>
+          <p:style>
+            <a:lnRef idx="1">
+              <a:schemeClr val="accent1"/>
+            </a:lnRef>
+            <a:fillRef idx="3">
+              <a:schemeClr val="accent1"/>
+            </a:fillRef>
+            <a:effectRef idx="2">
+              <a:schemeClr val="accent1"/>
+            </a:effectRef>
+            <a:fontRef idx="minor">
+              <a:schemeClr val="lt1"/>
+            </a:fontRef>
+          </p:style>
+        </p:sp>
+        <p:sp>
+          <p:nvSpPr>
+            <p:cNvPr id="34" name="Freeform 33"/>
+            <p:cNvSpPr/>
+            <p:nvPr/>
+          </p:nvSpPr>
+          <p:spPr>
+            <a:xfrm>
+              <a:off x="8295776" y="-8467"/>
+              <a:ext cx="857530" cy="6866467"/>
+            </a:xfrm>
+            <a:custGeom>
+              <a:avLst/>
+              <a:gdLst/>
+              <a:ahLst/>
+              <a:cxnLst/>
+              <a:rect l="l" t="t" r="r" b="b"/>
+              <a:pathLst>
+                <a:path w="1286933" h="6866467">
+                  <a:moveTo>
+                    <a:pt x="1016000" y="0"/>
+                  </a:moveTo>
+                  <a:lnTo>
+                    <a:pt x="0" y="6866467"/>
+                  </a:lnTo>
+                  <a:lnTo>
+                    <a:pt x="1286933" y="6866467"/>
+                  </a:lnTo>
+                  <a:cubicBezTo>
+                    <a:pt x="1284111" y="4577645"/>
+                    <a:pt x="1281288" y="2288822"/>
+                    <a:pt x="1278466" y="0"/>
+                  </a:cubicBezTo>
+                  <a:lnTo>
+                    <a:pt x="1016000" y="0"/>
+                  </a:lnTo>
+                  <a:close/>
+                </a:path>
+              </a:pathLst>
+            </a:custGeom>
+            <a:solidFill>
+              <a:schemeClr val="accent2">
+                <a:alpha val="70000"/>
+              </a:schemeClr>
+            </a:solidFill>
+            <a:ln>
+              <a:noFill/>
+            </a:ln>
+            <a:effectLst/>
+          </p:spPr>
+          <p:style>
+            <a:lnRef idx="1">
+              <a:schemeClr val="accent1"/>
+            </a:lnRef>
+            <a:fillRef idx="3">
+              <a:schemeClr val="accent1"/>
+            </a:fillRef>
+            <a:effectRef idx="2">
+              <a:schemeClr val="accent1"/>
+            </a:effectRef>
+            <a:fontRef idx="minor">
+              <a:schemeClr val="lt1"/>
+            </a:fontRef>
+          </p:style>
+        </p:sp>
+        <p:sp>
+          <p:nvSpPr>
+            <p:cNvPr id="35" name="Freeform 34"/>
+            <p:cNvSpPr/>
+            <p:nvPr/>
+          </p:nvSpPr>
+          <p:spPr>
+            <a:xfrm>
+              <a:off x="8094165" y="-8468"/>
+              <a:ext cx="1066770" cy="6866467"/>
+            </a:xfrm>
+            <a:custGeom>
+              <a:avLst/>
+              <a:gdLst/>
+              <a:ahLst/>
+              <a:cxnLst/>
+              <a:rect l="l" t="t" r="r" b="b"/>
+              <a:pathLst>
+                <a:path w="1270244" h="6866467">
+                  <a:moveTo>
+                    <a:pt x="0" y="0"/>
+                  </a:moveTo>
+                  <a:lnTo>
+                    <a:pt x="1117600" y="6866467"/>
+                  </a:lnTo>
+                  <a:lnTo>
+                    <a:pt x="1270000" y="6866467"/>
+                  </a:lnTo>
+                  <a:cubicBezTo>
+                    <a:pt x="1272822" y="4574822"/>
+                    <a:pt x="1250245" y="2291645"/>
+                    <a:pt x="1253067" y="0"/>
+                  </a:cubicBezTo>
+                  <a:lnTo>
+                    <a:pt x="0" y="0"/>
+                  </a:lnTo>
+                  <a:close/>
+                </a:path>
+              </a:pathLst>
+            </a:custGeom>
+            <a:solidFill>
+              <a:schemeClr val="accent2">
+                <a:lumMod val="75000"/>
+                <a:alpha val="82000"/>
+              </a:schemeClr>
+            </a:solidFill>
+            <a:ln>
+              <a:noFill/>
+            </a:ln>
+            <a:effectLst/>
+          </p:spPr>
+          <p:style>
+            <a:lnRef idx="1">
+              <a:schemeClr val="accent1"/>
+            </a:lnRef>
+            <a:fillRef idx="3">
+              <a:schemeClr val="accent1"/>
+            </a:fillRef>
+            <a:effectRef idx="2">
+              <a:schemeClr val="accent1"/>
+            </a:effectRef>
+            <a:fontRef idx="minor">
+              <a:schemeClr val="lt1"/>
+            </a:fontRef>
+          </p:style>
+        </p:sp>
+        <p:sp>
+          <p:nvSpPr>
+            <p:cNvPr id="36" name="Freeform 35"/>
+            <p:cNvSpPr/>
+            <p:nvPr/>
+          </p:nvSpPr>
+          <p:spPr>
+            <a:xfrm>
+              <a:off x="8068764" y="4893733"/>
+              <a:ext cx="1094086" cy="1964267"/>
+            </a:xfrm>
+            <a:custGeom>
+              <a:avLst/>
+              <a:gdLst/>
+              <a:ahLst/>
+              <a:cxnLst/>
+              <a:rect l="l" t="t" r="r" b="b"/>
+              <a:pathLst>
+                <a:path w="1820333" h="3268133">
+                  <a:moveTo>
+                    <a:pt x="0" y="3268133"/>
+                  </a:moveTo>
+                  <a:lnTo>
+                    <a:pt x="1811866" y="0"/>
+                  </a:lnTo>
+                  <a:cubicBezTo>
+                    <a:pt x="1814688" y="1086555"/>
+                    <a:pt x="1817511" y="2173111"/>
+                    <a:pt x="1820333" y="3259666"/>
+                  </a:cubicBezTo>
+                  <a:lnTo>
+                    <a:pt x="0" y="3268133"/>
+                  </a:lnTo>
+                  <a:close/>
+                </a:path>
+              </a:pathLst>
+            </a:custGeom>
+            <a:solidFill>
+              <a:schemeClr val="accent1">
+                <a:lumMod val="75000"/>
+                <a:alpha val="66000"/>
+              </a:schemeClr>
+            </a:solidFill>
+            <a:ln>
+              <a:noFill/>
+            </a:ln>
+            <a:effectLst/>
+          </p:spPr>
+          <p:style>
+            <a:lnRef idx="1">
+              <a:schemeClr val="accent1"/>
+            </a:lnRef>
+            <a:fillRef idx="3">
+              <a:schemeClr val="accent1"/>
+            </a:fillRef>
+            <a:effectRef idx="2">
+              <a:schemeClr val="accent1"/>
+            </a:effectRef>
+            <a:fontRef idx="minor">
+              <a:schemeClr val="lt1"/>
+            </a:fontRef>
+          </p:style>
+        </p:sp>
+        <p:sp>
+          <p:nvSpPr>
+            <p:cNvPr id="18" name="Freeform 17"/>
+            <p:cNvSpPr/>
+            <p:nvPr/>
+          </p:nvSpPr>
+          <p:spPr>
+            <a:xfrm>
+              <a:off x="-8466" y="-8468"/>
+              <a:ext cx="863600" cy="5698067"/>
+            </a:xfrm>
+            <a:custGeom>
+              <a:avLst/>
+              <a:gdLst/>
+              <a:ahLst/>
+              <a:cxnLst/>
+              <a:rect l="l" t="t" r="r" b="b"/>
+              <a:pathLst>
+                <a:path w="863600" h="5698067">
+                  <a:moveTo>
+                    <a:pt x="0" y="8467"/>
+                  </a:moveTo>
+                  <a:lnTo>
+                    <a:pt x="863600" y="0"/>
+                  </a:lnTo>
+                  <a:lnTo>
+                    <a:pt x="863600" y="16934"/>
+                  </a:lnTo>
+                  <a:lnTo>
+                    <a:pt x="0" y="5698067"/>
+                  </a:lnTo>
+                  <a:lnTo>
+                    <a:pt x="0" y="8467"/>
+                  </a:lnTo>
+                  <a:close/>
+                </a:path>
+              </a:pathLst>
+            </a:custGeom>
+            <a:solidFill>
+              <a:schemeClr val="accent1">
+                <a:alpha val="85000"/>
+              </a:schemeClr>
+            </a:solidFill>
+            <a:ln>
+              <a:noFill/>
+            </a:ln>
+            <a:effectLst/>
+          </p:spPr>
+          <p:style>
+            <a:lnRef idx="1">
+              <a:schemeClr val="accent1"/>
+            </a:lnRef>
+            <a:fillRef idx="3">
+              <a:schemeClr val="accent1"/>
+            </a:fillRef>
+            <a:effectRef idx="2">
+              <a:schemeClr val="accent1"/>
+            </a:effectRef>
+            <a:fontRef idx="minor">
+              <a:schemeClr val="lt1"/>
+            </a:fontRef>
+          </p:style>
+        </p:sp>
+      </p:grpSp>
       <p:sp>
         <p:nvSpPr>
           <p:cNvPr id="2" name="Title 1"/>
@@ -136,15 +744,21 @@
         </p:nvSpPr>
         <p:spPr>
           <a:xfrm>
-            <a:off x="1603772" y="2474395"/>
-            <a:ext cx="18176081" cy="5263774"/>
+            <a:off x="2643945" y="5301107"/>
+            <a:ext cx="13626025" cy="3629486"/>
           </a:xfrm>
         </p:spPr>
         <p:txBody>
-          <a:bodyPr anchor="b"/>
+          <a:bodyPr anchor="b">
+            <a:noAutofit/>
+          </a:bodyPr>
           <a:lstStyle>
-            <a:lvl1pPr algn="ctr">
-              <a:defRPr sz="13228"/>
+            <a:lvl1pPr algn="r">
+              <a:defRPr sz="11905">
+                <a:solidFill>
+                  <a:schemeClr val="accent1"/>
+                </a:solidFill>
+              </a:defRPr>
             </a:lvl1pPr>
           </a:lstStyle>
           <a:p>
@@ -168,48 +782,103 @@
         </p:nvSpPr>
         <p:spPr>
           <a:xfrm>
-            <a:off x="2672953" y="7941160"/>
-            <a:ext cx="16037719" cy="3650342"/>
+            <a:off x="2643945" y="8930590"/>
+            <a:ext cx="13626025" cy="2418256"/>
           </a:xfrm>
         </p:spPr>
         <p:txBody>
-          <a:bodyPr/>
+          <a:bodyPr anchor="t"/>
           <a:lstStyle>
-            <a:lvl1pPr marL="0" indent="0" algn="ctr">
-              <a:buNone/>
-              <a:defRPr sz="5291"/>
+            <a:lvl1pPr marL="0" indent="0" algn="r">
+              <a:buNone/>
+              <a:defRPr>
+                <a:solidFill>
+                  <a:schemeClr val="tx1">
+                    <a:lumMod val="50000"/>
+                    <a:lumOff val="50000"/>
+                  </a:schemeClr>
+                </a:solidFill>
+              </a:defRPr>
             </a:lvl1pPr>
             <a:lvl2pPr marL="1007943" indent="0" algn="ctr">
               <a:buNone/>
-              <a:defRPr sz="4409"/>
+              <a:defRPr>
+                <a:solidFill>
+                  <a:schemeClr val="tx1">
+                    <a:tint val="75000"/>
+                  </a:schemeClr>
+                </a:solidFill>
+              </a:defRPr>
             </a:lvl2pPr>
             <a:lvl3pPr marL="2015886" indent="0" algn="ctr">
               <a:buNone/>
-              <a:defRPr sz="3968"/>
+              <a:defRPr>
+                <a:solidFill>
+                  <a:schemeClr val="tx1">
+                    <a:tint val="75000"/>
+                  </a:schemeClr>
+                </a:solidFill>
+              </a:defRPr>
             </a:lvl3pPr>
             <a:lvl4pPr marL="3023829" indent="0" algn="ctr">
               <a:buNone/>
-              <a:defRPr sz="3527"/>
+              <a:defRPr>
+                <a:solidFill>
+                  <a:schemeClr val="tx1">
+                    <a:tint val="75000"/>
+                  </a:schemeClr>
+                </a:solidFill>
+              </a:defRPr>
             </a:lvl4pPr>
             <a:lvl5pPr marL="4031772" indent="0" algn="ctr">
               <a:buNone/>
-              <a:defRPr sz="3527"/>
+              <a:defRPr>
+                <a:solidFill>
+                  <a:schemeClr val="tx1">
+                    <a:tint val="75000"/>
+                  </a:schemeClr>
+                </a:solidFill>
+              </a:defRPr>
             </a:lvl5pPr>
             <a:lvl6pPr marL="5039716" indent="0" algn="ctr">
               <a:buNone/>
-              <a:defRPr sz="3527"/>
+              <a:defRPr>
+                <a:solidFill>
+                  <a:schemeClr val="tx1">
+                    <a:tint val="75000"/>
+                  </a:schemeClr>
+                </a:solidFill>
+              </a:defRPr>
             </a:lvl6pPr>
             <a:lvl7pPr marL="6047659" indent="0" algn="ctr">
               <a:buNone/>
-              <a:defRPr sz="3527"/>
+              <a:defRPr>
+                <a:solidFill>
+                  <a:schemeClr val="tx1">
+                    <a:tint val="75000"/>
+                  </a:schemeClr>
+                </a:solidFill>
+              </a:defRPr>
             </a:lvl7pPr>
             <a:lvl8pPr marL="7055602" indent="0" algn="ctr">
               <a:buNone/>
-              <a:defRPr sz="3527"/>
+              <a:defRPr>
+                <a:solidFill>
+                  <a:schemeClr val="tx1">
+                    <a:tint val="75000"/>
+                  </a:schemeClr>
+                </a:solidFill>
+              </a:defRPr>
             </a:lvl8pPr>
             <a:lvl9pPr marL="8063545" indent="0" algn="ctr">
               <a:buNone/>
-              <a:defRPr sz="3527"/>
+              <a:defRPr>
+                <a:solidFill>
+                  <a:schemeClr val="tx1">
+                    <a:tint val="75000"/>
+                  </a:schemeClr>
+                </a:solidFill>
+              </a:defRPr>
             </a:lvl9pPr>
           </a:lstStyle>
           <a:p>
@@ -238,7 +907,7 @@
           <a:p>
             <a:fld id="{4DD0A917-C272-441A-92EE-F01DF0D33BF7}" type="datetimeFigureOut">
               <a:rPr lang="fr-FR" smtClean="0"/>
-              <a:t>19/05/2019</a:t>
+              <a:t>23/05/2019</a:t>
             </a:fld>
             <a:endParaRPr lang="fr-FR"/>
           </a:p>
@@ -289,7 +958,7 @@
     </p:spTree>
     <p:extLst>
       <p:ext uri="{BB962C8B-B14F-4D97-AF65-F5344CB8AC3E}">
-        <p14:creationId xmlns:p14="http://schemas.microsoft.com/office/powerpoint/2010/main" val="903697781"/>
+        <p14:creationId xmlns:p14="http://schemas.microsoft.com/office/powerpoint/2010/main" val="1721123208"/>
       </p:ext>
     </p:extLst>
   </p:cSld>
@@ -300,6 +969,1611 @@
 </file>
 
 <file path=ppt/slideLayouts/slideLayout10.xml><?xml version="1.0" encoding="utf-8"?>
+<p:sldLayout xmlns:a="http://schemas.openxmlformats.org/drawingml/2006/main" xmlns:r="http://schemas.openxmlformats.org/officeDocument/2006/relationships" xmlns:p="http://schemas.openxmlformats.org/presentationml/2006/main" preserve="1">
+  <p:cSld name="Titre et légende">
+    <p:spTree>
+      <p:nvGrpSpPr>
+        <p:cNvPr id="1" name=""/>
+        <p:cNvGrpSpPr/>
+        <p:nvPr/>
+      </p:nvGrpSpPr>
+      <p:grpSpPr>
+        <a:xfrm>
+          <a:off x="0" y="0"/>
+          <a:ext cx="0" cy="0"/>
+          <a:chOff x="0" y="0"/>
+          <a:chExt cx="0" cy="0"/>
+        </a:xfrm>
+      </p:grpSpPr>
+      <p:sp>
+        <p:nvSpPr>
+          <p:cNvPr id="2" name="Title 1"/>
+          <p:cNvSpPr>
+            <a:spLocks noGrp="1"/>
+          </p:cNvSpPr>
+          <p:nvPr>
+            <p:ph type="title"/>
+          </p:nvPr>
+        </p:nvSpPr>
+        <p:spPr>
+          <a:xfrm>
+            <a:off x="1425575" y="1343942"/>
+            <a:ext cx="14844394" cy="7503677"/>
+          </a:xfrm>
+        </p:spPr>
+        <p:txBody>
+          <a:bodyPr anchor="ctr">
+            <a:normAutofit/>
+          </a:bodyPr>
+          <a:lstStyle>
+            <a:lvl1pPr algn="l">
+              <a:defRPr sz="9700" b="0" cap="none"/>
+            </a:lvl1pPr>
+          </a:lstStyle>
+          <a:p>
+            <a:r>
+              <a:rPr lang="fr-FR"/>
+              <a:t>Modifiez le style du titre</a:t>
+            </a:r>
+            <a:endParaRPr lang="en-US" dirty="0"/>
+          </a:p>
+        </p:txBody>
+      </p:sp>
+      <p:sp>
+        <p:nvSpPr>
+          <p:cNvPr id="3" name="Text Placeholder 2"/>
+          <p:cNvSpPr>
+            <a:spLocks noGrp="1"/>
+          </p:cNvSpPr>
+          <p:nvPr>
+            <p:ph type="body" idx="1"/>
+          </p:nvPr>
+        </p:nvSpPr>
+        <p:spPr>
+          <a:xfrm>
+            <a:off x="1425575" y="9855576"/>
+            <a:ext cx="14844394" cy="3463389"/>
+          </a:xfrm>
+        </p:spPr>
+        <p:txBody>
+          <a:bodyPr anchor="ctr">
+            <a:normAutofit/>
+          </a:bodyPr>
+          <a:lstStyle>
+            <a:lvl1pPr marL="0" indent="0" algn="l">
+              <a:buNone/>
+              <a:defRPr sz="3968">
+                <a:solidFill>
+                  <a:schemeClr val="tx1">
+                    <a:lumMod val="75000"/>
+                    <a:lumOff val="25000"/>
+                  </a:schemeClr>
+                </a:solidFill>
+              </a:defRPr>
+            </a:lvl1pPr>
+            <a:lvl2pPr marL="1007943" indent="0">
+              <a:buNone/>
+              <a:defRPr sz="3968">
+                <a:solidFill>
+                  <a:schemeClr val="tx1">
+                    <a:tint val="75000"/>
+                  </a:schemeClr>
+                </a:solidFill>
+              </a:defRPr>
+            </a:lvl2pPr>
+            <a:lvl3pPr marL="2015886" indent="0">
+              <a:buNone/>
+              <a:defRPr sz="3527">
+                <a:solidFill>
+                  <a:schemeClr val="tx1">
+                    <a:tint val="75000"/>
+                  </a:schemeClr>
+                </a:solidFill>
+              </a:defRPr>
+            </a:lvl3pPr>
+            <a:lvl4pPr marL="3023829" indent="0">
+              <a:buNone/>
+              <a:defRPr sz="3086">
+                <a:solidFill>
+                  <a:schemeClr val="tx1">
+                    <a:tint val="75000"/>
+                  </a:schemeClr>
+                </a:solidFill>
+              </a:defRPr>
+            </a:lvl4pPr>
+            <a:lvl5pPr marL="4031772" indent="0">
+              <a:buNone/>
+              <a:defRPr sz="3086">
+                <a:solidFill>
+                  <a:schemeClr val="tx1">
+                    <a:tint val="75000"/>
+                  </a:schemeClr>
+                </a:solidFill>
+              </a:defRPr>
+            </a:lvl5pPr>
+            <a:lvl6pPr marL="5039716" indent="0">
+              <a:buNone/>
+              <a:defRPr sz="3086">
+                <a:solidFill>
+                  <a:schemeClr val="tx1">
+                    <a:tint val="75000"/>
+                  </a:schemeClr>
+                </a:solidFill>
+              </a:defRPr>
+            </a:lvl6pPr>
+            <a:lvl7pPr marL="6047659" indent="0">
+              <a:buNone/>
+              <a:defRPr sz="3086">
+                <a:solidFill>
+                  <a:schemeClr val="tx1">
+                    <a:tint val="75000"/>
+                  </a:schemeClr>
+                </a:solidFill>
+              </a:defRPr>
+            </a:lvl7pPr>
+            <a:lvl8pPr marL="7055602" indent="0">
+              <a:buNone/>
+              <a:defRPr sz="3086">
+                <a:solidFill>
+                  <a:schemeClr val="tx1">
+                    <a:tint val="75000"/>
+                  </a:schemeClr>
+                </a:solidFill>
+              </a:defRPr>
+            </a:lvl8pPr>
+            <a:lvl9pPr marL="8063545" indent="0">
+              <a:buNone/>
+              <a:defRPr sz="3086">
+                <a:solidFill>
+                  <a:schemeClr val="tx1">
+                    <a:tint val="75000"/>
+                  </a:schemeClr>
+                </a:solidFill>
+              </a:defRPr>
+            </a:lvl9pPr>
+          </a:lstStyle>
+          <a:p>
+            <a:pPr lvl="0"/>
+            <a:r>
+              <a:rPr lang="fr-FR"/>
+              <a:t>Modifier les styles du texte du masque</a:t>
+            </a:r>
+          </a:p>
+        </p:txBody>
+      </p:sp>
+      <p:sp>
+        <p:nvSpPr>
+          <p:cNvPr id="4" name="Date Placeholder 3"/>
+          <p:cNvSpPr>
+            <a:spLocks noGrp="1"/>
+          </p:cNvSpPr>
+          <p:nvPr>
+            <p:ph type="dt" sz="half" idx="10"/>
+          </p:nvPr>
+        </p:nvSpPr>
+        <p:spPr/>
+        <p:txBody>
+          <a:bodyPr/>
+          <a:lstStyle/>
+          <a:p>
+            <a:fld id="{4DD0A917-C272-441A-92EE-F01DF0D33BF7}" type="datetimeFigureOut">
+              <a:rPr lang="fr-FR" smtClean="0"/>
+              <a:t>23/05/2019</a:t>
+            </a:fld>
+            <a:endParaRPr lang="fr-FR"/>
+          </a:p>
+        </p:txBody>
+      </p:sp>
+      <p:sp>
+        <p:nvSpPr>
+          <p:cNvPr id="5" name="Footer Placeholder 4"/>
+          <p:cNvSpPr>
+            <a:spLocks noGrp="1"/>
+          </p:cNvSpPr>
+          <p:nvPr>
+            <p:ph type="ftr" sz="quarter" idx="11"/>
+          </p:nvPr>
+        </p:nvSpPr>
+        <p:spPr/>
+        <p:txBody>
+          <a:bodyPr/>
+          <a:lstStyle/>
+          <a:p>
+            <a:endParaRPr lang="fr-FR"/>
+          </a:p>
+        </p:txBody>
+      </p:sp>
+      <p:sp>
+        <p:nvSpPr>
+          <p:cNvPr id="6" name="Slide Number Placeholder 5"/>
+          <p:cNvSpPr>
+            <a:spLocks noGrp="1"/>
+          </p:cNvSpPr>
+          <p:nvPr>
+            <p:ph type="sldNum" sz="quarter" idx="12"/>
+          </p:nvPr>
+        </p:nvSpPr>
+        <p:spPr/>
+        <p:txBody>
+          <a:bodyPr/>
+          <a:lstStyle/>
+          <a:p>
+            <a:fld id="{F7F739CE-E564-4E5F-BE64-B4D1B45336CF}" type="slidenum">
+              <a:rPr lang="fr-FR" smtClean="0"/>
+              <a:t>‹N°›</a:t>
+            </a:fld>
+            <a:endParaRPr lang="fr-FR"/>
+          </a:p>
+        </p:txBody>
+      </p:sp>
+    </p:spTree>
+    <p:extLst>
+      <p:ext uri="{BB962C8B-B14F-4D97-AF65-F5344CB8AC3E}">
+        <p14:creationId xmlns:p14="http://schemas.microsoft.com/office/powerpoint/2010/main" val="1984188125"/>
+      </p:ext>
+    </p:extLst>
+  </p:cSld>
+  <p:clrMapOvr>
+    <a:masterClrMapping/>
+  </p:clrMapOvr>
+</p:sldLayout>
+</file>
+
+<file path=ppt/slideLayouts/slideLayout11.xml><?xml version="1.0" encoding="utf-8"?>
+<p:sldLayout xmlns:a="http://schemas.openxmlformats.org/drawingml/2006/main" xmlns:r="http://schemas.openxmlformats.org/officeDocument/2006/relationships" xmlns:p="http://schemas.openxmlformats.org/presentationml/2006/main" preserve="1">
+  <p:cSld name="Citation avec légende">
+    <p:spTree>
+      <p:nvGrpSpPr>
+        <p:cNvPr id="1" name=""/>
+        <p:cNvGrpSpPr/>
+        <p:nvPr/>
+      </p:nvGrpSpPr>
+      <p:grpSpPr>
+        <a:xfrm>
+          <a:off x="0" y="0"/>
+          <a:ext cx="0" cy="0"/>
+          <a:chOff x="0" y="0"/>
+          <a:chExt cx="0" cy="0"/>
+        </a:xfrm>
+      </p:grpSpPr>
+      <p:sp>
+        <p:nvSpPr>
+          <p:cNvPr id="2" name="Title 1"/>
+          <p:cNvSpPr>
+            <a:spLocks noGrp="1"/>
+          </p:cNvSpPr>
+          <p:nvPr>
+            <p:ph type="title"/>
+          </p:nvPr>
+        </p:nvSpPr>
+        <p:spPr>
+          <a:xfrm>
+            <a:off x="1812101" y="1343942"/>
+            <a:ext cx="14200051" cy="6663714"/>
+          </a:xfrm>
+        </p:spPr>
+        <p:txBody>
+          <a:bodyPr anchor="ctr">
+            <a:normAutofit/>
+          </a:bodyPr>
+          <a:lstStyle>
+            <a:lvl1pPr algn="l">
+              <a:defRPr sz="9700" b="0" cap="none"/>
+            </a:lvl1pPr>
+          </a:lstStyle>
+          <a:p>
+            <a:r>
+              <a:rPr lang="fr-FR"/>
+              <a:t>Modifiez le style du titre</a:t>
+            </a:r>
+            <a:endParaRPr lang="en-US" dirty="0"/>
+          </a:p>
+        </p:txBody>
+      </p:sp>
+      <p:sp>
+        <p:nvSpPr>
+          <p:cNvPr id="23" name="Text Placeholder 9"/>
+          <p:cNvSpPr>
+            <a:spLocks noGrp="1"/>
+          </p:cNvSpPr>
+          <p:nvPr>
+            <p:ph type="body" sz="quarter" idx="13"/>
+          </p:nvPr>
+        </p:nvSpPr>
+        <p:spPr>
+          <a:xfrm>
+            <a:off x="2574908" y="8007656"/>
+            <a:ext cx="12674437" cy="839964"/>
+          </a:xfrm>
+        </p:spPr>
+        <p:txBody>
+          <a:bodyPr anchor="ctr">
+            <a:noAutofit/>
+          </a:bodyPr>
+          <a:lstStyle>
+            <a:lvl1pPr marL="0" indent="0">
+              <a:buFontTx/>
+              <a:buNone/>
+              <a:defRPr sz="3527">
+                <a:solidFill>
+                  <a:schemeClr val="tx1">
+                    <a:lumMod val="50000"/>
+                    <a:lumOff val="50000"/>
+                  </a:schemeClr>
+                </a:solidFill>
+              </a:defRPr>
+            </a:lvl1pPr>
+            <a:lvl2pPr marL="1007943" indent="0">
+              <a:buFontTx/>
+              <a:buNone/>
+              <a:defRPr/>
+            </a:lvl2pPr>
+            <a:lvl3pPr marL="2015886" indent="0">
+              <a:buFontTx/>
+              <a:buNone/>
+              <a:defRPr/>
+            </a:lvl3pPr>
+            <a:lvl4pPr marL="3023829" indent="0">
+              <a:buFontTx/>
+              <a:buNone/>
+              <a:defRPr/>
+            </a:lvl4pPr>
+            <a:lvl5pPr marL="4031772" indent="0">
+              <a:buFontTx/>
+              <a:buNone/>
+              <a:defRPr/>
+            </a:lvl5pPr>
+          </a:lstStyle>
+          <a:p>
+            <a:pPr lvl="0"/>
+            <a:r>
+              <a:rPr lang="fr-FR"/>
+              <a:t>Modifier les styles du texte du masque</a:t>
+            </a:r>
+          </a:p>
+        </p:txBody>
+      </p:sp>
+      <p:sp>
+        <p:nvSpPr>
+          <p:cNvPr id="3" name="Text Placeholder 2"/>
+          <p:cNvSpPr>
+            <a:spLocks noGrp="1"/>
+          </p:cNvSpPr>
+          <p:nvPr>
+            <p:ph type="body" idx="1"/>
+          </p:nvPr>
+        </p:nvSpPr>
+        <p:spPr>
+          <a:xfrm>
+            <a:off x="1425572" y="9855576"/>
+            <a:ext cx="14844396" cy="3463389"/>
+          </a:xfrm>
+        </p:spPr>
+        <p:txBody>
+          <a:bodyPr anchor="ctr">
+            <a:normAutofit/>
+          </a:bodyPr>
+          <a:lstStyle>
+            <a:lvl1pPr marL="0" indent="0" algn="l">
+              <a:buNone/>
+              <a:defRPr sz="3968">
+                <a:solidFill>
+                  <a:schemeClr val="tx1">
+                    <a:lumMod val="75000"/>
+                    <a:lumOff val="25000"/>
+                  </a:schemeClr>
+                </a:solidFill>
+              </a:defRPr>
+            </a:lvl1pPr>
+            <a:lvl2pPr marL="1007943" indent="0">
+              <a:buNone/>
+              <a:defRPr sz="3968">
+                <a:solidFill>
+                  <a:schemeClr val="tx1">
+                    <a:tint val="75000"/>
+                  </a:schemeClr>
+                </a:solidFill>
+              </a:defRPr>
+            </a:lvl2pPr>
+            <a:lvl3pPr marL="2015886" indent="0">
+              <a:buNone/>
+              <a:defRPr sz="3527">
+                <a:solidFill>
+                  <a:schemeClr val="tx1">
+                    <a:tint val="75000"/>
+                  </a:schemeClr>
+                </a:solidFill>
+              </a:defRPr>
+            </a:lvl3pPr>
+            <a:lvl4pPr marL="3023829" indent="0">
+              <a:buNone/>
+              <a:defRPr sz="3086">
+                <a:solidFill>
+                  <a:schemeClr val="tx1">
+                    <a:tint val="75000"/>
+                  </a:schemeClr>
+                </a:solidFill>
+              </a:defRPr>
+            </a:lvl4pPr>
+            <a:lvl5pPr marL="4031772" indent="0">
+              <a:buNone/>
+              <a:defRPr sz="3086">
+                <a:solidFill>
+                  <a:schemeClr val="tx1">
+                    <a:tint val="75000"/>
+                  </a:schemeClr>
+                </a:solidFill>
+              </a:defRPr>
+            </a:lvl5pPr>
+            <a:lvl6pPr marL="5039716" indent="0">
+              <a:buNone/>
+              <a:defRPr sz="3086">
+                <a:solidFill>
+                  <a:schemeClr val="tx1">
+                    <a:tint val="75000"/>
+                  </a:schemeClr>
+                </a:solidFill>
+              </a:defRPr>
+            </a:lvl6pPr>
+            <a:lvl7pPr marL="6047659" indent="0">
+              <a:buNone/>
+              <a:defRPr sz="3086">
+                <a:solidFill>
+                  <a:schemeClr val="tx1">
+                    <a:tint val="75000"/>
+                  </a:schemeClr>
+                </a:solidFill>
+              </a:defRPr>
+            </a:lvl7pPr>
+            <a:lvl8pPr marL="7055602" indent="0">
+              <a:buNone/>
+              <a:defRPr sz="3086">
+                <a:solidFill>
+                  <a:schemeClr val="tx1">
+                    <a:tint val="75000"/>
+                  </a:schemeClr>
+                </a:solidFill>
+              </a:defRPr>
+            </a:lvl8pPr>
+            <a:lvl9pPr marL="8063545" indent="0">
+              <a:buNone/>
+              <a:defRPr sz="3086">
+                <a:solidFill>
+                  <a:schemeClr val="tx1">
+                    <a:tint val="75000"/>
+                  </a:schemeClr>
+                </a:solidFill>
+              </a:defRPr>
+            </a:lvl9pPr>
+          </a:lstStyle>
+          <a:p>
+            <a:pPr lvl="0"/>
+            <a:r>
+              <a:rPr lang="fr-FR"/>
+              <a:t>Modifier les styles du texte du masque</a:t>
+            </a:r>
+          </a:p>
+        </p:txBody>
+      </p:sp>
+      <p:sp>
+        <p:nvSpPr>
+          <p:cNvPr id="4" name="Date Placeholder 3"/>
+          <p:cNvSpPr>
+            <a:spLocks noGrp="1"/>
+          </p:cNvSpPr>
+          <p:nvPr>
+            <p:ph type="dt" sz="half" idx="10"/>
+          </p:nvPr>
+        </p:nvSpPr>
+        <p:spPr/>
+        <p:txBody>
+          <a:bodyPr/>
+          <a:lstStyle/>
+          <a:p>
+            <a:fld id="{4DD0A917-C272-441A-92EE-F01DF0D33BF7}" type="datetimeFigureOut">
+              <a:rPr lang="fr-FR" smtClean="0"/>
+              <a:t>23/05/2019</a:t>
+            </a:fld>
+            <a:endParaRPr lang="fr-FR"/>
+          </a:p>
+        </p:txBody>
+      </p:sp>
+      <p:sp>
+        <p:nvSpPr>
+          <p:cNvPr id="5" name="Footer Placeholder 4"/>
+          <p:cNvSpPr>
+            <a:spLocks noGrp="1"/>
+          </p:cNvSpPr>
+          <p:nvPr>
+            <p:ph type="ftr" sz="quarter" idx="11"/>
+          </p:nvPr>
+        </p:nvSpPr>
+        <p:spPr/>
+        <p:txBody>
+          <a:bodyPr/>
+          <a:lstStyle/>
+          <a:p>
+            <a:endParaRPr lang="fr-FR"/>
+          </a:p>
+        </p:txBody>
+      </p:sp>
+      <p:sp>
+        <p:nvSpPr>
+          <p:cNvPr id="6" name="Slide Number Placeholder 5"/>
+          <p:cNvSpPr>
+            <a:spLocks noGrp="1"/>
+          </p:cNvSpPr>
+          <p:nvPr>
+            <p:ph type="sldNum" sz="quarter" idx="12"/>
+          </p:nvPr>
+        </p:nvSpPr>
+        <p:spPr/>
+        <p:txBody>
+          <a:bodyPr/>
+          <a:lstStyle/>
+          <a:p>
+            <a:fld id="{F7F739CE-E564-4E5F-BE64-B4D1B45336CF}" type="slidenum">
+              <a:rPr lang="fr-FR" smtClean="0"/>
+              <a:t>‹N°›</a:t>
+            </a:fld>
+            <a:endParaRPr lang="fr-FR"/>
+          </a:p>
+        </p:txBody>
+      </p:sp>
+      <p:sp>
+        <p:nvSpPr>
+          <p:cNvPr id="24" name="TextBox 23"/>
+          <p:cNvSpPr txBox="1"/>
+          <p:nvPr/>
+        </p:nvSpPr>
+        <p:spPr>
+          <a:xfrm>
+            <a:off x="1128841" y="1742491"/>
+            <a:ext cx="1069460" cy="1289214"/>
+          </a:xfrm>
+          <a:prstGeom prst="rect">
+            <a:avLst/>
+          </a:prstGeom>
+        </p:spPr>
+        <p:txBody>
+          <a:bodyPr vert="horz" lIns="201591" tIns="100796" rIns="201591" bIns="100796" rtlCol="0" anchor="ctr">
+            <a:noAutofit/>
+          </a:bodyPr>
+          <a:lstStyle/>
+          <a:p>
+            <a:pPr lvl="0"/>
+            <a:r>
+              <a:rPr lang="en-US" sz="17637" baseline="0" dirty="0">
+                <a:ln w="3175" cmpd="sng">
+                  <a:noFill/>
+                </a:ln>
+                <a:solidFill>
+                  <a:schemeClr val="accent1">
+                    <a:lumMod val="60000"/>
+                    <a:lumOff val="40000"/>
+                  </a:schemeClr>
+                </a:solidFill>
+                <a:effectLst/>
+                <a:latin typeface="Arial"/>
+              </a:rPr>
+              <a:t>“</a:t>
+            </a:r>
+          </a:p>
+        </p:txBody>
+      </p:sp>
+      <p:sp>
+        <p:nvSpPr>
+          <p:cNvPr id="25" name="TextBox 24"/>
+          <p:cNvSpPr txBox="1"/>
+          <p:nvPr/>
+        </p:nvSpPr>
+        <p:spPr>
+          <a:xfrm>
+            <a:off x="15779776" y="6363787"/>
+            <a:ext cx="1069460" cy="1289214"/>
+          </a:xfrm>
+          <a:prstGeom prst="rect">
+            <a:avLst/>
+          </a:prstGeom>
+        </p:spPr>
+        <p:txBody>
+          <a:bodyPr vert="horz" lIns="201591" tIns="100796" rIns="201591" bIns="100796" rtlCol="0" anchor="ctr">
+            <a:noAutofit/>
+          </a:bodyPr>
+          <a:lstStyle/>
+          <a:p>
+            <a:pPr lvl="0"/>
+            <a:r>
+              <a:rPr lang="en-US" sz="17637" baseline="0" dirty="0">
+                <a:ln w="3175" cmpd="sng">
+                  <a:noFill/>
+                </a:ln>
+                <a:solidFill>
+                  <a:schemeClr val="accent1">
+                    <a:lumMod val="60000"/>
+                    <a:lumOff val="40000"/>
+                  </a:schemeClr>
+                </a:solidFill>
+                <a:effectLst/>
+                <a:latin typeface="Arial"/>
+              </a:rPr>
+              <a:t>”</a:t>
+            </a:r>
+          </a:p>
+        </p:txBody>
+      </p:sp>
+    </p:spTree>
+    <p:extLst>
+      <p:ext uri="{BB962C8B-B14F-4D97-AF65-F5344CB8AC3E}">
+        <p14:creationId xmlns:p14="http://schemas.microsoft.com/office/powerpoint/2010/main" val="3000227162"/>
+      </p:ext>
+    </p:extLst>
+  </p:cSld>
+  <p:clrMapOvr>
+    <a:masterClrMapping/>
+  </p:clrMapOvr>
+</p:sldLayout>
+</file>
+
+<file path=ppt/slideLayouts/slideLayout12.xml><?xml version="1.0" encoding="utf-8"?>
+<p:sldLayout xmlns:a="http://schemas.openxmlformats.org/drawingml/2006/main" xmlns:r="http://schemas.openxmlformats.org/officeDocument/2006/relationships" xmlns:p="http://schemas.openxmlformats.org/presentationml/2006/main" preserve="1">
+  <p:cSld name="Carte nom">
+    <p:spTree>
+      <p:nvGrpSpPr>
+        <p:cNvPr id="1" name=""/>
+        <p:cNvGrpSpPr/>
+        <p:nvPr/>
+      </p:nvGrpSpPr>
+      <p:grpSpPr>
+        <a:xfrm>
+          <a:off x="0" y="0"/>
+          <a:ext cx="0" cy="0"/>
+          <a:chOff x="0" y="0"/>
+          <a:chExt cx="0" cy="0"/>
+        </a:xfrm>
+      </p:grpSpPr>
+      <p:sp>
+        <p:nvSpPr>
+          <p:cNvPr id="2" name="Title 1"/>
+          <p:cNvSpPr>
+            <a:spLocks noGrp="1"/>
+          </p:cNvSpPr>
+          <p:nvPr>
+            <p:ph type="title"/>
+          </p:nvPr>
+        </p:nvSpPr>
+        <p:spPr>
+          <a:xfrm>
+            <a:off x="1425572" y="4259318"/>
+            <a:ext cx="14844396" cy="5722028"/>
+          </a:xfrm>
+        </p:spPr>
+        <p:txBody>
+          <a:bodyPr anchor="b">
+            <a:normAutofit/>
+          </a:bodyPr>
+          <a:lstStyle>
+            <a:lvl1pPr algn="l">
+              <a:defRPr sz="9700" b="0" cap="none"/>
+            </a:lvl1pPr>
+          </a:lstStyle>
+          <a:p>
+            <a:r>
+              <a:rPr lang="fr-FR"/>
+              <a:t>Modifiez le style du titre</a:t>
+            </a:r>
+            <a:endParaRPr lang="en-US" dirty="0"/>
+          </a:p>
+        </p:txBody>
+      </p:sp>
+      <p:sp>
+        <p:nvSpPr>
+          <p:cNvPr id="3" name="Text Placeholder 2"/>
+          <p:cNvSpPr>
+            <a:spLocks noGrp="1"/>
+          </p:cNvSpPr>
+          <p:nvPr>
+            <p:ph type="body" idx="1"/>
+          </p:nvPr>
+        </p:nvSpPr>
+        <p:spPr>
+          <a:xfrm>
+            <a:off x="1425572" y="9981346"/>
+            <a:ext cx="14844396" cy="3337620"/>
+          </a:xfrm>
+        </p:spPr>
+        <p:txBody>
+          <a:bodyPr anchor="t">
+            <a:normAutofit/>
+          </a:bodyPr>
+          <a:lstStyle>
+            <a:lvl1pPr marL="0" indent="0" algn="l">
+              <a:buNone/>
+              <a:defRPr sz="3968">
+                <a:solidFill>
+                  <a:schemeClr val="tx1">
+                    <a:lumMod val="75000"/>
+                    <a:lumOff val="25000"/>
+                  </a:schemeClr>
+                </a:solidFill>
+              </a:defRPr>
+            </a:lvl1pPr>
+            <a:lvl2pPr marL="1007943" indent="0">
+              <a:buNone/>
+              <a:defRPr sz="3968">
+                <a:solidFill>
+                  <a:schemeClr val="tx1">
+                    <a:tint val="75000"/>
+                  </a:schemeClr>
+                </a:solidFill>
+              </a:defRPr>
+            </a:lvl2pPr>
+            <a:lvl3pPr marL="2015886" indent="0">
+              <a:buNone/>
+              <a:defRPr sz="3527">
+                <a:solidFill>
+                  <a:schemeClr val="tx1">
+                    <a:tint val="75000"/>
+                  </a:schemeClr>
+                </a:solidFill>
+              </a:defRPr>
+            </a:lvl3pPr>
+            <a:lvl4pPr marL="3023829" indent="0">
+              <a:buNone/>
+              <a:defRPr sz="3086">
+                <a:solidFill>
+                  <a:schemeClr val="tx1">
+                    <a:tint val="75000"/>
+                  </a:schemeClr>
+                </a:solidFill>
+              </a:defRPr>
+            </a:lvl4pPr>
+            <a:lvl5pPr marL="4031772" indent="0">
+              <a:buNone/>
+              <a:defRPr sz="3086">
+                <a:solidFill>
+                  <a:schemeClr val="tx1">
+                    <a:tint val="75000"/>
+                  </a:schemeClr>
+                </a:solidFill>
+              </a:defRPr>
+            </a:lvl5pPr>
+            <a:lvl6pPr marL="5039716" indent="0">
+              <a:buNone/>
+              <a:defRPr sz="3086">
+                <a:solidFill>
+                  <a:schemeClr val="tx1">
+                    <a:tint val="75000"/>
+                  </a:schemeClr>
+                </a:solidFill>
+              </a:defRPr>
+            </a:lvl6pPr>
+            <a:lvl7pPr marL="6047659" indent="0">
+              <a:buNone/>
+              <a:defRPr sz="3086">
+                <a:solidFill>
+                  <a:schemeClr val="tx1">
+                    <a:tint val="75000"/>
+                  </a:schemeClr>
+                </a:solidFill>
+              </a:defRPr>
+            </a:lvl7pPr>
+            <a:lvl8pPr marL="7055602" indent="0">
+              <a:buNone/>
+              <a:defRPr sz="3086">
+                <a:solidFill>
+                  <a:schemeClr val="tx1">
+                    <a:tint val="75000"/>
+                  </a:schemeClr>
+                </a:solidFill>
+              </a:defRPr>
+            </a:lvl8pPr>
+            <a:lvl9pPr marL="8063545" indent="0">
+              <a:buNone/>
+              <a:defRPr sz="3086">
+                <a:solidFill>
+                  <a:schemeClr val="tx1">
+                    <a:tint val="75000"/>
+                  </a:schemeClr>
+                </a:solidFill>
+              </a:defRPr>
+            </a:lvl9pPr>
+          </a:lstStyle>
+          <a:p>
+            <a:pPr lvl="0"/>
+            <a:r>
+              <a:rPr lang="fr-FR"/>
+              <a:t>Modifier les styles du texte du masque</a:t>
+            </a:r>
+          </a:p>
+        </p:txBody>
+      </p:sp>
+      <p:sp>
+        <p:nvSpPr>
+          <p:cNvPr id="4" name="Date Placeholder 3"/>
+          <p:cNvSpPr>
+            <a:spLocks noGrp="1"/>
+          </p:cNvSpPr>
+          <p:nvPr>
+            <p:ph type="dt" sz="half" idx="10"/>
+          </p:nvPr>
+        </p:nvSpPr>
+        <p:spPr/>
+        <p:txBody>
+          <a:bodyPr/>
+          <a:lstStyle/>
+          <a:p>
+            <a:fld id="{4DD0A917-C272-441A-92EE-F01DF0D33BF7}" type="datetimeFigureOut">
+              <a:rPr lang="fr-FR" smtClean="0"/>
+              <a:t>23/05/2019</a:t>
+            </a:fld>
+            <a:endParaRPr lang="fr-FR"/>
+          </a:p>
+        </p:txBody>
+      </p:sp>
+      <p:sp>
+        <p:nvSpPr>
+          <p:cNvPr id="5" name="Footer Placeholder 4"/>
+          <p:cNvSpPr>
+            <a:spLocks noGrp="1"/>
+          </p:cNvSpPr>
+          <p:nvPr>
+            <p:ph type="ftr" sz="quarter" idx="11"/>
+          </p:nvPr>
+        </p:nvSpPr>
+        <p:spPr/>
+        <p:txBody>
+          <a:bodyPr/>
+          <a:lstStyle/>
+          <a:p>
+            <a:endParaRPr lang="fr-FR"/>
+          </a:p>
+        </p:txBody>
+      </p:sp>
+      <p:sp>
+        <p:nvSpPr>
+          <p:cNvPr id="6" name="Slide Number Placeholder 5"/>
+          <p:cNvSpPr>
+            <a:spLocks noGrp="1"/>
+          </p:cNvSpPr>
+          <p:nvPr>
+            <p:ph type="sldNum" sz="quarter" idx="12"/>
+          </p:nvPr>
+        </p:nvSpPr>
+        <p:spPr/>
+        <p:txBody>
+          <a:bodyPr/>
+          <a:lstStyle/>
+          <a:p>
+            <a:fld id="{F7F739CE-E564-4E5F-BE64-B4D1B45336CF}" type="slidenum">
+              <a:rPr lang="fr-FR" smtClean="0"/>
+              <a:t>‹N°›</a:t>
+            </a:fld>
+            <a:endParaRPr lang="fr-FR"/>
+          </a:p>
+        </p:txBody>
+      </p:sp>
+    </p:spTree>
+    <p:extLst>
+      <p:ext uri="{BB962C8B-B14F-4D97-AF65-F5344CB8AC3E}">
+        <p14:creationId xmlns:p14="http://schemas.microsoft.com/office/powerpoint/2010/main" val="3949534061"/>
+      </p:ext>
+    </p:extLst>
+  </p:cSld>
+  <p:clrMapOvr>
+    <a:masterClrMapping/>
+  </p:clrMapOvr>
+</p:sldLayout>
+</file>
+
+<file path=ppt/slideLayouts/slideLayout13.xml><?xml version="1.0" encoding="utf-8"?>
+<p:sldLayout xmlns:a="http://schemas.openxmlformats.org/drawingml/2006/main" xmlns:r="http://schemas.openxmlformats.org/officeDocument/2006/relationships" xmlns:p="http://schemas.openxmlformats.org/presentationml/2006/main" preserve="1">
+  <p:cSld name="Carte nom citation">
+    <p:spTree>
+      <p:nvGrpSpPr>
+        <p:cNvPr id="1" name=""/>
+        <p:cNvGrpSpPr/>
+        <p:nvPr/>
+      </p:nvGrpSpPr>
+      <p:grpSpPr>
+        <a:xfrm>
+          <a:off x="0" y="0"/>
+          <a:ext cx="0" cy="0"/>
+          <a:chOff x="0" y="0"/>
+          <a:chExt cx="0" cy="0"/>
+        </a:xfrm>
+      </p:grpSpPr>
+      <p:sp>
+        <p:nvSpPr>
+          <p:cNvPr id="2" name="Title 1"/>
+          <p:cNvSpPr>
+            <a:spLocks noGrp="1"/>
+          </p:cNvSpPr>
+          <p:nvPr>
+            <p:ph type="title"/>
+          </p:nvPr>
+        </p:nvSpPr>
+        <p:spPr>
+          <a:xfrm>
+            <a:off x="1812101" y="1343942"/>
+            <a:ext cx="14200051" cy="6663714"/>
+          </a:xfrm>
+        </p:spPr>
+        <p:txBody>
+          <a:bodyPr anchor="ctr">
+            <a:normAutofit/>
+          </a:bodyPr>
+          <a:lstStyle>
+            <a:lvl1pPr algn="l">
+              <a:defRPr sz="9700" b="0" cap="none"/>
+            </a:lvl1pPr>
+          </a:lstStyle>
+          <a:p>
+            <a:r>
+              <a:rPr lang="fr-FR"/>
+              <a:t>Modifiez le style du titre</a:t>
+            </a:r>
+            <a:endParaRPr lang="en-US" dirty="0"/>
+          </a:p>
+        </p:txBody>
+      </p:sp>
+      <p:sp>
+        <p:nvSpPr>
+          <p:cNvPr id="23" name="Text Placeholder 9"/>
+          <p:cNvSpPr>
+            <a:spLocks noGrp="1"/>
+          </p:cNvSpPr>
+          <p:nvPr>
+            <p:ph type="body" sz="quarter" idx="13"/>
+          </p:nvPr>
+        </p:nvSpPr>
+        <p:spPr>
+          <a:xfrm>
+            <a:off x="1425568" y="8847620"/>
+            <a:ext cx="14844398" cy="1133726"/>
+          </a:xfrm>
+        </p:spPr>
+        <p:txBody>
+          <a:bodyPr anchor="b">
+            <a:noAutofit/>
+          </a:bodyPr>
+          <a:lstStyle>
+            <a:lvl1pPr marL="0" indent="0">
+              <a:buFontTx/>
+              <a:buNone/>
+              <a:defRPr sz="5291">
+                <a:solidFill>
+                  <a:schemeClr val="tx1">
+                    <a:lumMod val="75000"/>
+                    <a:lumOff val="25000"/>
+                  </a:schemeClr>
+                </a:solidFill>
+              </a:defRPr>
+            </a:lvl1pPr>
+            <a:lvl2pPr marL="1007943" indent="0">
+              <a:buFontTx/>
+              <a:buNone/>
+              <a:defRPr/>
+            </a:lvl2pPr>
+            <a:lvl3pPr marL="2015886" indent="0">
+              <a:buFontTx/>
+              <a:buNone/>
+              <a:defRPr/>
+            </a:lvl3pPr>
+            <a:lvl4pPr marL="3023829" indent="0">
+              <a:buFontTx/>
+              <a:buNone/>
+              <a:defRPr/>
+            </a:lvl4pPr>
+            <a:lvl5pPr marL="4031772" indent="0">
+              <a:buFontTx/>
+              <a:buNone/>
+              <a:defRPr/>
+            </a:lvl5pPr>
+          </a:lstStyle>
+          <a:p>
+            <a:pPr lvl="0"/>
+            <a:r>
+              <a:rPr lang="fr-FR"/>
+              <a:t>Modifier les styles du texte du masque</a:t>
+            </a:r>
+          </a:p>
+        </p:txBody>
+      </p:sp>
+      <p:sp>
+        <p:nvSpPr>
+          <p:cNvPr id="3" name="Text Placeholder 2"/>
+          <p:cNvSpPr>
+            <a:spLocks noGrp="1"/>
+          </p:cNvSpPr>
+          <p:nvPr>
+            <p:ph type="body" idx="1"/>
+          </p:nvPr>
+        </p:nvSpPr>
+        <p:spPr>
+          <a:xfrm>
+            <a:off x="1425572" y="9981346"/>
+            <a:ext cx="14844396" cy="3337620"/>
+          </a:xfrm>
+        </p:spPr>
+        <p:txBody>
+          <a:bodyPr anchor="t">
+            <a:normAutofit/>
+          </a:bodyPr>
+          <a:lstStyle>
+            <a:lvl1pPr marL="0" indent="0" algn="l">
+              <a:buNone/>
+              <a:defRPr sz="3968">
+                <a:solidFill>
+                  <a:schemeClr val="tx1">
+                    <a:lumMod val="50000"/>
+                    <a:lumOff val="50000"/>
+                  </a:schemeClr>
+                </a:solidFill>
+              </a:defRPr>
+            </a:lvl1pPr>
+            <a:lvl2pPr marL="1007943" indent="0">
+              <a:buNone/>
+              <a:defRPr sz="3968">
+                <a:solidFill>
+                  <a:schemeClr val="tx1">
+                    <a:tint val="75000"/>
+                  </a:schemeClr>
+                </a:solidFill>
+              </a:defRPr>
+            </a:lvl2pPr>
+            <a:lvl3pPr marL="2015886" indent="0">
+              <a:buNone/>
+              <a:defRPr sz="3527">
+                <a:solidFill>
+                  <a:schemeClr val="tx1">
+                    <a:tint val="75000"/>
+                  </a:schemeClr>
+                </a:solidFill>
+              </a:defRPr>
+            </a:lvl3pPr>
+            <a:lvl4pPr marL="3023829" indent="0">
+              <a:buNone/>
+              <a:defRPr sz="3086">
+                <a:solidFill>
+                  <a:schemeClr val="tx1">
+                    <a:tint val="75000"/>
+                  </a:schemeClr>
+                </a:solidFill>
+              </a:defRPr>
+            </a:lvl4pPr>
+            <a:lvl5pPr marL="4031772" indent="0">
+              <a:buNone/>
+              <a:defRPr sz="3086">
+                <a:solidFill>
+                  <a:schemeClr val="tx1">
+                    <a:tint val="75000"/>
+                  </a:schemeClr>
+                </a:solidFill>
+              </a:defRPr>
+            </a:lvl5pPr>
+            <a:lvl6pPr marL="5039716" indent="0">
+              <a:buNone/>
+              <a:defRPr sz="3086">
+                <a:solidFill>
+                  <a:schemeClr val="tx1">
+                    <a:tint val="75000"/>
+                  </a:schemeClr>
+                </a:solidFill>
+              </a:defRPr>
+            </a:lvl6pPr>
+            <a:lvl7pPr marL="6047659" indent="0">
+              <a:buNone/>
+              <a:defRPr sz="3086">
+                <a:solidFill>
+                  <a:schemeClr val="tx1">
+                    <a:tint val="75000"/>
+                  </a:schemeClr>
+                </a:solidFill>
+              </a:defRPr>
+            </a:lvl7pPr>
+            <a:lvl8pPr marL="7055602" indent="0">
+              <a:buNone/>
+              <a:defRPr sz="3086">
+                <a:solidFill>
+                  <a:schemeClr val="tx1">
+                    <a:tint val="75000"/>
+                  </a:schemeClr>
+                </a:solidFill>
+              </a:defRPr>
+            </a:lvl8pPr>
+            <a:lvl9pPr marL="8063545" indent="0">
+              <a:buNone/>
+              <a:defRPr sz="3086">
+                <a:solidFill>
+                  <a:schemeClr val="tx1">
+                    <a:tint val="75000"/>
+                  </a:schemeClr>
+                </a:solidFill>
+              </a:defRPr>
+            </a:lvl9pPr>
+          </a:lstStyle>
+          <a:p>
+            <a:pPr lvl="0"/>
+            <a:r>
+              <a:rPr lang="fr-FR"/>
+              <a:t>Modifier les styles du texte du masque</a:t>
+            </a:r>
+          </a:p>
+        </p:txBody>
+      </p:sp>
+      <p:sp>
+        <p:nvSpPr>
+          <p:cNvPr id="4" name="Date Placeholder 3"/>
+          <p:cNvSpPr>
+            <a:spLocks noGrp="1"/>
+          </p:cNvSpPr>
+          <p:nvPr>
+            <p:ph type="dt" sz="half" idx="10"/>
+          </p:nvPr>
+        </p:nvSpPr>
+        <p:spPr/>
+        <p:txBody>
+          <a:bodyPr/>
+          <a:lstStyle/>
+          <a:p>
+            <a:fld id="{4DD0A917-C272-441A-92EE-F01DF0D33BF7}" type="datetimeFigureOut">
+              <a:rPr lang="fr-FR" smtClean="0"/>
+              <a:t>23/05/2019</a:t>
+            </a:fld>
+            <a:endParaRPr lang="fr-FR"/>
+          </a:p>
+        </p:txBody>
+      </p:sp>
+      <p:sp>
+        <p:nvSpPr>
+          <p:cNvPr id="5" name="Footer Placeholder 4"/>
+          <p:cNvSpPr>
+            <a:spLocks noGrp="1"/>
+          </p:cNvSpPr>
+          <p:nvPr>
+            <p:ph type="ftr" sz="quarter" idx="11"/>
+          </p:nvPr>
+        </p:nvSpPr>
+        <p:spPr/>
+        <p:txBody>
+          <a:bodyPr/>
+          <a:lstStyle/>
+          <a:p>
+            <a:endParaRPr lang="fr-FR"/>
+          </a:p>
+        </p:txBody>
+      </p:sp>
+      <p:sp>
+        <p:nvSpPr>
+          <p:cNvPr id="6" name="Slide Number Placeholder 5"/>
+          <p:cNvSpPr>
+            <a:spLocks noGrp="1"/>
+          </p:cNvSpPr>
+          <p:nvPr>
+            <p:ph type="sldNum" sz="quarter" idx="12"/>
+          </p:nvPr>
+        </p:nvSpPr>
+        <p:spPr/>
+        <p:txBody>
+          <a:bodyPr/>
+          <a:lstStyle/>
+          <a:p>
+            <a:fld id="{F7F739CE-E564-4E5F-BE64-B4D1B45336CF}" type="slidenum">
+              <a:rPr lang="fr-FR" smtClean="0"/>
+              <a:t>‹N°›</a:t>
+            </a:fld>
+            <a:endParaRPr lang="fr-FR"/>
+          </a:p>
+        </p:txBody>
+      </p:sp>
+      <p:sp>
+        <p:nvSpPr>
+          <p:cNvPr id="24" name="TextBox 23"/>
+          <p:cNvSpPr txBox="1"/>
+          <p:nvPr/>
+        </p:nvSpPr>
+        <p:spPr>
+          <a:xfrm>
+            <a:off x="1128841" y="1742491"/>
+            <a:ext cx="1069460" cy="1289214"/>
+          </a:xfrm>
+          <a:prstGeom prst="rect">
+            <a:avLst/>
+          </a:prstGeom>
+        </p:spPr>
+        <p:txBody>
+          <a:bodyPr vert="horz" lIns="201591" tIns="100796" rIns="201591" bIns="100796" rtlCol="0" anchor="ctr">
+            <a:noAutofit/>
+          </a:bodyPr>
+          <a:lstStyle/>
+          <a:p>
+            <a:pPr lvl="0"/>
+            <a:r>
+              <a:rPr lang="en-US" sz="17637" baseline="0" dirty="0">
+                <a:ln w="3175" cmpd="sng">
+                  <a:noFill/>
+                </a:ln>
+                <a:solidFill>
+                  <a:schemeClr val="accent1">
+                    <a:lumMod val="60000"/>
+                    <a:lumOff val="40000"/>
+                  </a:schemeClr>
+                </a:solidFill>
+                <a:effectLst/>
+                <a:latin typeface="Arial"/>
+              </a:rPr>
+              <a:t>“</a:t>
+            </a:r>
+          </a:p>
+        </p:txBody>
+      </p:sp>
+      <p:sp>
+        <p:nvSpPr>
+          <p:cNvPr id="25" name="TextBox 24"/>
+          <p:cNvSpPr txBox="1"/>
+          <p:nvPr/>
+        </p:nvSpPr>
+        <p:spPr>
+          <a:xfrm>
+            <a:off x="15779776" y="6363787"/>
+            <a:ext cx="1069460" cy="1289214"/>
+          </a:xfrm>
+          <a:prstGeom prst="rect">
+            <a:avLst/>
+          </a:prstGeom>
+        </p:spPr>
+        <p:txBody>
+          <a:bodyPr vert="horz" lIns="201591" tIns="100796" rIns="201591" bIns="100796" rtlCol="0" anchor="ctr">
+            <a:noAutofit/>
+          </a:bodyPr>
+          <a:lstStyle/>
+          <a:p>
+            <a:pPr lvl="0"/>
+            <a:r>
+              <a:rPr lang="en-US" sz="17637" baseline="0" dirty="0">
+                <a:ln w="3175" cmpd="sng">
+                  <a:noFill/>
+                </a:ln>
+                <a:solidFill>
+                  <a:schemeClr val="accent1">
+                    <a:lumMod val="60000"/>
+                    <a:lumOff val="40000"/>
+                  </a:schemeClr>
+                </a:solidFill>
+                <a:effectLst/>
+                <a:latin typeface="Arial"/>
+              </a:rPr>
+              <a:t>”</a:t>
+            </a:r>
+          </a:p>
+        </p:txBody>
+      </p:sp>
+    </p:spTree>
+    <p:extLst>
+      <p:ext uri="{BB962C8B-B14F-4D97-AF65-F5344CB8AC3E}">
+        <p14:creationId xmlns:p14="http://schemas.microsoft.com/office/powerpoint/2010/main" val="3337481729"/>
+      </p:ext>
+    </p:extLst>
+  </p:cSld>
+  <p:clrMapOvr>
+    <a:masterClrMapping/>
+  </p:clrMapOvr>
+</p:sldLayout>
+</file>
+
+<file path=ppt/slideLayouts/slideLayout14.xml><?xml version="1.0" encoding="utf-8"?>
+<p:sldLayout xmlns:a="http://schemas.openxmlformats.org/drawingml/2006/main" xmlns:r="http://schemas.openxmlformats.org/officeDocument/2006/relationships" xmlns:p="http://schemas.openxmlformats.org/presentationml/2006/main" preserve="1">
+  <p:cSld name="Vrai ou faux">
+    <p:spTree>
+      <p:nvGrpSpPr>
+        <p:cNvPr id="1" name=""/>
+        <p:cNvGrpSpPr/>
+        <p:nvPr/>
+      </p:nvGrpSpPr>
+      <p:grpSpPr>
+        <a:xfrm>
+          <a:off x="0" y="0"/>
+          <a:ext cx="0" cy="0"/>
+          <a:chOff x="0" y="0"/>
+          <a:chExt cx="0" cy="0"/>
+        </a:xfrm>
+      </p:grpSpPr>
+      <p:sp>
+        <p:nvSpPr>
+          <p:cNvPr id="2" name="Title 1"/>
+          <p:cNvSpPr>
+            <a:spLocks noGrp="1"/>
+          </p:cNvSpPr>
+          <p:nvPr>
+            <p:ph type="title"/>
+          </p:nvPr>
+        </p:nvSpPr>
+        <p:spPr>
+          <a:xfrm>
+            <a:off x="1440187" y="1343942"/>
+            <a:ext cx="14829780" cy="6663714"/>
+          </a:xfrm>
+        </p:spPr>
+        <p:txBody>
+          <a:bodyPr anchor="ctr">
+            <a:normAutofit/>
+          </a:bodyPr>
+          <a:lstStyle>
+            <a:lvl1pPr algn="l">
+              <a:defRPr sz="9700" b="0" cap="none"/>
+            </a:lvl1pPr>
+          </a:lstStyle>
+          <a:p>
+            <a:r>
+              <a:rPr lang="fr-FR"/>
+              <a:t>Modifiez le style du titre</a:t>
+            </a:r>
+            <a:endParaRPr lang="en-US" dirty="0"/>
+          </a:p>
+        </p:txBody>
+      </p:sp>
+      <p:sp>
+        <p:nvSpPr>
+          <p:cNvPr id="23" name="Text Placeholder 9"/>
+          <p:cNvSpPr>
+            <a:spLocks noGrp="1"/>
+          </p:cNvSpPr>
+          <p:nvPr>
+            <p:ph type="body" sz="quarter" idx="13"/>
+          </p:nvPr>
+        </p:nvSpPr>
+        <p:spPr>
+          <a:xfrm>
+            <a:off x="1425568" y="8847620"/>
+            <a:ext cx="14844398" cy="1133726"/>
+          </a:xfrm>
+        </p:spPr>
+        <p:txBody>
+          <a:bodyPr anchor="b">
+            <a:noAutofit/>
+          </a:bodyPr>
+          <a:lstStyle>
+            <a:lvl1pPr marL="0" indent="0">
+              <a:buFontTx/>
+              <a:buNone/>
+              <a:defRPr sz="5291">
+                <a:solidFill>
+                  <a:schemeClr val="accent1"/>
+                </a:solidFill>
+              </a:defRPr>
+            </a:lvl1pPr>
+            <a:lvl2pPr marL="1007943" indent="0">
+              <a:buFontTx/>
+              <a:buNone/>
+              <a:defRPr/>
+            </a:lvl2pPr>
+            <a:lvl3pPr marL="2015886" indent="0">
+              <a:buFontTx/>
+              <a:buNone/>
+              <a:defRPr/>
+            </a:lvl3pPr>
+            <a:lvl4pPr marL="3023829" indent="0">
+              <a:buFontTx/>
+              <a:buNone/>
+              <a:defRPr/>
+            </a:lvl4pPr>
+            <a:lvl5pPr marL="4031772" indent="0">
+              <a:buFontTx/>
+              <a:buNone/>
+              <a:defRPr/>
+            </a:lvl5pPr>
+          </a:lstStyle>
+          <a:p>
+            <a:pPr lvl="0"/>
+            <a:r>
+              <a:rPr lang="fr-FR"/>
+              <a:t>Modifier les styles du texte du masque</a:t>
+            </a:r>
+          </a:p>
+        </p:txBody>
+      </p:sp>
+      <p:sp>
+        <p:nvSpPr>
+          <p:cNvPr id="3" name="Text Placeholder 2"/>
+          <p:cNvSpPr>
+            <a:spLocks noGrp="1"/>
+          </p:cNvSpPr>
+          <p:nvPr>
+            <p:ph type="body" idx="1"/>
+          </p:nvPr>
+        </p:nvSpPr>
+        <p:spPr>
+          <a:xfrm>
+            <a:off x="1425572" y="9981346"/>
+            <a:ext cx="14844396" cy="3337620"/>
+          </a:xfrm>
+        </p:spPr>
+        <p:txBody>
+          <a:bodyPr anchor="t">
+            <a:normAutofit/>
+          </a:bodyPr>
+          <a:lstStyle>
+            <a:lvl1pPr marL="0" indent="0" algn="l">
+              <a:buNone/>
+              <a:defRPr sz="3968">
+                <a:solidFill>
+                  <a:schemeClr val="tx1">
+                    <a:lumMod val="50000"/>
+                    <a:lumOff val="50000"/>
+                  </a:schemeClr>
+                </a:solidFill>
+              </a:defRPr>
+            </a:lvl1pPr>
+            <a:lvl2pPr marL="1007943" indent="0">
+              <a:buNone/>
+              <a:defRPr sz="3968">
+                <a:solidFill>
+                  <a:schemeClr val="tx1">
+                    <a:tint val="75000"/>
+                  </a:schemeClr>
+                </a:solidFill>
+              </a:defRPr>
+            </a:lvl2pPr>
+            <a:lvl3pPr marL="2015886" indent="0">
+              <a:buNone/>
+              <a:defRPr sz="3527">
+                <a:solidFill>
+                  <a:schemeClr val="tx1">
+                    <a:tint val="75000"/>
+                  </a:schemeClr>
+                </a:solidFill>
+              </a:defRPr>
+            </a:lvl3pPr>
+            <a:lvl4pPr marL="3023829" indent="0">
+              <a:buNone/>
+              <a:defRPr sz="3086">
+                <a:solidFill>
+                  <a:schemeClr val="tx1">
+                    <a:tint val="75000"/>
+                  </a:schemeClr>
+                </a:solidFill>
+              </a:defRPr>
+            </a:lvl4pPr>
+            <a:lvl5pPr marL="4031772" indent="0">
+              <a:buNone/>
+              <a:defRPr sz="3086">
+                <a:solidFill>
+                  <a:schemeClr val="tx1">
+                    <a:tint val="75000"/>
+                  </a:schemeClr>
+                </a:solidFill>
+              </a:defRPr>
+            </a:lvl5pPr>
+            <a:lvl6pPr marL="5039716" indent="0">
+              <a:buNone/>
+              <a:defRPr sz="3086">
+                <a:solidFill>
+                  <a:schemeClr val="tx1">
+                    <a:tint val="75000"/>
+                  </a:schemeClr>
+                </a:solidFill>
+              </a:defRPr>
+            </a:lvl6pPr>
+            <a:lvl7pPr marL="6047659" indent="0">
+              <a:buNone/>
+              <a:defRPr sz="3086">
+                <a:solidFill>
+                  <a:schemeClr val="tx1">
+                    <a:tint val="75000"/>
+                  </a:schemeClr>
+                </a:solidFill>
+              </a:defRPr>
+            </a:lvl7pPr>
+            <a:lvl8pPr marL="7055602" indent="0">
+              <a:buNone/>
+              <a:defRPr sz="3086">
+                <a:solidFill>
+                  <a:schemeClr val="tx1">
+                    <a:tint val="75000"/>
+                  </a:schemeClr>
+                </a:solidFill>
+              </a:defRPr>
+            </a:lvl8pPr>
+            <a:lvl9pPr marL="8063545" indent="0">
+              <a:buNone/>
+              <a:defRPr sz="3086">
+                <a:solidFill>
+                  <a:schemeClr val="tx1">
+                    <a:tint val="75000"/>
+                  </a:schemeClr>
+                </a:solidFill>
+              </a:defRPr>
+            </a:lvl9pPr>
+          </a:lstStyle>
+          <a:p>
+            <a:pPr lvl="0"/>
+            <a:r>
+              <a:rPr lang="fr-FR"/>
+              <a:t>Modifier les styles du texte du masque</a:t>
+            </a:r>
+          </a:p>
+        </p:txBody>
+      </p:sp>
+      <p:sp>
+        <p:nvSpPr>
+          <p:cNvPr id="4" name="Date Placeholder 3"/>
+          <p:cNvSpPr>
+            <a:spLocks noGrp="1"/>
+          </p:cNvSpPr>
+          <p:nvPr>
+            <p:ph type="dt" sz="half" idx="10"/>
+          </p:nvPr>
+        </p:nvSpPr>
+        <p:spPr/>
+        <p:txBody>
+          <a:bodyPr/>
+          <a:lstStyle/>
+          <a:p>
+            <a:fld id="{4DD0A917-C272-441A-92EE-F01DF0D33BF7}" type="datetimeFigureOut">
+              <a:rPr lang="fr-FR" smtClean="0"/>
+              <a:t>23/05/2019</a:t>
+            </a:fld>
+            <a:endParaRPr lang="fr-FR"/>
+          </a:p>
+        </p:txBody>
+      </p:sp>
+      <p:sp>
+        <p:nvSpPr>
+          <p:cNvPr id="5" name="Footer Placeholder 4"/>
+          <p:cNvSpPr>
+            <a:spLocks noGrp="1"/>
+          </p:cNvSpPr>
+          <p:nvPr>
+            <p:ph type="ftr" sz="quarter" idx="11"/>
+          </p:nvPr>
+        </p:nvSpPr>
+        <p:spPr/>
+        <p:txBody>
+          <a:bodyPr/>
+          <a:lstStyle/>
+          <a:p>
+            <a:endParaRPr lang="fr-FR"/>
+          </a:p>
+        </p:txBody>
+      </p:sp>
+      <p:sp>
+        <p:nvSpPr>
+          <p:cNvPr id="6" name="Slide Number Placeholder 5"/>
+          <p:cNvSpPr>
+            <a:spLocks noGrp="1"/>
+          </p:cNvSpPr>
+          <p:nvPr>
+            <p:ph type="sldNum" sz="quarter" idx="12"/>
+          </p:nvPr>
+        </p:nvSpPr>
+        <p:spPr/>
+        <p:txBody>
+          <a:bodyPr/>
+          <a:lstStyle/>
+          <a:p>
+            <a:fld id="{F7F739CE-E564-4E5F-BE64-B4D1B45336CF}" type="slidenum">
+              <a:rPr lang="fr-FR" smtClean="0"/>
+              <a:t>‹N°›</a:t>
+            </a:fld>
+            <a:endParaRPr lang="fr-FR"/>
+          </a:p>
+        </p:txBody>
+      </p:sp>
+    </p:spTree>
+    <p:extLst>
+      <p:ext uri="{BB962C8B-B14F-4D97-AF65-F5344CB8AC3E}">
+        <p14:creationId xmlns:p14="http://schemas.microsoft.com/office/powerpoint/2010/main" val="1419348730"/>
+      </p:ext>
+    </p:extLst>
+  </p:cSld>
+  <p:clrMapOvr>
+    <a:masterClrMapping/>
+  </p:clrMapOvr>
+</p:sldLayout>
+</file>
+
+<file path=ppt/slideLayouts/slideLayout15.xml><?xml version="1.0" encoding="utf-8"?>
 <p:sldLayout xmlns:a="http://schemas.openxmlformats.org/drawingml/2006/main" xmlns:r="http://schemas.openxmlformats.org/officeDocument/2006/relationships" xmlns:p="http://schemas.openxmlformats.org/presentationml/2006/main" type="vertTx" preserve="1">
   <p:cSld name="Titre et texte vertical">
     <p:spTree>
@@ -408,7 +2682,7 @@
           <a:p>
             <a:fld id="{4DD0A917-C272-441A-92EE-F01DF0D33BF7}" type="datetimeFigureOut">
               <a:rPr lang="fr-FR" smtClean="0"/>
-              <a:t>19/05/2019</a:t>
+              <a:t>23/05/2019</a:t>
             </a:fld>
             <a:endParaRPr lang="fr-FR"/>
           </a:p>
@@ -459,7 +2733,7 @@
     </p:spTree>
     <p:extLst>
       <p:ext uri="{BB962C8B-B14F-4D97-AF65-F5344CB8AC3E}">
-        <p14:creationId xmlns:p14="http://schemas.microsoft.com/office/powerpoint/2010/main" val="2353760724"/>
+        <p14:creationId xmlns:p14="http://schemas.microsoft.com/office/powerpoint/2010/main" val="331137529"/>
       </p:ext>
     </p:extLst>
   </p:cSld>
@@ -469,7 +2743,7 @@
 </p:sldLayout>
 </file>
 
-<file path=ppt/slideLayouts/slideLayout11.xml><?xml version="1.0" encoding="utf-8"?>
+<file path=ppt/slideLayouts/slideLayout16.xml><?xml version="1.0" encoding="utf-8"?>
 <p:sldLayout xmlns:a="http://schemas.openxmlformats.org/drawingml/2006/main" xmlns:r="http://schemas.openxmlformats.org/officeDocument/2006/relationships" xmlns:p="http://schemas.openxmlformats.org/presentationml/2006/main" type="vertTitleAndTx" preserve="1">
   <p:cSld name="Titre vertical et texte">
     <p:spTree>
@@ -498,12 +2772,12 @@
         </p:nvSpPr>
         <p:spPr>
           <a:xfrm>
-            <a:off x="15302658" y="804966"/>
-            <a:ext cx="4610844" cy="12812950"/>
+            <a:off x="13978193" y="1343944"/>
+            <a:ext cx="2288993" cy="11577504"/>
           </a:xfrm>
         </p:spPr>
         <p:txBody>
-          <a:bodyPr vert="eaVert"/>
+          <a:bodyPr vert="eaVert" anchor="ctr"/>
           <a:lstStyle/>
           <a:p>
             <a:r>
@@ -526,8 +2800,8 @@
         </p:nvSpPr>
         <p:spPr>
           <a:xfrm>
-            <a:off x="1470125" y="804966"/>
-            <a:ext cx="13565237" cy="12812950"/>
+            <a:off x="1425573" y="1343944"/>
+            <a:ext cx="12148785" cy="11577504"/>
           </a:xfrm>
         </p:spPr>
         <p:txBody>
@@ -588,7 +2862,7 @@
           <a:p>
             <a:fld id="{4DD0A917-C272-441A-92EE-F01DF0D33BF7}" type="datetimeFigureOut">
               <a:rPr lang="fr-FR" smtClean="0"/>
-              <a:t>19/05/2019</a:t>
+              <a:t>23/05/2019</a:t>
             </a:fld>
             <a:endParaRPr lang="fr-FR"/>
           </a:p>
@@ -639,7 +2913,7 @@
     </p:spTree>
     <p:extLst>
       <p:ext uri="{BB962C8B-B14F-4D97-AF65-F5344CB8AC3E}">
-        <p14:creationId xmlns:p14="http://schemas.microsoft.com/office/powerpoint/2010/main" val="3700000330"/>
+        <p14:creationId xmlns:p14="http://schemas.microsoft.com/office/powerpoint/2010/main" val="2194122364"/>
       </p:ext>
     </p:extLst>
   </p:cSld>
@@ -678,8 +2952,14 @@
         </p:nvSpPr>
         <p:spPr/>
         <p:txBody>
-          <a:bodyPr/>
-          <a:lstStyle/>
+          <a:bodyPr>
+            <a:normAutofit/>
+          </a:bodyPr>
+          <a:lstStyle>
+            <a:lvl1pPr>
+              <a:defRPr sz="7937"/>
+            </a:lvl1pPr>
+          </a:lstStyle>
           <a:p>
             <a:r>
               <a:rPr lang="fr-FR"/>
@@ -758,7 +3038,7 @@
           <a:p>
             <a:fld id="{4DD0A917-C272-441A-92EE-F01DF0D33BF7}" type="datetimeFigureOut">
               <a:rPr lang="fr-FR" smtClean="0"/>
-              <a:t>19/05/2019</a:t>
+              <a:t>23/05/2019</a:t>
             </a:fld>
             <a:endParaRPr lang="fr-FR"/>
           </a:p>
@@ -809,7 +3089,7 @@
     </p:spTree>
     <p:extLst>
       <p:ext uri="{BB962C8B-B14F-4D97-AF65-F5344CB8AC3E}">
-        <p14:creationId xmlns:p14="http://schemas.microsoft.com/office/powerpoint/2010/main" val="2725569547"/>
+        <p14:creationId xmlns:p14="http://schemas.microsoft.com/office/powerpoint/2010/main" val="3936877766"/>
       </p:ext>
     </p:extLst>
   </p:cSld>
@@ -848,15 +3128,15 @@
         </p:nvSpPr>
         <p:spPr>
           <a:xfrm>
-            <a:off x="1458988" y="3769342"/>
-            <a:ext cx="18443377" cy="6289229"/>
+            <a:off x="1425572" y="5954415"/>
+            <a:ext cx="14844396" cy="4026935"/>
           </a:xfrm>
         </p:spPr>
         <p:txBody>
           <a:bodyPr anchor="b"/>
           <a:lstStyle>
-            <a:lvl1pPr>
-              <a:defRPr sz="13228"/>
+            <a:lvl1pPr algn="l">
+              <a:defRPr sz="8818" b="0" cap="none"/>
             </a:lvl1pPr>
           </a:lstStyle>
           <a:p>
@@ -880,24 +3160,27 @@
         </p:nvSpPr>
         <p:spPr>
           <a:xfrm>
-            <a:off x="1458988" y="10118069"/>
-            <a:ext cx="18443377" cy="3307357"/>
+            <a:off x="1425572" y="9981346"/>
+            <a:ext cx="14844396" cy="1896863"/>
           </a:xfrm>
         </p:spPr>
         <p:txBody>
-          <a:bodyPr/>
+          <a:bodyPr anchor="t"/>
           <a:lstStyle>
-            <a:lvl1pPr marL="0" indent="0">
-              <a:buNone/>
-              <a:defRPr sz="5291">
+            <a:lvl1pPr marL="0" indent="0" algn="l">
+              <a:buNone/>
+              <a:defRPr sz="4409">
                 <a:solidFill>
-                  <a:schemeClr val="tx1"/>
+                  <a:schemeClr val="tx1">
+                    <a:lumMod val="50000"/>
+                    <a:lumOff val="50000"/>
+                  </a:schemeClr>
                 </a:solidFill>
               </a:defRPr>
             </a:lvl1pPr>
             <a:lvl2pPr marL="1007943" indent="0">
               <a:buNone/>
-              <a:defRPr sz="4409">
+              <a:defRPr sz="3968">
                 <a:solidFill>
                   <a:schemeClr val="tx1">
                     <a:tint val="75000"/>
@@ -907,7 +3190,7 @@
             </a:lvl2pPr>
             <a:lvl3pPr marL="2015886" indent="0">
               <a:buNone/>
-              <a:defRPr sz="3968">
+              <a:defRPr sz="3527">
                 <a:solidFill>
                   <a:schemeClr val="tx1">
                     <a:tint val="75000"/>
@@ -917,7 +3200,7 @@
             </a:lvl3pPr>
             <a:lvl4pPr marL="3023829" indent="0">
               <a:buNone/>
-              <a:defRPr sz="3527">
+              <a:defRPr sz="3086">
                 <a:solidFill>
                   <a:schemeClr val="tx1">
                     <a:tint val="75000"/>
@@ -927,7 +3210,7 @@
             </a:lvl4pPr>
             <a:lvl5pPr marL="4031772" indent="0">
               <a:buNone/>
-              <a:defRPr sz="3527">
+              <a:defRPr sz="3086">
                 <a:solidFill>
                   <a:schemeClr val="tx1">
                     <a:tint val="75000"/>
@@ -937,7 +3220,7 @@
             </a:lvl5pPr>
             <a:lvl6pPr marL="5039716" indent="0">
               <a:buNone/>
-              <a:defRPr sz="3527">
+              <a:defRPr sz="3086">
                 <a:solidFill>
                   <a:schemeClr val="tx1">
                     <a:tint val="75000"/>
@@ -947,7 +3230,7 @@
             </a:lvl6pPr>
             <a:lvl7pPr marL="6047659" indent="0">
               <a:buNone/>
-              <a:defRPr sz="3527">
+              <a:defRPr sz="3086">
                 <a:solidFill>
                   <a:schemeClr val="tx1">
                     <a:tint val="75000"/>
@@ -957,7 +3240,7 @@
             </a:lvl7pPr>
             <a:lvl8pPr marL="7055602" indent="0">
               <a:buNone/>
-              <a:defRPr sz="3527">
+              <a:defRPr sz="3086">
                 <a:solidFill>
                   <a:schemeClr val="tx1">
                     <a:tint val="75000"/>
@@ -967,7 +3250,7 @@
             </a:lvl8pPr>
             <a:lvl9pPr marL="8063545" indent="0">
               <a:buNone/>
-              <a:defRPr sz="3527">
+              <a:defRPr sz="3086">
                 <a:solidFill>
                   <a:schemeClr val="tx1">
                     <a:tint val="75000"/>
@@ -1002,7 +3285,7 @@
           <a:p>
             <a:fld id="{4DD0A917-C272-441A-92EE-F01DF0D33BF7}" type="datetimeFigureOut">
               <a:rPr lang="fr-FR" smtClean="0"/>
-              <a:t>19/05/2019</a:t>
+              <a:t>23/05/2019</a:t>
             </a:fld>
             <a:endParaRPr lang="fr-FR"/>
           </a:p>
@@ -1053,7 +3336,7 @@
     </p:spTree>
     <p:extLst>
       <p:ext uri="{BB962C8B-B14F-4D97-AF65-F5344CB8AC3E}">
-        <p14:creationId xmlns:p14="http://schemas.microsoft.com/office/powerpoint/2010/main" val="3900661561"/>
+        <p14:creationId xmlns:p14="http://schemas.microsoft.com/office/powerpoint/2010/main" val="3611798841"/>
       </p:ext>
     </p:extLst>
   </p:cSld>
@@ -1090,7 +3373,12 @@
             <p:ph type="title"/>
           </p:nvPr>
         </p:nvSpPr>
-        <p:spPr/>
+        <p:spPr>
+          <a:xfrm>
+            <a:off x="1425575" y="1343942"/>
+            <a:ext cx="14844394" cy="2911875"/>
+          </a:xfrm>
+        </p:spPr>
         <p:txBody>
           <a:bodyPr/>
           <a:lstStyle/>
@@ -1115,13 +3403,43 @@
         </p:nvSpPr>
         <p:spPr>
           <a:xfrm>
-            <a:off x="1470124" y="4024827"/>
-            <a:ext cx="9088041" cy="9593089"/>
+            <a:off x="1425576" y="4763298"/>
+            <a:ext cx="7221672" cy="8555665"/>
           </a:xfrm>
         </p:spPr>
         <p:txBody>
-          <a:bodyPr/>
-          <a:lstStyle/>
+          <a:bodyPr>
+            <a:normAutofit/>
+          </a:bodyPr>
+          <a:lstStyle>
+            <a:lvl1pPr>
+              <a:defRPr sz="3968"/>
+            </a:lvl1pPr>
+            <a:lvl2pPr>
+              <a:defRPr sz="3527"/>
+            </a:lvl2pPr>
+            <a:lvl3pPr>
+              <a:defRPr sz="3086"/>
+            </a:lvl3pPr>
+            <a:lvl4pPr>
+              <a:defRPr sz="2646"/>
+            </a:lvl4pPr>
+            <a:lvl5pPr>
+              <a:defRPr sz="2646"/>
+            </a:lvl5pPr>
+            <a:lvl6pPr>
+              <a:defRPr sz="2646"/>
+            </a:lvl6pPr>
+            <a:lvl7pPr>
+              <a:defRPr sz="2646"/>
+            </a:lvl7pPr>
+            <a:lvl8pPr>
+              <a:defRPr sz="2646"/>
+            </a:lvl8pPr>
+            <a:lvl9pPr>
+              <a:defRPr sz="2646"/>
+            </a:lvl9pPr>
+          </a:lstStyle>
           <a:p>
             <a:pPr lvl="0"/>
             <a:r>
@@ -1172,13 +3490,43 @@
         </p:nvSpPr>
         <p:spPr>
           <a:xfrm>
-            <a:off x="10825460" y="4024827"/>
-            <a:ext cx="9088041" cy="9593089"/>
+            <a:off x="9048295" y="4763302"/>
+            <a:ext cx="7221674" cy="8555667"/>
           </a:xfrm>
         </p:spPr>
         <p:txBody>
-          <a:bodyPr/>
-          <a:lstStyle/>
+          <a:bodyPr>
+            <a:normAutofit/>
+          </a:bodyPr>
+          <a:lstStyle>
+            <a:lvl1pPr>
+              <a:defRPr sz="3968"/>
+            </a:lvl1pPr>
+            <a:lvl2pPr>
+              <a:defRPr sz="3527"/>
+            </a:lvl2pPr>
+            <a:lvl3pPr>
+              <a:defRPr sz="3086"/>
+            </a:lvl3pPr>
+            <a:lvl4pPr>
+              <a:defRPr sz="2646"/>
+            </a:lvl4pPr>
+            <a:lvl5pPr>
+              <a:defRPr sz="2646"/>
+            </a:lvl5pPr>
+            <a:lvl6pPr>
+              <a:defRPr sz="2646"/>
+            </a:lvl6pPr>
+            <a:lvl7pPr>
+              <a:defRPr sz="2646"/>
+            </a:lvl7pPr>
+            <a:lvl8pPr>
+              <a:defRPr sz="2646"/>
+            </a:lvl8pPr>
+            <a:lvl9pPr>
+              <a:defRPr sz="2646"/>
+            </a:lvl9pPr>
+          </a:lstStyle>
           <a:p>
             <a:pPr lvl="0"/>
             <a:r>
@@ -1234,7 +3582,7 @@
           <a:p>
             <a:fld id="{4DD0A917-C272-441A-92EE-F01DF0D33BF7}" type="datetimeFigureOut">
               <a:rPr lang="fr-FR" smtClean="0"/>
-              <a:t>19/05/2019</a:t>
+              <a:t>23/05/2019</a:t>
             </a:fld>
             <a:endParaRPr lang="fr-FR"/>
           </a:p>
@@ -1285,7 +3633,7 @@
     </p:spTree>
     <p:extLst>
       <p:ext uri="{BB962C8B-B14F-4D97-AF65-F5344CB8AC3E}">
-        <p14:creationId xmlns:p14="http://schemas.microsoft.com/office/powerpoint/2010/main" val="3543290527"/>
+        <p14:creationId xmlns:p14="http://schemas.microsoft.com/office/powerpoint/2010/main" val="2515900334"/>
       </p:ext>
     </p:extLst>
   </p:cSld>
@@ -1324,13 +3672,17 @@
         </p:nvSpPr>
         <p:spPr>
           <a:xfrm>
-            <a:off x="1472909" y="804969"/>
-            <a:ext cx="18443377" cy="2922375"/>
+            <a:off x="1425574" y="1343942"/>
+            <a:ext cx="14844391" cy="2911875"/>
           </a:xfrm>
         </p:spPr>
         <p:txBody>
           <a:bodyPr/>
-          <a:lstStyle/>
+          <a:lstStyle>
+            <a:lvl1pPr>
+              <a:defRPr/>
+            </a:lvl1pPr>
+          </a:lstStyle>
           <a:p>
             <a:r>
               <a:rPr lang="fr-FR"/>
@@ -1352,16 +3704,18 @@
         </p:nvSpPr>
         <p:spPr>
           <a:xfrm>
-            <a:off x="1472912" y="3706342"/>
-            <a:ext cx="9046274" cy="1816421"/>
+            <a:off x="1425573" y="4764167"/>
+            <a:ext cx="7227665" cy="1270444"/>
           </a:xfrm>
         </p:spPr>
         <p:txBody>
-          <a:bodyPr anchor="b"/>
+          <a:bodyPr anchor="b">
+            <a:noAutofit/>
+          </a:bodyPr>
           <a:lstStyle>
             <a:lvl1pPr marL="0" indent="0">
               <a:buNone/>
-              <a:defRPr sz="5291" b="1"/>
+              <a:defRPr sz="5291" b="0"/>
             </a:lvl1pPr>
             <a:lvl2pPr marL="1007943" indent="0">
               <a:buNone/>
@@ -1417,12 +3771,14 @@
         </p:nvSpPr>
         <p:spPr>
           <a:xfrm>
-            <a:off x="1472912" y="5522763"/>
-            <a:ext cx="9046274" cy="8123152"/>
+            <a:off x="1425573" y="6034615"/>
+            <a:ext cx="7227665" cy="7284354"/>
           </a:xfrm>
         </p:spPr>
         <p:txBody>
-          <a:bodyPr/>
+          <a:bodyPr>
+            <a:normAutofit/>
+          </a:bodyPr>
           <a:lstStyle/>
           <a:p>
             <a:pPr lvl="0"/>
@@ -1474,16 +3830,18 @@
         </p:nvSpPr>
         <p:spPr>
           <a:xfrm>
-            <a:off x="10825461" y="3706342"/>
-            <a:ext cx="9090826" cy="1816421"/>
+            <a:off x="9042299" y="4764167"/>
+            <a:ext cx="7227665" cy="1270444"/>
           </a:xfrm>
         </p:spPr>
         <p:txBody>
-          <a:bodyPr anchor="b"/>
+          <a:bodyPr anchor="b">
+            <a:noAutofit/>
+          </a:bodyPr>
           <a:lstStyle>
             <a:lvl1pPr marL="0" indent="0">
               <a:buNone/>
-              <a:defRPr sz="5291" b="1"/>
+              <a:defRPr sz="5291" b="0"/>
             </a:lvl1pPr>
             <a:lvl2pPr marL="1007943" indent="0">
               <a:buNone/>
@@ -1539,12 +3897,14 @@
         </p:nvSpPr>
         <p:spPr>
           <a:xfrm>
-            <a:off x="10825461" y="5522763"/>
-            <a:ext cx="9090826" cy="8123152"/>
+            <a:off x="9042299" y="6034615"/>
+            <a:ext cx="7227665" cy="7284354"/>
           </a:xfrm>
         </p:spPr>
         <p:txBody>
-          <a:bodyPr/>
+          <a:bodyPr>
+            <a:normAutofit/>
+          </a:bodyPr>
           <a:lstStyle/>
           <a:p>
             <a:pPr lvl="0"/>
@@ -1601,7 +3961,7 @@
           <a:p>
             <a:fld id="{4DD0A917-C272-441A-92EE-F01DF0D33BF7}" type="datetimeFigureOut">
               <a:rPr lang="fr-FR" smtClean="0"/>
-              <a:t>19/05/2019</a:t>
+              <a:t>23/05/2019</a:t>
             </a:fld>
             <a:endParaRPr lang="fr-FR"/>
           </a:p>
@@ -1652,7 +4012,7 @@
     </p:spTree>
     <p:extLst>
       <p:ext uri="{BB962C8B-B14F-4D97-AF65-F5344CB8AC3E}">
-        <p14:creationId xmlns:p14="http://schemas.microsoft.com/office/powerpoint/2010/main" val="3718178216"/>
+        <p14:creationId xmlns:p14="http://schemas.microsoft.com/office/powerpoint/2010/main" val="1242004044"/>
       </p:ext>
     </p:extLst>
   </p:cSld>
@@ -1689,7 +4049,12 @@
             <p:ph type="title"/>
           </p:nvPr>
         </p:nvSpPr>
-        <p:spPr/>
+        <p:spPr>
+          <a:xfrm>
+            <a:off x="1425573" y="1343942"/>
+            <a:ext cx="14844394" cy="2911875"/>
+          </a:xfrm>
+        </p:spPr>
         <p:txBody>
           <a:bodyPr/>
           <a:lstStyle/>
@@ -1719,7 +4084,7 @@
           <a:p>
             <a:fld id="{4DD0A917-C272-441A-92EE-F01DF0D33BF7}" type="datetimeFigureOut">
               <a:rPr lang="fr-FR" smtClean="0"/>
-              <a:t>19/05/2019</a:t>
+              <a:t>23/05/2019</a:t>
             </a:fld>
             <a:endParaRPr lang="fr-FR"/>
           </a:p>
@@ -1770,7 +4135,7 @@
     </p:spTree>
     <p:extLst>
       <p:ext uri="{BB962C8B-B14F-4D97-AF65-F5344CB8AC3E}">
-        <p14:creationId xmlns:p14="http://schemas.microsoft.com/office/powerpoint/2010/main" val="601431607"/>
+        <p14:creationId xmlns:p14="http://schemas.microsoft.com/office/powerpoint/2010/main" val="2168101755"/>
       </p:ext>
     </p:extLst>
   </p:cSld>
@@ -1814,7 +4179,7 @@
           <a:p>
             <a:fld id="{4DD0A917-C272-441A-92EE-F01DF0D33BF7}" type="datetimeFigureOut">
               <a:rPr lang="fr-FR" smtClean="0"/>
-              <a:t>19/05/2019</a:t>
+              <a:t>23/05/2019</a:t>
             </a:fld>
             <a:endParaRPr lang="fr-FR"/>
           </a:p>
@@ -1865,7 +4230,7 @@
     </p:spTree>
     <p:extLst>
       <p:ext uri="{BB962C8B-B14F-4D97-AF65-F5344CB8AC3E}">
-        <p14:creationId xmlns:p14="http://schemas.microsoft.com/office/powerpoint/2010/main" val="3224645843"/>
+        <p14:creationId xmlns:p14="http://schemas.microsoft.com/office/powerpoint/2010/main" val="4061510264"/>
       </p:ext>
     </p:extLst>
   </p:cSld>
@@ -1904,15 +4269,17 @@
         </p:nvSpPr>
         <p:spPr>
           <a:xfrm>
-            <a:off x="1472909" y="1007957"/>
-            <a:ext cx="6896776" cy="3527848"/>
+            <a:off x="1425573" y="3303867"/>
+            <a:ext cx="6524957" cy="2818544"/>
           </a:xfrm>
         </p:spPr>
         <p:txBody>
-          <a:bodyPr anchor="b"/>
+          <a:bodyPr anchor="b">
+            <a:normAutofit/>
+          </a:bodyPr>
           <a:lstStyle>
             <a:lvl1pPr>
-              <a:defRPr sz="7055"/>
+              <a:defRPr sz="4409"/>
             </a:lvl1pPr>
           </a:lstStyle>
           <a:p>
@@ -1936,41 +4303,15 @@
         </p:nvSpPr>
         <p:spPr>
           <a:xfrm>
-            <a:off x="9090826" y="2176910"/>
-            <a:ext cx="10825460" cy="10744538"/>
+            <a:off x="8351576" y="1135220"/>
+            <a:ext cx="7918389" cy="12183747"/>
           </a:xfrm>
         </p:spPr>
         <p:txBody>
-          <a:bodyPr/>
-          <a:lstStyle>
-            <a:lvl1pPr>
-              <a:defRPr sz="7055"/>
-            </a:lvl1pPr>
-            <a:lvl2pPr>
-              <a:defRPr sz="6173"/>
-            </a:lvl2pPr>
-            <a:lvl3pPr>
-              <a:defRPr sz="5291"/>
-            </a:lvl3pPr>
-            <a:lvl4pPr>
-              <a:defRPr sz="4409"/>
-            </a:lvl4pPr>
-            <a:lvl5pPr>
-              <a:defRPr sz="4409"/>
-            </a:lvl5pPr>
-            <a:lvl6pPr>
-              <a:defRPr sz="4409"/>
-            </a:lvl6pPr>
-            <a:lvl7pPr>
-              <a:defRPr sz="4409"/>
-            </a:lvl7pPr>
-            <a:lvl8pPr>
-              <a:defRPr sz="4409"/>
-            </a:lvl8pPr>
-            <a:lvl9pPr>
-              <a:defRPr sz="4409"/>
-            </a:lvl9pPr>
-          </a:lstStyle>
+          <a:bodyPr>
+            <a:normAutofit/>
+          </a:bodyPr>
+          <a:lstStyle/>
           <a:p>
             <a:pPr lvl="0"/>
             <a:r>
@@ -2021,48 +4362,50 @@
         </p:nvSpPr>
         <p:spPr>
           <a:xfrm>
-            <a:off x="1472909" y="4535805"/>
-            <a:ext cx="6896776" cy="8403140"/>
+            <a:off x="1425573" y="6122410"/>
+            <a:ext cx="6524957" cy="5697753"/>
           </a:xfrm>
         </p:spPr>
         <p:txBody>
-          <a:bodyPr/>
+          <a:bodyPr>
+            <a:normAutofit/>
+          </a:bodyPr>
           <a:lstStyle>
             <a:lvl1pPr marL="0" indent="0">
               <a:buNone/>
-              <a:defRPr sz="3527"/>
+              <a:defRPr sz="3086"/>
             </a:lvl1pPr>
-            <a:lvl2pPr marL="1007943" indent="0">
-              <a:buNone/>
-              <a:defRPr sz="3086"/>
+            <a:lvl2pPr marL="755957" indent="0">
+              <a:buNone/>
+              <a:defRPr sz="2315"/>
             </a:lvl2pPr>
-            <a:lvl3pPr marL="2015886" indent="0">
-              <a:buNone/>
-              <a:defRPr sz="2646"/>
+            <a:lvl3pPr marL="1511915" indent="0">
+              <a:buNone/>
+              <a:defRPr sz="1984"/>
             </a:lvl3pPr>
-            <a:lvl4pPr marL="3023829" indent="0">
-              <a:buNone/>
-              <a:defRPr sz="2205"/>
+            <a:lvl4pPr marL="2267872" indent="0">
+              <a:buNone/>
+              <a:defRPr sz="1653"/>
             </a:lvl4pPr>
-            <a:lvl5pPr marL="4031772" indent="0">
-              <a:buNone/>
-              <a:defRPr sz="2205"/>
+            <a:lvl5pPr marL="3023829" indent="0">
+              <a:buNone/>
+              <a:defRPr sz="1653"/>
             </a:lvl5pPr>
-            <a:lvl6pPr marL="5039716" indent="0">
-              <a:buNone/>
-              <a:defRPr sz="2205"/>
+            <a:lvl6pPr marL="3779787" indent="0">
+              <a:buNone/>
+              <a:defRPr sz="1653"/>
             </a:lvl6pPr>
-            <a:lvl7pPr marL="6047659" indent="0">
-              <a:buNone/>
-              <a:defRPr sz="2205"/>
+            <a:lvl7pPr marL="4535744" indent="0">
+              <a:buNone/>
+              <a:defRPr sz="1653"/>
             </a:lvl7pPr>
-            <a:lvl8pPr marL="7055602" indent="0">
-              <a:buNone/>
-              <a:defRPr sz="2205"/>
+            <a:lvl8pPr marL="5291701" indent="0">
+              <a:buNone/>
+              <a:defRPr sz="1653"/>
             </a:lvl8pPr>
-            <a:lvl9pPr marL="8063545" indent="0">
-              <a:buNone/>
-              <a:defRPr sz="2205"/>
+            <a:lvl9pPr marL="6047659" indent="0">
+              <a:buNone/>
+              <a:defRPr sz="1653"/>
             </a:lvl9pPr>
           </a:lstStyle>
           <a:p>
@@ -2091,7 +4434,7 @@
           <a:p>
             <a:fld id="{4DD0A917-C272-441A-92EE-F01DF0D33BF7}" type="datetimeFigureOut">
               <a:rPr lang="fr-FR" smtClean="0"/>
-              <a:t>19/05/2019</a:t>
+              <a:t>23/05/2019</a:t>
             </a:fld>
             <a:endParaRPr lang="fr-FR"/>
           </a:p>
@@ -2142,7 +4485,7 @@
     </p:spTree>
     <p:extLst>
       <p:ext uri="{BB962C8B-B14F-4D97-AF65-F5344CB8AC3E}">
-        <p14:creationId xmlns:p14="http://schemas.microsoft.com/office/powerpoint/2010/main" val="493951996"/>
+        <p14:creationId xmlns:p14="http://schemas.microsoft.com/office/powerpoint/2010/main" val="2945268662"/>
       </p:ext>
     </p:extLst>
   </p:cSld>
@@ -2181,15 +4524,17 @@
         </p:nvSpPr>
         <p:spPr>
           <a:xfrm>
-            <a:off x="1472909" y="1007957"/>
-            <a:ext cx="6896776" cy="3527848"/>
+            <a:off x="1425573" y="10583545"/>
+            <a:ext cx="14844394" cy="1249447"/>
           </a:xfrm>
         </p:spPr>
         <p:txBody>
-          <a:bodyPr anchor="b"/>
+          <a:bodyPr anchor="b">
+            <a:normAutofit/>
+          </a:bodyPr>
           <a:lstStyle>
-            <a:lvl1pPr>
-              <a:defRPr sz="7055"/>
+            <a:lvl1pPr algn="l">
+              <a:defRPr sz="5291" b="0"/>
             </a:lvl1pPr>
           </a:lstStyle>
           <a:p>
@@ -2213,48 +4558,50 @@
         </p:nvSpPr>
         <p:spPr>
           <a:xfrm>
-            <a:off x="9090826" y="2176910"/>
-            <a:ext cx="10825460" cy="10744538"/>
+            <a:off x="1425573" y="1343942"/>
+            <a:ext cx="14844394" cy="8478384"/>
           </a:xfrm>
         </p:spPr>
         <p:txBody>
-          <a:bodyPr anchor="t"/>
+          <a:bodyPr anchor="t">
+            <a:normAutofit/>
+          </a:bodyPr>
           <a:lstStyle>
-            <a:lvl1pPr marL="0" indent="0">
-              <a:buNone/>
-              <a:defRPr sz="7055"/>
+            <a:lvl1pPr marL="0" indent="0" algn="ctr">
+              <a:buNone/>
+              <a:defRPr sz="3527"/>
             </a:lvl1pPr>
             <a:lvl2pPr marL="1007943" indent="0">
               <a:buNone/>
-              <a:defRPr sz="6173"/>
+              <a:defRPr sz="3527"/>
             </a:lvl2pPr>
             <a:lvl3pPr marL="2015886" indent="0">
               <a:buNone/>
-              <a:defRPr sz="5291"/>
+              <a:defRPr sz="3527"/>
             </a:lvl3pPr>
             <a:lvl4pPr marL="3023829" indent="0">
               <a:buNone/>
-              <a:defRPr sz="4409"/>
+              <a:defRPr sz="3527"/>
             </a:lvl4pPr>
             <a:lvl5pPr marL="4031772" indent="0">
               <a:buNone/>
-              <a:defRPr sz="4409"/>
+              <a:defRPr sz="3527"/>
             </a:lvl5pPr>
             <a:lvl6pPr marL="5039716" indent="0">
               <a:buNone/>
-              <a:defRPr sz="4409"/>
+              <a:defRPr sz="3527"/>
             </a:lvl6pPr>
             <a:lvl7pPr marL="6047659" indent="0">
               <a:buNone/>
-              <a:defRPr sz="4409"/>
+              <a:defRPr sz="3527"/>
             </a:lvl7pPr>
             <a:lvl8pPr marL="7055602" indent="0">
               <a:buNone/>
-              <a:defRPr sz="4409"/>
+              <a:defRPr sz="3527"/>
             </a:lvl8pPr>
             <a:lvl9pPr marL="8063545" indent="0">
               <a:buNone/>
-              <a:defRPr sz="4409"/>
+              <a:defRPr sz="3527"/>
             </a:lvl9pPr>
           </a:lstStyle>
           <a:p>
@@ -2278,48 +4625,50 @@
         </p:nvSpPr>
         <p:spPr>
           <a:xfrm>
-            <a:off x="1472909" y="4535805"/>
-            <a:ext cx="6896776" cy="8403140"/>
+            <a:off x="1425573" y="11832993"/>
+            <a:ext cx="14844394" cy="1485973"/>
           </a:xfrm>
         </p:spPr>
         <p:txBody>
-          <a:bodyPr/>
+          <a:bodyPr>
+            <a:normAutofit/>
+          </a:bodyPr>
           <a:lstStyle>
             <a:lvl1pPr marL="0" indent="0">
               <a:buNone/>
-              <a:defRPr sz="3527"/>
+              <a:defRPr sz="2646"/>
             </a:lvl1pPr>
             <a:lvl2pPr marL="1007943" indent="0">
               <a:buNone/>
-              <a:defRPr sz="3086"/>
+              <a:defRPr sz="2646"/>
             </a:lvl2pPr>
             <a:lvl3pPr marL="2015886" indent="0">
               <a:buNone/>
-              <a:defRPr sz="2646"/>
+              <a:defRPr sz="2205"/>
             </a:lvl3pPr>
             <a:lvl4pPr marL="3023829" indent="0">
               <a:buNone/>
-              <a:defRPr sz="2205"/>
+              <a:defRPr sz="1984"/>
             </a:lvl4pPr>
             <a:lvl5pPr marL="4031772" indent="0">
               <a:buNone/>
-              <a:defRPr sz="2205"/>
+              <a:defRPr sz="1984"/>
             </a:lvl5pPr>
             <a:lvl6pPr marL="5039716" indent="0">
               <a:buNone/>
-              <a:defRPr sz="2205"/>
+              <a:defRPr sz="1984"/>
             </a:lvl6pPr>
             <a:lvl7pPr marL="6047659" indent="0">
               <a:buNone/>
-              <a:defRPr sz="2205"/>
+              <a:defRPr sz="1984"/>
             </a:lvl7pPr>
             <a:lvl8pPr marL="7055602" indent="0">
               <a:buNone/>
-              <a:defRPr sz="2205"/>
+              <a:defRPr sz="1984"/>
             </a:lvl8pPr>
             <a:lvl9pPr marL="8063545" indent="0">
               <a:buNone/>
-              <a:defRPr sz="2205"/>
+              <a:defRPr sz="1984"/>
             </a:lvl9pPr>
           </a:lstStyle>
           <a:p>
@@ -2348,7 +4697,7 @@
           <a:p>
             <a:fld id="{4DD0A917-C272-441A-92EE-F01DF0D33BF7}" type="datetimeFigureOut">
               <a:rPr lang="fr-FR" smtClean="0"/>
-              <a:t>19/05/2019</a:t>
+              <a:t>23/05/2019</a:t>
             </a:fld>
             <a:endParaRPr lang="fr-FR"/>
           </a:p>
@@ -2399,7 +4748,7 @@
     </p:spTree>
     <p:extLst>
       <p:ext uri="{BB962C8B-B14F-4D97-AF65-F5344CB8AC3E}">
-        <p14:creationId xmlns:p14="http://schemas.microsoft.com/office/powerpoint/2010/main" val="510839682"/>
+        <p14:creationId xmlns:p14="http://schemas.microsoft.com/office/powerpoint/2010/main" val="2170012757"/>
       </p:ext>
     </p:extLst>
   </p:cSld>
@@ -2431,6 +4780,608 @@
           <a:chExt cx="0" cy="0"/>
         </a:xfrm>
       </p:grpSpPr>
+      <p:grpSp>
+        <p:nvGrpSpPr>
+          <p:cNvPr id="17" name="Group 16"/>
+          <p:cNvGrpSpPr/>
+          <p:nvPr/>
+        </p:nvGrpSpPr>
+        <p:grpSpPr>
+          <a:xfrm>
+            <a:off x="-19799" y="-18668"/>
+            <a:ext cx="21447507" cy="15156685"/>
+            <a:chOff x="-8467" y="-8468"/>
+            <a:chExt cx="9171317" cy="6874935"/>
+          </a:xfrm>
+        </p:grpSpPr>
+        <p:sp>
+          <p:nvSpPr>
+            <p:cNvPr id="7" name="Freeform 6"/>
+            <p:cNvSpPr/>
+            <p:nvPr/>
+          </p:nvSpPr>
+          <p:spPr>
+            <a:xfrm>
+              <a:off x="-8467" y="4013200"/>
+              <a:ext cx="457200" cy="2853267"/>
+            </a:xfrm>
+            <a:custGeom>
+              <a:avLst/>
+              <a:gdLst/>
+              <a:ahLst/>
+              <a:cxnLst/>
+              <a:rect l="l" t="t" r="r" b="b"/>
+              <a:pathLst>
+                <a:path w="457200" h="2853267">
+                  <a:moveTo>
+                    <a:pt x="0" y="0"/>
+                  </a:moveTo>
+                  <a:lnTo>
+                    <a:pt x="457200" y="2853267"/>
+                  </a:lnTo>
+                  <a:lnTo>
+                    <a:pt x="0" y="2844800"/>
+                  </a:lnTo>
+                  <a:cubicBezTo>
+                    <a:pt x="2822" y="1905000"/>
+                    <a:pt x="5645" y="965200"/>
+                    <a:pt x="0" y="0"/>
+                  </a:cubicBezTo>
+                  <a:close/>
+                </a:path>
+              </a:pathLst>
+            </a:custGeom>
+            <a:solidFill>
+              <a:schemeClr val="accent1">
+                <a:alpha val="70000"/>
+              </a:schemeClr>
+            </a:solidFill>
+            <a:ln>
+              <a:noFill/>
+            </a:ln>
+            <a:effectLst/>
+          </p:spPr>
+          <p:style>
+            <a:lnRef idx="1">
+              <a:schemeClr val="accent1"/>
+            </a:lnRef>
+            <a:fillRef idx="3">
+              <a:schemeClr val="accent1"/>
+            </a:fillRef>
+            <a:effectRef idx="2">
+              <a:schemeClr val="accent1"/>
+            </a:effectRef>
+            <a:fontRef idx="minor">
+              <a:schemeClr val="lt1"/>
+            </a:fontRef>
+          </p:style>
+        </p:sp>
+        <p:cxnSp>
+          <p:nvCxnSpPr>
+            <p:cNvPr id="8" name="Straight Connector 7"/>
+            <p:cNvCxnSpPr/>
+            <p:nvPr/>
+          </p:nvCxnSpPr>
+          <p:spPr>
+            <a:xfrm flipV="1">
+              <a:off x="5130830" y="4175605"/>
+              <a:ext cx="4022475" cy="2682396"/>
+            </a:xfrm>
+            <a:prstGeom prst="line">
+              <a:avLst/>
+            </a:prstGeom>
+            <a:ln w="9525">
+              <a:solidFill>
+                <a:schemeClr val="accent1">
+                  <a:alpha val="70000"/>
+                </a:schemeClr>
+              </a:solidFill>
+            </a:ln>
+          </p:spPr>
+          <p:style>
+            <a:lnRef idx="2">
+              <a:schemeClr val="accent1"/>
+            </a:lnRef>
+            <a:fillRef idx="0">
+              <a:schemeClr val="accent1"/>
+            </a:fillRef>
+            <a:effectRef idx="1">
+              <a:schemeClr val="accent1"/>
+            </a:effectRef>
+            <a:fontRef idx="minor">
+              <a:schemeClr val="tx1"/>
+            </a:fontRef>
+          </p:style>
+        </p:cxnSp>
+        <p:cxnSp>
+          <p:nvCxnSpPr>
+            <p:cNvPr id="9" name="Straight Connector 8"/>
+            <p:cNvCxnSpPr/>
+            <p:nvPr/>
+          </p:nvCxnSpPr>
+          <p:spPr>
+            <a:xfrm>
+              <a:off x="7042707" y="0"/>
+              <a:ext cx="1219200" cy="6858000"/>
+            </a:xfrm>
+            <a:prstGeom prst="line">
+              <a:avLst/>
+            </a:prstGeom>
+            <a:ln w="9525">
+              <a:solidFill>
+                <a:schemeClr val="accent1">
+                  <a:alpha val="70000"/>
+                </a:schemeClr>
+              </a:solidFill>
+            </a:ln>
+          </p:spPr>
+          <p:style>
+            <a:lnRef idx="2">
+              <a:schemeClr val="accent1"/>
+            </a:lnRef>
+            <a:fillRef idx="0">
+              <a:schemeClr val="accent1"/>
+            </a:fillRef>
+            <a:effectRef idx="1">
+              <a:schemeClr val="accent1"/>
+            </a:effectRef>
+            <a:fontRef idx="minor">
+              <a:schemeClr val="tx1"/>
+            </a:fontRef>
+          </p:style>
+        </p:cxnSp>
+        <p:sp>
+          <p:nvSpPr>
+            <p:cNvPr id="10" name="Freeform 9"/>
+            <p:cNvSpPr/>
+            <p:nvPr/>
+          </p:nvSpPr>
+          <p:spPr>
+            <a:xfrm>
+              <a:off x="6891896" y="1"/>
+              <a:ext cx="2269442" cy="6866466"/>
+            </a:xfrm>
+            <a:custGeom>
+              <a:avLst/>
+              <a:gdLst/>
+              <a:ahLst/>
+              <a:cxnLst/>
+              <a:rect l="l" t="t" r="r" b="b"/>
+              <a:pathLst>
+                <a:path w="2269442" h="6866466">
+                  <a:moveTo>
+                    <a:pt x="2023534" y="0"/>
+                  </a:moveTo>
+                  <a:lnTo>
+                    <a:pt x="0" y="6858000"/>
+                  </a:lnTo>
+                  <a:lnTo>
+                    <a:pt x="2269067" y="6866466"/>
+                  </a:lnTo>
+                  <a:cubicBezTo>
+                    <a:pt x="2271889" y="4580466"/>
+                    <a:pt x="2257778" y="2294466"/>
+                    <a:pt x="2260600" y="8466"/>
+                  </a:cubicBezTo>
+                  <a:lnTo>
+                    <a:pt x="2023534" y="0"/>
+                  </a:lnTo>
+                  <a:close/>
+                </a:path>
+              </a:pathLst>
+            </a:custGeom>
+            <a:solidFill>
+              <a:schemeClr val="accent1">
+                <a:alpha val="36000"/>
+              </a:schemeClr>
+            </a:solidFill>
+            <a:ln>
+              <a:noFill/>
+            </a:ln>
+            <a:effectLst/>
+          </p:spPr>
+          <p:style>
+            <a:lnRef idx="1">
+              <a:schemeClr val="accent1"/>
+            </a:lnRef>
+            <a:fillRef idx="3">
+              <a:schemeClr val="accent1"/>
+            </a:fillRef>
+            <a:effectRef idx="2">
+              <a:schemeClr val="accent1"/>
+            </a:effectRef>
+            <a:fontRef idx="minor">
+              <a:schemeClr val="lt1"/>
+            </a:fontRef>
+          </p:style>
+        </p:sp>
+        <p:sp>
+          <p:nvSpPr>
+            <p:cNvPr id="11" name="Freeform 10"/>
+            <p:cNvSpPr/>
+            <p:nvPr/>
+          </p:nvSpPr>
+          <p:spPr>
+            <a:xfrm>
+              <a:off x="7205158" y="-8467"/>
+              <a:ext cx="1948147" cy="6866467"/>
+            </a:xfrm>
+            <a:custGeom>
+              <a:avLst/>
+              <a:gdLst/>
+              <a:ahLst/>
+              <a:cxnLst/>
+              <a:rect l="l" t="t" r="r" b="b"/>
+              <a:pathLst>
+                <a:path w="1948147" h="6866467">
+                  <a:moveTo>
+                    <a:pt x="0" y="0"/>
+                  </a:moveTo>
+                  <a:lnTo>
+                    <a:pt x="1202267" y="6866467"/>
+                  </a:lnTo>
+                  <a:lnTo>
+                    <a:pt x="1947333" y="6866467"/>
+                  </a:lnTo>
+                  <a:cubicBezTo>
+                    <a:pt x="1944511" y="4577645"/>
+                    <a:pt x="1950155" y="2288822"/>
+                    <a:pt x="1947333" y="0"/>
+                  </a:cubicBezTo>
+                  <a:lnTo>
+                    <a:pt x="0" y="0"/>
+                  </a:lnTo>
+                  <a:close/>
+                </a:path>
+              </a:pathLst>
+            </a:custGeom>
+            <a:solidFill>
+              <a:schemeClr val="accent1">
+                <a:alpha val="20000"/>
+              </a:schemeClr>
+            </a:solidFill>
+            <a:ln>
+              <a:noFill/>
+            </a:ln>
+            <a:effectLst/>
+          </p:spPr>
+          <p:style>
+            <a:lnRef idx="1">
+              <a:schemeClr val="accent1"/>
+            </a:lnRef>
+            <a:fillRef idx="3">
+              <a:schemeClr val="accent1"/>
+            </a:fillRef>
+            <a:effectRef idx="2">
+              <a:schemeClr val="accent1"/>
+            </a:effectRef>
+            <a:fontRef idx="minor">
+              <a:schemeClr val="lt1"/>
+            </a:fontRef>
+          </p:style>
+        </p:sp>
+        <p:sp>
+          <p:nvSpPr>
+            <p:cNvPr id="12" name="Freeform 11"/>
+            <p:cNvSpPr/>
+            <p:nvPr/>
+          </p:nvSpPr>
+          <p:spPr>
+            <a:xfrm>
+              <a:off x="6637896" y="3920066"/>
+              <a:ext cx="2513565" cy="2937933"/>
+            </a:xfrm>
+            <a:custGeom>
+              <a:avLst/>
+              <a:gdLst/>
+              <a:ahLst/>
+              <a:cxnLst/>
+              <a:rect l="l" t="t" r="r" b="b"/>
+              <a:pathLst>
+                <a:path w="3259667" h="3810000">
+                  <a:moveTo>
+                    <a:pt x="0" y="3810000"/>
+                  </a:moveTo>
+                  <a:lnTo>
+                    <a:pt x="3251200" y="0"/>
+                  </a:lnTo>
+                  <a:cubicBezTo>
+                    <a:pt x="3254022" y="1270000"/>
+                    <a:pt x="3256845" y="2540000"/>
+                    <a:pt x="3259667" y="3810000"/>
+                  </a:cubicBezTo>
+                  <a:lnTo>
+                    <a:pt x="0" y="3810000"/>
+                  </a:lnTo>
+                  <a:close/>
+                </a:path>
+              </a:pathLst>
+            </a:custGeom>
+            <a:solidFill>
+              <a:schemeClr val="accent1">
+                <a:lumMod val="75000"/>
+                <a:alpha val="66000"/>
+              </a:schemeClr>
+            </a:solidFill>
+            <a:ln>
+              <a:noFill/>
+            </a:ln>
+            <a:effectLst/>
+          </p:spPr>
+          <p:style>
+            <a:lnRef idx="1">
+              <a:schemeClr val="accent1"/>
+            </a:lnRef>
+            <a:fillRef idx="3">
+              <a:schemeClr val="accent1"/>
+            </a:fillRef>
+            <a:effectRef idx="2">
+              <a:schemeClr val="accent1"/>
+            </a:effectRef>
+            <a:fontRef idx="minor">
+              <a:schemeClr val="lt1"/>
+            </a:fontRef>
+          </p:style>
+        </p:sp>
+        <p:sp>
+          <p:nvSpPr>
+            <p:cNvPr id="13" name="Freeform 12"/>
+            <p:cNvSpPr/>
+            <p:nvPr/>
+          </p:nvSpPr>
+          <p:spPr>
+            <a:xfrm>
+              <a:off x="7010429" y="-8467"/>
+              <a:ext cx="2142876" cy="6866467"/>
+            </a:xfrm>
+            <a:custGeom>
+              <a:avLst/>
+              <a:gdLst/>
+              <a:ahLst/>
+              <a:cxnLst/>
+              <a:rect l="l" t="t" r="r" b="b"/>
+              <a:pathLst>
+                <a:path w="2853267" h="6866467">
+                  <a:moveTo>
+                    <a:pt x="0" y="0"/>
+                  </a:moveTo>
+                  <a:lnTo>
+                    <a:pt x="2472267" y="6866467"/>
+                  </a:lnTo>
+                  <a:lnTo>
+                    <a:pt x="2853267" y="6858000"/>
+                  </a:lnTo>
+                  <a:lnTo>
+                    <a:pt x="2853267" y="0"/>
+                  </a:lnTo>
+                  <a:lnTo>
+                    <a:pt x="0" y="0"/>
+                  </a:lnTo>
+                  <a:close/>
+                </a:path>
+              </a:pathLst>
+            </a:custGeom>
+            <a:solidFill>
+              <a:schemeClr val="accent1">
+                <a:lumMod val="75000"/>
+                <a:alpha val="50000"/>
+              </a:schemeClr>
+            </a:solidFill>
+            <a:ln>
+              <a:noFill/>
+            </a:ln>
+            <a:effectLst/>
+          </p:spPr>
+          <p:style>
+            <a:lnRef idx="1">
+              <a:schemeClr val="accent1"/>
+            </a:lnRef>
+            <a:fillRef idx="3">
+              <a:schemeClr val="accent1"/>
+            </a:fillRef>
+            <a:effectRef idx="2">
+              <a:schemeClr val="accent1"/>
+            </a:effectRef>
+            <a:fontRef idx="minor">
+              <a:schemeClr val="lt1"/>
+            </a:fontRef>
+          </p:style>
+        </p:sp>
+        <p:sp>
+          <p:nvSpPr>
+            <p:cNvPr id="14" name="Freeform 13"/>
+            <p:cNvSpPr/>
+            <p:nvPr/>
+          </p:nvSpPr>
+          <p:spPr>
+            <a:xfrm>
+              <a:off x="8295776" y="-8467"/>
+              <a:ext cx="857530" cy="6866467"/>
+            </a:xfrm>
+            <a:custGeom>
+              <a:avLst/>
+              <a:gdLst/>
+              <a:ahLst/>
+              <a:cxnLst/>
+              <a:rect l="l" t="t" r="r" b="b"/>
+              <a:pathLst>
+                <a:path w="1286933" h="6866467">
+                  <a:moveTo>
+                    <a:pt x="1016000" y="0"/>
+                  </a:moveTo>
+                  <a:lnTo>
+                    <a:pt x="0" y="6866467"/>
+                  </a:lnTo>
+                  <a:lnTo>
+                    <a:pt x="1286933" y="6866467"/>
+                  </a:lnTo>
+                  <a:cubicBezTo>
+                    <a:pt x="1284111" y="4577645"/>
+                    <a:pt x="1281288" y="2288822"/>
+                    <a:pt x="1278466" y="0"/>
+                  </a:cubicBezTo>
+                  <a:lnTo>
+                    <a:pt x="1016000" y="0"/>
+                  </a:lnTo>
+                  <a:close/>
+                </a:path>
+              </a:pathLst>
+            </a:custGeom>
+            <a:solidFill>
+              <a:schemeClr val="accent2">
+                <a:alpha val="70000"/>
+              </a:schemeClr>
+            </a:solidFill>
+            <a:ln>
+              <a:noFill/>
+            </a:ln>
+            <a:effectLst/>
+          </p:spPr>
+          <p:style>
+            <a:lnRef idx="1">
+              <a:schemeClr val="accent1"/>
+            </a:lnRef>
+            <a:fillRef idx="3">
+              <a:schemeClr val="accent1"/>
+            </a:fillRef>
+            <a:effectRef idx="2">
+              <a:schemeClr val="accent1"/>
+            </a:effectRef>
+            <a:fontRef idx="minor">
+              <a:schemeClr val="lt1"/>
+            </a:fontRef>
+          </p:style>
+        </p:sp>
+        <p:sp>
+          <p:nvSpPr>
+            <p:cNvPr id="15" name="Freeform 14"/>
+            <p:cNvSpPr/>
+            <p:nvPr/>
+          </p:nvSpPr>
+          <p:spPr>
+            <a:xfrm>
+              <a:off x="8094165" y="-8468"/>
+              <a:ext cx="1066770" cy="6866467"/>
+            </a:xfrm>
+            <a:custGeom>
+              <a:avLst/>
+              <a:gdLst/>
+              <a:ahLst/>
+              <a:cxnLst/>
+              <a:rect l="l" t="t" r="r" b="b"/>
+              <a:pathLst>
+                <a:path w="1270244" h="6866467">
+                  <a:moveTo>
+                    <a:pt x="0" y="0"/>
+                  </a:moveTo>
+                  <a:lnTo>
+                    <a:pt x="1117600" y="6866467"/>
+                  </a:lnTo>
+                  <a:lnTo>
+                    <a:pt x="1270000" y="6866467"/>
+                  </a:lnTo>
+                  <a:cubicBezTo>
+                    <a:pt x="1272822" y="4574822"/>
+                    <a:pt x="1250245" y="2291645"/>
+                    <a:pt x="1253067" y="0"/>
+                  </a:cubicBezTo>
+                  <a:lnTo>
+                    <a:pt x="0" y="0"/>
+                  </a:lnTo>
+                  <a:close/>
+                </a:path>
+              </a:pathLst>
+            </a:custGeom>
+            <a:solidFill>
+              <a:schemeClr val="accent2">
+                <a:lumMod val="75000"/>
+                <a:alpha val="82000"/>
+              </a:schemeClr>
+            </a:solidFill>
+            <a:ln>
+              <a:noFill/>
+            </a:ln>
+            <a:effectLst/>
+          </p:spPr>
+          <p:style>
+            <a:lnRef idx="1">
+              <a:schemeClr val="accent1"/>
+            </a:lnRef>
+            <a:fillRef idx="3">
+              <a:schemeClr val="accent1"/>
+            </a:fillRef>
+            <a:effectRef idx="2">
+              <a:schemeClr val="accent1"/>
+            </a:effectRef>
+            <a:fontRef idx="minor">
+              <a:schemeClr val="lt1"/>
+            </a:fontRef>
+          </p:style>
+        </p:sp>
+        <p:sp>
+          <p:nvSpPr>
+            <p:cNvPr id="16" name="Freeform 15"/>
+            <p:cNvSpPr/>
+            <p:nvPr/>
+          </p:nvSpPr>
+          <p:spPr>
+            <a:xfrm>
+              <a:off x="8068764" y="4893733"/>
+              <a:ext cx="1094086" cy="1964267"/>
+            </a:xfrm>
+            <a:custGeom>
+              <a:avLst/>
+              <a:gdLst/>
+              <a:ahLst/>
+              <a:cxnLst/>
+              <a:rect l="l" t="t" r="r" b="b"/>
+              <a:pathLst>
+                <a:path w="1820333" h="3268133">
+                  <a:moveTo>
+                    <a:pt x="0" y="3268133"/>
+                  </a:moveTo>
+                  <a:lnTo>
+                    <a:pt x="1811866" y="0"/>
+                  </a:lnTo>
+                  <a:cubicBezTo>
+                    <a:pt x="1814688" y="1086555"/>
+                    <a:pt x="1817511" y="2173111"/>
+                    <a:pt x="1820333" y="3259666"/>
+                  </a:cubicBezTo>
+                  <a:lnTo>
+                    <a:pt x="0" y="3268133"/>
+                  </a:lnTo>
+                  <a:close/>
+                </a:path>
+              </a:pathLst>
+            </a:custGeom>
+            <a:solidFill>
+              <a:schemeClr val="accent1">
+                <a:lumMod val="75000"/>
+                <a:alpha val="66000"/>
+              </a:schemeClr>
+            </a:solidFill>
+            <a:ln>
+              <a:noFill/>
+            </a:ln>
+            <a:effectLst/>
+          </p:spPr>
+          <p:style>
+            <a:lnRef idx="1">
+              <a:schemeClr val="accent1"/>
+            </a:lnRef>
+            <a:fillRef idx="3">
+              <a:schemeClr val="accent1"/>
+            </a:fillRef>
+            <a:effectRef idx="2">
+              <a:schemeClr val="accent1"/>
+            </a:effectRef>
+            <a:fontRef idx="minor">
+              <a:schemeClr val="lt1"/>
+            </a:fontRef>
+          </p:style>
+        </p:sp>
+      </p:grpSp>
       <p:sp>
         <p:nvSpPr>
           <p:cNvPr id="2" name="Title Placeholder 1"/>
@@ -2443,15 +5394,15 @@
         </p:nvSpPr>
         <p:spPr>
           <a:xfrm>
-            <a:off x="1470124" y="804969"/>
-            <a:ext cx="18443377" cy="2922375"/>
+            <a:off x="1425574" y="1343942"/>
+            <a:ext cx="14844391" cy="2911875"/>
           </a:xfrm>
           <a:prstGeom prst="rect">
             <a:avLst/>
           </a:prstGeom>
         </p:spPr>
         <p:txBody>
-          <a:bodyPr vert="horz" lIns="91440" tIns="45720" rIns="91440" bIns="45720" rtlCol="0" anchor="ctr">
+          <a:bodyPr vert="horz" lIns="91440" tIns="45720" rIns="91440" bIns="45720" rtlCol="0" anchor="t">
             <a:normAutofit/>
           </a:bodyPr>
           <a:lstStyle/>
@@ -2476,8 +5427,8 @@
         </p:nvSpPr>
         <p:spPr>
           <a:xfrm>
-            <a:off x="1470124" y="4024827"/>
-            <a:ext cx="18443377" cy="9593089"/>
+            <a:off x="1425573" y="4763302"/>
+            <a:ext cx="14844394" cy="8555667"/>
           </a:xfrm>
           <a:prstGeom prst="rect">
             <a:avLst/>
@@ -2538,8 +5489,8 @@
         </p:nvSpPr>
         <p:spPr>
           <a:xfrm>
-            <a:off x="1470124" y="14013401"/>
-            <a:ext cx="4811316" cy="804965"/>
+            <a:off x="12640421" y="13318969"/>
+            <a:ext cx="1599871" cy="804965"/>
           </a:xfrm>
           <a:prstGeom prst="rect">
             <a:avLst/>
@@ -2548,8 +5499,8 @@
         <p:txBody>
           <a:bodyPr vert="horz" lIns="91440" tIns="45720" rIns="91440" bIns="45720" rtlCol="0" anchor="ctr"/>
           <a:lstStyle>
-            <a:lvl1pPr algn="l">
-              <a:defRPr sz="2646">
+            <a:lvl1pPr algn="r">
+              <a:defRPr sz="1984">
                 <a:solidFill>
                   <a:schemeClr val="tx1">
                     <a:tint val="75000"/>
@@ -2561,7 +5512,7 @@
           <a:p>
             <a:fld id="{4DD0A917-C272-441A-92EE-F01DF0D33BF7}" type="datetimeFigureOut">
               <a:rPr lang="fr-FR" smtClean="0"/>
-              <a:t>19/05/2019</a:t>
+              <a:t>23/05/2019</a:t>
             </a:fld>
             <a:endParaRPr lang="fr-FR"/>
           </a:p>
@@ -2579,8 +5530,8 @@
         </p:nvSpPr>
         <p:spPr>
           <a:xfrm>
-            <a:off x="7083326" y="14013401"/>
-            <a:ext cx="7216973" cy="804965"/>
+            <a:off x="1425574" y="13318969"/>
+            <a:ext cx="10811015" cy="804965"/>
           </a:xfrm>
           <a:prstGeom prst="rect">
             <a:avLst/>
@@ -2589,8 +5540,8 @@
         <p:txBody>
           <a:bodyPr vert="horz" lIns="91440" tIns="45720" rIns="91440" bIns="45720" rtlCol="0" anchor="ctr"/>
           <a:lstStyle>
-            <a:lvl1pPr algn="ctr">
-              <a:defRPr sz="2646">
+            <a:lvl1pPr algn="l">
+              <a:defRPr sz="1984">
                 <a:solidFill>
                   <a:schemeClr val="tx1">
                     <a:tint val="75000"/>
@@ -2616,8 +5567,8 @@
         </p:nvSpPr>
         <p:spPr>
           <a:xfrm>
-            <a:off x="15102185" y="14013401"/>
-            <a:ext cx="4811316" cy="804965"/>
+            <a:off x="15071144" y="13318969"/>
+            <a:ext cx="1198825" cy="804965"/>
           </a:xfrm>
           <a:prstGeom prst="rect">
             <a:avLst/>
@@ -2627,11 +5578,9 @@
           <a:bodyPr vert="horz" lIns="91440" tIns="45720" rIns="91440" bIns="45720" rtlCol="0" anchor="ctr"/>
           <a:lstStyle>
             <a:lvl1pPr algn="r">
-              <a:defRPr sz="2646">
+              <a:defRPr sz="1984">
                 <a:solidFill>
-                  <a:schemeClr val="tx1">
-                    <a:tint val="75000"/>
-                  </a:schemeClr>
+                  <a:schemeClr val="accent1"/>
                 </a:solidFill>
               </a:defRPr>
             </a:lvl1pPr>
@@ -2648,201 +5597,322 @@
     </p:spTree>
     <p:extLst>
       <p:ext uri="{BB962C8B-B14F-4D97-AF65-F5344CB8AC3E}">
-        <p14:creationId xmlns:p14="http://schemas.microsoft.com/office/powerpoint/2010/main" val="2681010933"/>
+        <p14:creationId xmlns:p14="http://schemas.microsoft.com/office/powerpoint/2010/main" val="1228809855"/>
       </p:ext>
     </p:extLst>
   </p:cSld>
   <p:clrMap bg1="lt1" tx1="dk1" bg2="lt2" tx2="dk2" accent1="accent1" accent2="accent2" accent3="accent3" accent4="accent4" accent5="accent5" accent6="accent6" hlink="hlink" folHlink="folHlink"/>
   <p:sldLayoutIdLst>
-    <p:sldLayoutId id="2147483673" r:id="rId1"/>
-    <p:sldLayoutId id="2147483674" r:id="rId2"/>
-    <p:sldLayoutId id="2147483675" r:id="rId3"/>
-    <p:sldLayoutId id="2147483676" r:id="rId4"/>
-    <p:sldLayoutId id="2147483677" r:id="rId5"/>
-    <p:sldLayoutId id="2147483678" r:id="rId6"/>
-    <p:sldLayoutId id="2147483679" r:id="rId7"/>
-    <p:sldLayoutId id="2147483680" r:id="rId8"/>
-    <p:sldLayoutId id="2147483681" r:id="rId9"/>
-    <p:sldLayoutId id="2147483682" r:id="rId10"/>
-    <p:sldLayoutId id="2147483683" r:id="rId11"/>
+    <p:sldLayoutId id="2147483855" r:id="rId1"/>
+    <p:sldLayoutId id="2147483856" r:id="rId2"/>
+    <p:sldLayoutId id="2147483857" r:id="rId3"/>
+    <p:sldLayoutId id="2147483858" r:id="rId4"/>
+    <p:sldLayoutId id="2147483859" r:id="rId5"/>
+    <p:sldLayoutId id="2147483860" r:id="rId6"/>
+    <p:sldLayoutId id="2147483861" r:id="rId7"/>
+    <p:sldLayoutId id="2147483862" r:id="rId8"/>
+    <p:sldLayoutId id="2147483863" r:id="rId9"/>
+    <p:sldLayoutId id="2147483864" r:id="rId10"/>
+    <p:sldLayoutId id="2147483865" r:id="rId11"/>
+    <p:sldLayoutId id="2147483866" r:id="rId12"/>
+    <p:sldLayoutId id="2147483867" r:id="rId13"/>
+    <p:sldLayoutId id="2147483868" r:id="rId14"/>
+    <p:sldLayoutId id="2147483869" r:id="rId15"/>
+    <p:sldLayoutId id="2147483870" r:id="rId16"/>
   </p:sldLayoutIdLst>
   <p:txStyles>
     <p:titleStyle>
-      <a:lvl1pPr algn="l" defTabSz="2015886" rtl="0" eaLnBrk="1" latinLnBrk="0" hangingPunct="1">
-        <a:lnSpc>
-          <a:spcPct val="90000"/>
-        </a:lnSpc>
+      <a:lvl1pPr algn="l" defTabSz="1007943" rtl="0" eaLnBrk="1" latinLnBrk="0" hangingPunct="1">
         <a:spcBef>
           <a:spcPct val="0"/>
         </a:spcBef>
         <a:buNone/>
-        <a:defRPr sz="9700" kern="1200">
+        <a:defRPr sz="7937" kern="1200">
           <a:solidFill>
-            <a:schemeClr val="tx1"/>
+            <a:schemeClr val="accent1"/>
           </a:solidFill>
           <a:latin typeface="+mj-lt"/>
           <a:ea typeface="+mj-ea"/>
           <a:cs typeface="+mj-cs"/>
         </a:defRPr>
       </a:lvl1pPr>
+      <a:lvl2pPr eaLnBrk="1" hangingPunct="1">
+        <a:defRPr>
+          <a:solidFill>
+            <a:schemeClr val="tx2"/>
+          </a:solidFill>
+        </a:defRPr>
+      </a:lvl2pPr>
+      <a:lvl3pPr eaLnBrk="1" hangingPunct="1">
+        <a:defRPr>
+          <a:solidFill>
+            <a:schemeClr val="tx2"/>
+          </a:solidFill>
+        </a:defRPr>
+      </a:lvl3pPr>
+      <a:lvl4pPr eaLnBrk="1" hangingPunct="1">
+        <a:defRPr>
+          <a:solidFill>
+            <a:schemeClr val="tx2"/>
+          </a:solidFill>
+        </a:defRPr>
+      </a:lvl4pPr>
+      <a:lvl5pPr eaLnBrk="1" hangingPunct="1">
+        <a:defRPr>
+          <a:solidFill>
+            <a:schemeClr val="tx2"/>
+          </a:solidFill>
+        </a:defRPr>
+      </a:lvl5pPr>
+      <a:lvl6pPr eaLnBrk="1" hangingPunct="1">
+        <a:defRPr>
+          <a:solidFill>
+            <a:schemeClr val="tx2"/>
+          </a:solidFill>
+        </a:defRPr>
+      </a:lvl6pPr>
+      <a:lvl7pPr eaLnBrk="1" hangingPunct="1">
+        <a:defRPr>
+          <a:solidFill>
+            <a:schemeClr val="tx2"/>
+          </a:solidFill>
+        </a:defRPr>
+      </a:lvl7pPr>
+      <a:lvl8pPr eaLnBrk="1" hangingPunct="1">
+        <a:defRPr>
+          <a:solidFill>
+            <a:schemeClr val="tx2"/>
+          </a:solidFill>
+        </a:defRPr>
+      </a:lvl8pPr>
+      <a:lvl9pPr eaLnBrk="1" hangingPunct="1">
+        <a:defRPr>
+          <a:solidFill>
+            <a:schemeClr val="tx2"/>
+          </a:solidFill>
+        </a:defRPr>
+      </a:lvl9pPr>
     </p:titleStyle>
     <p:bodyStyle>
-      <a:lvl1pPr marL="503972" indent="-503972" algn="l" defTabSz="2015886" rtl="0" eaLnBrk="1" latinLnBrk="0" hangingPunct="1">
-        <a:lnSpc>
-          <a:spcPct val="90000"/>
-        </a:lnSpc>
+      <a:lvl1pPr marL="755957" indent="-755957" algn="l" defTabSz="1007943" rtl="0" eaLnBrk="1" latinLnBrk="0" hangingPunct="1">
         <a:spcBef>
           <a:spcPts val="2205"/>
         </a:spcBef>
-        <a:buFont typeface="Arial" panose="020B0604020202020204" pitchFamily="34" charset="0"/>
-        <a:buChar char="•"/>
-        <a:defRPr sz="6173" kern="1200">
+        <a:spcAft>
+          <a:spcPts val="0"/>
+        </a:spcAft>
+        <a:buClr>
+          <a:schemeClr val="accent1"/>
+        </a:buClr>
+        <a:buSzPct val="80000"/>
+        <a:buFont typeface="Wingdings 3" charset="2"/>
+        <a:buChar char=""/>
+        <a:defRPr sz="3968" kern="1200">
           <a:solidFill>
-            <a:schemeClr val="tx1"/>
+            <a:schemeClr val="tx1">
+              <a:lumMod val="75000"/>
+              <a:lumOff val="25000"/>
+            </a:schemeClr>
           </a:solidFill>
           <a:latin typeface="+mn-lt"/>
           <a:ea typeface="+mn-ea"/>
           <a:cs typeface="+mn-cs"/>
         </a:defRPr>
       </a:lvl1pPr>
-      <a:lvl2pPr marL="1511915" indent="-503972" algn="l" defTabSz="2015886" rtl="0" eaLnBrk="1" latinLnBrk="0" hangingPunct="1">
-        <a:lnSpc>
-          <a:spcPct val="90000"/>
-        </a:lnSpc>
+      <a:lvl2pPr marL="1637908" indent="-629964" algn="l" defTabSz="1007943" rtl="0" eaLnBrk="1" latinLnBrk="0" hangingPunct="1">
         <a:spcBef>
-          <a:spcPts val="1102"/>
+          <a:spcPts val="2205"/>
         </a:spcBef>
-        <a:buFont typeface="Arial" panose="020B0604020202020204" pitchFamily="34" charset="0"/>
-        <a:buChar char="•"/>
-        <a:defRPr sz="5291" kern="1200">
+        <a:spcAft>
+          <a:spcPts val="0"/>
+        </a:spcAft>
+        <a:buClr>
+          <a:schemeClr val="accent1"/>
+        </a:buClr>
+        <a:buSzPct val="80000"/>
+        <a:buFont typeface="Wingdings 3" charset="2"/>
+        <a:buChar char=""/>
+        <a:defRPr sz="3527" kern="1200">
           <a:solidFill>
-            <a:schemeClr val="tx1"/>
+            <a:schemeClr val="tx1">
+              <a:lumMod val="75000"/>
+              <a:lumOff val="25000"/>
+            </a:schemeClr>
           </a:solidFill>
           <a:latin typeface="+mn-lt"/>
           <a:ea typeface="+mn-ea"/>
           <a:cs typeface="+mn-cs"/>
         </a:defRPr>
       </a:lvl2pPr>
-      <a:lvl3pPr marL="2519858" indent="-503972" algn="l" defTabSz="2015886" rtl="0" eaLnBrk="1" latinLnBrk="0" hangingPunct="1">
-        <a:lnSpc>
-          <a:spcPct val="90000"/>
-        </a:lnSpc>
+      <a:lvl3pPr marL="2519858" indent="-503972" algn="l" defTabSz="1007943" rtl="0" eaLnBrk="1" latinLnBrk="0" hangingPunct="1">
         <a:spcBef>
-          <a:spcPts val="1102"/>
+          <a:spcPts val="2205"/>
         </a:spcBef>
-        <a:buFont typeface="Arial" panose="020B0604020202020204" pitchFamily="34" charset="0"/>
-        <a:buChar char="•"/>
-        <a:defRPr sz="4409" kern="1200">
+        <a:spcAft>
+          <a:spcPts val="0"/>
+        </a:spcAft>
+        <a:buClr>
+          <a:schemeClr val="accent1"/>
+        </a:buClr>
+        <a:buSzPct val="80000"/>
+        <a:buFont typeface="Wingdings 3" charset="2"/>
+        <a:buChar char=""/>
+        <a:defRPr sz="3086" kern="1200">
           <a:solidFill>
-            <a:schemeClr val="tx1"/>
+            <a:schemeClr val="tx1">
+              <a:lumMod val="75000"/>
+              <a:lumOff val="25000"/>
+            </a:schemeClr>
           </a:solidFill>
           <a:latin typeface="+mn-lt"/>
           <a:ea typeface="+mn-ea"/>
           <a:cs typeface="+mn-cs"/>
         </a:defRPr>
       </a:lvl3pPr>
-      <a:lvl4pPr marL="3527801" indent="-503972" algn="l" defTabSz="2015886" rtl="0" eaLnBrk="1" latinLnBrk="0" hangingPunct="1">
-        <a:lnSpc>
-          <a:spcPct val="90000"/>
-        </a:lnSpc>
+      <a:lvl4pPr marL="3527801" indent="-503972" algn="l" defTabSz="1007943" rtl="0" eaLnBrk="1" latinLnBrk="0" hangingPunct="1">
         <a:spcBef>
-          <a:spcPts val="1102"/>
+          <a:spcPts val="2205"/>
         </a:spcBef>
-        <a:buFont typeface="Arial" panose="020B0604020202020204" pitchFamily="34" charset="0"/>
-        <a:buChar char="•"/>
-        <a:defRPr sz="3968" kern="1200">
+        <a:spcAft>
+          <a:spcPts val="0"/>
+        </a:spcAft>
+        <a:buClr>
+          <a:schemeClr val="accent1"/>
+        </a:buClr>
+        <a:buSzPct val="80000"/>
+        <a:buFont typeface="Wingdings 3" charset="2"/>
+        <a:buChar char=""/>
+        <a:defRPr sz="2646" kern="1200">
           <a:solidFill>
-            <a:schemeClr val="tx1"/>
+            <a:schemeClr val="tx1">
+              <a:lumMod val="75000"/>
+              <a:lumOff val="25000"/>
+            </a:schemeClr>
           </a:solidFill>
           <a:latin typeface="+mn-lt"/>
           <a:ea typeface="+mn-ea"/>
           <a:cs typeface="+mn-cs"/>
         </a:defRPr>
       </a:lvl4pPr>
-      <a:lvl5pPr marL="4535744" indent="-503972" algn="l" defTabSz="2015886" rtl="0" eaLnBrk="1" latinLnBrk="0" hangingPunct="1">
-        <a:lnSpc>
-          <a:spcPct val="90000"/>
-        </a:lnSpc>
+      <a:lvl5pPr marL="4535744" indent="-503972" algn="l" defTabSz="1007943" rtl="0" eaLnBrk="1" latinLnBrk="0" hangingPunct="1">
         <a:spcBef>
-          <a:spcPts val="1102"/>
+          <a:spcPts val="2205"/>
         </a:spcBef>
-        <a:buFont typeface="Arial" panose="020B0604020202020204" pitchFamily="34" charset="0"/>
-        <a:buChar char="•"/>
-        <a:defRPr sz="3968" kern="1200">
+        <a:spcAft>
+          <a:spcPts val="0"/>
+        </a:spcAft>
+        <a:buClr>
+          <a:schemeClr val="accent1"/>
+        </a:buClr>
+        <a:buSzPct val="80000"/>
+        <a:buFont typeface="Wingdings 3" charset="2"/>
+        <a:buChar char=""/>
+        <a:defRPr sz="2646" kern="1200">
           <a:solidFill>
-            <a:schemeClr val="tx1"/>
+            <a:schemeClr val="tx1">
+              <a:lumMod val="75000"/>
+              <a:lumOff val="25000"/>
+            </a:schemeClr>
           </a:solidFill>
           <a:latin typeface="+mn-lt"/>
           <a:ea typeface="+mn-ea"/>
           <a:cs typeface="+mn-cs"/>
         </a:defRPr>
       </a:lvl5pPr>
-      <a:lvl6pPr marL="5543687" indent="-503972" algn="l" defTabSz="2015886" rtl="0" eaLnBrk="1" latinLnBrk="0" hangingPunct="1">
-        <a:lnSpc>
-          <a:spcPct val="90000"/>
-        </a:lnSpc>
+      <a:lvl6pPr marL="5543687" indent="-503972" algn="l" defTabSz="1007943" rtl="0" eaLnBrk="1" latinLnBrk="0" hangingPunct="1">
         <a:spcBef>
-          <a:spcPts val="1102"/>
+          <a:spcPts val="2205"/>
         </a:spcBef>
-        <a:buFont typeface="Arial" panose="020B0604020202020204" pitchFamily="34" charset="0"/>
-        <a:buChar char="•"/>
-        <a:defRPr sz="3968" kern="1200">
+        <a:spcAft>
+          <a:spcPts val="0"/>
+        </a:spcAft>
+        <a:buClr>
+          <a:schemeClr val="accent1"/>
+        </a:buClr>
+        <a:buSzPct val="80000"/>
+        <a:buFont typeface="Wingdings 3" charset="2"/>
+        <a:buChar char=""/>
+        <a:defRPr sz="2646" kern="1200">
           <a:solidFill>
-            <a:schemeClr val="tx1"/>
+            <a:schemeClr val="tx1">
+              <a:lumMod val="75000"/>
+              <a:lumOff val="25000"/>
+            </a:schemeClr>
           </a:solidFill>
           <a:latin typeface="+mn-lt"/>
           <a:ea typeface="+mn-ea"/>
           <a:cs typeface="+mn-cs"/>
         </a:defRPr>
       </a:lvl6pPr>
-      <a:lvl7pPr marL="6551630" indent="-503972" algn="l" defTabSz="2015886" rtl="0" eaLnBrk="1" latinLnBrk="0" hangingPunct="1">
-        <a:lnSpc>
-          <a:spcPct val="90000"/>
-        </a:lnSpc>
+      <a:lvl7pPr marL="6551630" indent="-503972" algn="l" defTabSz="1007943" rtl="0" eaLnBrk="1" latinLnBrk="0" hangingPunct="1">
         <a:spcBef>
-          <a:spcPts val="1102"/>
+          <a:spcPts val="2205"/>
         </a:spcBef>
-        <a:buFont typeface="Arial" panose="020B0604020202020204" pitchFamily="34" charset="0"/>
-        <a:buChar char="•"/>
-        <a:defRPr sz="3968" kern="1200">
+        <a:spcAft>
+          <a:spcPts val="0"/>
+        </a:spcAft>
+        <a:buClr>
+          <a:schemeClr val="accent1"/>
+        </a:buClr>
+        <a:buSzPct val="80000"/>
+        <a:buFont typeface="Wingdings 3" charset="2"/>
+        <a:buChar char=""/>
+        <a:defRPr sz="2646" kern="1200">
           <a:solidFill>
-            <a:schemeClr val="tx1"/>
+            <a:schemeClr val="tx1">
+              <a:lumMod val="75000"/>
+              <a:lumOff val="25000"/>
+            </a:schemeClr>
           </a:solidFill>
           <a:latin typeface="+mn-lt"/>
           <a:ea typeface="+mn-ea"/>
           <a:cs typeface="+mn-cs"/>
         </a:defRPr>
       </a:lvl7pPr>
-      <a:lvl8pPr marL="7559573" indent="-503972" algn="l" defTabSz="2015886" rtl="0" eaLnBrk="1" latinLnBrk="0" hangingPunct="1">
-        <a:lnSpc>
-          <a:spcPct val="90000"/>
-        </a:lnSpc>
+      <a:lvl8pPr marL="7559573" indent="-503972" algn="l" defTabSz="1007943" rtl="0" eaLnBrk="1" latinLnBrk="0" hangingPunct="1">
         <a:spcBef>
-          <a:spcPts val="1102"/>
+          <a:spcPts val="2205"/>
         </a:spcBef>
-        <a:buFont typeface="Arial" panose="020B0604020202020204" pitchFamily="34" charset="0"/>
-        <a:buChar char="•"/>
-        <a:defRPr sz="3968" kern="1200">
+        <a:spcAft>
+          <a:spcPts val="0"/>
+        </a:spcAft>
+        <a:buClr>
+          <a:schemeClr val="accent1"/>
+        </a:buClr>
+        <a:buSzPct val="80000"/>
+        <a:buFont typeface="Wingdings 3" charset="2"/>
+        <a:buChar char=""/>
+        <a:defRPr sz="2646" kern="1200">
           <a:solidFill>
-            <a:schemeClr val="tx1"/>
+            <a:schemeClr val="tx1">
+              <a:lumMod val="75000"/>
+              <a:lumOff val="25000"/>
+            </a:schemeClr>
           </a:solidFill>
           <a:latin typeface="+mn-lt"/>
           <a:ea typeface="+mn-ea"/>
           <a:cs typeface="+mn-cs"/>
         </a:defRPr>
       </a:lvl8pPr>
-      <a:lvl9pPr marL="8567517" indent="-503972" algn="l" defTabSz="2015886" rtl="0" eaLnBrk="1" latinLnBrk="0" hangingPunct="1">
-        <a:lnSpc>
-          <a:spcPct val="90000"/>
-        </a:lnSpc>
+      <a:lvl9pPr marL="8567517" indent="-503972" algn="l" defTabSz="1007943" rtl="0" eaLnBrk="1" latinLnBrk="0" hangingPunct="1">
         <a:spcBef>
-          <a:spcPts val="1102"/>
+          <a:spcPts val="2205"/>
         </a:spcBef>
-        <a:buFont typeface="Arial" panose="020B0604020202020204" pitchFamily="34" charset="0"/>
-        <a:buChar char="•"/>
-        <a:defRPr sz="3968" kern="1200">
+        <a:spcAft>
+          <a:spcPts val="0"/>
+        </a:spcAft>
+        <a:buClr>
+          <a:schemeClr val="accent1"/>
+        </a:buClr>
+        <a:buSzPct val="80000"/>
+        <a:buFont typeface="Wingdings 3" charset="2"/>
+        <a:buChar char=""/>
+        <a:defRPr sz="2646" kern="1200">
           <a:solidFill>
-            <a:schemeClr val="tx1"/>
+            <a:schemeClr val="tx1">
+              <a:lumMod val="75000"/>
+              <a:lumOff val="25000"/>
+            </a:schemeClr>
           </a:solidFill>
           <a:latin typeface="+mn-lt"/>
           <a:ea typeface="+mn-ea"/>
@@ -2854,7 +5924,7 @@
       <a:defPPr>
         <a:defRPr lang="en-US"/>
       </a:defPPr>
-      <a:lvl1pPr marL="0" algn="l" defTabSz="2015886" rtl="0" eaLnBrk="1" latinLnBrk="0" hangingPunct="1">
+      <a:lvl1pPr marL="0" algn="l" defTabSz="1007943" rtl="0" eaLnBrk="1" latinLnBrk="0" hangingPunct="1">
         <a:defRPr sz="3968" kern="1200">
           <a:solidFill>
             <a:schemeClr val="tx1"/>
@@ -2864,7 +5934,7 @@
           <a:cs typeface="+mn-cs"/>
         </a:defRPr>
       </a:lvl1pPr>
-      <a:lvl2pPr marL="1007943" algn="l" defTabSz="2015886" rtl="0" eaLnBrk="1" latinLnBrk="0" hangingPunct="1">
+      <a:lvl2pPr marL="1007943" algn="l" defTabSz="1007943" rtl="0" eaLnBrk="1" latinLnBrk="0" hangingPunct="1">
         <a:defRPr sz="3968" kern="1200">
           <a:solidFill>
             <a:schemeClr val="tx1"/>
@@ -2874,7 +5944,7 @@
           <a:cs typeface="+mn-cs"/>
         </a:defRPr>
       </a:lvl2pPr>
-      <a:lvl3pPr marL="2015886" algn="l" defTabSz="2015886" rtl="0" eaLnBrk="1" latinLnBrk="0" hangingPunct="1">
+      <a:lvl3pPr marL="2015886" algn="l" defTabSz="1007943" rtl="0" eaLnBrk="1" latinLnBrk="0" hangingPunct="1">
         <a:defRPr sz="3968" kern="1200">
           <a:solidFill>
             <a:schemeClr val="tx1"/>
@@ -2884,7 +5954,7 @@
           <a:cs typeface="+mn-cs"/>
         </a:defRPr>
       </a:lvl3pPr>
-      <a:lvl4pPr marL="3023829" algn="l" defTabSz="2015886" rtl="0" eaLnBrk="1" latinLnBrk="0" hangingPunct="1">
+      <a:lvl4pPr marL="3023829" algn="l" defTabSz="1007943" rtl="0" eaLnBrk="1" latinLnBrk="0" hangingPunct="1">
         <a:defRPr sz="3968" kern="1200">
           <a:solidFill>
             <a:schemeClr val="tx1"/>
@@ -2894,7 +5964,7 @@
           <a:cs typeface="+mn-cs"/>
         </a:defRPr>
       </a:lvl4pPr>
-      <a:lvl5pPr marL="4031772" algn="l" defTabSz="2015886" rtl="0" eaLnBrk="1" latinLnBrk="0" hangingPunct="1">
+      <a:lvl5pPr marL="4031772" algn="l" defTabSz="1007943" rtl="0" eaLnBrk="1" latinLnBrk="0" hangingPunct="1">
         <a:defRPr sz="3968" kern="1200">
           <a:solidFill>
             <a:schemeClr val="tx1"/>
@@ -2904,7 +5974,7 @@
           <a:cs typeface="+mn-cs"/>
         </a:defRPr>
       </a:lvl5pPr>
-      <a:lvl6pPr marL="5039716" algn="l" defTabSz="2015886" rtl="0" eaLnBrk="1" latinLnBrk="0" hangingPunct="1">
+      <a:lvl6pPr marL="5039716" algn="l" defTabSz="1007943" rtl="0" eaLnBrk="1" latinLnBrk="0" hangingPunct="1">
         <a:defRPr sz="3968" kern="1200">
           <a:solidFill>
             <a:schemeClr val="tx1"/>
@@ -2914,7 +5984,7 @@
           <a:cs typeface="+mn-cs"/>
         </a:defRPr>
       </a:lvl6pPr>
-      <a:lvl7pPr marL="6047659" algn="l" defTabSz="2015886" rtl="0" eaLnBrk="1" latinLnBrk="0" hangingPunct="1">
+      <a:lvl7pPr marL="6047659" algn="l" defTabSz="1007943" rtl="0" eaLnBrk="1" latinLnBrk="0" hangingPunct="1">
         <a:defRPr sz="3968" kern="1200">
           <a:solidFill>
             <a:schemeClr val="tx1"/>
@@ -2924,7 +5994,7 @@
           <a:cs typeface="+mn-cs"/>
         </a:defRPr>
       </a:lvl7pPr>
-      <a:lvl8pPr marL="7055602" algn="l" defTabSz="2015886" rtl="0" eaLnBrk="1" latinLnBrk="0" hangingPunct="1">
+      <a:lvl8pPr marL="7055602" algn="l" defTabSz="1007943" rtl="0" eaLnBrk="1" latinLnBrk="0" hangingPunct="1">
         <a:defRPr sz="3968" kern="1200">
           <a:solidFill>
             <a:schemeClr val="tx1"/>
@@ -2934,7 +6004,7 @@
           <a:cs typeface="+mn-cs"/>
         </a:defRPr>
       </a:lvl8pPr>
-      <a:lvl9pPr marL="8063545" algn="l" defTabSz="2015886" rtl="0" eaLnBrk="1" latinLnBrk="0" hangingPunct="1">
+      <a:lvl9pPr marL="8063545" algn="l" defTabSz="1007943" rtl="0" eaLnBrk="1" latinLnBrk="0" hangingPunct="1">
         <a:defRPr sz="3968" kern="1200">
           <a:solidFill>
             <a:schemeClr val="tx1"/>
@@ -2974,178 +6044,6 @@
           <a:chExt cx="0" cy="0"/>
         </a:xfrm>
       </p:grpSpPr>
-      <p:sp>
-        <p:nvSpPr>
-          <p:cNvPr id="56" name="Rectangle : coins arrondis 55">
-            <a:extLst>
-              <a:ext uri="{FF2B5EF4-FFF2-40B4-BE49-F238E27FC236}">
-                <a16:creationId xmlns:a16="http://schemas.microsoft.com/office/drawing/2014/main" id="{F628AAC4-F9DA-4397-B079-95869252F3C6}"/>
-              </a:ext>
-            </a:extLst>
-          </p:cNvPr>
-          <p:cNvSpPr/>
-          <p:nvPr/>
-        </p:nvSpPr>
-        <p:spPr>
-          <a:xfrm>
-            <a:off x="5707124" y="1425645"/>
-            <a:ext cx="4591070" cy="3244786"/>
-          </a:xfrm>
-          <a:prstGeom prst="roundRect">
-            <a:avLst/>
-          </a:prstGeom>
-          <a:solidFill>
-            <a:schemeClr val="bg1"/>
-          </a:solidFill>
-          <a:ln>
-            <a:solidFill>
-              <a:schemeClr val="bg1">
-                <a:lumMod val="50000"/>
-              </a:schemeClr>
-            </a:solidFill>
-          </a:ln>
-        </p:spPr>
-        <p:style>
-          <a:lnRef idx="2">
-            <a:schemeClr val="accent1">
-              <a:shade val="50000"/>
-            </a:schemeClr>
-          </a:lnRef>
-          <a:fillRef idx="1">
-            <a:schemeClr val="accent1"/>
-          </a:fillRef>
-          <a:effectRef idx="0">
-            <a:schemeClr val="accent1"/>
-          </a:effectRef>
-          <a:fontRef idx="minor">
-            <a:schemeClr val="lt1"/>
-          </a:fontRef>
-        </p:style>
-        <p:txBody>
-          <a:bodyPr rtlCol="0" anchor="ctr"/>
-          <a:lstStyle/>
-          <a:p>
-            <a:pPr algn="ctr"/>
-            <a:endParaRPr lang="fr-FR" dirty="0">
-              <a:highlight>
-                <a:srgbClr val="000000"/>
-              </a:highlight>
-            </a:endParaRPr>
-          </a:p>
-        </p:txBody>
-      </p:sp>
-      <p:sp>
-        <p:nvSpPr>
-          <p:cNvPr id="53" name="Rectangle : coins arrondis 52">
-            <a:extLst>
-              <a:ext uri="{FF2B5EF4-FFF2-40B4-BE49-F238E27FC236}">
-                <a16:creationId xmlns:a16="http://schemas.microsoft.com/office/drawing/2014/main" id="{51A2E07E-8317-486D-A510-F0D3B1D8A7A9}"/>
-              </a:ext>
-            </a:extLst>
-          </p:cNvPr>
-          <p:cNvSpPr/>
-          <p:nvPr/>
-        </p:nvSpPr>
-        <p:spPr>
-          <a:xfrm>
-            <a:off x="703385" y="1466332"/>
-            <a:ext cx="4591070" cy="3244786"/>
-          </a:xfrm>
-          <a:prstGeom prst="roundRect">
-            <a:avLst/>
-          </a:prstGeom>
-          <a:solidFill>
-            <a:schemeClr val="bg1"/>
-          </a:solidFill>
-          <a:ln>
-            <a:solidFill>
-              <a:schemeClr val="bg1">
-                <a:lumMod val="50000"/>
-              </a:schemeClr>
-            </a:solidFill>
-          </a:ln>
-        </p:spPr>
-        <p:style>
-          <a:lnRef idx="2">
-            <a:schemeClr val="accent1">
-              <a:shade val="50000"/>
-            </a:schemeClr>
-          </a:lnRef>
-          <a:fillRef idx="1">
-            <a:schemeClr val="accent1"/>
-          </a:fillRef>
-          <a:effectRef idx="0">
-            <a:schemeClr val="accent1"/>
-          </a:effectRef>
-          <a:fontRef idx="minor">
-            <a:schemeClr val="lt1"/>
-          </a:fontRef>
-        </p:style>
-        <p:txBody>
-          <a:bodyPr rtlCol="0" anchor="ctr"/>
-          <a:lstStyle/>
-          <a:p>
-            <a:pPr algn="ctr"/>
-            <a:endParaRPr lang="fr-FR" dirty="0">
-              <a:highlight>
-                <a:srgbClr val="000000"/>
-              </a:highlight>
-            </a:endParaRPr>
-          </a:p>
-        </p:txBody>
-      </p:sp>
-      <p:sp>
-        <p:nvSpPr>
-          <p:cNvPr id="4" name="Ellipse 3">
-            <a:extLst>
-              <a:ext uri="{FF2B5EF4-FFF2-40B4-BE49-F238E27FC236}">
-                <a16:creationId xmlns:a16="http://schemas.microsoft.com/office/drawing/2014/main" id="{229EE5AC-ABE7-4DFD-986F-200C2BC10C4D}"/>
-              </a:ext>
-            </a:extLst>
-          </p:cNvPr>
-          <p:cNvSpPr/>
-          <p:nvPr/>
-        </p:nvSpPr>
-        <p:spPr>
-          <a:xfrm>
-            <a:off x="8621934" y="5694299"/>
-            <a:ext cx="4139756" cy="3730752"/>
-          </a:xfrm>
-          <a:prstGeom prst="ellipse">
-            <a:avLst/>
-          </a:prstGeom>
-        </p:spPr>
-        <p:style>
-          <a:lnRef idx="2">
-            <a:schemeClr val="dk1"/>
-          </a:lnRef>
-          <a:fillRef idx="1">
-            <a:schemeClr val="lt1"/>
-          </a:fillRef>
-          <a:effectRef idx="0">
-            <a:schemeClr val="dk1"/>
-          </a:effectRef>
-          <a:fontRef idx="minor">
-            <a:schemeClr val="dk1"/>
-          </a:fontRef>
-        </p:style>
-        <p:txBody>
-          <a:bodyPr rtlCol="0" anchor="ctr"/>
-          <a:lstStyle/>
-          <a:p>
-            <a:pPr algn="ctr"/>
-            <a:endParaRPr lang="fr-FR" b="1" dirty="0"/>
-          </a:p>
-          <a:p>
-            <a:pPr algn="ctr"/>
-            <a:endParaRPr lang="fr-FR" b="1" dirty="0"/>
-          </a:p>
-          <a:p>
-            <a:pPr algn="ctr"/>
-            <a:endParaRPr lang="fr-FR" b="1" dirty="0"/>
-          </a:p>
-        </p:txBody>
-      </p:sp>
       <p:cxnSp>
         <p:nvCxnSpPr>
           <p:cNvPr id="6" name="Connecteur droit 5">
@@ -3163,47 +6061,8 @@
         </p:nvCxnSpPr>
         <p:spPr>
           <a:xfrm>
-            <a:off x="10691812" y="0"/>
-            <a:ext cx="0" cy="5694299"/>
-          </a:xfrm>
-          <a:prstGeom prst="line">
-            <a:avLst/>
-          </a:prstGeom>
-        </p:spPr>
-        <p:style>
-          <a:lnRef idx="1">
-            <a:schemeClr val="dk1"/>
-          </a:lnRef>
-          <a:fillRef idx="0">
-            <a:schemeClr val="dk1"/>
-          </a:fillRef>
-          <a:effectRef idx="0">
-            <a:schemeClr val="dk1"/>
-          </a:effectRef>
-          <a:fontRef idx="minor">
-            <a:schemeClr val="tx1"/>
-          </a:fontRef>
-        </p:style>
-      </p:cxnSp>
-      <p:cxnSp>
-        <p:nvCxnSpPr>
-          <p:cNvPr id="8" name="Connecteur droit 7">
-            <a:extLst>
-              <a:ext uri="{FF2B5EF4-FFF2-40B4-BE49-F238E27FC236}">
-                <a16:creationId xmlns:a16="http://schemas.microsoft.com/office/drawing/2014/main" id="{71101877-AF63-49A2-A111-1ECAFC2AAE53}"/>
-              </a:ext>
-            </a:extLst>
-          </p:cNvPr>
-          <p:cNvCxnSpPr>
-            <a:cxnSpLocks/>
-            <a:stCxn id="4" idx="3"/>
-          </p:cNvCxnSpPr>
-          <p:nvPr/>
-        </p:nvCxnSpPr>
-        <p:spPr>
-          <a:xfrm flipH="1">
-            <a:off x="0" y="8878695"/>
-            <a:ext cx="9228187" cy="6240655"/>
+            <a:off x="10741280" y="60915"/>
+            <a:ext cx="65504" cy="5532046"/>
           </a:xfrm>
           <a:prstGeom prst="line">
             <a:avLst/>
@@ -3235,14 +6094,14 @@
           </p:cNvPr>
           <p:cNvCxnSpPr>
             <a:cxnSpLocks/>
-            <a:stCxn id="4" idx="5"/>
+            <a:stCxn id="4" idx="4"/>
           </p:cNvCxnSpPr>
           <p:nvPr/>
         </p:nvCxnSpPr>
         <p:spPr>
-          <a:xfrm>
-            <a:off x="12155437" y="8878695"/>
-            <a:ext cx="9228187" cy="6240655"/>
+          <a:xfrm flipH="1">
+            <a:off x="10741282" y="11338560"/>
+            <a:ext cx="65502" cy="3841705"/>
           </a:xfrm>
           <a:prstGeom prst="line">
             <a:avLst/>
@@ -3277,8 +6136,8 @@
         </p:nvSpPr>
         <p:spPr>
           <a:xfrm>
-            <a:off x="1360724" y="475487"/>
-            <a:ext cx="7867463" cy="646331"/>
+            <a:off x="889961" y="475487"/>
+            <a:ext cx="9281621" cy="646331"/>
           </a:xfrm>
           <a:prstGeom prst="rect">
             <a:avLst/>
@@ -3291,117 +6150,10 @@
           </a:bodyPr>
           <a:lstStyle/>
           <a:p>
-            <a:r>
-              <a:rPr lang="fr-FR" sz="3600" dirty="0"/>
-              <a:t>Création – Développement de la solution </a:t>
-            </a:r>
-          </a:p>
-        </p:txBody>
-      </p:sp>
-      <p:sp>
-        <p:nvSpPr>
-          <p:cNvPr id="17" name="ZoneTexte 16">
-            <a:extLst>
-              <a:ext uri="{FF2B5EF4-FFF2-40B4-BE49-F238E27FC236}">
-                <a16:creationId xmlns:a16="http://schemas.microsoft.com/office/drawing/2014/main" id="{5CA0CE7D-CF1B-4C5E-8072-5B2AD7376CA2}"/>
-              </a:ext>
-            </a:extLst>
-          </p:cNvPr>
-          <p:cNvSpPr txBox="1"/>
-          <p:nvPr/>
-        </p:nvSpPr>
-        <p:spPr>
-          <a:xfrm>
-            <a:off x="13328618" y="475487"/>
-            <a:ext cx="5394951" cy="646331"/>
-          </a:xfrm>
-          <a:prstGeom prst="rect">
-            <a:avLst/>
-          </a:prstGeom>
-          <a:noFill/>
-        </p:spPr>
-        <p:txBody>
-          <a:bodyPr wrap="square" rtlCol="0">
-            <a:spAutoFit/>
-          </a:bodyPr>
-          <a:lstStyle/>
-          <a:p>
             <a:pPr algn="ctr"/>
             <a:r>
               <a:rPr lang="fr-FR" sz="3600" dirty="0"/>
-              <a:t>Utilisation</a:t>
-            </a:r>
-          </a:p>
-        </p:txBody>
-      </p:sp>
-      <p:sp>
-        <p:nvSpPr>
-          <p:cNvPr id="18" name="ZoneTexte 17">
-            <a:extLst>
-              <a:ext uri="{FF2B5EF4-FFF2-40B4-BE49-F238E27FC236}">
-                <a16:creationId xmlns:a16="http://schemas.microsoft.com/office/drawing/2014/main" id="{0F55B5F1-D32A-4F53-AFA6-BC4916CDAEFD}"/>
-              </a:ext>
-            </a:extLst>
-          </p:cNvPr>
-          <p:cNvSpPr txBox="1"/>
-          <p:nvPr/>
-        </p:nvSpPr>
-        <p:spPr>
-          <a:xfrm>
-            <a:off x="7994337" y="9570720"/>
-            <a:ext cx="5394951" cy="1200329"/>
-          </a:xfrm>
-          <a:prstGeom prst="rect">
-            <a:avLst/>
-          </a:prstGeom>
-          <a:noFill/>
-        </p:spPr>
-        <p:txBody>
-          <a:bodyPr wrap="square" rtlCol="0">
-            <a:spAutoFit/>
-          </a:bodyPr>
-          <a:lstStyle/>
-          <a:p>
-            <a:pPr algn="ctr"/>
-            <a:r>
-              <a:rPr lang="fr-FR" sz="3600" dirty="0"/>
-              <a:t>Présentation du sujet - Contexte</a:t>
-            </a:r>
-          </a:p>
-        </p:txBody>
-      </p:sp>
-      <p:sp>
-        <p:nvSpPr>
-          <p:cNvPr id="19" name="ZoneTexte 18">
-            <a:extLst>
-              <a:ext uri="{FF2B5EF4-FFF2-40B4-BE49-F238E27FC236}">
-                <a16:creationId xmlns:a16="http://schemas.microsoft.com/office/drawing/2014/main" id="{5E034845-3CFD-41B2-9850-D49AB2DCA6AF}"/>
-              </a:ext>
-            </a:extLst>
-          </p:cNvPr>
-          <p:cNvSpPr txBox="1"/>
-          <p:nvPr/>
-        </p:nvSpPr>
-        <p:spPr>
-          <a:xfrm>
-            <a:off x="8925060" y="6101466"/>
-            <a:ext cx="3533503" cy="1077218"/>
-          </a:xfrm>
-          <a:prstGeom prst="rect">
-            <a:avLst/>
-          </a:prstGeom>
-          <a:noFill/>
-        </p:spPr>
-        <p:txBody>
-          <a:bodyPr wrap="square" rtlCol="0">
-            <a:spAutoFit/>
-          </a:bodyPr>
-          <a:lstStyle/>
-          <a:p>
-            <a:pPr algn="ctr"/>
-            <a:r>
-              <a:rPr lang="fr-FR" sz="3200" b="1" dirty="0"/>
-              <a:t>Application de gestion de stocks</a:t>
+              <a:t>Structure du projet</a:t>
             </a:r>
           </a:p>
         </p:txBody>
@@ -3428,14 +6180,50 @@
         </p:blipFill>
         <p:spPr>
           <a:xfrm>
-            <a:off x="13266926" y="1948956"/>
-            <a:ext cx="5356024" cy="4138498"/>
+            <a:off x="11041508" y="1773235"/>
+            <a:ext cx="5759819" cy="4450503"/>
           </a:xfrm>
           <a:prstGeom prst="rect">
             <a:avLst/>
           </a:prstGeom>
         </p:spPr>
       </p:pic>
+      <p:sp>
+        <p:nvSpPr>
+          <p:cNvPr id="17" name="ZoneTexte 16">
+            <a:extLst>
+              <a:ext uri="{FF2B5EF4-FFF2-40B4-BE49-F238E27FC236}">
+                <a16:creationId xmlns:a16="http://schemas.microsoft.com/office/drawing/2014/main" id="{5CA0CE7D-CF1B-4C5E-8072-5B2AD7376CA2}"/>
+              </a:ext>
+            </a:extLst>
+          </p:cNvPr>
+          <p:cNvSpPr txBox="1"/>
+          <p:nvPr/>
+        </p:nvSpPr>
+        <p:spPr>
+          <a:xfrm>
+            <a:off x="12730136" y="475486"/>
+            <a:ext cx="6415296" cy="646331"/>
+          </a:xfrm>
+          <a:prstGeom prst="rect">
+            <a:avLst/>
+          </a:prstGeom>
+          <a:noFill/>
+        </p:spPr>
+        <p:txBody>
+          <a:bodyPr wrap="square" rtlCol="0">
+            <a:spAutoFit/>
+          </a:bodyPr>
+          <a:lstStyle/>
+          <a:p>
+            <a:pPr algn="ctr"/>
+            <a:r>
+              <a:rPr lang="fr-FR" sz="3600" dirty="0"/>
+              <a:t>Utilisation de l’application</a:t>
+            </a:r>
+          </a:p>
+        </p:txBody>
+      </p:sp>
       <p:sp>
         <p:nvSpPr>
           <p:cNvPr id="21" name="ZoneTexte 20">
@@ -3450,7 +6238,7 @@
         </p:nvSpPr>
         <p:spPr>
           <a:xfrm>
-            <a:off x="13309154" y="1382390"/>
+            <a:off x="13750481" y="1289591"/>
             <a:ext cx="5394951" cy="461665"/>
           </a:xfrm>
           <a:prstGeom prst="rect">
@@ -3466,290 +6254,8 @@
           <a:p>
             <a:pPr algn="ctr"/>
             <a:r>
-              <a:rPr lang="fr-FR" sz="2400" dirty="0"/>
+              <a:rPr lang="fr-FR" sz="2400" u="sng" dirty="0"/>
               <a:t>Gestion des produits</a:t>
-            </a:r>
-          </a:p>
-        </p:txBody>
-      </p:sp>
-      <p:sp>
-        <p:nvSpPr>
-          <p:cNvPr id="23" name="ZoneTexte 22">
-            <a:extLst>
-              <a:ext uri="{FF2B5EF4-FFF2-40B4-BE49-F238E27FC236}">
-                <a16:creationId xmlns:a16="http://schemas.microsoft.com/office/drawing/2014/main" id="{B3385C04-8F2C-42B3-B854-9AF13CD8059C}"/>
-              </a:ext>
-            </a:extLst>
-          </p:cNvPr>
-          <p:cNvSpPr txBox="1"/>
-          <p:nvPr/>
-        </p:nvSpPr>
-        <p:spPr>
-          <a:xfrm>
-            <a:off x="678778" y="5128452"/>
-            <a:ext cx="5394951" cy="461665"/>
-          </a:xfrm>
-          <a:prstGeom prst="rect">
-            <a:avLst/>
-          </a:prstGeom>
-          <a:noFill/>
-        </p:spPr>
-        <p:txBody>
-          <a:bodyPr wrap="square" rtlCol="0">
-            <a:spAutoFit/>
-          </a:bodyPr>
-          <a:lstStyle/>
-          <a:p>
-            <a:pPr algn="ctr"/>
-            <a:r>
-              <a:rPr lang="fr-FR" sz="2400" dirty="0"/>
-              <a:t>Gestion des utilisateurs</a:t>
-            </a:r>
-          </a:p>
-        </p:txBody>
-      </p:sp>
-      <p:sp>
-        <p:nvSpPr>
-          <p:cNvPr id="24" name="Ellipse 23">
-            <a:extLst>
-              <a:ext uri="{FF2B5EF4-FFF2-40B4-BE49-F238E27FC236}">
-                <a16:creationId xmlns:a16="http://schemas.microsoft.com/office/drawing/2014/main" id="{D633F458-3F49-4ADA-8FA5-B62131291CFB}"/>
-              </a:ext>
-            </a:extLst>
-          </p:cNvPr>
-          <p:cNvSpPr/>
-          <p:nvPr/>
-        </p:nvSpPr>
-        <p:spPr>
-          <a:xfrm>
-            <a:off x="373051" y="5719713"/>
-            <a:ext cx="1554480" cy="1224420"/>
-          </a:xfrm>
-          <a:prstGeom prst="ellipse">
-            <a:avLst/>
-          </a:prstGeom>
-        </p:spPr>
-        <p:style>
-          <a:lnRef idx="2">
-            <a:schemeClr val="accent3">
-              <a:shade val="50000"/>
-            </a:schemeClr>
-          </a:lnRef>
-          <a:fillRef idx="1">
-            <a:schemeClr val="accent3"/>
-          </a:fillRef>
-          <a:effectRef idx="0">
-            <a:schemeClr val="accent3"/>
-          </a:effectRef>
-          <a:fontRef idx="minor">
-            <a:schemeClr val="lt1"/>
-          </a:fontRef>
-        </p:style>
-        <p:txBody>
-          <a:bodyPr rtlCol="0" anchor="ctr"/>
-          <a:lstStyle/>
-          <a:p>
-            <a:pPr algn="ctr"/>
-            <a:endParaRPr lang="fr-FR"/>
-          </a:p>
-        </p:txBody>
-      </p:sp>
-      <p:sp>
-        <p:nvSpPr>
-          <p:cNvPr id="25" name="Ellipse 24">
-            <a:extLst>
-              <a:ext uri="{FF2B5EF4-FFF2-40B4-BE49-F238E27FC236}">
-                <a16:creationId xmlns:a16="http://schemas.microsoft.com/office/drawing/2014/main" id="{126354DF-C013-4AEA-B486-C8EFD9A637DB}"/>
-              </a:ext>
-            </a:extLst>
-          </p:cNvPr>
-          <p:cNvSpPr/>
-          <p:nvPr/>
-        </p:nvSpPr>
-        <p:spPr>
-          <a:xfrm>
-            <a:off x="2600403" y="5762700"/>
-            <a:ext cx="1554480" cy="1224420"/>
-          </a:xfrm>
-          <a:prstGeom prst="ellipse">
-            <a:avLst/>
-          </a:prstGeom>
-        </p:spPr>
-        <p:style>
-          <a:lnRef idx="2">
-            <a:schemeClr val="accent3">
-              <a:shade val="50000"/>
-            </a:schemeClr>
-          </a:lnRef>
-          <a:fillRef idx="1">
-            <a:schemeClr val="accent3"/>
-          </a:fillRef>
-          <a:effectRef idx="0">
-            <a:schemeClr val="accent3"/>
-          </a:effectRef>
-          <a:fontRef idx="minor">
-            <a:schemeClr val="lt1"/>
-          </a:fontRef>
-        </p:style>
-        <p:txBody>
-          <a:bodyPr rtlCol="0" anchor="ctr"/>
-          <a:lstStyle/>
-          <a:p>
-            <a:pPr algn="ctr"/>
-            <a:endParaRPr lang="fr-FR"/>
-          </a:p>
-        </p:txBody>
-      </p:sp>
-      <p:sp>
-        <p:nvSpPr>
-          <p:cNvPr id="26" name="Ellipse 25">
-            <a:extLst>
-              <a:ext uri="{FF2B5EF4-FFF2-40B4-BE49-F238E27FC236}">
-                <a16:creationId xmlns:a16="http://schemas.microsoft.com/office/drawing/2014/main" id="{83E33968-B1D4-487B-AD6E-D418683BC9F8}"/>
-              </a:ext>
-            </a:extLst>
-          </p:cNvPr>
-          <p:cNvSpPr/>
-          <p:nvPr/>
-        </p:nvSpPr>
-        <p:spPr>
-          <a:xfrm>
-            <a:off x="4827756" y="5719713"/>
-            <a:ext cx="1554479" cy="1224420"/>
-          </a:xfrm>
-          <a:prstGeom prst="ellipse">
-            <a:avLst/>
-          </a:prstGeom>
-        </p:spPr>
-        <p:style>
-          <a:lnRef idx="2">
-            <a:schemeClr val="accent3">
-              <a:shade val="50000"/>
-            </a:schemeClr>
-          </a:lnRef>
-          <a:fillRef idx="1">
-            <a:schemeClr val="accent3"/>
-          </a:fillRef>
-          <a:effectRef idx="0">
-            <a:schemeClr val="accent3"/>
-          </a:effectRef>
-          <a:fontRef idx="minor">
-            <a:schemeClr val="lt1"/>
-          </a:fontRef>
-        </p:style>
-        <p:txBody>
-          <a:bodyPr rtlCol="0" anchor="ctr"/>
-          <a:lstStyle/>
-          <a:p>
-            <a:pPr algn="ctr"/>
-            <a:endParaRPr lang="fr-FR"/>
-          </a:p>
-        </p:txBody>
-      </p:sp>
-      <p:sp>
-        <p:nvSpPr>
-          <p:cNvPr id="27" name="ZoneTexte 26">
-            <a:extLst>
-              <a:ext uri="{FF2B5EF4-FFF2-40B4-BE49-F238E27FC236}">
-                <a16:creationId xmlns:a16="http://schemas.microsoft.com/office/drawing/2014/main" id="{38AF0EFB-4C5E-4E7E-8A90-0EFA26958A8C}"/>
-              </a:ext>
-            </a:extLst>
-          </p:cNvPr>
-          <p:cNvSpPr txBox="1"/>
-          <p:nvPr/>
-        </p:nvSpPr>
-        <p:spPr>
-          <a:xfrm>
-            <a:off x="373051" y="6050638"/>
-            <a:ext cx="1554479" cy="523220"/>
-          </a:xfrm>
-          <a:prstGeom prst="rect">
-            <a:avLst/>
-          </a:prstGeom>
-          <a:noFill/>
-        </p:spPr>
-        <p:txBody>
-          <a:bodyPr wrap="square" rtlCol="0">
-            <a:spAutoFit/>
-          </a:bodyPr>
-          <a:lstStyle/>
-          <a:p>
-            <a:pPr algn="ctr"/>
-            <a:r>
-              <a:rPr lang="fr-FR" sz="2800" dirty="0"/>
-              <a:t>Admin</a:t>
-            </a:r>
-          </a:p>
-        </p:txBody>
-      </p:sp>
-      <p:sp>
-        <p:nvSpPr>
-          <p:cNvPr id="28" name="ZoneTexte 27">
-            <a:extLst>
-              <a:ext uri="{FF2B5EF4-FFF2-40B4-BE49-F238E27FC236}">
-                <a16:creationId xmlns:a16="http://schemas.microsoft.com/office/drawing/2014/main" id="{C6A9D79A-95A0-49F9-BB7D-0E2397DD2E17}"/>
-              </a:ext>
-            </a:extLst>
-          </p:cNvPr>
-          <p:cNvSpPr txBox="1"/>
-          <p:nvPr/>
-        </p:nvSpPr>
-        <p:spPr>
-          <a:xfrm>
-            <a:off x="2599015" y="6070313"/>
-            <a:ext cx="1554479" cy="523220"/>
-          </a:xfrm>
-          <a:prstGeom prst="rect">
-            <a:avLst/>
-          </a:prstGeom>
-          <a:noFill/>
-        </p:spPr>
-        <p:txBody>
-          <a:bodyPr wrap="square" rtlCol="0">
-            <a:spAutoFit/>
-          </a:bodyPr>
-          <a:lstStyle/>
-          <a:p>
-            <a:pPr algn="ctr"/>
-            <a:r>
-              <a:rPr lang="fr-FR" sz="2800" dirty="0"/>
-              <a:t>Prof</a:t>
-            </a:r>
-          </a:p>
-        </p:txBody>
-      </p:sp>
-      <p:sp>
-        <p:nvSpPr>
-          <p:cNvPr id="29" name="ZoneTexte 28">
-            <a:extLst>
-              <a:ext uri="{FF2B5EF4-FFF2-40B4-BE49-F238E27FC236}">
-                <a16:creationId xmlns:a16="http://schemas.microsoft.com/office/drawing/2014/main" id="{10FB15FB-F988-4AB8-B9C1-8A2D332FC05A}"/>
-              </a:ext>
-            </a:extLst>
-          </p:cNvPr>
-          <p:cNvSpPr txBox="1"/>
-          <p:nvPr/>
-        </p:nvSpPr>
-        <p:spPr>
-          <a:xfrm>
-            <a:off x="4824978" y="6050638"/>
-            <a:ext cx="1554479" cy="523220"/>
-          </a:xfrm>
-          <a:prstGeom prst="rect">
-            <a:avLst/>
-          </a:prstGeom>
-          <a:noFill/>
-        </p:spPr>
-        <p:txBody>
-          <a:bodyPr wrap="square" rtlCol="0">
-            <a:spAutoFit/>
-          </a:bodyPr>
-          <a:lstStyle/>
-          <a:p>
-            <a:pPr algn="ctr"/>
-            <a:r>
-              <a:rPr lang="fr-FR" sz="2800" dirty="0"/>
-              <a:t>Etudiant</a:t>
             </a:r>
           </a:p>
         </p:txBody>
@@ -3769,13 +6275,13 @@
           <p:nvPr>
             <p:extLst>
               <p:ext uri="{D42A27DB-BD31-4B8C-83A1-F6EECF244321}">
-                <p14:modId xmlns:p14="http://schemas.microsoft.com/office/powerpoint/2010/main" val="1725281900"/>
+                <p14:modId xmlns:p14="http://schemas.microsoft.com/office/powerpoint/2010/main" val="643069611"/>
               </p:ext>
             </p:extLst>
           </p:nvPr>
         </p:nvGraphicFramePr>
         <p:xfrm>
-          <a:off x="4859337" y="7049534"/>
+          <a:off x="308550" y="7090627"/>
           <a:ext cx="1520120" cy="3432897"/>
         </p:xfrm>
         <a:graphic>
@@ -3848,97 +6354,506 @@
           </a:graphicData>
         </a:graphic>
       </p:graphicFrame>
-      <p:cxnSp>
-        <p:nvCxnSpPr>
-          <p:cNvPr id="32" name="Connecteur : en arc 31">
+      <p:grpSp>
+        <p:nvGrpSpPr>
+          <p:cNvPr id="95" name="Groupe 94">
             <a:extLst>
               <a:ext uri="{FF2B5EF4-FFF2-40B4-BE49-F238E27FC236}">
-                <a16:creationId xmlns:a16="http://schemas.microsoft.com/office/drawing/2014/main" id="{DD297679-9E54-4287-8C90-E162B622B7E4}"/>
+                <a16:creationId xmlns:a16="http://schemas.microsoft.com/office/drawing/2014/main" id="{4DA24D0F-1406-4717-993E-CF048740FCAF}"/>
               </a:ext>
             </a:extLst>
           </p:cNvPr>
-          <p:cNvCxnSpPr>
-            <a:stCxn id="29" idx="1"/>
-            <a:endCxn id="25" idx="7"/>
-          </p:cNvCxnSpPr>
+          <p:cNvGrpSpPr/>
           <p:nvPr/>
-        </p:nvCxnSpPr>
-        <p:spPr>
-          <a:xfrm rot="10800000">
-            <a:off x="3927236" y="5942012"/>
-            <a:ext cx="897743" cy="370236"/>
+        </p:nvGrpSpPr>
+        <p:grpSpPr>
+          <a:xfrm>
+            <a:off x="235659" y="4904725"/>
+            <a:ext cx="5984850" cy="2133984"/>
+            <a:chOff x="323163" y="6681780"/>
+            <a:chExt cx="5984850" cy="2133984"/>
           </a:xfrm>
-          <a:prstGeom prst="curvedConnector4">
-            <a:avLst>
-              <a:gd name="adj1" fmla="val 37321"/>
-              <a:gd name="adj2" fmla="val 161744"/>
-            </a:avLst>
-          </a:prstGeom>
-          <a:ln>
-            <a:tailEnd type="triangle"/>
-          </a:ln>
-        </p:spPr>
-        <p:style>
-          <a:lnRef idx="1">
-            <a:schemeClr val="dk1"/>
-          </a:lnRef>
-          <a:fillRef idx="0">
-            <a:schemeClr val="dk1"/>
-          </a:fillRef>
-          <a:effectRef idx="0">
-            <a:schemeClr val="dk1"/>
-          </a:effectRef>
-          <a:fontRef idx="minor">
-            <a:schemeClr val="tx1"/>
-          </a:fontRef>
-        </p:style>
-      </p:cxnSp>
-      <p:cxnSp>
-        <p:nvCxnSpPr>
-          <p:cNvPr id="33" name="Connecteur : en arc 32">
-            <a:extLst>
-              <a:ext uri="{FF2B5EF4-FFF2-40B4-BE49-F238E27FC236}">
-                <a16:creationId xmlns:a16="http://schemas.microsoft.com/office/drawing/2014/main" id="{3F09D49B-7D05-43BB-A003-73712535CF2B}"/>
-              </a:ext>
-            </a:extLst>
-          </p:cNvPr>
-          <p:cNvCxnSpPr>
-            <a:cxnSpLocks/>
-            <a:stCxn id="28" idx="1"/>
-            <a:endCxn id="24" idx="7"/>
-          </p:cNvCxnSpPr>
-          <p:nvPr/>
-        </p:nvCxnSpPr>
-        <p:spPr>
-          <a:xfrm rot="10800000">
-            <a:off x="1699883" y="5899025"/>
-            <a:ext cx="899132" cy="432898"/>
-          </a:xfrm>
-          <a:prstGeom prst="curvedConnector4">
-            <a:avLst>
-              <a:gd name="adj1" fmla="val 37341"/>
-              <a:gd name="adj2" fmla="val 152807"/>
-            </a:avLst>
-          </a:prstGeom>
-          <a:ln>
-            <a:tailEnd type="triangle"/>
-          </a:ln>
-        </p:spPr>
-        <p:style>
-          <a:lnRef idx="1">
-            <a:schemeClr val="dk1"/>
-          </a:lnRef>
-          <a:fillRef idx="0">
-            <a:schemeClr val="dk1"/>
-          </a:fillRef>
-          <a:effectRef idx="0">
-            <a:schemeClr val="dk1"/>
-          </a:effectRef>
-          <a:fontRef idx="minor">
-            <a:schemeClr val="tx1"/>
-          </a:fontRef>
-        </p:style>
-      </p:cxnSp>
+        </p:grpSpPr>
+        <p:grpSp>
+          <p:nvGrpSpPr>
+            <p:cNvPr id="94" name="Groupe 93">
+              <a:extLst>
+                <a:ext uri="{FF2B5EF4-FFF2-40B4-BE49-F238E27FC236}">
+                  <a16:creationId xmlns:a16="http://schemas.microsoft.com/office/drawing/2014/main" id="{18225230-BE6E-4816-8F78-FC6C225FFB6D}"/>
+                </a:ext>
+              </a:extLst>
+            </p:cNvPr>
+            <p:cNvGrpSpPr/>
+            <p:nvPr/>
+          </p:nvGrpSpPr>
+          <p:grpSpPr>
+            <a:xfrm>
+              <a:off x="323163" y="6681780"/>
+              <a:ext cx="5984850" cy="2133984"/>
+              <a:chOff x="323163" y="6681780"/>
+              <a:chExt cx="5984850" cy="2133984"/>
+            </a:xfrm>
+          </p:grpSpPr>
+          <p:sp>
+            <p:nvSpPr>
+              <p:cNvPr id="23" name="ZoneTexte 22">
+                <a:extLst>
+                  <a:ext uri="{FF2B5EF4-FFF2-40B4-BE49-F238E27FC236}">
+                    <a16:creationId xmlns:a16="http://schemas.microsoft.com/office/drawing/2014/main" id="{B3385C04-8F2C-42B3-B854-9AF13CD8059C}"/>
+                  </a:ext>
+                </a:extLst>
+              </p:cNvPr>
+              <p:cNvSpPr txBox="1"/>
+              <p:nvPr/>
+            </p:nvSpPr>
+            <p:spPr>
+              <a:xfrm>
+                <a:off x="619499" y="6681780"/>
+                <a:ext cx="5394951" cy="461665"/>
+              </a:xfrm>
+              <a:prstGeom prst="rect">
+                <a:avLst/>
+              </a:prstGeom>
+              <a:noFill/>
+            </p:spPr>
+            <p:txBody>
+              <a:bodyPr wrap="square" rtlCol="0">
+                <a:spAutoFit/>
+              </a:bodyPr>
+              <a:lstStyle/>
+              <a:p>
+                <a:pPr algn="ctr"/>
+                <a:r>
+                  <a:rPr lang="fr-FR" sz="2400" u="sng" dirty="0"/>
+                  <a:t>Gestion des utilisateurs - Droits</a:t>
+                </a:r>
+              </a:p>
+            </p:txBody>
+          </p:sp>
+          <p:grpSp>
+            <p:nvGrpSpPr>
+              <p:cNvPr id="93" name="Groupe 92">
+                <a:extLst>
+                  <a:ext uri="{FF2B5EF4-FFF2-40B4-BE49-F238E27FC236}">
+                    <a16:creationId xmlns:a16="http://schemas.microsoft.com/office/drawing/2014/main" id="{B2B82651-F9A4-4100-A2A8-45ADD8ACC82D}"/>
+                  </a:ext>
+                </a:extLst>
+              </p:cNvPr>
+              <p:cNvGrpSpPr/>
+              <p:nvPr/>
+            </p:nvGrpSpPr>
+            <p:grpSpPr>
+              <a:xfrm>
+                <a:off x="323163" y="7548357"/>
+                <a:ext cx="5984850" cy="1267407"/>
+                <a:chOff x="323163" y="7548357"/>
+                <a:chExt cx="5984850" cy="1267407"/>
+              </a:xfrm>
+            </p:grpSpPr>
+            <p:grpSp>
+              <p:nvGrpSpPr>
+                <p:cNvPr id="87" name="Groupe 86">
+                  <a:extLst>
+                    <a:ext uri="{FF2B5EF4-FFF2-40B4-BE49-F238E27FC236}">
+                      <a16:creationId xmlns:a16="http://schemas.microsoft.com/office/drawing/2014/main" id="{D99429FD-81C8-433B-A708-C59EFE81B27D}"/>
+                    </a:ext>
+                  </a:extLst>
+                </p:cNvPr>
+                <p:cNvGrpSpPr/>
+                <p:nvPr/>
+              </p:nvGrpSpPr>
+              <p:grpSpPr>
+                <a:xfrm>
+                  <a:off x="4753533" y="7548357"/>
+                  <a:ext cx="1554480" cy="1224420"/>
+                  <a:chOff x="4753533" y="7548357"/>
+                  <a:chExt cx="1554480" cy="1224420"/>
+                </a:xfrm>
+              </p:grpSpPr>
+              <p:sp>
+                <p:nvSpPr>
+                  <p:cNvPr id="24" name="Ellipse 23">
+                    <a:extLst>
+                      <a:ext uri="{FF2B5EF4-FFF2-40B4-BE49-F238E27FC236}">
+                        <a16:creationId xmlns:a16="http://schemas.microsoft.com/office/drawing/2014/main" id="{D633F458-3F49-4ADA-8FA5-B62131291CFB}"/>
+                      </a:ext>
+                    </a:extLst>
+                  </p:cNvPr>
+                  <p:cNvSpPr/>
+                  <p:nvPr/>
+                </p:nvSpPr>
+                <p:spPr>
+                  <a:xfrm>
+                    <a:off x="4753533" y="7548357"/>
+                    <a:ext cx="1554480" cy="1224420"/>
+                  </a:xfrm>
+                  <a:prstGeom prst="ellipse">
+                    <a:avLst/>
+                  </a:prstGeom>
+                </p:spPr>
+                <p:style>
+                  <a:lnRef idx="2">
+                    <a:schemeClr val="accent3">
+                      <a:shade val="50000"/>
+                    </a:schemeClr>
+                  </a:lnRef>
+                  <a:fillRef idx="1">
+                    <a:schemeClr val="accent3"/>
+                  </a:fillRef>
+                  <a:effectRef idx="0">
+                    <a:schemeClr val="accent3"/>
+                  </a:effectRef>
+                  <a:fontRef idx="minor">
+                    <a:schemeClr val="lt1"/>
+                  </a:fontRef>
+                </p:style>
+                <p:txBody>
+                  <a:bodyPr rtlCol="0" anchor="ctr"/>
+                  <a:lstStyle/>
+                  <a:p>
+                    <a:pPr algn="ctr"/>
+                    <a:endParaRPr lang="fr-FR"/>
+                  </a:p>
+                </p:txBody>
+              </p:sp>
+              <p:sp>
+                <p:nvSpPr>
+                  <p:cNvPr id="27" name="ZoneTexte 26">
+                    <a:extLst>
+                      <a:ext uri="{FF2B5EF4-FFF2-40B4-BE49-F238E27FC236}">
+                        <a16:creationId xmlns:a16="http://schemas.microsoft.com/office/drawing/2014/main" id="{38AF0EFB-4C5E-4E7E-8A90-0EFA26958A8C}"/>
+                      </a:ext>
+                    </a:extLst>
+                  </p:cNvPr>
+                  <p:cNvSpPr txBox="1"/>
+                  <p:nvPr/>
+                </p:nvSpPr>
+                <p:spPr>
+                  <a:xfrm>
+                    <a:off x="4753533" y="7879282"/>
+                    <a:ext cx="1554479" cy="523220"/>
+                  </a:xfrm>
+                  <a:prstGeom prst="rect">
+                    <a:avLst/>
+                  </a:prstGeom>
+                  <a:noFill/>
+                </p:spPr>
+                <p:txBody>
+                  <a:bodyPr wrap="square" rtlCol="0">
+                    <a:spAutoFit/>
+                  </a:bodyPr>
+                  <a:lstStyle/>
+                  <a:p>
+                    <a:pPr algn="ctr"/>
+                    <a:r>
+                      <a:rPr lang="fr-FR" sz="2800" dirty="0"/>
+                      <a:t>Admin</a:t>
+                    </a:r>
+                  </a:p>
+                </p:txBody>
+              </p:sp>
+            </p:grpSp>
+            <p:grpSp>
+              <p:nvGrpSpPr>
+                <p:cNvPr id="86" name="Groupe 85">
+                  <a:extLst>
+                    <a:ext uri="{FF2B5EF4-FFF2-40B4-BE49-F238E27FC236}">
+                      <a16:creationId xmlns:a16="http://schemas.microsoft.com/office/drawing/2014/main" id="{6EE306BA-8588-496C-BD16-D342082AD7F2}"/>
+                    </a:ext>
+                  </a:extLst>
+                </p:cNvPr>
+                <p:cNvGrpSpPr/>
+                <p:nvPr/>
+              </p:nvGrpSpPr>
+              <p:grpSpPr>
+                <a:xfrm>
+                  <a:off x="2539737" y="7591344"/>
+                  <a:ext cx="1555868" cy="1224420"/>
+                  <a:chOff x="2539737" y="7591344"/>
+                  <a:chExt cx="1555868" cy="1224420"/>
+                </a:xfrm>
+              </p:grpSpPr>
+              <p:sp>
+                <p:nvSpPr>
+                  <p:cNvPr id="25" name="Ellipse 24">
+                    <a:extLst>
+                      <a:ext uri="{FF2B5EF4-FFF2-40B4-BE49-F238E27FC236}">
+                        <a16:creationId xmlns:a16="http://schemas.microsoft.com/office/drawing/2014/main" id="{126354DF-C013-4AEA-B486-C8EFD9A637DB}"/>
+                      </a:ext>
+                    </a:extLst>
+                  </p:cNvPr>
+                  <p:cNvSpPr/>
+                  <p:nvPr/>
+                </p:nvSpPr>
+                <p:spPr>
+                  <a:xfrm>
+                    <a:off x="2541125" y="7591344"/>
+                    <a:ext cx="1554480" cy="1224420"/>
+                  </a:xfrm>
+                  <a:prstGeom prst="ellipse">
+                    <a:avLst/>
+                  </a:prstGeom>
+                </p:spPr>
+                <p:style>
+                  <a:lnRef idx="2">
+                    <a:schemeClr val="accent3">
+                      <a:shade val="50000"/>
+                    </a:schemeClr>
+                  </a:lnRef>
+                  <a:fillRef idx="1">
+                    <a:schemeClr val="accent3"/>
+                  </a:fillRef>
+                  <a:effectRef idx="0">
+                    <a:schemeClr val="accent3"/>
+                  </a:effectRef>
+                  <a:fontRef idx="minor">
+                    <a:schemeClr val="lt1"/>
+                  </a:fontRef>
+                </p:style>
+                <p:txBody>
+                  <a:bodyPr rtlCol="0" anchor="ctr"/>
+                  <a:lstStyle/>
+                  <a:p>
+                    <a:pPr algn="ctr"/>
+                    <a:endParaRPr lang="fr-FR"/>
+                  </a:p>
+                </p:txBody>
+              </p:sp>
+              <p:sp>
+                <p:nvSpPr>
+                  <p:cNvPr id="28" name="ZoneTexte 27">
+                    <a:extLst>
+                      <a:ext uri="{FF2B5EF4-FFF2-40B4-BE49-F238E27FC236}">
+                        <a16:creationId xmlns:a16="http://schemas.microsoft.com/office/drawing/2014/main" id="{C6A9D79A-95A0-49F9-BB7D-0E2397DD2E17}"/>
+                      </a:ext>
+                    </a:extLst>
+                  </p:cNvPr>
+                  <p:cNvSpPr txBox="1"/>
+                  <p:nvPr/>
+                </p:nvSpPr>
+                <p:spPr>
+                  <a:xfrm>
+                    <a:off x="2539737" y="7898957"/>
+                    <a:ext cx="1554479" cy="523220"/>
+                  </a:xfrm>
+                  <a:prstGeom prst="rect">
+                    <a:avLst/>
+                  </a:prstGeom>
+                  <a:noFill/>
+                </p:spPr>
+                <p:txBody>
+                  <a:bodyPr wrap="square" rtlCol="0">
+                    <a:spAutoFit/>
+                  </a:bodyPr>
+                  <a:lstStyle/>
+                  <a:p>
+                    <a:pPr algn="ctr"/>
+                    <a:r>
+                      <a:rPr lang="fr-FR" sz="2800" dirty="0"/>
+                      <a:t>Prof</a:t>
+                    </a:r>
+                  </a:p>
+                </p:txBody>
+              </p:sp>
+            </p:grpSp>
+            <p:grpSp>
+              <p:nvGrpSpPr>
+                <p:cNvPr id="88" name="Groupe 87">
+                  <a:extLst>
+                    <a:ext uri="{FF2B5EF4-FFF2-40B4-BE49-F238E27FC236}">
+                      <a16:creationId xmlns:a16="http://schemas.microsoft.com/office/drawing/2014/main" id="{0805335F-4258-4943-8F11-4FB26D64EDC1}"/>
+                    </a:ext>
+                  </a:extLst>
+                </p:cNvPr>
+                <p:cNvGrpSpPr/>
+                <p:nvPr/>
+              </p:nvGrpSpPr>
+              <p:grpSpPr>
+                <a:xfrm>
+                  <a:off x="323163" y="7587486"/>
+                  <a:ext cx="1557257" cy="1224420"/>
+                  <a:chOff x="323163" y="7587486"/>
+                  <a:chExt cx="1557257" cy="1224420"/>
+                </a:xfrm>
+              </p:grpSpPr>
+              <p:sp>
+                <p:nvSpPr>
+                  <p:cNvPr id="26" name="Ellipse 25">
+                    <a:extLst>
+                      <a:ext uri="{FF2B5EF4-FFF2-40B4-BE49-F238E27FC236}">
+                        <a16:creationId xmlns:a16="http://schemas.microsoft.com/office/drawing/2014/main" id="{83E33968-B1D4-487B-AD6E-D418683BC9F8}"/>
+                      </a:ext>
+                    </a:extLst>
+                  </p:cNvPr>
+                  <p:cNvSpPr/>
+                  <p:nvPr/>
+                </p:nvSpPr>
+                <p:spPr>
+                  <a:xfrm>
+                    <a:off x="325941" y="7587486"/>
+                    <a:ext cx="1554479" cy="1224420"/>
+                  </a:xfrm>
+                  <a:prstGeom prst="ellipse">
+                    <a:avLst/>
+                  </a:prstGeom>
+                </p:spPr>
+                <p:style>
+                  <a:lnRef idx="2">
+                    <a:schemeClr val="accent3">
+                      <a:shade val="50000"/>
+                    </a:schemeClr>
+                  </a:lnRef>
+                  <a:fillRef idx="1">
+                    <a:schemeClr val="accent3"/>
+                  </a:fillRef>
+                  <a:effectRef idx="0">
+                    <a:schemeClr val="accent3"/>
+                  </a:effectRef>
+                  <a:fontRef idx="minor">
+                    <a:schemeClr val="lt1"/>
+                  </a:fontRef>
+                </p:style>
+                <p:txBody>
+                  <a:bodyPr rtlCol="0" anchor="ctr"/>
+                  <a:lstStyle/>
+                  <a:p>
+                    <a:pPr algn="ctr"/>
+                    <a:endParaRPr lang="fr-FR"/>
+                  </a:p>
+                </p:txBody>
+              </p:sp>
+              <p:sp>
+                <p:nvSpPr>
+                  <p:cNvPr id="29" name="ZoneTexte 28">
+                    <a:extLst>
+                      <a:ext uri="{FF2B5EF4-FFF2-40B4-BE49-F238E27FC236}">
+                        <a16:creationId xmlns:a16="http://schemas.microsoft.com/office/drawing/2014/main" id="{10FB15FB-F988-4AB8-B9C1-8A2D332FC05A}"/>
+                      </a:ext>
+                    </a:extLst>
+                  </p:cNvPr>
+                  <p:cNvSpPr txBox="1"/>
+                  <p:nvPr/>
+                </p:nvSpPr>
+                <p:spPr>
+                  <a:xfrm>
+                    <a:off x="323163" y="7918411"/>
+                    <a:ext cx="1554479" cy="523220"/>
+                  </a:xfrm>
+                  <a:prstGeom prst="rect">
+                    <a:avLst/>
+                  </a:prstGeom>
+                  <a:noFill/>
+                </p:spPr>
+                <p:txBody>
+                  <a:bodyPr wrap="square" rtlCol="0">
+                    <a:spAutoFit/>
+                  </a:bodyPr>
+                  <a:lstStyle/>
+                  <a:p>
+                    <a:pPr algn="ctr"/>
+                    <a:r>
+                      <a:rPr lang="fr-FR" sz="2800" dirty="0"/>
+                      <a:t>Etudiant</a:t>
+                    </a:r>
+                  </a:p>
+                </p:txBody>
+              </p:sp>
+            </p:grpSp>
+          </p:grpSp>
+        </p:grpSp>
+        <p:cxnSp>
+          <p:nvCxnSpPr>
+            <p:cNvPr id="32" name="Connecteur : en arc 31">
+              <a:extLst>
+                <a:ext uri="{FF2B5EF4-FFF2-40B4-BE49-F238E27FC236}">
+                  <a16:creationId xmlns:a16="http://schemas.microsoft.com/office/drawing/2014/main" id="{DD297679-9E54-4287-8C90-E162B622B7E4}"/>
+                </a:ext>
+              </a:extLst>
+            </p:cNvPr>
+            <p:cNvCxnSpPr>
+              <a:cxnSpLocks/>
+              <a:stCxn id="26" idx="0"/>
+              <a:endCxn id="28" idx="1"/>
+            </p:cNvCxnSpPr>
+            <p:nvPr/>
+          </p:nvCxnSpPr>
+          <p:spPr>
+            <a:xfrm rot="16200000" flipH="1">
+              <a:off x="1534918" y="7155748"/>
+              <a:ext cx="573081" cy="1436556"/>
+            </a:xfrm>
+            <a:prstGeom prst="curvedConnector4">
+              <a:avLst>
+                <a:gd name="adj1" fmla="val -39890"/>
+                <a:gd name="adj2" fmla="val 77052"/>
+              </a:avLst>
+            </a:prstGeom>
+            <a:ln>
+              <a:tailEnd type="triangle"/>
+            </a:ln>
+          </p:spPr>
+          <p:style>
+            <a:lnRef idx="1">
+              <a:schemeClr val="dk1"/>
+            </a:lnRef>
+            <a:fillRef idx="0">
+              <a:schemeClr val="dk1"/>
+            </a:fillRef>
+            <a:effectRef idx="0">
+              <a:schemeClr val="dk1"/>
+            </a:effectRef>
+            <a:fontRef idx="minor">
+              <a:schemeClr val="tx1"/>
+            </a:fontRef>
+          </p:style>
+        </p:cxnSp>
+        <p:cxnSp>
+          <p:nvCxnSpPr>
+            <p:cNvPr id="33" name="Connecteur : en arc 32">
+              <a:extLst>
+                <a:ext uri="{FF2B5EF4-FFF2-40B4-BE49-F238E27FC236}">
+                  <a16:creationId xmlns:a16="http://schemas.microsoft.com/office/drawing/2014/main" id="{3F09D49B-7D05-43BB-A003-73712535CF2B}"/>
+                </a:ext>
+              </a:extLst>
+            </p:cNvPr>
+            <p:cNvCxnSpPr>
+              <a:cxnSpLocks/>
+              <a:stCxn id="25" idx="0"/>
+              <a:endCxn id="27" idx="1"/>
+            </p:cNvCxnSpPr>
+            <p:nvPr/>
+          </p:nvCxnSpPr>
+          <p:spPr>
+            <a:xfrm rot="16200000" flipH="1">
+              <a:off x="3761175" y="7148534"/>
+              <a:ext cx="549548" cy="1435168"/>
+            </a:xfrm>
+            <a:prstGeom prst="curvedConnector4">
+              <a:avLst>
+                <a:gd name="adj1" fmla="val -41598"/>
+                <a:gd name="adj2" fmla="val 77078"/>
+              </a:avLst>
+            </a:prstGeom>
+            <a:ln>
+              <a:tailEnd type="triangle"/>
+            </a:ln>
+          </p:spPr>
+          <p:style>
+            <a:lnRef idx="1">
+              <a:schemeClr val="dk1"/>
+            </a:lnRef>
+            <a:fillRef idx="0">
+              <a:schemeClr val="dk1"/>
+            </a:fillRef>
+            <a:effectRef idx="0">
+              <a:schemeClr val="dk1"/>
+            </a:effectRef>
+            <a:fontRef idx="minor">
+              <a:schemeClr val="tx1"/>
+            </a:fontRef>
+          </p:style>
+        </p:cxnSp>
+      </p:grpSp>
       <p:graphicFrame>
         <p:nvGraphicFramePr>
           <p:cNvPr id="36" name="Tableau 35">
@@ -3954,13 +6869,13 @@
           <p:nvPr>
             <p:extLst>
               <p:ext uri="{D42A27DB-BD31-4B8C-83A1-F6EECF244321}">
-                <p14:modId xmlns:p14="http://schemas.microsoft.com/office/powerpoint/2010/main" val="1264990564"/>
+                <p14:modId xmlns:p14="http://schemas.microsoft.com/office/powerpoint/2010/main" val="1893976525"/>
               </p:ext>
             </p:extLst>
           </p:nvPr>
         </p:nvGraphicFramePr>
         <p:xfrm>
-          <a:off x="2616193" y="7042008"/>
+          <a:off x="2542302" y="7058906"/>
           <a:ext cx="1520120" cy="3432897"/>
         </p:xfrm>
         <a:graphic>
@@ -4048,13 +6963,13 @@
           <p:nvPr>
             <p:extLst>
               <p:ext uri="{D42A27DB-BD31-4B8C-83A1-F6EECF244321}">
-                <p14:modId xmlns:p14="http://schemas.microsoft.com/office/powerpoint/2010/main" val="1746799852"/>
+                <p14:modId xmlns:p14="http://schemas.microsoft.com/office/powerpoint/2010/main" val="2505192744"/>
               </p:ext>
             </p:extLst>
           </p:nvPr>
         </p:nvGraphicFramePr>
         <p:xfrm>
-          <a:off x="430823" y="7041871"/>
+          <a:off x="4796692" y="7053828"/>
           <a:ext cx="1438934" cy="1117083"/>
         </p:xfrm>
         <a:graphic>
@@ -4093,194 +7008,1034 @@
           </a:graphicData>
         </a:graphic>
       </p:graphicFrame>
-      <p:sp>
-        <p:nvSpPr>
-          <p:cNvPr id="41" name="Rectangle 40">
+      <p:grpSp>
+        <p:nvGrpSpPr>
+          <p:cNvPr id="85" name="Groupe 84">
             <a:extLst>
               <a:ext uri="{FF2B5EF4-FFF2-40B4-BE49-F238E27FC236}">
-                <a16:creationId xmlns:a16="http://schemas.microsoft.com/office/drawing/2014/main" id="{3994C9EA-41AB-4565-989C-20E6C6CECD69}"/>
+                <a16:creationId xmlns:a16="http://schemas.microsoft.com/office/drawing/2014/main" id="{10680867-FB8B-47F3-BA70-4AD7406813F9}"/>
               </a:ext>
             </a:extLst>
           </p:cNvPr>
-          <p:cNvSpPr/>
+          <p:cNvGrpSpPr/>
           <p:nvPr/>
-        </p:nvSpPr>
+        </p:nvGrpSpPr>
+        <p:grpSpPr>
+          <a:xfrm>
+            <a:off x="5664337" y="1493134"/>
+            <a:ext cx="4715570" cy="3244796"/>
+            <a:chOff x="578885" y="1594338"/>
+            <a:chExt cx="4715570" cy="3244796"/>
+          </a:xfrm>
+        </p:grpSpPr>
+        <p:sp>
+          <p:nvSpPr>
+            <p:cNvPr id="53" name="Rectangle : coins arrondis 52">
+              <a:extLst>
+                <a:ext uri="{FF2B5EF4-FFF2-40B4-BE49-F238E27FC236}">
+                  <a16:creationId xmlns:a16="http://schemas.microsoft.com/office/drawing/2014/main" id="{51A2E07E-8317-486D-A510-F0D3B1D8A7A9}"/>
+                </a:ext>
+              </a:extLst>
+            </p:cNvPr>
+            <p:cNvSpPr/>
+            <p:nvPr/>
+          </p:nvSpPr>
+          <p:spPr>
+            <a:xfrm>
+              <a:off x="703385" y="1594348"/>
+              <a:ext cx="4591070" cy="3244786"/>
+            </a:xfrm>
+            <a:prstGeom prst="roundRect">
+              <a:avLst/>
+            </a:prstGeom>
+            <a:solidFill>
+              <a:schemeClr val="bg1"/>
+            </a:solidFill>
+            <a:ln>
+              <a:solidFill>
+                <a:schemeClr val="bg1">
+                  <a:lumMod val="50000"/>
+                </a:schemeClr>
+              </a:solidFill>
+            </a:ln>
+          </p:spPr>
+          <p:style>
+            <a:lnRef idx="2">
+              <a:schemeClr val="accent1">
+                <a:shade val="50000"/>
+              </a:schemeClr>
+            </a:lnRef>
+            <a:fillRef idx="1">
+              <a:schemeClr val="accent1"/>
+            </a:fillRef>
+            <a:effectRef idx="0">
+              <a:schemeClr val="accent1"/>
+            </a:effectRef>
+            <a:fontRef idx="minor">
+              <a:schemeClr val="lt1"/>
+            </a:fontRef>
+          </p:style>
+          <p:txBody>
+            <a:bodyPr rtlCol="0" anchor="ctr"/>
+            <a:lstStyle/>
+            <a:p>
+              <a:pPr algn="ctr"/>
+              <a:endParaRPr lang="fr-FR" dirty="0">
+                <a:highlight>
+                  <a:srgbClr val="000000"/>
+                </a:highlight>
+              </a:endParaRPr>
+            </a:p>
+          </p:txBody>
+        </p:sp>
+        <p:pic>
+          <p:nvPicPr>
+            <p:cNvPr id="49" name="Image 48" descr="RÃ©sultat de recherche d'images pour &quot;php&quot;">
+              <a:extLst>
+                <a:ext uri="{FF2B5EF4-FFF2-40B4-BE49-F238E27FC236}">
+                  <a16:creationId xmlns:a16="http://schemas.microsoft.com/office/drawing/2014/main" id="{E9AD95B9-D9FB-46EF-95C8-FA21F3168041}"/>
+                </a:ext>
+              </a:extLst>
+            </p:cNvPr>
+            <p:cNvPicPr/>
+            <p:nvPr/>
+          </p:nvPicPr>
+          <p:blipFill>
+            <a:blip r:embed="rId3" cstate="print">
+              <a:extLst>
+                <a:ext uri="{28A0092B-C50C-407E-A947-70E740481C1C}">
+                  <a14:useLocalDpi xmlns:a14="http://schemas.microsoft.com/office/drawing/2010/main" val="0"/>
+                </a:ext>
+              </a:extLst>
+            </a:blip>
+            <a:srcRect/>
+            <a:stretch>
+              <a:fillRect/>
+            </a:stretch>
+          </p:blipFill>
+          <p:spPr bwMode="auto">
+            <a:xfrm>
+              <a:off x="596749" y="2309039"/>
+              <a:ext cx="2165350" cy="1082040"/>
+            </a:xfrm>
+            <a:prstGeom prst="rect">
+              <a:avLst/>
+            </a:prstGeom>
+            <a:noFill/>
+            <a:ln>
+              <a:noFill/>
+            </a:ln>
+          </p:spPr>
+        </p:pic>
+        <p:pic>
+          <p:nvPicPr>
+            <p:cNvPr id="50" name="Image 49" descr="RÃ©sultat de recherche d'images pour &quot;symfony&quot;">
+              <a:extLst>
+                <a:ext uri="{FF2B5EF4-FFF2-40B4-BE49-F238E27FC236}">
+                  <a16:creationId xmlns:a16="http://schemas.microsoft.com/office/drawing/2014/main" id="{C6766A19-9DB5-4449-AC3D-9798E2FA82CA}"/>
+                </a:ext>
+              </a:extLst>
+            </p:cNvPr>
+            <p:cNvPicPr/>
+            <p:nvPr/>
+          </p:nvPicPr>
+          <p:blipFill>
+            <a:blip r:embed="rId4" cstate="print">
+              <a:extLst>
+                <a:ext uri="{28A0092B-C50C-407E-A947-70E740481C1C}">
+                  <a14:useLocalDpi xmlns:a14="http://schemas.microsoft.com/office/drawing/2010/main" val="0"/>
+                </a:ext>
+              </a:extLst>
+            </a:blip>
+            <a:srcRect/>
+            <a:stretch>
+              <a:fillRect/>
+            </a:stretch>
+          </p:blipFill>
+          <p:spPr bwMode="auto">
+            <a:xfrm>
+              <a:off x="578885" y="3481546"/>
+              <a:ext cx="2169160" cy="1156970"/>
+            </a:xfrm>
+            <a:prstGeom prst="rect">
+              <a:avLst/>
+            </a:prstGeom>
+            <a:noFill/>
+            <a:ln>
+              <a:noFill/>
+            </a:ln>
+          </p:spPr>
+        </p:pic>
+        <p:pic>
+          <p:nvPicPr>
+            <p:cNvPr id="51" name="Image 50" descr="RÃ©sultat de recherche d'images pour &quot;html 5 css js&quot;">
+              <a:extLst>
+                <a:ext uri="{FF2B5EF4-FFF2-40B4-BE49-F238E27FC236}">
+                  <a16:creationId xmlns:a16="http://schemas.microsoft.com/office/drawing/2014/main" id="{80E14B05-F769-4EC7-8CF0-9FED8B746907}"/>
+                </a:ext>
+              </a:extLst>
+            </p:cNvPr>
+            <p:cNvPicPr/>
+            <p:nvPr/>
+          </p:nvPicPr>
+          <p:blipFill>
+            <a:blip r:embed="rId5" cstate="print">
+              <a:extLst>
+                <a:ext uri="{28A0092B-C50C-407E-A947-70E740481C1C}">
+                  <a14:useLocalDpi xmlns:a14="http://schemas.microsoft.com/office/drawing/2010/main" val="0"/>
+                </a:ext>
+              </a:extLst>
+            </a:blip>
+            <a:srcRect/>
+            <a:stretch>
+              <a:fillRect/>
+            </a:stretch>
+          </p:blipFill>
+          <p:spPr bwMode="auto">
+            <a:xfrm>
+              <a:off x="2722717" y="2226223"/>
+              <a:ext cx="2327910" cy="1309370"/>
+            </a:xfrm>
+            <a:prstGeom prst="rect">
+              <a:avLst/>
+            </a:prstGeom>
+            <a:noFill/>
+            <a:ln>
+              <a:noFill/>
+            </a:ln>
+          </p:spPr>
+        </p:pic>
+        <p:pic>
+          <p:nvPicPr>
+            <p:cNvPr id="52" name="Image 51" descr="RÃ©sultat de recherche d'images pour &quot;bootstrap&quot;">
+              <a:extLst>
+                <a:ext uri="{FF2B5EF4-FFF2-40B4-BE49-F238E27FC236}">
+                  <a16:creationId xmlns:a16="http://schemas.microsoft.com/office/drawing/2014/main" id="{7DE92D9C-5A80-46A6-BF83-202B6BDB8A6A}"/>
+                </a:ext>
+              </a:extLst>
+            </p:cNvPr>
+            <p:cNvPicPr/>
+            <p:nvPr/>
+          </p:nvPicPr>
+          <p:blipFill>
+            <a:blip r:embed="rId6" cstate="print">
+              <a:extLst>
+                <a:ext uri="{28A0092B-C50C-407E-A947-70E740481C1C}">
+                  <a14:useLocalDpi xmlns:a14="http://schemas.microsoft.com/office/drawing/2010/main" val="0"/>
+                </a:ext>
+              </a:extLst>
+            </a:blip>
+            <a:srcRect/>
+            <a:stretch>
+              <a:fillRect/>
+            </a:stretch>
+          </p:blipFill>
+          <p:spPr bwMode="auto">
+            <a:xfrm>
+              <a:off x="3004975" y="3794554"/>
+              <a:ext cx="1763395" cy="783590"/>
+            </a:xfrm>
+            <a:prstGeom prst="rect">
+              <a:avLst/>
+            </a:prstGeom>
+            <a:noFill/>
+            <a:ln>
+              <a:noFill/>
+            </a:ln>
+          </p:spPr>
+        </p:pic>
+        <p:sp>
+          <p:nvSpPr>
+            <p:cNvPr id="54" name="ZoneTexte 53">
+              <a:extLst>
+                <a:ext uri="{FF2B5EF4-FFF2-40B4-BE49-F238E27FC236}">
+                  <a16:creationId xmlns:a16="http://schemas.microsoft.com/office/drawing/2014/main" id="{038AC455-B2E5-40E3-8405-CECEDB92597B}"/>
+                </a:ext>
+              </a:extLst>
+            </p:cNvPr>
+            <p:cNvSpPr txBox="1"/>
+            <p:nvPr/>
+          </p:nvSpPr>
+          <p:spPr>
+            <a:xfrm>
+              <a:off x="855705" y="1594338"/>
+              <a:ext cx="4286429" cy="461665"/>
+            </a:xfrm>
+            <a:prstGeom prst="rect">
+              <a:avLst/>
+            </a:prstGeom>
+            <a:noFill/>
+          </p:spPr>
+          <p:txBody>
+            <a:bodyPr wrap="square" rtlCol="0">
+              <a:spAutoFit/>
+            </a:bodyPr>
+            <a:lstStyle/>
+            <a:p>
+              <a:pPr algn="ctr"/>
+              <a:r>
+                <a:rPr lang="fr-FR" sz="2400" b="1" u="sng" dirty="0"/>
+                <a:t>Technologies utilisées</a:t>
+              </a:r>
+            </a:p>
+          </p:txBody>
+        </p:sp>
+      </p:grpSp>
+      <p:grpSp>
+        <p:nvGrpSpPr>
+          <p:cNvPr id="92" name="Groupe 91">
+            <a:extLst>
+              <a:ext uri="{FF2B5EF4-FFF2-40B4-BE49-F238E27FC236}">
+                <a16:creationId xmlns:a16="http://schemas.microsoft.com/office/drawing/2014/main" id="{069730A8-025E-4CA1-88FB-BBB907538872}"/>
+              </a:ext>
+            </a:extLst>
+          </p:cNvPr>
+          <p:cNvGrpSpPr/>
+          <p:nvPr/>
+        </p:nvGrpSpPr>
+        <p:grpSpPr>
+          <a:xfrm>
+            <a:off x="308549" y="11399077"/>
+            <a:ext cx="10071357" cy="3244786"/>
+            <a:chOff x="5707122" y="11692720"/>
+            <a:chExt cx="10071357" cy="3244786"/>
+          </a:xfrm>
+        </p:grpSpPr>
+        <p:sp>
+          <p:nvSpPr>
+            <p:cNvPr id="56" name="Rectangle : coins arrondis 55">
+              <a:extLst>
+                <a:ext uri="{FF2B5EF4-FFF2-40B4-BE49-F238E27FC236}">
+                  <a16:creationId xmlns:a16="http://schemas.microsoft.com/office/drawing/2014/main" id="{F628AAC4-F9DA-4397-B079-95869252F3C6}"/>
+                </a:ext>
+              </a:extLst>
+            </p:cNvPr>
+            <p:cNvSpPr/>
+            <p:nvPr/>
+          </p:nvSpPr>
+          <p:spPr>
+            <a:xfrm>
+              <a:off x="5707122" y="11692720"/>
+              <a:ext cx="10071357" cy="3244786"/>
+            </a:xfrm>
+            <a:prstGeom prst="roundRect">
+              <a:avLst/>
+            </a:prstGeom>
+            <a:solidFill>
+              <a:schemeClr val="bg1"/>
+            </a:solidFill>
+            <a:ln>
+              <a:solidFill>
+                <a:schemeClr val="bg1">
+                  <a:lumMod val="50000"/>
+                </a:schemeClr>
+              </a:solidFill>
+            </a:ln>
+          </p:spPr>
+          <p:style>
+            <a:lnRef idx="2">
+              <a:schemeClr val="accent1">
+                <a:shade val="50000"/>
+              </a:schemeClr>
+            </a:lnRef>
+            <a:fillRef idx="1">
+              <a:schemeClr val="accent1"/>
+            </a:fillRef>
+            <a:effectRef idx="0">
+              <a:schemeClr val="accent1"/>
+            </a:effectRef>
+            <a:fontRef idx="minor">
+              <a:schemeClr val="lt1"/>
+            </a:fontRef>
+          </p:style>
+          <p:txBody>
+            <a:bodyPr rtlCol="0" anchor="ctr"/>
+            <a:lstStyle/>
+            <a:p>
+              <a:pPr algn="ctr"/>
+              <a:endParaRPr lang="fr-FR" dirty="0">
+                <a:highlight>
+                  <a:srgbClr val="000000"/>
+                </a:highlight>
+              </a:endParaRPr>
+            </a:p>
+          </p:txBody>
+        </p:sp>
+        <p:sp>
+          <p:nvSpPr>
+            <p:cNvPr id="55" name="ZoneTexte 54">
+              <a:extLst>
+                <a:ext uri="{FF2B5EF4-FFF2-40B4-BE49-F238E27FC236}">
+                  <a16:creationId xmlns:a16="http://schemas.microsoft.com/office/drawing/2014/main" id="{D986D322-6FFE-4CEA-94A7-C5BAB6CC0E01}"/>
+                </a:ext>
+              </a:extLst>
+            </p:cNvPr>
+            <p:cNvSpPr txBox="1"/>
+            <p:nvPr/>
+          </p:nvSpPr>
+          <p:spPr>
+            <a:xfrm>
+              <a:off x="9570942" y="11734600"/>
+              <a:ext cx="2541798" cy="461665"/>
+            </a:xfrm>
+            <a:prstGeom prst="rect">
+              <a:avLst/>
+            </a:prstGeom>
+            <a:noFill/>
+          </p:spPr>
+          <p:txBody>
+            <a:bodyPr wrap="square" rtlCol="0">
+              <a:spAutoFit/>
+            </a:bodyPr>
+            <a:lstStyle/>
+            <a:p>
+              <a:pPr algn="ctr"/>
+              <a:r>
+                <a:rPr lang="fr-FR" sz="2400" b="1" dirty="0"/>
+                <a:t>BDD</a:t>
+              </a:r>
+            </a:p>
+          </p:txBody>
+        </p:sp>
+        <p:pic>
+          <p:nvPicPr>
+            <p:cNvPr id="59" name="Image 58">
+              <a:extLst>
+                <a:ext uri="{FF2B5EF4-FFF2-40B4-BE49-F238E27FC236}">
+                  <a16:creationId xmlns:a16="http://schemas.microsoft.com/office/drawing/2014/main" id="{414F5D9E-5BFC-469D-9913-0E82EB068CFE}"/>
+                </a:ext>
+              </a:extLst>
+            </p:cNvPr>
+            <p:cNvPicPr/>
+            <p:nvPr/>
+          </p:nvPicPr>
+          <p:blipFill rotWithShape="1">
+            <a:blip r:embed="rId7">
+              <a:extLst>
+                <a:ext uri="{28A0092B-C50C-407E-A947-70E740481C1C}">
+                  <a14:useLocalDpi xmlns:a14="http://schemas.microsoft.com/office/drawing/2010/main" val="0"/>
+                </a:ext>
+              </a:extLst>
+            </a:blip>
+            <a:srcRect l="4428" r="4667"/>
+            <a:stretch/>
+          </p:blipFill>
+          <p:spPr>
+            <a:xfrm>
+              <a:off x="5856848" y="13007350"/>
+              <a:ext cx="4377799" cy="1662084"/>
+            </a:xfrm>
+            <a:prstGeom prst="rect">
+              <a:avLst/>
+            </a:prstGeom>
+          </p:spPr>
+        </p:pic>
+      </p:grpSp>
+      <p:grpSp>
+        <p:nvGrpSpPr>
+          <p:cNvPr id="84" name="Groupe 83">
+            <a:extLst>
+              <a:ext uri="{FF2B5EF4-FFF2-40B4-BE49-F238E27FC236}">
+                <a16:creationId xmlns:a16="http://schemas.microsoft.com/office/drawing/2014/main" id="{41B890EF-91C4-4C4B-92BA-FEBDBD65C504}"/>
+              </a:ext>
+            </a:extLst>
+          </p:cNvPr>
+          <p:cNvGrpSpPr/>
+          <p:nvPr/>
+        </p:nvGrpSpPr>
+        <p:grpSpPr>
+          <a:xfrm>
+            <a:off x="348297" y="1646591"/>
+            <a:ext cx="4954668" cy="2890721"/>
+            <a:chOff x="4470751" y="11775711"/>
+            <a:chExt cx="4954668" cy="2890721"/>
+          </a:xfrm>
+          <a:solidFill>
+            <a:schemeClr val="bg2">
+              <a:lumMod val="75000"/>
+            </a:schemeClr>
+          </a:solidFill>
+        </p:grpSpPr>
+        <p:sp>
+          <p:nvSpPr>
+            <p:cNvPr id="41" name="Rectangle 40">
+              <a:extLst>
+                <a:ext uri="{FF2B5EF4-FFF2-40B4-BE49-F238E27FC236}">
+                  <a16:creationId xmlns:a16="http://schemas.microsoft.com/office/drawing/2014/main" id="{3994C9EA-41AB-4565-989C-20E6C6CECD69}"/>
+                </a:ext>
+              </a:extLst>
+            </p:cNvPr>
+            <p:cNvSpPr/>
+            <p:nvPr/>
+          </p:nvSpPr>
+          <p:spPr>
+            <a:xfrm>
+              <a:off x="4470751" y="11775711"/>
+              <a:ext cx="4954668" cy="2890721"/>
+            </a:xfrm>
+            <a:prstGeom prst="rect">
+              <a:avLst/>
+            </a:prstGeom>
+            <a:grpFill/>
+          </p:spPr>
+          <p:style>
+            <a:lnRef idx="2">
+              <a:schemeClr val="dk1"/>
+            </a:lnRef>
+            <a:fillRef idx="1">
+              <a:schemeClr val="lt1"/>
+            </a:fillRef>
+            <a:effectRef idx="0">
+              <a:schemeClr val="dk1"/>
+            </a:effectRef>
+            <a:fontRef idx="minor">
+              <a:schemeClr val="dk1"/>
+            </a:fontRef>
+          </p:style>
+          <p:txBody>
+            <a:bodyPr rtlCol="0" anchor="ctr"/>
+            <a:lstStyle/>
+            <a:p>
+              <a:pPr algn="ctr"/>
+              <a:endParaRPr lang="fr-FR"/>
+            </a:p>
+          </p:txBody>
+        </p:sp>
+        <p:sp>
+          <p:nvSpPr>
+            <p:cNvPr id="45" name="ZoneTexte 44">
+              <a:extLst>
+                <a:ext uri="{FF2B5EF4-FFF2-40B4-BE49-F238E27FC236}">
+                  <a16:creationId xmlns:a16="http://schemas.microsoft.com/office/drawing/2014/main" id="{673826EF-96F0-4FB1-8FEC-BDF66547AE31}"/>
+                </a:ext>
+              </a:extLst>
+            </p:cNvPr>
+            <p:cNvSpPr txBox="1"/>
+            <p:nvPr/>
+          </p:nvSpPr>
+          <p:spPr>
+            <a:xfrm>
+              <a:off x="4833901" y="11853199"/>
+              <a:ext cx="4279140" cy="461665"/>
+            </a:xfrm>
+            <a:prstGeom prst="rect">
+              <a:avLst/>
+            </a:prstGeom>
+            <a:grpFill/>
+          </p:spPr>
+          <p:txBody>
+            <a:bodyPr wrap="square" rtlCol="0">
+              <a:spAutoFit/>
+            </a:bodyPr>
+            <a:lstStyle/>
+            <a:p>
+              <a:pPr algn="ctr"/>
+              <a:r>
+                <a:rPr lang="fr-FR" sz="2400" u="sng" dirty="0"/>
+                <a:t>Imprimerie – Pôle </a:t>
+              </a:r>
+              <a:r>
+                <a:rPr lang="fr-FR" sz="2400" u="sng" dirty="0" err="1"/>
+                <a:t>Plurimédia</a:t>
+              </a:r>
+              <a:endParaRPr lang="fr-FR" sz="2400" u="sng" dirty="0"/>
+            </a:p>
+          </p:txBody>
+        </p:sp>
+        <p:grpSp>
+          <p:nvGrpSpPr>
+            <p:cNvPr id="82" name="Groupe 81">
+              <a:extLst>
+                <a:ext uri="{FF2B5EF4-FFF2-40B4-BE49-F238E27FC236}">
+                  <a16:creationId xmlns:a16="http://schemas.microsoft.com/office/drawing/2014/main" id="{CA813880-C569-42CF-B957-0FAF6E38970D}"/>
+                </a:ext>
+              </a:extLst>
+            </p:cNvPr>
+            <p:cNvGrpSpPr/>
+            <p:nvPr/>
+          </p:nvGrpSpPr>
+          <p:grpSpPr>
+            <a:xfrm>
+              <a:off x="7686010" y="12387084"/>
+              <a:ext cx="1580528" cy="994814"/>
+              <a:chOff x="7453621" y="12463587"/>
+              <a:chExt cx="1580528" cy="994814"/>
+            </a:xfrm>
+            <a:grpFill/>
+          </p:grpSpPr>
+          <p:sp>
+            <p:nvSpPr>
+              <p:cNvPr id="78" name="Rectangle : coins arrondis 77">
+                <a:extLst>
+                  <a:ext uri="{FF2B5EF4-FFF2-40B4-BE49-F238E27FC236}">
+                    <a16:creationId xmlns:a16="http://schemas.microsoft.com/office/drawing/2014/main" id="{8DADBAD4-53DB-4D9D-AAFF-12F17639BD48}"/>
+                  </a:ext>
+                </a:extLst>
+              </p:cNvPr>
+              <p:cNvSpPr/>
+              <p:nvPr/>
+            </p:nvSpPr>
+            <p:spPr>
+              <a:xfrm>
+                <a:off x="7453621" y="12463587"/>
+                <a:ext cx="1580528" cy="994814"/>
+              </a:xfrm>
+              <a:prstGeom prst="roundRect">
+                <a:avLst/>
+              </a:prstGeom>
+              <a:solidFill>
+                <a:schemeClr val="accent1">
+                  <a:lumMod val="50000"/>
+                </a:schemeClr>
+              </a:solidFill>
+            </p:spPr>
+            <p:style>
+              <a:lnRef idx="2">
+                <a:schemeClr val="accent1">
+                  <a:shade val="50000"/>
+                </a:schemeClr>
+              </a:lnRef>
+              <a:fillRef idx="1">
+                <a:schemeClr val="accent1"/>
+              </a:fillRef>
+              <a:effectRef idx="0">
+                <a:schemeClr val="accent1"/>
+              </a:effectRef>
+              <a:fontRef idx="minor">
+                <a:schemeClr val="lt1"/>
+              </a:fontRef>
+            </p:style>
+            <p:txBody>
+              <a:bodyPr rtlCol="0" anchor="ctr"/>
+              <a:lstStyle/>
+              <a:p>
+                <a:pPr algn="ctr"/>
+                <a:endParaRPr lang="fr-FR" dirty="0"/>
+              </a:p>
+            </p:txBody>
+          </p:sp>
+          <p:sp>
+            <p:nvSpPr>
+              <p:cNvPr id="57" name="ZoneTexte 56">
+                <a:extLst>
+                  <a:ext uri="{FF2B5EF4-FFF2-40B4-BE49-F238E27FC236}">
+                    <a16:creationId xmlns:a16="http://schemas.microsoft.com/office/drawing/2014/main" id="{58D770DC-6079-4F1D-9700-D827408ED8EB}"/>
+                  </a:ext>
+                </a:extLst>
+              </p:cNvPr>
+              <p:cNvSpPr txBox="1"/>
+              <p:nvPr/>
+            </p:nvSpPr>
+            <p:spPr>
+              <a:xfrm>
+                <a:off x="7602278" y="12570092"/>
+                <a:ext cx="1283214" cy="830997"/>
+              </a:xfrm>
+              <a:prstGeom prst="rect">
+                <a:avLst/>
+              </a:prstGeom>
+              <a:solidFill>
+                <a:schemeClr val="accent1">
+                  <a:lumMod val="50000"/>
+                </a:schemeClr>
+              </a:solidFill>
+            </p:spPr>
+            <p:txBody>
+              <a:bodyPr wrap="square" rtlCol="0">
+                <a:spAutoFit/>
+              </a:bodyPr>
+              <a:lstStyle/>
+              <a:p>
+                <a:pPr algn="ctr"/>
+                <a:r>
+                  <a:rPr lang="fr-FR" sz="2400" b="1" dirty="0">
+                    <a:solidFill>
+                      <a:schemeClr val="bg1"/>
+                    </a:solidFill>
+                  </a:rPr>
+                  <a:t>Salle Encre </a:t>
+                </a:r>
+              </a:p>
+            </p:txBody>
+          </p:sp>
+        </p:grpSp>
+        <p:grpSp>
+          <p:nvGrpSpPr>
+            <p:cNvPr id="81" name="Groupe 80">
+              <a:extLst>
+                <a:ext uri="{FF2B5EF4-FFF2-40B4-BE49-F238E27FC236}">
+                  <a16:creationId xmlns:a16="http://schemas.microsoft.com/office/drawing/2014/main" id="{4C7C426E-F06F-40E6-AB3D-73F64DF7C18A}"/>
+                </a:ext>
+              </a:extLst>
+            </p:cNvPr>
+            <p:cNvGrpSpPr/>
+            <p:nvPr/>
+          </p:nvGrpSpPr>
+          <p:grpSpPr>
+            <a:xfrm>
+              <a:off x="6157821" y="13548651"/>
+              <a:ext cx="1580528" cy="994814"/>
+              <a:chOff x="5857965" y="13579175"/>
+              <a:chExt cx="1580528" cy="994814"/>
+            </a:xfrm>
+            <a:grpFill/>
+          </p:grpSpPr>
+          <p:sp>
+            <p:nvSpPr>
+              <p:cNvPr id="79" name="Rectangle : coins arrondis 78">
+                <a:extLst>
+                  <a:ext uri="{FF2B5EF4-FFF2-40B4-BE49-F238E27FC236}">
+                    <a16:creationId xmlns:a16="http://schemas.microsoft.com/office/drawing/2014/main" id="{E49E519E-C403-4887-B7DC-240247D38EA1}"/>
+                  </a:ext>
+                </a:extLst>
+              </p:cNvPr>
+              <p:cNvSpPr/>
+              <p:nvPr/>
+            </p:nvSpPr>
+            <p:spPr>
+              <a:xfrm>
+                <a:off x="5857965" y="13579175"/>
+                <a:ext cx="1580528" cy="994814"/>
+              </a:xfrm>
+              <a:prstGeom prst="roundRect">
+                <a:avLst/>
+              </a:prstGeom>
+              <a:solidFill>
+                <a:schemeClr val="accent1">
+                  <a:lumMod val="50000"/>
+                </a:schemeClr>
+              </a:solidFill>
+            </p:spPr>
+            <p:style>
+              <a:lnRef idx="2">
+                <a:schemeClr val="accent1">
+                  <a:shade val="50000"/>
+                </a:schemeClr>
+              </a:lnRef>
+              <a:fillRef idx="1">
+                <a:schemeClr val="accent1"/>
+              </a:fillRef>
+              <a:effectRef idx="0">
+                <a:schemeClr val="accent1"/>
+              </a:effectRef>
+              <a:fontRef idx="minor">
+                <a:schemeClr val="lt1"/>
+              </a:fontRef>
+            </p:style>
+            <p:txBody>
+              <a:bodyPr rtlCol="0" anchor="ctr"/>
+              <a:lstStyle/>
+              <a:p>
+                <a:pPr algn="ctr"/>
+                <a:endParaRPr lang="fr-FR" dirty="0"/>
+              </a:p>
+            </p:txBody>
+          </p:sp>
+          <p:sp>
+            <p:nvSpPr>
+              <p:cNvPr id="31" name="ZoneTexte 30">
+                <a:extLst>
+                  <a:ext uri="{FF2B5EF4-FFF2-40B4-BE49-F238E27FC236}">
+                    <a16:creationId xmlns:a16="http://schemas.microsoft.com/office/drawing/2014/main" id="{0392EF73-EBA4-44A5-9662-9E8E64AF1CEA}"/>
+                  </a:ext>
+                </a:extLst>
+              </p:cNvPr>
+              <p:cNvSpPr txBox="1"/>
+              <p:nvPr/>
+            </p:nvSpPr>
+            <p:spPr>
+              <a:xfrm>
+                <a:off x="5965916" y="13857127"/>
+                <a:ext cx="1364626" cy="461665"/>
+              </a:xfrm>
+              <a:prstGeom prst="rect">
+                <a:avLst/>
+              </a:prstGeom>
+              <a:solidFill>
+                <a:schemeClr val="accent1">
+                  <a:lumMod val="50000"/>
+                </a:schemeClr>
+              </a:solidFill>
+            </p:spPr>
+            <p:txBody>
+              <a:bodyPr wrap="square" rtlCol="0">
+                <a:spAutoFit/>
+              </a:bodyPr>
+              <a:lstStyle/>
+              <a:p>
+                <a:pPr algn="ctr"/>
+                <a:r>
+                  <a:rPr lang="fr-FR" sz="2400" b="1" dirty="0">
+                    <a:solidFill>
+                      <a:schemeClr val="bg1"/>
+                    </a:solidFill>
+                  </a:rPr>
+                  <a:t>Atelier </a:t>
+                </a:r>
+              </a:p>
+            </p:txBody>
+          </p:sp>
+        </p:grpSp>
+        <p:grpSp>
+          <p:nvGrpSpPr>
+            <p:cNvPr id="83" name="Groupe 82">
+              <a:extLst>
+                <a:ext uri="{FF2B5EF4-FFF2-40B4-BE49-F238E27FC236}">
+                  <a16:creationId xmlns:a16="http://schemas.microsoft.com/office/drawing/2014/main" id="{197906AE-1C0B-4BB8-B9DC-44EFA6CA32BC}"/>
+                </a:ext>
+              </a:extLst>
+            </p:cNvPr>
+            <p:cNvGrpSpPr/>
+            <p:nvPr/>
+          </p:nvGrpSpPr>
+          <p:grpSpPr>
+            <a:xfrm>
+              <a:off x="4685244" y="12398241"/>
+              <a:ext cx="1580528" cy="994814"/>
+              <a:chOff x="4504191" y="12488184"/>
+              <a:chExt cx="1580528" cy="994814"/>
+            </a:xfrm>
+            <a:grpFill/>
+          </p:grpSpPr>
+          <p:sp>
+            <p:nvSpPr>
+              <p:cNvPr id="77" name="Rectangle : coins arrondis 76">
+                <a:extLst>
+                  <a:ext uri="{FF2B5EF4-FFF2-40B4-BE49-F238E27FC236}">
+                    <a16:creationId xmlns:a16="http://schemas.microsoft.com/office/drawing/2014/main" id="{9BB30294-86ED-460E-9D3B-E5B6CFC43520}"/>
+                  </a:ext>
+                </a:extLst>
+              </p:cNvPr>
+              <p:cNvSpPr/>
+              <p:nvPr/>
+            </p:nvSpPr>
+            <p:spPr>
+              <a:xfrm>
+                <a:off x="4504191" y="12488184"/>
+                <a:ext cx="1580528" cy="994814"/>
+              </a:xfrm>
+              <a:prstGeom prst="roundRect">
+                <a:avLst/>
+              </a:prstGeom>
+              <a:solidFill>
+                <a:schemeClr val="accent1">
+                  <a:lumMod val="50000"/>
+                </a:schemeClr>
+              </a:solidFill>
+            </p:spPr>
+            <p:style>
+              <a:lnRef idx="2">
+                <a:schemeClr val="accent1">
+                  <a:shade val="50000"/>
+                </a:schemeClr>
+              </a:lnRef>
+              <a:fillRef idx="1">
+                <a:schemeClr val="accent1"/>
+              </a:fillRef>
+              <a:effectRef idx="0">
+                <a:schemeClr val="accent1"/>
+              </a:effectRef>
+              <a:fontRef idx="minor">
+                <a:schemeClr val="lt1"/>
+              </a:fontRef>
+            </p:style>
+            <p:txBody>
+              <a:bodyPr rtlCol="0" anchor="ctr"/>
+              <a:lstStyle/>
+              <a:p>
+                <a:pPr algn="ctr"/>
+                <a:endParaRPr lang="fr-FR" dirty="0"/>
+              </a:p>
+            </p:txBody>
+          </p:sp>
+          <p:sp>
+            <p:nvSpPr>
+              <p:cNvPr id="80" name="ZoneTexte 79">
+                <a:extLst>
+                  <a:ext uri="{FF2B5EF4-FFF2-40B4-BE49-F238E27FC236}">
+                    <a16:creationId xmlns:a16="http://schemas.microsoft.com/office/drawing/2014/main" id="{11758A3A-1010-4ABD-9067-4EB96EC56A01}"/>
+                  </a:ext>
+                </a:extLst>
+              </p:cNvPr>
+              <p:cNvSpPr txBox="1"/>
+              <p:nvPr/>
+            </p:nvSpPr>
+            <p:spPr>
+              <a:xfrm>
+                <a:off x="4652848" y="12570091"/>
+                <a:ext cx="1283214" cy="830997"/>
+              </a:xfrm>
+              <a:prstGeom prst="rect">
+                <a:avLst/>
+              </a:prstGeom>
+              <a:solidFill>
+                <a:schemeClr val="accent1">
+                  <a:lumMod val="50000"/>
+                </a:schemeClr>
+              </a:solidFill>
+              <a:ln>
+                <a:solidFill>
+                  <a:schemeClr val="accent1">
+                    <a:lumMod val="50000"/>
+                  </a:schemeClr>
+                </a:solidFill>
+              </a:ln>
+            </p:spPr>
+            <p:txBody>
+              <a:bodyPr wrap="square" rtlCol="0">
+                <a:spAutoFit/>
+              </a:bodyPr>
+              <a:lstStyle/>
+              <a:p>
+                <a:pPr algn="ctr"/>
+                <a:r>
+                  <a:rPr lang="fr-FR" sz="2400" b="1" dirty="0">
+                    <a:solidFill>
+                      <a:schemeClr val="bg1"/>
+                    </a:solidFill>
+                  </a:rPr>
+                  <a:t>Salle papier </a:t>
+                </a:r>
+              </a:p>
+            </p:txBody>
+          </p:sp>
+        </p:grpSp>
+      </p:grpSp>
+      <p:pic>
+        <p:nvPicPr>
+          <p:cNvPr id="91" name="Image 90">
+            <a:extLst>
+              <a:ext uri="{FF2B5EF4-FFF2-40B4-BE49-F238E27FC236}">
+                <a16:creationId xmlns:a16="http://schemas.microsoft.com/office/drawing/2014/main" id="{EC3C7F0F-FB19-430D-897A-BD70F5AABF8F}"/>
+              </a:ext>
+            </a:extLst>
+          </p:cNvPr>
+          <p:cNvPicPr>
+            <a:picLocks noChangeAspect="1"/>
+          </p:cNvPicPr>
+          <p:nvPr/>
+        </p:nvPicPr>
+        <p:blipFill>
+          <a:blip r:embed="rId8"/>
+          <a:stretch>
+            <a:fillRect/>
+          </a:stretch>
+        </p:blipFill>
         <p:spPr>
           <a:xfrm>
-            <a:off x="11275934" y="12029287"/>
-            <a:ext cx="4954668" cy="2890721"/>
+            <a:off x="17208433" y="1797817"/>
+            <a:ext cx="3873998" cy="4722662"/>
           </a:xfrm>
           <a:prstGeom prst="rect">
             <a:avLst/>
           </a:prstGeom>
         </p:spPr>
-        <p:style>
-          <a:lnRef idx="2">
-            <a:schemeClr val="dk1"/>
-          </a:lnRef>
-          <a:fillRef idx="1">
-            <a:schemeClr val="lt1"/>
-          </a:fillRef>
-          <a:effectRef idx="0">
-            <a:schemeClr val="dk1"/>
-          </a:effectRef>
-          <a:fontRef idx="minor">
-            <a:schemeClr val="dk1"/>
-          </a:fontRef>
-        </p:style>
-        <p:txBody>
-          <a:bodyPr rtlCol="0" anchor="ctr"/>
-          <a:lstStyle/>
-          <a:p>
-            <a:pPr algn="ctr"/>
-            <a:endParaRPr lang="fr-FR"/>
-          </a:p>
-        </p:txBody>
-      </p:sp>
-      <p:sp>
-        <p:nvSpPr>
-          <p:cNvPr id="42" name="Rectangle : coins arrondis 41">
+      </p:pic>
+      <p:pic>
+        <p:nvPicPr>
+          <p:cNvPr id="96" name="Image 95">
             <a:extLst>
               <a:ext uri="{FF2B5EF4-FFF2-40B4-BE49-F238E27FC236}">
-                <a16:creationId xmlns:a16="http://schemas.microsoft.com/office/drawing/2014/main" id="{07B6BDDC-58C3-4B14-8DDA-4277C042C9E4}"/>
+                <a16:creationId xmlns:a16="http://schemas.microsoft.com/office/drawing/2014/main" id="{C5B74F7D-E588-4675-BB40-8A22C35C6FC5}"/>
               </a:ext>
             </a:extLst>
           </p:cNvPr>
-          <p:cNvSpPr/>
+          <p:cNvPicPr/>
           <p:nvPr/>
-        </p:nvSpPr>
+        </p:nvPicPr>
+        <p:blipFill rotWithShape="1">
+          <a:blip r:embed="rId9" cstate="print">
+            <a:extLst>
+              <a:ext uri="{28A0092B-C50C-407E-A947-70E740481C1C}">
+                <a14:useLocalDpi xmlns:a14="http://schemas.microsoft.com/office/drawing/2010/main" val="0"/>
+              </a:ext>
+            </a:extLst>
+          </a:blip>
+          <a:srcRect r="78862"/>
+          <a:stretch/>
+        </p:blipFill>
         <p:spPr>
           <a:xfrm>
-            <a:off x="11658679" y="14084974"/>
-            <a:ext cx="1197785" cy="688418"/>
+            <a:off x="5505272" y="12441396"/>
+            <a:ext cx="1430471" cy="1450975"/>
           </a:xfrm>
-          <a:prstGeom prst="roundRect">
+          <a:prstGeom prst="rect">
             <a:avLst/>
           </a:prstGeom>
         </p:spPr>
-        <p:style>
-          <a:lnRef idx="2">
-            <a:schemeClr val="accent1">
-              <a:shade val="50000"/>
-            </a:schemeClr>
-          </a:lnRef>
-          <a:fillRef idx="1">
-            <a:schemeClr val="accent1"/>
-          </a:fillRef>
-          <a:effectRef idx="0">
-            <a:schemeClr val="accent1"/>
-          </a:effectRef>
-          <a:fontRef idx="minor">
-            <a:schemeClr val="lt1"/>
-          </a:fontRef>
-        </p:style>
-        <p:txBody>
-          <a:bodyPr rtlCol="0" anchor="ctr"/>
-          <a:lstStyle/>
-          <a:p>
-            <a:pPr algn="ctr"/>
-            <a:endParaRPr lang="fr-FR"/>
-          </a:p>
-        </p:txBody>
-      </p:sp>
-      <p:sp>
-        <p:nvSpPr>
-          <p:cNvPr id="43" name="Rectangle : coins arrondis 42">
+      </p:pic>
+      <p:pic>
+        <p:nvPicPr>
+          <p:cNvPr id="97" name="Image 96">
             <a:extLst>
               <a:ext uri="{FF2B5EF4-FFF2-40B4-BE49-F238E27FC236}">
-                <a16:creationId xmlns:a16="http://schemas.microsoft.com/office/drawing/2014/main" id="{24FA8A09-6C02-499F-9486-A8D0C20F7850}"/>
+                <a16:creationId xmlns:a16="http://schemas.microsoft.com/office/drawing/2014/main" id="{BA231D71-01AD-401E-8730-17BBCFDEA026}"/>
               </a:ext>
             </a:extLst>
           </p:cNvPr>
-          <p:cNvSpPr/>
+          <p:cNvPicPr/>
           <p:nvPr/>
-        </p:nvSpPr>
+        </p:nvPicPr>
+        <p:blipFill rotWithShape="1">
+          <a:blip r:embed="rId9" cstate="print">
+            <a:extLst>
+              <a:ext uri="{28A0092B-C50C-407E-A947-70E740481C1C}">
+                <a14:useLocalDpi xmlns:a14="http://schemas.microsoft.com/office/drawing/2010/main" val="0"/>
+              </a:ext>
+            </a:extLst>
+          </a:blip>
+          <a:srcRect l="45391" r="33416" b="21990"/>
+          <a:stretch/>
+        </p:blipFill>
         <p:spPr>
           <a:xfrm>
-            <a:off x="13154376" y="14084974"/>
-            <a:ext cx="1197785" cy="688418"/>
+            <a:off x="8625533" y="12441396"/>
+            <a:ext cx="1434142" cy="1131908"/>
           </a:xfrm>
-          <a:prstGeom prst="roundRect">
+          <a:prstGeom prst="rect">
             <a:avLst/>
           </a:prstGeom>
         </p:spPr>
-        <p:style>
-          <a:lnRef idx="2">
-            <a:schemeClr val="accent1">
-              <a:shade val="50000"/>
-            </a:schemeClr>
-          </a:lnRef>
-          <a:fillRef idx="1">
-            <a:schemeClr val="accent1"/>
-          </a:fillRef>
-          <a:effectRef idx="0">
-            <a:schemeClr val="accent1"/>
-          </a:effectRef>
-          <a:fontRef idx="minor">
-            <a:schemeClr val="lt1"/>
-          </a:fontRef>
-        </p:style>
-        <p:txBody>
-          <a:bodyPr rtlCol="0" anchor="ctr"/>
-          <a:lstStyle/>
-          <a:p>
-            <a:pPr algn="ctr"/>
-            <a:endParaRPr lang="fr-FR"/>
-          </a:p>
-        </p:txBody>
-      </p:sp>
-      <p:sp>
-        <p:nvSpPr>
-          <p:cNvPr id="44" name="Rectangle : coins arrondis 43">
+      </p:pic>
+      <p:pic>
+        <p:nvPicPr>
+          <p:cNvPr id="98" name="Image 97">
             <a:extLst>
               <a:ext uri="{FF2B5EF4-FFF2-40B4-BE49-F238E27FC236}">
-                <a16:creationId xmlns:a16="http://schemas.microsoft.com/office/drawing/2014/main" id="{EE2B4026-70F1-45D4-ACCE-C364DF0942DF}"/>
+                <a16:creationId xmlns:a16="http://schemas.microsoft.com/office/drawing/2014/main" id="{3CBF28C5-86EE-47A4-9E90-FB47CD7DA3CC}"/>
               </a:ext>
             </a:extLst>
           </p:cNvPr>
-          <p:cNvSpPr/>
+          <p:cNvPicPr/>
           <p:nvPr/>
-        </p:nvSpPr>
+        </p:nvPicPr>
+        <p:blipFill rotWithShape="1">
+          <a:blip r:embed="rId9" cstate="print">
+            <a:extLst>
+              <a:ext uri="{28A0092B-C50C-407E-A947-70E740481C1C}">
+                <a14:useLocalDpi xmlns:a14="http://schemas.microsoft.com/office/drawing/2010/main" val="0"/>
+              </a:ext>
+            </a:extLst>
+          </a:blip>
+          <a:srcRect l="77368" b="22735"/>
+          <a:stretch/>
+        </p:blipFill>
         <p:spPr>
           <a:xfrm>
-            <a:off x="14692538" y="14084974"/>
-            <a:ext cx="1197785" cy="688418"/>
+            <a:off x="6925764" y="13360888"/>
+            <a:ext cx="1531579" cy="1121092"/>
           </a:xfrm>
-          <a:prstGeom prst="roundRect">
+          <a:prstGeom prst="rect">
             <a:avLst/>
           </a:prstGeom>
         </p:spPr>
-        <p:style>
-          <a:lnRef idx="2">
-            <a:schemeClr val="accent1">
-              <a:shade val="50000"/>
-            </a:schemeClr>
-          </a:lnRef>
-          <a:fillRef idx="1">
-            <a:schemeClr val="accent1"/>
-          </a:fillRef>
-          <a:effectRef idx="0">
-            <a:schemeClr val="accent1"/>
-          </a:effectRef>
-          <a:fontRef idx="minor">
-            <a:schemeClr val="lt1"/>
-          </a:fontRef>
-        </p:style>
-        <p:txBody>
-          <a:bodyPr rtlCol="0" anchor="ctr"/>
-          <a:lstStyle/>
-          <a:p>
-            <a:pPr algn="ctr"/>
-            <a:endParaRPr lang="fr-FR"/>
-          </a:p>
-        </p:txBody>
-      </p:sp>
-      <p:sp>
-        <p:nvSpPr>
-          <p:cNvPr id="45" name="ZoneTexte 44">
+      </p:pic>
+      <p:sp>
+        <p:nvSpPr>
+          <p:cNvPr id="100" name="ZoneTexte 99">
             <a:extLst>
               <a:ext uri="{FF2B5EF4-FFF2-40B4-BE49-F238E27FC236}">
-                <a16:creationId xmlns:a16="http://schemas.microsoft.com/office/drawing/2014/main" id="{673826EF-96F0-4FB1-8FEC-BDF66547AE31}"/>
+                <a16:creationId xmlns:a16="http://schemas.microsoft.com/office/drawing/2014/main" id="{080508F9-DB29-4EF4-9A36-79730233295F}"/>
               </a:ext>
             </a:extLst>
           </p:cNvPr>
@@ -4289,8 +8044,8 @@
         </p:nvSpPr>
         <p:spPr>
           <a:xfrm>
-            <a:off x="12257571" y="12123444"/>
-            <a:ext cx="3033859" cy="369332"/>
+            <a:off x="1504079" y="11870036"/>
+            <a:ext cx="2541798" cy="400110"/>
           </a:xfrm>
           <a:prstGeom prst="rect">
             <a:avLst/>
@@ -4303,24 +8058,20 @@
           </a:bodyPr>
           <a:lstStyle/>
           <a:p>
+            <a:pPr algn="ctr"/>
             <a:r>
-              <a:rPr lang="fr-FR" dirty="0"/>
-              <a:t>Imprimerie – Pôle </a:t>
+              <a:rPr lang="fr-FR" sz="2000" dirty="0"/>
+              <a:t>Old</a:t>
             </a:r>
-            <a:r>
-              <a:rPr lang="fr-FR" dirty="0" err="1"/>
-              <a:t>Plurimédia</a:t>
-            </a:r>
-            <a:endParaRPr lang="fr-FR" dirty="0"/>
-          </a:p>
-        </p:txBody>
-      </p:sp>
-      <p:sp>
-        <p:nvSpPr>
-          <p:cNvPr id="46" name="ZoneTexte 45">
+          </a:p>
+        </p:txBody>
+      </p:sp>
+      <p:sp>
+        <p:nvSpPr>
+          <p:cNvPr id="101" name="ZoneTexte 100">
             <a:extLst>
               <a:ext uri="{FF2B5EF4-FFF2-40B4-BE49-F238E27FC236}">
-                <a16:creationId xmlns:a16="http://schemas.microsoft.com/office/drawing/2014/main" id="{9A406C76-B2AB-461A-BBD0-DA45BDDC2607}"/>
+                <a16:creationId xmlns:a16="http://schemas.microsoft.com/office/drawing/2014/main" id="{BFC7D40F-6450-4640-9695-BF7474436A19}"/>
               </a:ext>
             </a:extLst>
           </p:cNvPr>
@@ -4329,8 +8080,8 @@
         </p:nvSpPr>
         <p:spPr>
           <a:xfrm>
-            <a:off x="9284387" y="8530160"/>
-            <a:ext cx="2900225" cy="707886"/>
+            <a:off x="6576652" y="11811863"/>
+            <a:ext cx="2541798" cy="400110"/>
           </a:xfrm>
           <a:prstGeom prst="rect">
             <a:avLst/>
@@ -4346,29 +8097,228 @@
             <a:pPr algn="ctr"/>
             <a:r>
               <a:rPr lang="fr-FR" sz="2000" dirty="0"/>
-              <a:t>Flavio </a:t>
-            </a:r>
-            <a:r>
-              <a:rPr lang="fr-FR" sz="2000" dirty="0" err="1"/>
-              <a:t>Ranchon</a:t>
-            </a:r>
-            <a:endParaRPr lang="fr-FR" sz="2000" dirty="0"/>
-          </a:p>
-          <a:p>
-            <a:pPr algn="ctr"/>
-            <a:r>
-              <a:rPr lang="fr-FR" sz="2000" dirty="0"/>
-              <a:t>Jaël Vavasseur</a:t>
+              <a:t>Actuelle</a:t>
             </a:r>
           </a:p>
         </p:txBody>
       </p:sp>
       <p:pic>
         <p:nvPicPr>
-          <p:cNvPr id="49" name="Image 48" descr="RÃ©sultat de recherche d'images pour &quot;php&quot;">
+          <p:cNvPr id="109" name="Image 108">
             <a:extLst>
               <a:ext uri="{FF2B5EF4-FFF2-40B4-BE49-F238E27FC236}">
-                <a16:creationId xmlns:a16="http://schemas.microsoft.com/office/drawing/2014/main" id="{E9AD95B9-D9FB-46EF-95C8-FA21F3168041}"/>
+                <a16:creationId xmlns:a16="http://schemas.microsoft.com/office/drawing/2014/main" id="{A21D5CF8-9EB1-42F3-92C9-837828F378F6}"/>
+              </a:ext>
+            </a:extLst>
+          </p:cNvPr>
+          <p:cNvPicPr>
+            <a:picLocks noChangeAspect="1"/>
+          </p:cNvPicPr>
+          <p:nvPr/>
+        </p:nvPicPr>
+        <p:blipFill>
+          <a:blip r:embed="rId10"/>
+          <a:stretch>
+            <a:fillRect/>
+          </a:stretch>
+        </p:blipFill>
+        <p:spPr>
+          <a:xfrm>
+            <a:off x="11147162" y="11182817"/>
+            <a:ext cx="5206637" cy="3772356"/>
+          </a:xfrm>
+          <a:prstGeom prst="rect">
+            <a:avLst/>
+          </a:prstGeom>
+        </p:spPr>
+      </p:pic>
+      <p:grpSp>
+        <p:nvGrpSpPr>
+          <p:cNvPr id="89" name="Groupe 88">
+            <a:extLst>
+              <a:ext uri="{FF2B5EF4-FFF2-40B4-BE49-F238E27FC236}">
+                <a16:creationId xmlns:a16="http://schemas.microsoft.com/office/drawing/2014/main" id="{B061B7F9-9F19-4F1E-A1F5-2B8D572361EB}"/>
+              </a:ext>
+            </a:extLst>
+          </p:cNvPr>
+          <p:cNvGrpSpPr/>
+          <p:nvPr/>
+        </p:nvGrpSpPr>
+        <p:grpSpPr>
+          <a:xfrm>
+            <a:off x="7626646" y="5592961"/>
+            <a:ext cx="6360275" cy="5745599"/>
+            <a:chOff x="7626646" y="5592961"/>
+            <a:chExt cx="6360275" cy="5745599"/>
+          </a:xfrm>
+        </p:grpSpPr>
+        <p:sp>
+          <p:nvSpPr>
+            <p:cNvPr id="4" name="Ellipse 3">
+              <a:extLst>
+                <a:ext uri="{FF2B5EF4-FFF2-40B4-BE49-F238E27FC236}">
+                  <a16:creationId xmlns:a16="http://schemas.microsoft.com/office/drawing/2014/main" id="{229EE5AC-ABE7-4DFD-986F-200C2BC10C4D}"/>
+                </a:ext>
+              </a:extLst>
+            </p:cNvPr>
+            <p:cNvSpPr/>
+            <p:nvPr/>
+          </p:nvSpPr>
+          <p:spPr>
+            <a:xfrm>
+              <a:off x="7626646" y="5592961"/>
+              <a:ext cx="6360275" cy="5745599"/>
+            </a:xfrm>
+            <a:prstGeom prst="ellipse">
+              <a:avLst/>
+            </a:prstGeom>
+          </p:spPr>
+          <p:style>
+            <a:lnRef idx="2">
+              <a:schemeClr val="dk1"/>
+            </a:lnRef>
+            <a:fillRef idx="1">
+              <a:schemeClr val="lt1"/>
+            </a:fillRef>
+            <a:effectRef idx="0">
+              <a:schemeClr val="dk1"/>
+            </a:effectRef>
+            <a:fontRef idx="minor">
+              <a:schemeClr val="dk1"/>
+            </a:fontRef>
+          </p:style>
+          <p:txBody>
+            <a:bodyPr rtlCol="0" anchor="ctr"/>
+            <a:lstStyle/>
+            <a:p>
+              <a:pPr algn="ctr"/>
+              <a:endParaRPr lang="fr-FR" b="1" dirty="0"/>
+            </a:p>
+            <a:p>
+              <a:pPr algn="ctr"/>
+              <a:endParaRPr lang="fr-FR" b="1" dirty="0"/>
+            </a:p>
+            <a:p>
+              <a:pPr algn="ctr"/>
+              <a:endParaRPr lang="fr-FR" b="1" dirty="0"/>
+            </a:p>
+          </p:txBody>
+        </p:sp>
+        <p:sp>
+          <p:nvSpPr>
+            <p:cNvPr id="46" name="ZoneTexte 45">
+              <a:extLst>
+                <a:ext uri="{FF2B5EF4-FFF2-40B4-BE49-F238E27FC236}">
+                  <a16:creationId xmlns:a16="http://schemas.microsoft.com/office/drawing/2014/main" id="{9A406C76-B2AB-461A-BBD0-DA45BDDC2607}"/>
+                </a:ext>
+              </a:extLst>
+            </p:cNvPr>
+            <p:cNvSpPr txBox="1"/>
+            <p:nvPr/>
+          </p:nvSpPr>
+          <p:spPr>
+            <a:xfrm>
+              <a:off x="9293136" y="10010786"/>
+              <a:ext cx="2900225" cy="954107"/>
+            </a:xfrm>
+            <a:prstGeom prst="rect">
+              <a:avLst/>
+            </a:prstGeom>
+            <a:noFill/>
+          </p:spPr>
+          <p:txBody>
+            <a:bodyPr wrap="square" rtlCol="0">
+              <a:spAutoFit/>
+            </a:bodyPr>
+            <a:lstStyle/>
+            <a:p>
+              <a:pPr algn="ctr"/>
+              <a:r>
+                <a:rPr lang="fr-FR" sz="2800" dirty="0"/>
+                <a:t>Flavio </a:t>
+              </a:r>
+              <a:r>
+                <a:rPr lang="fr-FR" sz="2800" dirty="0" err="1"/>
+                <a:t>Ranchon</a:t>
+              </a:r>
+              <a:endParaRPr lang="fr-FR" sz="2800" dirty="0"/>
+            </a:p>
+            <a:p>
+              <a:pPr algn="ctr"/>
+              <a:r>
+                <a:rPr lang="fr-FR" sz="2800" dirty="0"/>
+                <a:t>Jaël Vavasseur</a:t>
+              </a:r>
+            </a:p>
+          </p:txBody>
+        </p:sp>
+        <p:pic>
+          <p:nvPicPr>
+            <p:cNvPr id="47" name="Image 46">
+              <a:extLst>
+                <a:ext uri="{FF2B5EF4-FFF2-40B4-BE49-F238E27FC236}">
+                  <a16:creationId xmlns:a16="http://schemas.microsoft.com/office/drawing/2014/main" id="{A8EACDF2-19E6-4A7A-95DB-974084778036}"/>
+                </a:ext>
+              </a:extLst>
+            </p:cNvPr>
+            <p:cNvPicPr>
+              <a:picLocks noChangeAspect="1"/>
+            </p:cNvPicPr>
+            <p:nvPr/>
+          </p:nvPicPr>
+          <p:blipFill>
+            <a:blip r:embed="rId11"/>
+            <a:stretch>
+              <a:fillRect/>
+            </a:stretch>
+          </p:blipFill>
+          <p:spPr>
+            <a:xfrm>
+              <a:off x="9342604" y="6974461"/>
+              <a:ext cx="2900226" cy="2818401"/>
+            </a:xfrm>
+            <a:prstGeom prst="rect">
+              <a:avLst/>
+            </a:prstGeom>
+          </p:spPr>
+        </p:pic>
+        <p:pic>
+          <p:nvPicPr>
+            <p:cNvPr id="65" name="Image 64">
+              <a:extLst>
+                <a:ext uri="{FF2B5EF4-FFF2-40B4-BE49-F238E27FC236}">
+                  <a16:creationId xmlns:a16="http://schemas.microsoft.com/office/drawing/2014/main" id="{95F81185-164F-4741-A401-6C5164740E90}"/>
+                </a:ext>
+              </a:extLst>
+            </p:cNvPr>
+            <p:cNvPicPr>
+              <a:picLocks noChangeAspect="1"/>
+            </p:cNvPicPr>
+            <p:nvPr/>
+          </p:nvPicPr>
+          <p:blipFill>
+            <a:blip r:embed="rId12"/>
+            <a:stretch>
+              <a:fillRect/>
+            </a:stretch>
+          </p:blipFill>
+          <p:spPr>
+            <a:xfrm>
+              <a:off x="9041603" y="6119130"/>
+              <a:ext cx="3502228" cy="677168"/>
+            </a:xfrm>
+            <a:prstGeom prst="rect">
+              <a:avLst/>
+            </a:prstGeom>
+          </p:spPr>
+        </p:pic>
+      </p:grpSp>
+      <p:pic>
+        <p:nvPicPr>
+          <p:cNvPr id="102" name="Image 101">
+            <a:extLst>
+              <a:ext uri="{FF2B5EF4-FFF2-40B4-BE49-F238E27FC236}">
+                <a16:creationId xmlns:a16="http://schemas.microsoft.com/office/drawing/2014/main" id="{A8FB3516-C8F7-464E-8F6E-ED6FF8B53F96}"/>
               </a:ext>
             </a:extLst>
           </p:cNvPr>
@@ -4376,221 +8326,201 @@
           <p:nvPr/>
         </p:nvPicPr>
         <p:blipFill>
-          <a:blip r:embed="rId3" cstate="print">
+          <a:blip r:embed="rId13">
             <a:extLst>
               <a:ext uri="{28A0092B-C50C-407E-A947-70E740481C1C}">
                 <a14:useLocalDpi xmlns:a14="http://schemas.microsoft.com/office/drawing/2010/main" val="0"/>
               </a:ext>
             </a:extLst>
           </a:blip>
-          <a:srcRect/>
           <a:stretch>
             <a:fillRect/>
           </a:stretch>
         </p:blipFill>
-        <p:spPr bwMode="auto">
+        <p:spPr>
           <a:xfrm>
-            <a:off x="512326" y="1932515"/>
-            <a:ext cx="2165350" cy="1082040"/>
+            <a:off x="14328073" y="7084875"/>
+            <a:ext cx="5760720" cy="3809365"/>
           </a:xfrm>
           <a:prstGeom prst="rect">
             <a:avLst/>
           </a:prstGeom>
-          <a:noFill/>
-          <a:ln>
-            <a:noFill/>
-          </a:ln>
         </p:spPr>
       </p:pic>
-      <p:pic>
-        <p:nvPicPr>
-          <p:cNvPr id="50" name="Image 49" descr="RÃ©sultat de recherche d'images pour &quot;symfony&quot;">
+      <p:grpSp>
+        <p:nvGrpSpPr>
+          <p:cNvPr id="115" name="Groupe 114">
             <a:extLst>
               <a:ext uri="{FF2B5EF4-FFF2-40B4-BE49-F238E27FC236}">
-                <a16:creationId xmlns:a16="http://schemas.microsoft.com/office/drawing/2014/main" id="{C6766A19-9DB5-4449-AC3D-9798E2FA82CA}"/>
+                <a16:creationId xmlns:a16="http://schemas.microsoft.com/office/drawing/2014/main" id="{CEDDFD67-74E7-4D07-A3E2-4E3F36F302F9}"/>
               </a:ext>
             </a:extLst>
           </p:cNvPr>
-          <p:cNvPicPr/>
+          <p:cNvGrpSpPr/>
           <p:nvPr/>
-        </p:nvPicPr>
-        <p:blipFill>
-          <a:blip r:embed="rId4" cstate="print">
-            <a:extLst>
-              <a:ext uri="{28A0092B-C50C-407E-A947-70E740481C1C}">
-                <a14:useLocalDpi xmlns:a14="http://schemas.microsoft.com/office/drawing/2010/main" val="0"/>
-              </a:ext>
-            </a:extLst>
-          </a:blip>
-          <a:srcRect/>
-          <a:stretch>
-            <a:fillRect/>
-          </a:stretch>
-        </p:blipFill>
-        <p:spPr bwMode="auto">
+        </p:nvGrpSpPr>
+        <p:grpSpPr>
           <a:xfrm>
-            <a:off x="507959" y="3379802"/>
-            <a:ext cx="2169160" cy="1156970"/>
+            <a:off x="16313877" y="9676672"/>
+            <a:ext cx="5054892" cy="5442678"/>
+            <a:chOff x="0" y="0"/>
+            <a:chExt cx="5932968" cy="6273209"/>
           </a:xfrm>
-          <a:prstGeom prst="rect">
-            <a:avLst/>
-          </a:prstGeom>
-          <a:noFill/>
-          <a:ln>
-            <a:noFill/>
-          </a:ln>
-        </p:spPr>
-      </p:pic>
-      <p:pic>
-        <p:nvPicPr>
-          <p:cNvPr id="51" name="Image 50" descr="RÃ©sultat de recherche d'images pour &quot;html 5 css js&quot;">
-            <a:extLst>
-              <a:ext uri="{FF2B5EF4-FFF2-40B4-BE49-F238E27FC236}">
-                <a16:creationId xmlns:a16="http://schemas.microsoft.com/office/drawing/2014/main" id="{80E14B05-F769-4EC7-8CF0-9FED8B746907}"/>
-              </a:ext>
-            </a:extLst>
-          </p:cNvPr>
-          <p:cNvPicPr/>
-          <p:nvPr/>
-        </p:nvPicPr>
-        <p:blipFill>
-          <a:blip r:embed="rId5" cstate="print">
-            <a:extLst>
-              <a:ext uri="{28A0092B-C50C-407E-A947-70E740481C1C}">
-                <a14:useLocalDpi xmlns:a14="http://schemas.microsoft.com/office/drawing/2010/main" val="0"/>
-              </a:ext>
-            </a:extLst>
-          </a:blip>
-          <a:srcRect/>
-          <a:stretch>
-            <a:fillRect/>
-          </a:stretch>
-        </p:blipFill>
-        <p:spPr bwMode="auto">
-          <a:xfrm>
-            <a:off x="2722718" y="1950892"/>
-            <a:ext cx="2327910" cy="1309370"/>
-          </a:xfrm>
-          <a:prstGeom prst="rect">
-            <a:avLst/>
-          </a:prstGeom>
-          <a:noFill/>
-          <a:ln>
-            <a:noFill/>
-          </a:ln>
-        </p:spPr>
-      </p:pic>
-      <p:pic>
-        <p:nvPicPr>
-          <p:cNvPr id="52" name="Image 51" descr="RÃ©sultat de recherche d'images pour &quot;bootstrap&quot;">
-            <a:extLst>
-              <a:ext uri="{FF2B5EF4-FFF2-40B4-BE49-F238E27FC236}">
-                <a16:creationId xmlns:a16="http://schemas.microsoft.com/office/drawing/2014/main" id="{7DE92D9C-5A80-46A6-BF83-202B6BDB8A6A}"/>
-              </a:ext>
-            </a:extLst>
-          </p:cNvPr>
-          <p:cNvPicPr/>
-          <p:nvPr/>
-        </p:nvPicPr>
-        <p:blipFill>
-          <a:blip r:embed="rId6" cstate="print">
-            <a:extLst>
-              <a:ext uri="{28A0092B-C50C-407E-A947-70E740481C1C}">
-                <a14:useLocalDpi xmlns:a14="http://schemas.microsoft.com/office/drawing/2010/main" val="0"/>
-              </a:ext>
-            </a:extLst>
-          </a:blip>
-          <a:srcRect/>
-          <a:stretch>
-            <a:fillRect/>
-          </a:stretch>
-        </p:blipFill>
-        <p:spPr bwMode="auto">
-          <a:xfrm>
-            <a:off x="3004976" y="3594694"/>
-            <a:ext cx="1763395" cy="783590"/>
-          </a:xfrm>
-          <a:prstGeom prst="rect">
-            <a:avLst/>
-          </a:prstGeom>
-          <a:noFill/>
-          <a:ln>
-            <a:noFill/>
-          </a:ln>
-        </p:spPr>
-      </p:pic>
-      <p:sp>
-        <p:nvSpPr>
-          <p:cNvPr id="54" name="ZoneTexte 53">
-            <a:extLst>
-              <a:ext uri="{FF2B5EF4-FFF2-40B4-BE49-F238E27FC236}">
-                <a16:creationId xmlns:a16="http://schemas.microsoft.com/office/drawing/2014/main" id="{038AC455-B2E5-40E3-8405-CECEDB92597B}"/>
-              </a:ext>
-            </a:extLst>
-          </p:cNvPr>
-          <p:cNvSpPr txBox="1"/>
-          <p:nvPr/>
-        </p:nvSpPr>
-        <p:spPr>
-          <a:xfrm>
-            <a:off x="1728021" y="1541738"/>
-            <a:ext cx="2541798" cy="369332"/>
-          </a:xfrm>
-          <a:prstGeom prst="rect">
-            <a:avLst/>
-          </a:prstGeom>
-          <a:noFill/>
-        </p:spPr>
-        <p:txBody>
-          <a:bodyPr wrap="square" rtlCol="0">
-            <a:spAutoFit/>
-          </a:bodyPr>
-          <a:lstStyle/>
-          <a:p>
-            <a:pPr algn="ctr"/>
-            <a:r>
-              <a:rPr lang="fr-FR" b="1" dirty="0"/>
-              <a:t>Technologie utilisée</a:t>
-            </a:r>
-          </a:p>
-        </p:txBody>
-      </p:sp>
-      <p:sp>
-        <p:nvSpPr>
-          <p:cNvPr id="55" name="ZoneTexte 54">
-            <a:extLst>
-              <a:ext uri="{FF2B5EF4-FFF2-40B4-BE49-F238E27FC236}">
-                <a16:creationId xmlns:a16="http://schemas.microsoft.com/office/drawing/2014/main" id="{D986D322-6FFE-4CEA-94A7-C5BAB6CC0E01}"/>
-              </a:ext>
-            </a:extLst>
-          </p:cNvPr>
-          <p:cNvSpPr txBox="1"/>
-          <p:nvPr/>
-        </p:nvSpPr>
-        <p:spPr>
-          <a:xfrm>
-            <a:off x="6731760" y="1558032"/>
-            <a:ext cx="2541798" cy="369332"/>
-          </a:xfrm>
-          <a:prstGeom prst="rect">
-            <a:avLst/>
-          </a:prstGeom>
-          <a:noFill/>
-        </p:spPr>
-        <p:txBody>
-          <a:bodyPr wrap="square" rtlCol="0">
-            <a:spAutoFit/>
-          </a:bodyPr>
-          <a:lstStyle/>
-          <a:p>
-            <a:pPr algn="ctr"/>
-            <a:r>
-              <a:rPr lang="fr-FR" b="1" dirty="0"/>
-              <a:t>BDD</a:t>
-            </a:r>
-          </a:p>
-        </p:txBody>
-      </p:sp>
+        </p:grpSpPr>
+        <p:grpSp>
+          <p:nvGrpSpPr>
+            <p:cNvPr id="116" name="Groupe 115">
+              <a:extLst>
+                <a:ext uri="{FF2B5EF4-FFF2-40B4-BE49-F238E27FC236}">
+                  <a16:creationId xmlns:a16="http://schemas.microsoft.com/office/drawing/2014/main" id="{739FEE4D-4DF1-4FED-A800-871CF6B40ACF}"/>
+                </a:ext>
+              </a:extLst>
+            </p:cNvPr>
+            <p:cNvGrpSpPr/>
+            <p:nvPr/>
+          </p:nvGrpSpPr>
+          <p:grpSpPr>
+            <a:xfrm>
+              <a:off x="0" y="0"/>
+              <a:ext cx="5813883" cy="6210699"/>
+              <a:chOff x="0" y="0"/>
+              <a:chExt cx="5813883" cy="6210699"/>
+            </a:xfrm>
+          </p:grpSpPr>
+          <p:pic>
+            <p:nvPicPr>
+              <p:cNvPr id="118" name="Image 117">
+                <a:extLst>
+                  <a:ext uri="{FF2B5EF4-FFF2-40B4-BE49-F238E27FC236}">
+                    <a16:creationId xmlns:a16="http://schemas.microsoft.com/office/drawing/2014/main" id="{7FB1D00D-4FFE-4F2A-85AF-C45D5BD9588E}"/>
+                  </a:ext>
+                </a:extLst>
+              </p:cNvPr>
+              <p:cNvPicPr>
+                <a:picLocks noChangeAspect="1"/>
+              </p:cNvPicPr>
+              <p:nvPr/>
+            </p:nvPicPr>
+            <p:blipFill>
+              <a:blip r:embed="rId14">
+                <a:extLst>
+                  <a:ext uri="{28A0092B-C50C-407E-A947-70E740481C1C}">
+                    <a14:useLocalDpi xmlns:a14="http://schemas.microsoft.com/office/drawing/2010/main" val="0"/>
+                  </a:ext>
+                </a:extLst>
+              </a:blip>
+              <a:stretch>
+                <a:fillRect/>
+              </a:stretch>
+            </p:blipFill>
+            <p:spPr>
+              <a:xfrm>
+                <a:off x="53163" y="4319034"/>
+                <a:ext cx="5760720" cy="1891665"/>
+              </a:xfrm>
+              <a:prstGeom prst="rect">
+                <a:avLst/>
+              </a:prstGeom>
+            </p:spPr>
+          </p:pic>
+          <p:pic>
+            <p:nvPicPr>
+              <p:cNvPr id="119" name="Image 118">
+                <a:extLst>
+                  <a:ext uri="{FF2B5EF4-FFF2-40B4-BE49-F238E27FC236}">
+                    <a16:creationId xmlns:a16="http://schemas.microsoft.com/office/drawing/2014/main" id="{D337BE63-B7A8-4AB0-85F4-14F1C5DE64D9}"/>
+                  </a:ext>
+                </a:extLst>
+              </p:cNvPr>
+              <p:cNvPicPr>
+                <a:picLocks noChangeAspect="1"/>
+              </p:cNvPicPr>
+              <p:nvPr/>
+            </p:nvPicPr>
+            <p:blipFill rotWithShape="1">
+              <a:blip r:embed="rId15">
+                <a:extLst>
+                  <a:ext uri="{28A0092B-C50C-407E-A947-70E740481C1C}">
+                    <a14:useLocalDpi xmlns:a14="http://schemas.microsoft.com/office/drawing/2010/main" val="0"/>
+                  </a:ext>
+                </a:extLst>
+              </a:blip>
+              <a:srcRect b="21218"/>
+              <a:stretch/>
+            </p:blipFill>
+            <p:spPr bwMode="auto">
+              <a:xfrm>
+                <a:off x="0" y="0"/>
+                <a:ext cx="5760720" cy="4316730"/>
+              </a:xfrm>
+              <a:prstGeom prst="rect">
+                <a:avLst/>
+              </a:prstGeom>
+              <a:ln>
+                <a:noFill/>
+              </a:ln>
+              <a:extLst>
+                <a:ext uri="{53640926-AAD7-44D8-BBD7-CCE9431645EC}">
+                  <a14:shadowObscured xmlns:a14="http://schemas.microsoft.com/office/drawing/2010/main"/>
+                </a:ext>
+              </a:extLst>
+            </p:spPr>
+          </p:pic>
+        </p:grpSp>
+        <p:sp>
+          <p:nvSpPr>
+            <p:cNvPr id="117" name="Rectangle 116">
+              <a:extLst>
+                <a:ext uri="{FF2B5EF4-FFF2-40B4-BE49-F238E27FC236}">
+                  <a16:creationId xmlns:a16="http://schemas.microsoft.com/office/drawing/2014/main" id="{A6152799-4665-4760-B108-DBAD77CD4EB1}"/>
+                </a:ext>
+              </a:extLst>
+            </p:cNvPr>
+            <p:cNvSpPr/>
+            <p:nvPr/>
+          </p:nvSpPr>
+          <p:spPr>
+            <a:xfrm>
+              <a:off x="5635256" y="5964865"/>
+              <a:ext cx="297712" cy="308344"/>
+            </a:xfrm>
+            <a:prstGeom prst="rect">
+              <a:avLst/>
+            </a:prstGeom>
+            <a:ln>
+              <a:solidFill>
+                <a:schemeClr val="bg1"/>
+              </a:solidFill>
+            </a:ln>
+          </p:spPr>
+          <p:style>
+            <a:lnRef idx="2">
+              <a:schemeClr val="dk1"/>
+            </a:lnRef>
+            <a:fillRef idx="1">
+              <a:schemeClr val="lt1"/>
+            </a:fillRef>
+            <a:effectRef idx="0">
+              <a:schemeClr val="dk1"/>
+            </a:effectRef>
+            <a:fontRef idx="minor">
+              <a:schemeClr val="dk1"/>
+            </a:fontRef>
+          </p:style>
+          <p:txBody>
+            <a:bodyPr rot="0" spcFirstLastPara="0" vert="horz" wrap="square" lIns="91440" tIns="45720" rIns="91440" bIns="45720" numCol="1" spcCol="0" rtlCol="0" fromWordArt="0" anchor="ctr" anchorCtr="0" forceAA="0" compatLnSpc="1">
+              <a:prstTxWarp prst="textNoShape">
+                <a:avLst/>
+              </a:prstTxWarp>
+              <a:noAutofit/>
+            </a:bodyPr>
+            <a:lstStyle/>
+            <a:p>
+              <a:endParaRPr lang="fr-FR"/>
+            </a:p>
+          </p:txBody>
+        </p:sp>
+      </p:grpSp>
     </p:spTree>
     <p:extLst>
       <p:ext uri="{BB962C8B-B14F-4D97-AF65-F5344CB8AC3E}">
@@ -4605,9 +8535,9 @@
 </file>
 
 <file path=ppt/theme/theme1.xml><?xml version="1.0" encoding="utf-8"?>
-<a:theme xmlns:a="http://schemas.openxmlformats.org/drawingml/2006/main" name="Thème Office">
+<a:theme xmlns:a="http://schemas.openxmlformats.org/drawingml/2006/main" name="Facette">
   <a:themeElements>
-    <a:clrScheme name="Thème Office">
+    <a:clrScheme name="Facette">
       <a:dk1>
         <a:sysClr val="windowText" lastClr="000000"/>
       </a:dk1>
@@ -4615,52 +8545,52 @@
         <a:sysClr val="window" lastClr="FFFFFF"/>
       </a:lt1>
       <a:dk2>
-        <a:srgbClr val="44546A"/>
+        <a:srgbClr val="2C3C43"/>
       </a:dk2>
       <a:lt2>
-        <a:srgbClr val="E7E6E6"/>
+        <a:srgbClr val="EBEBEB"/>
       </a:lt2>
       <a:accent1>
-        <a:srgbClr val="4472C4"/>
+        <a:srgbClr val="5FCBEF"/>
       </a:accent1>
       <a:accent2>
-        <a:srgbClr val="ED7D31"/>
+        <a:srgbClr val="2E83C3"/>
       </a:accent2>
       <a:accent3>
-        <a:srgbClr val="A5A5A5"/>
+        <a:srgbClr val="42D0A2"/>
       </a:accent3>
       <a:accent4>
-        <a:srgbClr val="FFC000"/>
+        <a:srgbClr val="2E946B"/>
       </a:accent4>
       <a:accent5>
-        <a:srgbClr val="5B9BD5"/>
+        <a:srgbClr val="42B051"/>
       </a:accent5>
       <a:accent6>
-        <a:srgbClr val="70AD47"/>
+        <a:srgbClr val="96D141"/>
       </a:accent6>
       <a:hlink>
-        <a:srgbClr val="0563C1"/>
+        <a:srgbClr val="3FCDE7"/>
       </a:hlink>
       <a:folHlink>
-        <a:srgbClr val="954F72"/>
+        <a:srgbClr val="A9D3E1"/>
       </a:folHlink>
     </a:clrScheme>
-    <a:fontScheme name="Thème Office">
+    <a:fontScheme name="Facette">
       <a:majorFont>
-        <a:latin typeface="Calibri Light" panose="020F0302020204030204"/>
+        <a:latin typeface="Trebuchet MS" panose="020B0603020202020204"/>
         <a:ea typeface=""/>
         <a:cs typeface=""/>
-        <a:font script="Jpan" typeface="游ゴシック Light"/>
+        <a:font script="Jpan" typeface="メイリオ"/>
         <a:font script="Hang" typeface="맑은 고딕"/>
-        <a:font script="Hans" typeface="等线 Light"/>
-        <a:font script="Hant" typeface="新細明體"/>
-        <a:font script="Arab" typeface="Times New Roman"/>
-        <a:font script="Hebr" typeface="Times New Roman"/>
-        <a:font script="Thai" typeface="Angsana New"/>
+        <a:font script="Hans" typeface="方正姚体"/>
+        <a:font script="Hant" typeface="微軟正黑體"/>
+        <a:font script="Arab" typeface="Tahoma"/>
+        <a:font script="Hebr" typeface="Arial"/>
+        <a:font script="Thai" typeface="Cordia New"/>
         <a:font script="Ethi" typeface="Nyala"/>
         <a:font script="Beng" typeface="Vrinda"/>
         <a:font script="Gujr" typeface="Shruti"/>
-        <a:font script="Khmr" typeface="MoolBoran"/>
+        <a:font script="Khmr" typeface="DaunPenh"/>
         <a:font script="Knda" typeface="Tunga"/>
         <a:font script="Guru" typeface="Raavi"/>
         <a:font script="Cans" typeface="Euphemia"/>
@@ -4677,21 +8607,21 @@
         <a:font script="Laoo" typeface="DokChampa"/>
         <a:font script="Sinh" typeface="Iskoola Pota"/>
         <a:font script="Mong" typeface="Mongolian Baiti"/>
-        <a:font script="Viet" typeface="Times New Roman"/>
+        <a:font script="Viet" typeface="Tahoma"/>
         <a:font script="Uigh" typeface="Microsoft Uighur"/>
         <a:font script="Geor" typeface="Sylfaen"/>
       </a:majorFont>
       <a:minorFont>
-        <a:latin typeface="Calibri" panose="020F0502020204030204"/>
+        <a:latin typeface="Trebuchet MS" panose="020B0603020202020204"/>
         <a:ea typeface=""/>
         <a:cs typeface=""/>
-        <a:font script="Jpan" typeface="游ゴシック"/>
-        <a:font script="Hang" typeface="맑은 고딕"/>
-        <a:font script="Hans" typeface="等线"/>
-        <a:font script="Hant" typeface="新細明體"/>
-        <a:font script="Arab" typeface="Arial"/>
-        <a:font script="Hebr" typeface="Arial"/>
-        <a:font script="Thai" typeface="Cordia New"/>
+        <a:font script="Jpan" typeface="メイリオ"/>
+        <a:font script="Hang" typeface="HY그래픽M"/>
+        <a:font script="Hans" typeface="华文新魏"/>
+        <a:font script="Hant" typeface="微軟正黑體"/>
+        <a:font script="Arab" typeface="Tahoma"/>
+        <a:font script="Hebr" typeface="Gisha"/>
+        <a:font script="Thai" typeface="IrisUPC"/>
         <a:font script="Ethi" typeface="Nyala"/>
         <a:font script="Beng" typeface="Vrinda"/>
         <a:font script="Gujr" typeface="Shruti"/>
@@ -4717,7 +8647,7 @@
         <a:font script="Geor" typeface="Sylfaen"/>
       </a:minorFont>
     </a:fontScheme>
-    <a:fmtScheme name="Thème Office">
+    <a:fmtScheme name="Facette">
       <a:fillStyleLst>
         <a:solidFill>
           <a:schemeClr val="phClr"/>
@@ -4726,23 +8656,13 @@
           <a:gsLst>
             <a:gs pos="0">
               <a:schemeClr val="phClr">
+                <a:tint val="65000"/>
                 <a:lumMod val="110000"/>
-                <a:satMod val="105000"/>
-                <a:tint val="67000"/>
               </a:schemeClr>
             </a:gs>
-            <a:gs pos="50000">
+            <a:gs pos="88000">
               <a:schemeClr val="phClr">
-                <a:lumMod val="105000"/>
-                <a:satMod val="103000"/>
-                <a:tint val="73000"/>
-              </a:schemeClr>
-            </a:gs>
-            <a:gs pos="100000">
-              <a:schemeClr val="phClr">
-                <a:lumMod val="105000"/>
-                <a:satMod val="109000"/>
-                <a:tint val="81000"/>
+                <a:tint val="90000"/>
               </a:schemeClr>
             </a:gs>
           </a:gsLst>
@@ -4752,23 +8672,14 @@
           <a:gsLst>
             <a:gs pos="0">
               <a:schemeClr val="phClr">
-                <a:satMod val="103000"/>
-                <a:lumMod val="102000"/>
-                <a:tint val="94000"/>
+                <a:tint val="96000"/>
+                <a:lumMod val="100000"/>
               </a:schemeClr>
             </a:gs>
-            <a:gs pos="50000">
+            <a:gs pos="78000">
               <a:schemeClr val="phClr">
-                <a:satMod val="110000"/>
-                <a:lumMod val="100000"/>
-                <a:shade val="100000"/>
-              </a:schemeClr>
-            </a:gs>
-            <a:gs pos="100000">
-              <a:schemeClr val="phClr">
-                <a:lumMod val="99000"/>
-                <a:satMod val="120000"/>
-                <a:shade val="78000"/>
+                <a:shade val="94000"/>
+                <a:lumMod val="94000"/>
               </a:schemeClr>
             </a:gs>
           </a:gsLst>
@@ -4776,26 +8687,23 @@
         </a:gradFill>
       </a:fillStyleLst>
       <a:lnStyleLst>
-        <a:ln w="6350" cap="flat" cmpd="sng" algn="ctr">
+        <a:ln w="12700" cap="rnd" cmpd="sng" algn="ctr">
           <a:solidFill>
             <a:schemeClr val="phClr"/>
           </a:solidFill>
           <a:prstDash val="solid"/>
-          <a:miter lim="800000"/>
         </a:ln>
-        <a:ln w="12700" cap="flat" cmpd="sng" algn="ctr">
+        <a:ln w="19050" cap="rnd" cmpd="sng" algn="ctr">
           <a:solidFill>
             <a:schemeClr val="phClr"/>
           </a:solidFill>
           <a:prstDash val="solid"/>
-          <a:miter lim="800000"/>
         </a:ln>
-        <a:ln w="19050" cap="flat" cmpd="sng" algn="ctr">
+        <a:ln w="25400" cap="rnd" cmpd="sng" algn="ctr">
           <a:solidFill>
             <a:schemeClr val="phClr"/>
           </a:solidFill>
           <a:prstDash val="solid"/>
-          <a:miter lim="800000"/>
         </a:ln>
       </a:lnStyleLst>
       <a:effectStyleLst>
@@ -4803,54 +8711,72 @@
           <a:effectLst/>
         </a:effectStyle>
         <a:effectStyle>
-          <a:effectLst/>
+          <a:effectLst>
+            <a:outerShdw blurRad="38100" dist="25400" dir="5400000" rotWithShape="0">
+              <a:srgbClr val="000000">
+                <a:alpha val="35000"/>
+              </a:srgbClr>
+            </a:outerShdw>
+          </a:effectLst>
         </a:effectStyle>
         <a:effectStyle>
           <a:effectLst>
-            <a:outerShdw blurRad="57150" dist="19050" dir="5400000" algn="ctr" rotWithShape="0">
+            <a:outerShdw blurRad="50800" dist="38100" dir="5400000" rotWithShape="0">
               <a:srgbClr val="000000">
-                <a:alpha val="63000"/>
+                <a:alpha val="35000"/>
               </a:srgbClr>
             </a:outerShdw>
           </a:effectLst>
+          <a:scene3d>
+            <a:camera prst="orthographicFront">
+              <a:rot lat="0" lon="0" rev="0"/>
+            </a:camera>
+            <a:lightRig rig="threePt" dir="tl"/>
+          </a:scene3d>
+          <a:sp3d prstMaterial="plastic">
+            <a:bevelT w="0" h="0"/>
+          </a:sp3d>
         </a:effectStyle>
       </a:effectStyleLst>
       <a:bgFillStyleLst>
         <a:solidFill>
           <a:schemeClr val="phClr"/>
         </a:solidFill>
-        <a:solidFill>
-          <a:schemeClr val="phClr">
-            <a:tint val="95000"/>
-            <a:satMod val="170000"/>
-          </a:schemeClr>
-        </a:solidFill>
         <a:gradFill rotWithShape="1">
           <a:gsLst>
             <a:gs pos="0">
               <a:schemeClr val="phClr">
-                <a:tint val="93000"/>
-                <a:satMod val="150000"/>
-                <a:shade val="98000"/>
-                <a:lumMod val="102000"/>
+                <a:tint val="90000"/>
+                <a:lumMod val="104000"/>
               </a:schemeClr>
             </a:gs>
-            <a:gs pos="50000">
+            <a:gs pos="94000">
               <a:schemeClr val="phClr">
-                <a:tint val="98000"/>
-                <a:satMod val="130000"/>
-                <a:shade val="90000"/>
-                <a:lumMod val="103000"/>
+                <a:shade val="96000"/>
+                <a:lumMod val="82000"/>
+              </a:schemeClr>
+            </a:gs>
+          </a:gsLst>
+          <a:lin ang="5400000" scaled="0"/>
+        </a:gradFill>
+        <a:gradFill rotWithShape="1">
+          <a:gsLst>
+            <a:gs pos="0">
+              <a:schemeClr val="phClr">
+                <a:tint val="90000"/>
+                <a:lumMod val="110000"/>
               </a:schemeClr>
             </a:gs>
             <a:gs pos="100000">
               <a:schemeClr val="phClr">
-                <a:shade val="63000"/>
-                <a:satMod val="120000"/>
+                <a:shade val="94000"/>
+                <a:lumMod val="96000"/>
               </a:schemeClr>
             </a:gs>
           </a:gsLst>
-          <a:lin ang="5400000" scaled="0"/>
+          <a:path path="circle">
+            <a:fillToRect l="50000" t="50000" r="100000" b="100000"/>
+          </a:path>
         </a:gradFill>
       </a:bgFillStyleLst>
     </a:fmtScheme>
@@ -4859,7 +8785,7 @@
   <a:extraClrSchemeLst/>
   <a:extLst>
     <a:ext uri="{05A4C25C-085E-4340-85A3-A5531E510DB2}">
-      <thm15:themeFamily xmlns:thm15="http://schemas.microsoft.com/office/thememl/2012/main" name="Office Theme" id="{62F939B6-93AF-4DB8-9C6B-D6C7DFDC589F}" vid="{4A3C46E8-61CC-4603-A589-7422A47A8E4A}"/>
+      <thm15:themeFamily xmlns:thm15="http://schemas.microsoft.com/office/thememl/2012/main" name="Facet" id="{C0C680CD-088A-49FC-A102-D699147F32B2}" vid="{0B5AB586-D108-4FC1-8368-649FE654B894}"/>
     </a:ext>
   </a:extLst>
 </a:theme>

--- a/présentation groupe 1H.pptx
+++ b/présentation groupe 1H.pptx
@@ -6,6 +6,7 @@
   </p:sldMasterIdLst>
   <p:sldIdLst>
     <p:sldId id="256" r:id="rId2"/>
+    <p:sldId id="257" r:id="rId3"/>
   </p:sldIdLst>
   <p:sldSz cx="21383625" cy="15119350"/>
   <p:notesSz cx="6858000" cy="9144000"/>
@@ -907,7 +908,7 @@
           <a:p>
             <a:fld id="{4DD0A917-C272-441A-92EE-F01DF0D33BF7}" type="datetimeFigureOut">
               <a:rPr lang="fr-FR" smtClean="0"/>
-              <a:t>23/05/2019</a:t>
+              <a:t>25/05/2019</a:t>
             </a:fld>
             <a:endParaRPr lang="fr-FR"/>
           </a:p>
@@ -1158,7 +1159,7 @@
           <a:p>
             <a:fld id="{4DD0A917-C272-441A-92EE-F01DF0D33BF7}" type="datetimeFigureOut">
               <a:rPr lang="fr-FR" smtClean="0"/>
-              <a:t>23/05/2019</a:t>
+              <a:t>25/05/2019</a:t>
             </a:fld>
             <a:endParaRPr lang="fr-FR"/>
           </a:p>
@@ -1472,7 +1473,7 @@
           <a:p>
             <a:fld id="{4DD0A917-C272-441A-92EE-F01DF0D33BF7}" type="datetimeFigureOut">
               <a:rPr lang="fr-FR" smtClean="0"/>
-              <a:t>23/05/2019</a:t>
+              <a:t>25/05/2019</a:t>
             </a:fld>
             <a:endParaRPr lang="fr-FR"/>
           </a:p>
@@ -1805,7 +1806,7 @@
           <a:p>
             <a:fld id="{4DD0A917-C272-441A-92EE-F01DF0D33BF7}" type="datetimeFigureOut">
               <a:rPr lang="fr-FR" smtClean="0"/>
-              <a:t>23/05/2019</a:t>
+              <a:t>25/05/2019</a:t>
             </a:fld>
             <a:endParaRPr lang="fr-FR"/>
           </a:p>
@@ -2119,7 +2120,7 @@
           <a:p>
             <a:fld id="{4DD0A917-C272-441A-92EE-F01DF0D33BF7}" type="datetimeFigureOut">
               <a:rPr lang="fr-FR" smtClean="0"/>
-              <a:t>23/05/2019</a:t>
+              <a:t>25/05/2019</a:t>
             </a:fld>
             <a:endParaRPr lang="fr-FR"/>
           </a:p>
@@ -2512,7 +2513,7 @@
           <a:p>
             <a:fld id="{4DD0A917-C272-441A-92EE-F01DF0D33BF7}" type="datetimeFigureOut">
               <a:rPr lang="fr-FR" smtClean="0"/>
-              <a:t>23/05/2019</a:t>
+              <a:t>25/05/2019</a:t>
             </a:fld>
             <a:endParaRPr lang="fr-FR"/>
           </a:p>
@@ -2682,7 +2683,7 @@
           <a:p>
             <a:fld id="{4DD0A917-C272-441A-92EE-F01DF0D33BF7}" type="datetimeFigureOut">
               <a:rPr lang="fr-FR" smtClean="0"/>
-              <a:t>23/05/2019</a:t>
+              <a:t>25/05/2019</a:t>
             </a:fld>
             <a:endParaRPr lang="fr-FR"/>
           </a:p>
@@ -2862,7 +2863,7 @@
           <a:p>
             <a:fld id="{4DD0A917-C272-441A-92EE-F01DF0D33BF7}" type="datetimeFigureOut">
               <a:rPr lang="fr-FR" smtClean="0"/>
-              <a:t>23/05/2019</a:t>
+              <a:t>25/05/2019</a:t>
             </a:fld>
             <a:endParaRPr lang="fr-FR"/>
           </a:p>
@@ -3038,7 +3039,7 @@
           <a:p>
             <a:fld id="{4DD0A917-C272-441A-92EE-F01DF0D33BF7}" type="datetimeFigureOut">
               <a:rPr lang="fr-FR" smtClean="0"/>
-              <a:t>23/05/2019</a:t>
+              <a:t>25/05/2019</a:t>
             </a:fld>
             <a:endParaRPr lang="fr-FR"/>
           </a:p>
@@ -3285,7 +3286,7 @@
           <a:p>
             <a:fld id="{4DD0A917-C272-441A-92EE-F01DF0D33BF7}" type="datetimeFigureOut">
               <a:rPr lang="fr-FR" smtClean="0"/>
-              <a:t>23/05/2019</a:t>
+              <a:t>25/05/2019</a:t>
             </a:fld>
             <a:endParaRPr lang="fr-FR"/>
           </a:p>
@@ -3582,7 +3583,7 @@
           <a:p>
             <a:fld id="{4DD0A917-C272-441A-92EE-F01DF0D33BF7}" type="datetimeFigureOut">
               <a:rPr lang="fr-FR" smtClean="0"/>
-              <a:t>23/05/2019</a:t>
+              <a:t>25/05/2019</a:t>
             </a:fld>
             <a:endParaRPr lang="fr-FR"/>
           </a:p>
@@ -3961,7 +3962,7 @@
           <a:p>
             <a:fld id="{4DD0A917-C272-441A-92EE-F01DF0D33BF7}" type="datetimeFigureOut">
               <a:rPr lang="fr-FR" smtClean="0"/>
-              <a:t>23/05/2019</a:t>
+              <a:t>25/05/2019</a:t>
             </a:fld>
             <a:endParaRPr lang="fr-FR"/>
           </a:p>
@@ -4084,7 +4085,7 @@
           <a:p>
             <a:fld id="{4DD0A917-C272-441A-92EE-F01DF0D33BF7}" type="datetimeFigureOut">
               <a:rPr lang="fr-FR" smtClean="0"/>
-              <a:t>23/05/2019</a:t>
+              <a:t>25/05/2019</a:t>
             </a:fld>
             <a:endParaRPr lang="fr-FR"/>
           </a:p>
@@ -4179,7 +4180,7 @@
           <a:p>
             <a:fld id="{4DD0A917-C272-441A-92EE-F01DF0D33BF7}" type="datetimeFigureOut">
               <a:rPr lang="fr-FR" smtClean="0"/>
-              <a:t>23/05/2019</a:t>
+              <a:t>25/05/2019</a:t>
             </a:fld>
             <a:endParaRPr lang="fr-FR"/>
           </a:p>
@@ -4434,7 +4435,7 @@
           <a:p>
             <a:fld id="{4DD0A917-C272-441A-92EE-F01DF0D33BF7}" type="datetimeFigureOut">
               <a:rPr lang="fr-FR" smtClean="0"/>
-              <a:t>23/05/2019</a:t>
+              <a:t>25/05/2019</a:t>
             </a:fld>
             <a:endParaRPr lang="fr-FR"/>
           </a:p>
@@ -4697,7 +4698,7 @@
           <a:p>
             <a:fld id="{4DD0A917-C272-441A-92EE-F01DF0D33BF7}" type="datetimeFigureOut">
               <a:rPr lang="fr-FR" smtClean="0"/>
-              <a:t>23/05/2019</a:t>
+              <a:t>25/05/2019</a:t>
             </a:fld>
             <a:endParaRPr lang="fr-FR"/>
           </a:p>
@@ -5512,7 +5513,7 @@
           <a:p>
             <a:fld id="{4DD0A917-C272-441A-92EE-F01DF0D33BF7}" type="datetimeFigureOut">
               <a:rPr lang="fr-FR" smtClean="0"/>
-              <a:t>23/05/2019</a:t>
+              <a:t>25/05/2019</a:t>
             </a:fld>
             <a:endParaRPr lang="fr-FR"/>
           </a:p>
@@ -8534,6 +8535,1666 @@
 </p:sld>
 </file>
 
+<file path=ppt/slides/slide2.xml><?xml version="1.0" encoding="utf-8"?>
+<p:sld xmlns:a="http://schemas.openxmlformats.org/drawingml/2006/main" xmlns:r="http://schemas.openxmlformats.org/officeDocument/2006/relationships" xmlns:p="http://schemas.openxmlformats.org/presentationml/2006/main">
+  <p:cSld>
+    <p:spTree>
+      <p:nvGrpSpPr>
+        <p:cNvPr id="1" name=""/>
+        <p:cNvGrpSpPr/>
+        <p:nvPr/>
+      </p:nvGrpSpPr>
+      <p:grpSpPr>
+        <a:xfrm>
+          <a:off x="0" y="0"/>
+          <a:ext cx="0" cy="0"/>
+          <a:chOff x="0" y="0"/>
+          <a:chExt cx="0" cy="0"/>
+        </a:xfrm>
+      </p:grpSpPr>
+      <p:sp>
+        <p:nvSpPr>
+          <p:cNvPr id="4" name="ZoneTexte 3">
+            <a:extLst>
+              <a:ext uri="{FF2B5EF4-FFF2-40B4-BE49-F238E27FC236}">
+                <a16:creationId xmlns:a16="http://schemas.microsoft.com/office/drawing/2014/main" id="{D8E668C8-9A2A-42A9-9576-A9563C30BEA2}"/>
+              </a:ext>
+            </a:extLst>
+          </p:cNvPr>
+          <p:cNvSpPr txBox="1"/>
+          <p:nvPr/>
+        </p:nvSpPr>
+        <p:spPr>
+          <a:xfrm>
+            <a:off x="4717381" y="331466"/>
+            <a:ext cx="9962936" cy="1938992"/>
+          </a:xfrm>
+          <a:prstGeom prst="rect">
+            <a:avLst/>
+          </a:prstGeom>
+          <a:noFill/>
+        </p:spPr>
+        <p:txBody>
+          <a:bodyPr wrap="square" rtlCol="0">
+            <a:spAutoFit/>
+          </a:bodyPr>
+          <a:lstStyle/>
+          <a:p>
+            <a:pPr algn="ctr"/>
+            <a:r>
+              <a:rPr lang="fr-FR" sz="4000" dirty="0" err="1">
+                <a:latin typeface="Lucida Sans Unicode" panose="020B0602030504020204" pitchFamily="34" charset="0"/>
+                <a:cs typeface="Lucida Sans Unicode" panose="020B0602030504020204" pitchFamily="34" charset="0"/>
+              </a:rPr>
+              <a:t>Profan</a:t>
+            </a:r>
+            <a:r>
+              <a:rPr lang="fr-FR" sz="4000" dirty="0">
+                <a:latin typeface="Lucida Sans Unicode" panose="020B0602030504020204" pitchFamily="34" charset="0"/>
+                <a:cs typeface="Lucida Sans Unicode" panose="020B0602030504020204" pitchFamily="34" charset="0"/>
+              </a:rPr>
+              <a:t> sujet 1</a:t>
+            </a:r>
+          </a:p>
+          <a:p>
+            <a:pPr algn="ctr"/>
+            <a:r>
+              <a:rPr lang="fr-FR" sz="4000" dirty="0">
+                <a:latin typeface="Lucida Sans Unicode" panose="020B0602030504020204" pitchFamily="34" charset="0"/>
+                <a:cs typeface="Lucida Sans Unicode" panose="020B0602030504020204" pitchFamily="34" charset="0"/>
+              </a:rPr>
+              <a:t>Amélioration de la gestion de stock</a:t>
+            </a:r>
+          </a:p>
+          <a:p>
+            <a:pPr algn="ctr"/>
+            <a:r>
+              <a:rPr lang="fr-FR" sz="4000" i="1" dirty="0">
+                <a:latin typeface="Lucida Sans Unicode" panose="020B0602030504020204" pitchFamily="34" charset="0"/>
+                <a:cs typeface="Lucida Sans Unicode" panose="020B0602030504020204" pitchFamily="34" charset="0"/>
+              </a:rPr>
+              <a:t>Application web </a:t>
+            </a:r>
+            <a:r>
+              <a:rPr lang="fr-FR" sz="4000" i="1" dirty="0" err="1">
+                <a:latin typeface="Lucida Sans Unicode" panose="020B0602030504020204" pitchFamily="34" charset="0"/>
+                <a:cs typeface="Lucida Sans Unicode" panose="020B0602030504020204" pitchFamily="34" charset="0"/>
+              </a:rPr>
+              <a:t>Gestock</a:t>
+            </a:r>
+            <a:endParaRPr lang="fr-FR" sz="4000" i="1" dirty="0">
+              <a:latin typeface="Lucida Sans Unicode" panose="020B0602030504020204" pitchFamily="34" charset="0"/>
+              <a:cs typeface="Lucida Sans Unicode" panose="020B0602030504020204" pitchFamily="34" charset="0"/>
+            </a:endParaRPr>
+          </a:p>
+        </p:txBody>
+      </p:sp>
+      <p:sp>
+        <p:nvSpPr>
+          <p:cNvPr id="5" name="ZoneTexte 4">
+            <a:extLst>
+              <a:ext uri="{FF2B5EF4-FFF2-40B4-BE49-F238E27FC236}">
+                <a16:creationId xmlns:a16="http://schemas.microsoft.com/office/drawing/2014/main" id="{F8A1A542-F62D-4BFD-934A-128DF49D0743}"/>
+              </a:ext>
+            </a:extLst>
+          </p:cNvPr>
+          <p:cNvSpPr txBox="1"/>
+          <p:nvPr/>
+        </p:nvSpPr>
+        <p:spPr>
+          <a:xfrm>
+            <a:off x="928511" y="3147854"/>
+            <a:ext cx="5785121" cy="2031325"/>
+          </a:xfrm>
+          <a:prstGeom prst="rect">
+            <a:avLst/>
+          </a:prstGeom>
+          <a:noFill/>
+        </p:spPr>
+        <p:txBody>
+          <a:bodyPr wrap="square" rtlCol="0">
+            <a:spAutoFit/>
+          </a:bodyPr>
+          <a:lstStyle/>
+          <a:p>
+            <a:r>
+              <a:rPr lang="fr-FR" dirty="0">
+                <a:latin typeface="Calibri" panose="020F0502020204030204" pitchFamily="34" charset="0"/>
+                <a:cs typeface="Calibri" panose="020F0502020204030204" pitchFamily="34" charset="0"/>
+              </a:rPr>
+              <a:t>1. Contexte</a:t>
+            </a:r>
+          </a:p>
+          <a:p>
+            <a:endParaRPr lang="fr-FR" dirty="0">
+              <a:latin typeface="Calibri" panose="020F0502020204030204" pitchFamily="34" charset="0"/>
+              <a:cs typeface="Calibri" panose="020F0502020204030204" pitchFamily="34" charset="0"/>
+            </a:endParaRPr>
+          </a:p>
+          <a:p>
+            <a:pPr algn="just"/>
+            <a:r>
+              <a:rPr lang="fr-FR" dirty="0">
+                <a:latin typeface="Calibri" panose="020F0502020204030204" pitchFamily="34" charset="0"/>
+                <a:cs typeface="Calibri" panose="020F0502020204030204" pitchFamily="34" charset="0"/>
+              </a:rPr>
+              <a:t>	L’imprimerie du pôle </a:t>
+            </a:r>
+            <a:r>
+              <a:rPr lang="fr-FR" dirty="0" err="1">
+                <a:latin typeface="Calibri" panose="020F0502020204030204" pitchFamily="34" charset="0"/>
+                <a:cs typeface="Calibri" panose="020F0502020204030204" pitchFamily="34" charset="0"/>
+              </a:rPr>
+              <a:t>Plurimédia</a:t>
+            </a:r>
+            <a:r>
+              <a:rPr lang="fr-FR" dirty="0">
+                <a:latin typeface="Calibri" panose="020F0502020204030204" pitchFamily="34" charset="0"/>
+                <a:cs typeface="Calibri" panose="020F0502020204030204" pitchFamily="34" charset="0"/>
+              </a:rPr>
+              <a:t> du lycée La Fayette a besoin de connaître l’état de ses stocks en temps réel, c’est-à-dire la quantité de papier, d’encre ou de produits divers liés à l’utilisation des machines, disponible à tout moment ainsi que l’emplacement de tout ces produits.</a:t>
+            </a:r>
+          </a:p>
+        </p:txBody>
+      </p:sp>
+      <p:grpSp>
+        <p:nvGrpSpPr>
+          <p:cNvPr id="50" name="Groupe 49">
+            <a:extLst>
+              <a:ext uri="{FF2B5EF4-FFF2-40B4-BE49-F238E27FC236}">
+                <a16:creationId xmlns:a16="http://schemas.microsoft.com/office/drawing/2014/main" id="{CE1361F7-66AC-418A-B9A7-D9E3C33994B1}"/>
+              </a:ext>
+            </a:extLst>
+          </p:cNvPr>
+          <p:cNvGrpSpPr/>
+          <p:nvPr/>
+        </p:nvGrpSpPr>
+        <p:grpSpPr>
+          <a:xfrm>
+            <a:off x="530955" y="171358"/>
+            <a:ext cx="2900226" cy="2847015"/>
+            <a:chOff x="1528646" y="228619"/>
+            <a:chExt cx="2900226" cy="2847015"/>
+          </a:xfrm>
+        </p:grpSpPr>
+        <p:pic>
+          <p:nvPicPr>
+            <p:cNvPr id="6" name="Image 5">
+              <a:extLst>
+                <a:ext uri="{FF2B5EF4-FFF2-40B4-BE49-F238E27FC236}">
+                  <a16:creationId xmlns:a16="http://schemas.microsoft.com/office/drawing/2014/main" id="{C2D5D6EE-C124-458C-A87D-7C611F9FF287}"/>
+                </a:ext>
+              </a:extLst>
+            </p:cNvPr>
+            <p:cNvPicPr>
+              <a:picLocks noChangeAspect="1"/>
+            </p:cNvPicPr>
+            <p:nvPr/>
+          </p:nvPicPr>
+          <p:blipFill>
+            <a:blip r:embed="rId2"/>
+            <a:stretch>
+              <a:fillRect/>
+            </a:stretch>
+          </p:blipFill>
+          <p:spPr>
+            <a:xfrm>
+              <a:off x="1528646" y="257233"/>
+              <a:ext cx="2900226" cy="2818401"/>
+            </a:xfrm>
+            <a:prstGeom prst="rect">
+              <a:avLst/>
+            </a:prstGeom>
+          </p:spPr>
+        </p:pic>
+        <p:pic>
+          <p:nvPicPr>
+            <p:cNvPr id="7" name="Image 6">
+              <a:extLst>
+                <a:ext uri="{FF2B5EF4-FFF2-40B4-BE49-F238E27FC236}">
+                  <a16:creationId xmlns:a16="http://schemas.microsoft.com/office/drawing/2014/main" id="{D6EB0593-E684-458D-81F1-33A87A5BF3F5}"/>
+                </a:ext>
+              </a:extLst>
+            </p:cNvPr>
+            <p:cNvPicPr>
+              <a:picLocks noChangeAspect="1"/>
+            </p:cNvPicPr>
+            <p:nvPr/>
+          </p:nvPicPr>
+          <p:blipFill>
+            <a:blip r:embed="rId3"/>
+            <a:stretch>
+              <a:fillRect/>
+            </a:stretch>
+          </p:blipFill>
+          <p:spPr>
+            <a:xfrm>
+              <a:off x="1671881" y="228619"/>
+              <a:ext cx="2552722" cy="493577"/>
+            </a:xfrm>
+            <a:prstGeom prst="rect">
+              <a:avLst/>
+            </a:prstGeom>
+          </p:spPr>
+        </p:pic>
+      </p:grpSp>
+      <p:grpSp>
+        <p:nvGrpSpPr>
+          <p:cNvPr id="8" name="Groupe 7">
+            <a:extLst>
+              <a:ext uri="{FF2B5EF4-FFF2-40B4-BE49-F238E27FC236}">
+                <a16:creationId xmlns:a16="http://schemas.microsoft.com/office/drawing/2014/main" id="{DF4DCBF4-9F10-410A-8EE3-DF144B60C147}"/>
+              </a:ext>
+            </a:extLst>
+          </p:cNvPr>
+          <p:cNvGrpSpPr/>
+          <p:nvPr/>
+        </p:nvGrpSpPr>
+        <p:grpSpPr>
+          <a:xfrm>
+            <a:off x="1064956" y="5684674"/>
+            <a:ext cx="4954668" cy="2890721"/>
+            <a:chOff x="4470751" y="11775711"/>
+            <a:chExt cx="4954668" cy="2890721"/>
+          </a:xfrm>
+          <a:solidFill>
+            <a:schemeClr val="bg2">
+              <a:lumMod val="75000"/>
+            </a:schemeClr>
+          </a:solidFill>
+        </p:grpSpPr>
+        <p:sp>
+          <p:nvSpPr>
+            <p:cNvPr id="9" name="Rectangle 8">
+              <a:extLst>
+                <a:ext uri="{FF2B5EF4-FFF2-40B4-BE49-F238E27FC236}">
+                  <a16:creationId xmlns:a16="http://schemas.microsoft.com/office/drawing/2014/main" id="{505F8968-1B98-4E47-9434-A56C35569C19}"/>
+                </a:ext>
+              </a:extLst>
+            </p:cNvPr>
+            <p:cNvSpPr/>
+            <p:nvPr/>
+          </p:nvSpPr>
+          <p:spPr>
+            <a:xfrm>
+              <a:off x="4470751" y="11775711"/>
+              <a:ext cx="4954668" cy="2890721"/>
+            </a:xfrm>
+            <a:prstGeom prst="rect">
+              <a:avLst/>
+            </a:prstGeom>
+            <a:solidFill>
+              <a:schemeClr val="bg1"/>
+            </a:solidFill>
+          </p:spPr>
+          <p:style>
+            <a:lnRef idx="2">
+              <a:schemeClr val="dk1"/>
+            </a:lnRef>
+            <a:fillRef idx="1">
+              <a:schemeClr val="lt1"/>
+            </a:fillRef>
+            <a:effectRef idx="0">
+              <a:schemeClr val="dk1"/>
+            </a:effectRef>
+            <a:fontRef idx="minor">
+              <a:schemeClr val="dk1"/>
+            </a:fontRef>
+          </p:style>
+          <p:txBody>
+            <a:bodyPr rtlCol="0" anchor="ctr"/>
+            <a:lstStyle/>
+            <a:p>
+              <a:pPr algn="ctr"/>
+              <a:endParaRPr lang="fr-FR"/>
+            </a:p>
+          </p:txBody>
+        </p:sp>
+        <p:sp>
+          <p:nvSpPr>
+            <p:cNvPr id="10" name="ZoneTexte 9">
+              <a:extLst>
+                <a:ext uri="{FF2B5EF4-FFF2-40B4-BE49-F238E27FC236}">
+                  <a16:creationId xmlns:a16="http://schemas.microsoft.com/office/drawing/2014/main" id="{F537EBBC-0EBD-4E92-A5AE-2FBBD8428A03}"/>
+                </a:ext>
+              </a:extLst>
+            </p:cNvPr>
+            <p:cNvSpPr txBox="1"/>
+            <p:nvPr/>
+          </p:nvSpPr>
+          <p:spPr>
+            <a:xfrm>
+              <a:off x="4833901" y="11853199"/>
+              <a:ext cx="4279140" cy="461665"/>
+            </a:xfrm>
+            <a:prstGeom prst="rect">
+              <a:avLst/>
+            </a:prstGeom>
+            <a:solidFill>
+              <a:schemeClr val="bg1"/>
+            </a:solidFill>
+          </p:spPr>
+          <p:txBody>
+            <a:bodyPr wrap="square" rtlCol="0">
+              <a:spAutoFit/>
+            </a:bodyPr>
+            <a:lstStyle/>
+            <a:p>
+              <a:pPr algn="ctr"/>
+              <a:r>
+                <a:rPr lang="fr-FR" sz="2400" u="sng" dirty="0"/>
+                <a:t>Imprimerie – Pôle </a:t>
+              </a:r>
+              <a:r>
+                <a:rPr lang="fr-FR" sz="2400" u="sng" dirty="0" err="1"/>
+                <a:t>Plurimédia</a:t>
+              </a:r>
+              <a:endParaRPr lang="fr-FR" sz="2400" u="sng" dirty="0"/>
+            </a:p>
+          </p:txBody>
+        </p:sp>
+        <p:grpSp>
+          <p:nvGrpSpPr>
+            <p:cNvPr id="11" name="Groupe 10">
+              <a:extLst>
+                <a:ext uri="{FF2B5EF4-FFF2-40B4-BE49-F238E27FC236}">
+                  <a16:creationId xmlns:a16="http://schemas.microsoft.com/office/drawing/2014/main" id="{007D29E6-C4CB-45E6-A9CE-F344B0502D85}"/>
+                </a:ext>
+              </a:extLst>
+            </p:cNvPr>
+            <p:cNvGrpSpPr/>
+            <p:nvPr/>
+          </p:nvGrpSpPr>
+          <p:grpSpPr>
+            <a:xfrm>
+              <a:off x="7686010" y="12387084"/>
+              <a:ext cx="1580528" cy="994814"/>
+              <a:chOff x="7453621" y="12463587"/>
+              <a:chExt cx="1580528" cy="994814"/>
+            </a:xfrm>
+            <a:grpFill/>
+          </p:grpSpPr>
+          <p:sp>
+            <p:nvSpPr>
+              <p:cNvPr id="18" name="Rectangle : coins arrondis 17">
+                <a:extLst>
+                  <a:ext uri="{FF2B5EF4-FFF2-40B4-BE49-F238E27FC236}">
+                    <a16:creationId xmlns:a16="http://schemas.microsoft.com/office/drawing/2014/main" id="{46469D87-9D4E-46FF-AE09-782239608866}"/>
+                  </a:ext>
+                </a:extLst>
+              </p:cNvPr>
+              <p:cNvSpPr/>
+              <p:nvPr/>
+            </p:nvSpPr>
+            <p:spPr>
+              <a:xfrm>
+                <a:off x="7453621" y="12463587"/>
+                <a:ext cx="1580528" cy="994814"/>
+              </a:xfrm>
+              <a:prstGeom prst="roundRect">
+                <a:avLst/>
+              </a:prstGeom>
+              <a:solidFill>
+                <a:schemeClr val="accent1">
+                  <a:lumMod val="50000"/>
+                </a:schemeClr>
+              </a:solidFill>
+            </p:spPr>
+            <p:style>
+              <a:lnRef idx="2">
+                <a:schemeClr val="accent1">
+                  <a:shade val="50000"/>
+                </a:schemeClr>
+              </a:lnRef>
+              <a:fillRef idx="1">
+                <a:schemeClr val="accent1"/>
+              </a:fillRef>
+              <a:effectRef idx="0">
+                <a:schemeClr val="accent1"/>
+              </a:effectRef>
+              <a:fontRef idx="minor">
+                <a:schemeClr val="lt1"/>
+              </a:fontRef>
+            </p:style>
+            <p:txBody>
+              <a:bodyPr rtlCol="0" anchor="ctr"/>
+              <a:lstStyle/>
+              <a:p>
+                <a:pPr algn="ctr"/>
+                <a:endParaRPr lang="fr-FR" dirty="0"/>
+              </a:p>
+            </p:txBody>
+          </p:sp>
+          <p:sp>
+            <p:nvSpPr>
+              <p:cNvPr id="19" name="ZoneTexte 18">
+                <a:extLst>
+                  <a:ext uri="{FF2B5EF4-FFF2-40B4-BE49-F238E27FC236}">
+                    <a16:creationId xmlns:a16="http://schemas.microsoft.com/office/drawing/2014/main" id="{8A2D8681-46F2-47F3-B6EA-3C2239E3CD26}"/>
+                  </a:ext>
+                </a:extLst>
+              </p:cNvPr>
+              <p:cNvSpPr txBox="1"/>
+              <p:nvPr/>
+            </p:nvSpPr>
+            <p:spPr>
+              <a:xfrm>
+                <a:off x="7602278" y="12570092"/>
+                <a:ext cx="1283214" cy="830997"/>
+              </a:xfrm>
+              <a:prstGeom prst="rect">
+                <a:avLst/>
+              </a:prstGeom>
+              <a:solidFill>
+                <a:schemeClr val="accent1">
+                  <a:lumMod val="50000"/>
+                </a:schemeClr>
+              </a:solidFill>
+            </p:spPr>
+            <p:txBody>
+              <a:bodyPr wrap="square" rtlCol="0">
+                <a:spAutoFit/>
+              </a:bodyPr>
+              <a:lstStyle/>
+              <a:p>
+                <a:pPr algn="ctr"/>
+                <a:r>
+                  <a:rPr lang="fr-FR" sz="2400" b="1" dirty="0">
+                    <a:solidFill>
+                      <a:schemeClr val="bg1"/>
+                    </a:solidFill>
+                  </a:rPr>
+                  <a:t>Salle Encre </a:t>
+                </a:r>
+              </a:p>
+            </p:txBody>
+          </p:sp>
+        </p:grpSp>
+        <p:grpSp>
+          <p:nvGrpSpPr>
+            <p:cNvPr id="12" name="Groupe 11">
+              <a:extLst>
+                <a:ext uri="{FF2B5EF4-FFF2-40B4-BE49-F238E27FC236}">
+                  <a16:creationId xmlns:a16="http://schemas.microsoft.com/office/drawing/2014/main" id="{7C90C884-0AC7-4E1C-8D81-4FB91F219231}"/>
+                </a:ext>
+              </a:extLst>
+            </p:cNvPr>
+            <p:cNvGrpSpPr/>
+            <p:nvPr/>
+          </p:nvGrpSpPr>
+          <p:grpSpPr>
+            <a:xfrm>
+              <a:off x="6157821" y="13548651"/>
+              <a:ext cx="1580528" cy="994814"/>
+              <a:chOff x="5857965" y="13579175"/>
+              <a:chExt cx="1580528" cy="994814"/>
+            </a:xfrm>
+            <a:grpFill/>
+          </p:grpSpPr>
+          <p:sp>
+            <p:nvSpPr>
+              <p:cNvPr id="16" name="Rectangle : coins arrondis 15">
+                <a:extLst>
+                  <a:ext uri="{FF2B5EF4-FFF2-40B4-BE49-F238E27FC236}">
+                    <a16:creationId xmlns:a16="http://schemas.microsoft.com/office/drawing/2014/main" id="{86695427-2133-4622-9DD5-DA9A556AB058}"/>
+                  </a:ext>
+                </a:extLst>
+              </p:cNvPr>
+              <p:cNvSpPr/>
+              <p:nvPr/>
+            </p:nvSpPr>
+            <p:spPr>
+              <a:xfrm>
+                <a:off x="5857965" y="13579175"/>
+                <a:ext cx="1580528" cy="994814"/>
+              </a:xfrm>
+              <a:prstGeom prst="roundRect">
+                <a:avLst/>
+              </a:prstGeom>
+              <a:solidFill>
+                <a:schemeClr val="accent1">
+                  <a:lumMod val="50000"/>
+                </a:schemeClr>
+              </a:solidFill>
+            </p:spPr>
+            <p:style>
+              <a:lnRef idx="2">
+                <a:schemeClr val="accent1">
+                  <a:shade val="50000"/>
+                </a:schemeClr>
+              </a:lnRef>
+              <a:fillRef idx="1">
+                <a:schemeClr val="accent1"/>
+              </a:fillRef>
+              <a:effectRef idx="0">
+                <a:schemeClr val="accent1"/>
+              </a:effectRef>
+              <a:fontRef idx="minor">
+                <a:schemeClr val="lt1"/>
+              </a:fontRef>
+            </p:style>
+            <p:txBody>
+              <a:bodyPr rtlCol="0" anchor="ctr"/>
+              <a:lstStyle/>
+              <a:p>
+                <a:pPr algn="ctr"/>
+                <a:endParaRPr lang="fr-FR" dirty="0"/>
+              </a:p>
+            </p:txBody>
+          </p:sp>
+          <p:sp>
+            <p:nvSpPr>
+              <p:cNvPr id="17" name="ZoneTexte 16">
+                <a:extLst>
+                  <a:ext uri="{FF2B5EF4-FFF2-40B4-BE49-F238E27FC236}">
+                    <a16:creationId xmlns:a16="http://schemas.microsoft.com/office/drawing/2014/main" id="{8E138C72-F7C0-4036-AA44-11E43D40E1D9}"/>
+                  </a:ext>
+                </a:extLst>
+              </p:cNvPr>
+              <p:cNvSpPr txBox="1"/>
+              <p:nvPr/>
+            </p:nvSpPr>
+            <p:spPr>
+              <a:xfrm>
+                <a:off x="5965916" y="13857127"/>
+                <a:ext cx="1364626" cy="461665"/>
+              </a:xfrm>
+              <a:prstGeom prst="rect">
+                <a:avLst/>
+              </a:prstGeom>
+              <a:solidFill>
+                <a:schemeClr val="accent1">
+                  <a:lumMod val="50000"/>
+                </a:schemeClr>
+              </a:solidFill>
+            </p:spPr>
+            <p:txBody>
+              <a:bodyPr wrap="square" rtlCol="0">
+                <a:spAutoFit/>
+              </a:bodyPr>
+              <a:lstStyle/>
+              <a:p>
+                <a:pPr algn="ctr"/>
+                <a:r>
+                  <a:rPr lang="fr-FR" sz="2400" b="1" dirty="0">
+                    <a:solidFill>
+                      <a:schemeClr val="bg1"/>
+                    </a:solidFill>
+                  </a:rPr>
+                  <a:t>Atelier </a:t>
+                </a:r>
+              </a:p>
+            </p:txBody>
+          </p:sp>
+        </p:grpSp>
+        <p:grpSp>
+          <p:nvGrpSpPr>
+            <p:cNvPr id="13" name="Groupe 12">
+              <a:extLst>
+                <a:ext uri="{FF2B5EF4-FFF2-40B4-BE49-F238E27FC236}">
+                  <a16:creationId xmlns:a16="http://schemas.microsoft.com/office/drawing/2014/main" id="{E00C99CC-087C-47C0-B523-56ECEC79F780}"/>
+                </a:ext>
+              </a:extLst>
+            </p:cNvPr>
+            <p:cNvGrpSpPr/>
+            <p:nvPr/>
+          </p:nvGrpSpPr>
+          <p:grpSpPr>
+            <a:xfrm>
+              <a:off x="4685244" y="12398241"/>
+              <a:ext cx="1580528" cy="994814"/>
+              <a:chOff x="4504191" y="12488184"/>
+              <a:chExt cx="1580528" cy="994814"/>
+            </a:xfrm>
+            <a:grpFill/>
+          </p:grpSpPr>
+          <p:sp>
+            <p:nvSpPr>
+              <p:cNvPr id="14" name="Rectangle : coins arrondis 13">
+                <a:extLst>
+                  <a:ext uri="{FF2B5EF4-FFF2-40B4-BE49-F238E27FC236}">
+                    <a16:creationId xmlns:a16="http://schemas.microsoft.com/office/drawing/2014/main" id="{9C48CB7E-6698-4430-9FDF-2E12F0F1EE40}"/>
+                  </a:ext>
+                </a:extLst>
+              </p:cNvPr>
+              <p:cNvSpPr/>
+              <p:nvPr/>
+            </p:nvSpPr>
+            <p:spPr>
+              <a:xfrm>
+                <a:off x="4504191" y="12488184"/>
+                <a:ext cx="1580528" cy="994814"/>
+              </a:xfrm>
+              <a:prstGeom prst="roundRect">
+                <a:avLst/>
+              </a:prstGeom>
+              <a:solidFill>
+                <a:schemeClr val="accent1">
+                  <a:lumMod val="50000"/>
+                </a:schemeClr>
+              </a:solidFill>
+            </p:spPr>
+            <p:style>
+              <a:lnRef idx="2">
+                <a:schemeClr val="accent1">
+                  <a:shade val="50000"/>
+                </a:schemeClr>
+              </a:lnRef>
+              <a:fillRef idx="1">
+                <a:schemeClr val="accent1"/>
+              </a:fillRef>
+              <a:effectRef idx="0">
+                <a:schemeClr val="accent1"/>
+              </a:effectRef>
+              <a:fontRef idx="minor">
+                <a:schemeClr val="lt1"/>
+              </a:fontRef>
+            </p:style>
+            <p:txBody>
+              <a:bodyPr rtlCol="0" anchor="ctr"/>
+              <a:lstStyle/>
+              <a:p>
+                <a:pPr algn="ctr"/>
+                <a:endParaRPr lang="fr-FR" dirty="0"/>
+              </a:p>
+            </p:txBody>
+          </p:sp>
+          <p:sp>
+            <p:nvSpPr>
+              <p:cNvPr id="15" name="ZoneTexte 14">
+                <a:extLst>
+                  <a:ext uri="{FF2B5EF4-FFF2-40B4-BE49-F238E27FC236}">
+                    <a16:creationId xmlns:a16="http://schemas.microsoft.com/office/drawing/2014/main" id="{280DF8F9-23B2-47BA-AA2F-879E42AAB357}"/>
+                  </a:ext>
+                </a:extLst>
+              </p:cNvPr>
+              <p:cNvSpPr txBox="1"/>
+              <p:nvPr/>
+            </p:nvSpPr>
+            <p:spPr>
+              <a:xfrm>
+                <a:off x="4652848" y="12570091"/>
+                <a:ext cx="1283214" cy="830997"/>
+              </a:xfrm>
+              <a:prstGeom prst="rect">
+                <a:avLst/>
+              </a:prstGeom>
+              <a:solidFill>
+                <a:schemeClr val="accent1">
+                  <a:lumMod val="50000"/>
+                </a:schemeClr>
+              </a:solidFill>
+              <a:ln>
+                <a:solidFill>
+                  <a:schemeClr val="accent1">
+                    <a:lumMod val="50000"/>
+                  </a:schemeClr>
+                </a:solidFill>
+              </a:ln>
+            </p:spPr>
+            <p:txBody>
+              <a:bodyPr wrap="square" rtlCol="0">
+                <a:spAutoFit/>
+              </a:bodyPr>
+              <a:lstStyle/>
+              <a:p>
+                <a:pPr algn="ctr"/>
+                <a:r>
+                  <a:rPr lang="fr-FR" sz="2400" b="1" dirty="0">
+                    <a:solidFill>
+                      <a:schemeClr val="bg1"/>
+                    </a:solidFill>
+                  </a:rPr>
+                  <a:t>Salle papier </a:t>
+                </a:r>
+              </a:p>
+            </p:txBody>
+          </p:sp>
+        </p:grpSp>
+      </p:grpSp>
+      <p:grpSp>
+        <p:nvGrpSpPr>
+          <p:cNvPr id="20" name="Groupe 19">
+            <a:extLst>
+              <a:ext uri="{FF2B5EF4-FFF2-40B4-BE49-F238E27FC236}">
+                <a16:creationId xmlns:a16="http://schemas.microsoft.com/office/drawing/2014/main" id="{749A2ADB-1C53-45B2-B470-A627D1CD1C95}"/>
+              </a:ext>
+            </a:extLst>
+          </p:cNvPr>
+          <p:cNvGrpSpPr/>
+          <p:nvPr/>
+        </p:nvGrpSpPr>
+        <p:grpSpPr>
+          <a:xfrm>
+            <a:off x="928511" y="11590034"/>
+            <a:ext cx="4715570" cy="3244796"/>
+            <a:chOff x="578885" y="1594338"/>
+            <a:chExt cx="4715570" cy="3244796"/>
+          </a:xfrm>
+        </p:grpSpPr>
+        <p:sp>
+          <p:nvSpPr>
+            <p:cNvPr id="21" name="Rectangle : coins arrondis 20">
+              <a:extLst>
+                <a:ext uri="{FF2B5EF4-FFF2-40B4-BE49-F238E27FC236}">
+                  <a16:creationId xmlns:a16="http://schemas.microsoft.com/office/drawing/2014/main" id="{10C1986C-E7A3-4C55-94F3-B0B748FC81AD}"/>
+                </a:ext>
+              </a:extLst>
+            </p:cNvPr>
+            <p:cNvSpPr/>
+            <p:nvPr/>
+          </p:nvSpPr>
+          <p:spPr>
+            <a:xfrm>
+              <a:off x="703385" y="1594348"/>
+              <a:ext cx="4591070" cy="3244786"/>
+            </a:xfrm>
+            <a:prstGeom prst="roundRect">
+              <a:avLst/>
+            </a:prstGeom>
+            <a:solidFill>
+              <a:schemeClr val="bg1"/>
+            </a:solidFill>
+            <a:ln>
+              <a:solidFill>
+                <a:schemeClr val="bg1">
+                  <a:lumMod val="50000"/>
+                </a:schemeClr>
+              </a:solidFill>
+            </a:ln>
+          </p:spPr>
+          <p:style>
+            <a:lnRef idx="2">
+              <a:schemeClr val="accent1">
+                <a:shade val="50000"/>
+              </a:schemeClr>
+            </a:lnRef>
+            <a:fillRef idx="1">
+              <a:schemeClr val="accent1"/>
+            </a:fillRef>
+            <a:effectRef idx="0">
+              <a:schemeClr val="accent1"/>
+            </a:effectRef>
+            <a:fontRef idx="minor">
+              <a:schemeClr val="lt1"/>
+            </a:fontRef>
+          </p:style>
+          <p:txBody>
+            <a:bodyPr rtlCol="0" anchor="ctr"/>
+            <a:lstStyle/>
+            <a:p>
+              <a:pPr algn="ctr"/>
+              <a:endParaRPr lang="fr-FR" dirty="0">
+                <a:highlight>
+                  <a:srgbClr val="000000"/>
+                </a:highlight>
+              </a:endParaRPr>
+            </a:p>
+          </p:txBody>
+        </p:sp>
+        <p:pic>
+          <p:nvPicPr>
+            <p:cNvPr id="22" name="Image 21" descr="RÃ©sultat de recherche d'images pour &quot;php&quot;">
+              <a:extLst>
+                <a:ext uri="{FF2B5EF4-FFF2-40B4-BE49-F238E27FC236}">
+                  <a16:creationId xmlns:a16="http://schemas.microsoft.com/office/drawing/2014/main" id="{7D27AA16-EF59-4840-AA34-7F3A401C0E80}"/>
+                </a:ext>
+              </a:extLst>
+            </p:cNvPr>
+            <p:cNvPicPr/>
+            <p:nvPr/>
+          </p:nvPicPr>
+          <p:blipFill>
+            <a:blip r:embed="rId4" cstate="print">
+              <a:extLst>
+                <a:ext uri="{28A0092B-C50C-407E-A947-70E740481C1C}">
+                  <a14:useLocalDpi xmlns:a14="http://schemas.microsoft.com/office/drawing/2010/main" val="0"/>
+                </a:ext>
+              </a:extLst>
+            </a:blip>
+            <a:srcRect/>
+            <a:stretch>
+              <a:fillRect/>
+            </a:stretch>
+          </p:blipFill>
+          <p:spPr bwMode="auto">
+            <a:xfrm>
+              <a:off x="596749" y="2309039"/>
+              <a:ext cx="2165350" cy="1082040"/>
+            </a:xfrm>
+            <a:prstGeom prst="rect">
+              <a:avLst/>
+            </a:prstGeom>
+            <a:noFill/>
+            <a:ln>
+              <a:noFill/>
+            </a:ln>
+          </p:spPr>
+        </p:pic>
+        <p:pic>
+          <p:nvPicPr>
+            <p:cNvPr id="23" name="Image 22" descr="RÃ©sultat de recherche d'images pour &quot;symfony&quot;">
+              <a:extLst>
+                <a:ext uri="{FF2B5EF4-FFF2-40B4-BE49-F238E27FC236}">
+                  <a16:creationId xmlns:a16="http://schemas.microsoft.com/office/drawing/2014/main" id="{55ECDD03-A0B8-48A6-B503-0EF26B034C10}"/>
+                </a:ext>
+              </a:extLst>
+            </p:cNvPr>
+            <p:cNvPicPr/>
+            <p:nvPr/>
+          </p:nvPicPr>
+          <p:blipFill>
+            <a:blip r:embed="rId5" cstate="print">
+              <a:extLst>
+                <a:ext uri="{28A0092B-C50C-407E-A947-70E740481C1C}">
+                  <a14:useLocalDpi xmlns:a14="http://schemas.microsoft.com/office/drawing/2010/main" val="0"/>
+                </a:ext>
+              </a:extLst>
+            </a:blip>
+            <a:srcRect/>
+            <a:stretch>
+              <a:fillRect/>
+            </a:stretch>
+          </p:blipFill>
+          <p:spPr bwMode="auto">
+            <a:xfrm>
+              <a:off x="578885" y="3481546"/>
+              <a:ext cx="2169160" cy="1156970"/>
+            </a:xfrm>
+            <a:prstGeom prst="rect">
+              <a:avLst/>
+            </a:prstGeom>
+            <a:noFill/>
+            <a:ln>
+              <a:noFill/>
+            </a:ln>
+          </p:spPr>
+        </p:pic>
+        <p:pic>
+          <p:nvPicPr>
+            <p:cNvPr id="24" name="Image 23" descr="RÃ©sultat de recherche d'images pour &quot;html 5 css js&quot;">
+              <a:extLst>
+                <a:ext uri="{FF2B5EF4-FFF2-40B4-BE49-F238E27FC236}">
+                  <a16:creationId xmlns:a16="http://schemas.microsoft.com/office/drawing/2014/main" id="{C6C3393F-C373-447A-A29E-1BF535FF3436}"/>
+                </a:ext>
+              </a:extLst>
+            </p:cNvPr>
+            <p:cNvPicPr/>
+            <p:nvPr/>
+          </p:nvPicPr>
+          <p:blipFill>
+            <a:blip r:embed="rId6" cstate="print">
+              <a:extLst>
+                <a:ext uri="{28A0092B-C50C-407E-A947-70E740481C1C}">
+                  <a14:useLocalDpi xmlns:a14="http://schemas.microsoft.com/office/drawing/2010/main" val="0"/>
+                </a:ext>
+              </a:extLst>
+            </a:blip>
+            <a:srcRect/>
+            <a:stretch>
+              <a:fillRect/>
+            </a:stretch>
+          </p:blipFill>
+          <p:spPr bwMode="auto">
+            <a:xfrm>
+              <a:off x="2722717" y="2226223"/>
+              <a:ext cx="2327910" cy="1309370"/>
+            </a:xfrm>
+            <a:prstGeom prst="rect">
+              <a:avLst/>
+            </a:prstGeom>
+            <a:noFill/>
+            <a:ln>
+              <a:noFill/>
+            </a:ln>
+          </p:spPr>
+        </p:pic>
+        <p:pic>
+          <p:nvPicPr>
+            <p:cNvPr id="25" name="Image 24" descr="RÃ©sultat de recherche d'images pour &quot;bootstrap&quot;">
+              <a:extLst>
+                <a:ext uri="{FF2B5EF4-FFF2-40B4-BE49-F238E27FC236}">
+                  <a16:creationId xmlns:a16="http://schemas.microsoft.com/office/drawing/2014/main" id="{CBDD4BEF-D68A-48AC-8876-E37B60230313}"/>
+                </a:ext>
+              </a:extLst>
+            </p:cNvPr>
+            <p:cNvPicPr/>
+            <p:nvPr/>
+          </p:nvPicPr>
+          <p:blipFill>
+            <a:blip r:embed="rId7" cstate="print">
+              <a:extLst>
+                <a:ext uri="{28A0092B-C50C-407E-A947-70E740481C1C}">
+                  <a14:useLocalDpi xmlns:a14="http://schemas.microsoft.com/office/drawing/2010/main" val="0"/>
+                </a:ext>
+              </a:extLst>
+            </a:blip>
+            <a:srcRect/>
+            <a:stretch>
+              <a:fillRect/>
+            </a:stretch>
+          </p:blipFill>
+          <p:spPr bwMode="auto">
+            <a:xfrm>
+              <a:off x="3004975" y="3794554"/>
+              <a:ext cx="1763395" cy="783590"/>
+            </a:xfrm>
+            <a:prstGeom prst="rect">
+              <a:avLst/>
+            </a:prstGeom>
+            <a:noFill/>
+            <a:ln>
+              <a:noFill/>
+            </a:ln>
+          </p:spPr>
+        </p:pic>
+        <p:sp>
+          <p:nvSpPr>
+            <p:cNvPr id="26" name="ZoneTexte 25">
+              <a:extLst>
+                <a:ext uri="{FF2B5EF4-FFF2-40B4-BE49-F238E27FC236}">
+                  <a16:creationId xmlns:a16="http://schemas.microsoft.com/office/drawing/2014/main" id="{7B0604F4-194B-42FB-BAA2-E7D3329A48F7}"/>
+                </a:ext>
+              </a:extLst>
+            </p:cNvPr>
+            <p:cNvSpPr txBox="1"/>
+            <p:nvPr/>
+          </p:nvSpPr>
+          <p:spPr>
+            <a:xfrm>
+              <a:off x="855705" y="1594338"/>
+              <a:ext cx="4286429" cy="461665"/>
+            </a:xfrm>
+            <a:prstGeom prst="rect">
+              <a:avLst/>
+            </a:prstGeom>
+            <a:noFill/>
+          </p:spPr>
+          <p:txBody>
+            <a:bodyPr wrap="square" rtlCol="0">
+              <a:spAutoFit/>
+            </a:bodyPr>
+            <a:lstStyle/>
+            <a:p>
+              <a:pPr algn="ctr"/>
+              <a:r>
+                <a:rPr lang="fr-FR" sz="2400" b="1" u="sng" dirty="0"/>
+                <a:t>Technologies utilisées</a:t>
+              </a:r>
+            </a:p>
+          </p:txBody>
+        </p:sp>
+      </p:grpSp>
+      <p:sp>
+        <p:nvSpPr>
+          <p:cNvPr id="28" name="ZoneTexte 27">
+            <a:extLst>
+              <a:ext uri="{FF2B5EF4-FFF2-40B4-BE49-F238E27FC236}">
+                <a16:creationId xmlns:a16="http://schemas.microsoft.com/office/drawing/2014/main" id="{815C0758-EB57-487F-A85E-CEE8DCCE3B40}"/>
+              </a:ext>
+            </a:extLst>
+          </p:cNvPr>
+          <p:cNvSpPr txBox="1"/>
+          <p:nvPr/>
+        </p:nvSpPr>
+        <p:spPr>
+          <a:xfrm>
+            <a:off x="662824" y="8660505"/>
+            <a:ext cx="5486041" cy="2308324"/>
+          </a:xfrm>
+          <a:prstGeom prst="rect">
+            <a:avLst/>
+          </a:prstGeom>
+          <a:noFill/>
+        </p:spPr>
+        <p:txBody>
+          <a:bodyPr wrap="square" rtlCol="0">
+            <a:spAutoFit/>
+          </a:bodyPr>
+          <a:lstStyle/>
+          <a:p>
+            <a:r>
+              <a:rPr lang="fr-FR" dirty="0">
+                <a:latin typeface="Calibri" panose="020F0502020204030204" pitchFamily="34" charset="0"/>
+                <a:cs typeface="Calibri" panose="020F0502020204030204" pitchFamily="34" charset="0"/>
+              </a:rPr>
+              <a:t>2. Conception </a:t>
+            </a:r>
+          </a:p>
+          <a:p>
+            <a:endParaRPr lang="fr-FR" dirty="0">
+              <a:latin typeface="Calibri" panose="020F0502020204030204" pitchFamily="34" charset="0"/>
+              <a:cs typeface="Calibri" panose="020F0502020204030204" pitchFamily="34" charset="0"/>
+            </a:endParaRPr>
+          </a:p>
+          <a:p>
+            <a:pPr algn="just"/>
+            <a:r>
+              <a:rPr lang="fr-FR" dirty="0">
+                <a:latin typeface="Calibri" panose="020F0502020204030204" pitchFamily="34" charset="0"/>
+                <a:cs typeface="Calibri" panose="020F0502020204030204" pitchFamily="34" charset="0"/>
+              </a:rPr>
+              <a:t>	La solution doit pouvoir être disponible depuis n’importe quel appareil et depuis n’importe où. Nous avons dont opté pour une application web </a:t>
+            </a:r>
+            <a:r>
+              <a:rPr lang="fr-FR" dirty="0" err="1">
+                <a:latin typeface="Calibri" panose="020F0502020204030204" pitchFamily="34" charset="0"/>
+                <a:cs typeface="Calibri" panose="020F0502020204030204" pitchFamily="34" charset="0"/>
+              </a:rPr>
+              <a:t>Php</a:t>
+            </a:r>
+            <a:r>
+              <a:rPr lang="fr-FR" dirty="0">
+                <a:latin typeface="Calibri" panose="020F0502020204030204" pitchFamily="34" charset="0"/>
+                <a:cs typeface="Calibri" panose="020F0502020204030204" pitchFamily="34" charset="0"/>
+              </a:rPr>
+              <a:t> avec utilisation du Framework Symfony, un Framework très puissant et très utilisé. La gestion du </a:t>
+            </a:r>
+            <a:r>
+              <a:rPr lang="fr-FR" dirty="0" err="1">
+                <a:latin typeface="Calibri" panose="020F0502020204030204" pitchFamily="34" charset="0"/>
+                <a:cs typeface="Calibri" panose="020F0502020204030204" pitchFamily="34" charset="0"/>
+              </a:rPr>
+              <a:t>front-end</a:t>
+            </a:r>
+            <a:r>
+              <a:rPr lang="fr-FR" dirty="0">
+                <a:latin typeface="Calibri" panose="020F0502020204030204" pitchFamily="34" charset="0"/>
+                <a:cs typeface="Calibri" panose="020F0502020204030204" pitchFamily="34" charset="0"/>
+              </a:rPr>
+              <a:t> (Html, </a:t>
+            </a:r>
+            <a:r>
+              <a:rPr lang="fr-FR" dirty="0" err="1">
+                <a:latin typeface="Calibri" panose="020F0502020204030204" pitchFamily="34" charset="0"/>
+                <a:cs typeface="Calibri" panose="020F0502020204030204" pitchFamily="34" charset="0"/>
+              </a:rPr>
+              <a:t>Css</a:t>
+            </a:r>
+            <a:r>
+              <a:rPr lang="fr-FR" dirty="0">
+                <a:latin typeface="Calibri" panose="020F0502020204030204" pitchFamily="34" charset="0"/>
+                <a:cs typeface="Calibri" panose="020F0502020204030204" pitchFamily="34" charset="0"/>
+              </a:rPr>
+              <a:t>, JS) est assurée par le Framework Bootstrap.</a:t>
+            </a:r>
+          </a:p>
+        </p:txBody>
+      </p:sp>
+      <p:sp>
+        <p:nvSpPr>
+          <p:cNvPr id="47" name="ZoneTexte 46">
+            <a:extLst>
+              <a:ext uri="{FF2B5EF4-FFF2-40B4-BE49-F238E27FC236}">
+                <a16:creationId xmlns:a16="http://schemas.microsoft.com/office/drawing/2014/main" id="{86D62951-3D07-437C-B02C-D785FA67900A}"/>
+              </a:ext>
+            </a:extLst>
+          </p:cNvPr>
+          <p:cNvSpPr txBox="1"/>
+          <p:nvPr/>
+        </p:nvSpPr>
+        <p:spPr>
+          <a:xfrm>
+            <a:off x="7202537" y="2647476"/>
+            <a:ext cx="5785121" cy="2585323"/>
+          </a:xfrm>
+          <a:prstGeom prst="rect">
+            <a:avLst/>
+          </a:prstGeom>
+          <a:noFill/>
+        </p:spPr>
+        <p:txBody>
+          <a:bodyPr wrap="square" rtlCol="0">
+            <a:spAutoFit/>
+          </a:bodyPr>
+          <a:lstStyle/>
+          <a:p>
+            <a:r>
+              <a:rPr lang="fr-FR" dirty="0">
+                <a:latin typeface="Calibri" panose="020F0502020204030204" pitchFamily="34" charset="0"/>
+                <a:cs typeface="Calibri" panose="020F0502020204030204" pitchFamily="34" charset="0"/>
+              </a:rPr>
+              <a:t>3. La base de données</a:t>
+            </a:r>
+          </a:p>
+          <a:p>
+            <a:endParaRPr lang="fr-FR" dirty="0">
+              <a:latin typeface="Calibri" panose="020F0502020204030204" pitchFamily="34" charset="0"/>
+              <a:cs typeface="Calibri" panose="020F0502020204030204" pitchFamily="34" charset="0"/>
+            </a:endParaRPr>
+          </a:p>
+          <a:p>
+            <a:pPr algn="just"/>
+            <a:r>
+              <a:rPr lang="fr-FR" dirty="0">
+                <a:latin typeface="Calibri" panose="020F0502020204030204" pitchFamily="34" charset="0"/>
+                <a:cs typeface="Calibri" panose="020F0502020204030204" pitchFamily="34" charset="0"/>
+              </a:rPr>
+              <a:t>	Nous avons du élaborer une structure de données pour concevoir notre base de données. Nous avons séparé dans un premier temps 3 types de produits, le papier, les encres et les autres. Cela rendant fastidieuse l’utilisation de l’application, nous avons finalement opté pour une structure regroupant tous les produits dans une même table avec un nombre minimal d’arguments.</a:t>
+            </a:r>
+          </a:p>
+        </p:txBody>
+      </p:sp>
+      <p:pic>
+        <p:nvPicPr>
+          <p:cNvPr id="48" name="Image 47">
+            <a:extLst>
+              <a:ext uri="{FF2B5EF4-FFF2-40B4-BE49-F238E27FC236}">
+                <a16:creationId xmlns:a16="http://schemas.microsoft.com/office/drawing/2014/main" id="{97F171C5-E990-473F-8296-2761BF0BB249}"/>
+              </a:ext>
+            </a:extLst>
+          </p:cNvPr>
+          <p:cNvPicPr>
+            <a:picLocks noChangeAspect="1"/>
+          </p:cNvPicPr>
+          <p:nvPr/>
+        </p:nvPicPr>
+        <p:blipFill>
+          <a:blip r:embed="rId8"/>
+          <a:stretch>
+            <a:fillRect/>
+          </a:stretch>
+        </p:blipFill>
+        <p:spPr>
+          <a:xfrm>
+            <a:off x="7160332" y="5357806"/>
+            <a:ext cx="2538517" cy="3094622"/>
+          </a:xfrm>
+          <a:prstGeom prst="rect">
+            <a:avLst/>
+          </a:prstGeom>
+        </p:spPr>
+      </p:pic>
+      <p:sp>
+        <p:nvSpPr>
+          <p:cNvPr id="49" name="ZoneTexte 48">
+            <a:extLst>
+              <a:ext uri="{FF2B5EF4-FFF2-40B4-BE49-F238E27FC236}">
+                <a16:creationId xmlns:a16="http://schemas.microsoft.com/office/drawing/2014/main" id="{04096620-DD58-45B8-87C9-E4C58D7702C8}"/>
+              </a:ext>
+            </a:extLst>
+          </p:cNvPr>
+          <p:cNvSpPr txBox="1"/>
+          <p:nvPr/>
+        </p:nvSpPr>
+        <p:spPr>
+          <a:xfrm>
+            <a:off x="7231077" y="8660505"/>
+            <a:ext cx="4992624" cy="1754326"/>
+          </a:xfrm>
+          <a:prstGeom prst="rect">
+            <a:avLst/>
+          </a:prstGeom>
+          <a:noFill/>
+        </p:spPr>
+        <p:txBody>
+          <a:bodyPr wrap="square" rtlCol="0">
+            <a:spAutoFit/>
+          </a:bodyPr>
+          <a:lstStyle/>
+          <a:p>
+            <a:r>
+              <a:rPr lang="fr-FR" dirty="0">
+                <a:latin typeface="Calibri" panose="020F0502020204030204" pitchFamily="34" charset="0"/>
+                <a:cs typeface="Calibri" panose="020F0502020204030204" pitchFamily="34" charset="0"/>
+              </a:rPr>
+              <a:t>4. Les droits</a:t>
+            </a:r>
+          </a:p>
+          <a:p>
+            <a:endParaRPr lang="fr-FR" dirty="0">
+              <a:latin typeface="Calibri" panose="020F0502020204030204" pitchFamily="34" charset="0"/>
+              <a:cs typeface="Calibri" panose="020F0502020204030204" pitchFamily="34" charset="0"/>
+            </a:endParaRPr>
+          </a:p>
+          <a:p>
+            <a:r>
+              <a:rPr lang="fr-FR" dirty="0">
+                <a:latin typeface="Calibri" panose="020F0502020204030204" pitchFamily="34" charset="0"/>
+                <a:cs typeface="Calibri" panose="020F0502020204030204" pitchFamily="34" charset="0"/>
+              </a:rPr>
+              <a:t>Il existe 3 types de comptes utilisateur:</a:t>
+            </a:r>
+          </a:p>
+          <a:p>
+            <a:pPr marL="285750" indent="-285750">
+              <a:buFont typeface="Arial" panose="020B0604020202020204" pitchFamily="34" charset="0"/>
+              <a:buChar char="•"/>
+            </a:pPr>
+            <a:r>
+              <a:rPr lang="fr-FR" dirty="0" err="1">
+                <a:latin typeface="Calibri" panose="020F0502020204030204" pitchFamily="34" charset="0"/>
+                <a:cs typeface="Calibri" panose="020F0502020204030204" pitchFamily="34" charset="0"/>
+              </a:rPr>
+              <a:t>Adminitrateur</a:t>
+            </a:r>
+            <a:endParaRPr lang="fr-FR" dirty="0">
+              <a:latin typeface="Calibri" panose="020F0502020204030204" pitchFamily="34" charset="0"/>
+              <a:cs typeface="Calibri" panose="020F0502020204030204" pitchFamily="34" charset="0"/>
+            </a:endParaRPr>
+          </a:p>
+          <a:p>
+            <a:pPr marL="285750" indent="-285750">
+              <a:buFont typeface="Arial" panose="020B0604020202020204" pitchFamily="34" charset="0"/>
+              <a:buChar char="•"/>
+            </a:pPr>
+            <a:r>
+              <a:rPr lang="fr-FR" dirty="0">
+                <a:latin typeface="Calibri" panose="020F0502020204030204" pitchFamily="34" charset="0"/>
+                <a:cs typeface="Calibri" panose="020F0502020204030204" pitchFamily="34" charset="0"/>
+              </a:rPr>
+              <a:t>Professeur</a:t>
+            </a:r>
+          </a:p>
+          <a:p>
+            <a:pPr marL="285750" indent="-285750">
+              <a:buFont typeface="Arial" panose="020B0604020202020204" pitchFamily="34" charset="0"/>
+              <a:buChar char="•"/>
+            </a:pPr>
+            <a:r>
+              <a:rPr lang="fr-FR" dirty="0">
+                <a:latin typeface="Calibri" panose="020F0502020204030204" pitchFamily="34" charset="0"/>
+                <a:cs typeface="Calibri" panose="020F0502020204030204" pitchFamily="34" charset="0"/>
+              </a:rPr>
+              <a:t>Etudiant</a:t>
+            </a:r>
+          </a:p>
+        </p:txBody>
+      </p:sp>
+      <p:sp>
+        <p:nvSpPr>
+          <p:cNvPr id="51" name="ZoneTexte 50">
+            <a:extLst>
+              <a:ext uri="{FF2B5EF4-FFF2-40B4-BE49-F238E27FC236}">
+                <a16:creationId xmlns:a16="http://schemas.microsoft.com/office/drawing/2014/main" id="{938FE817-A0CB-4537-8BF5-F0C5DE085F93}"/>
+              </a:ext>
+            </a:extLst>
+          </p:cNvPr>
+          <p:cNvSpPr txBox="1"/>
+          <p:nvPr/>
+        </p:nvSpPr>
+        <p:spPr>
+          <a:xfrm>
+            <a:off x="14036842" y="2647476"/>
+            <a:ext cx="6272463" cy="2862322"/>
+          </a:xfrm>
+          <a:prstGeom prst="rect">
+            <a:avLst/>
+          </a:prstGeom>
+          <a:noFill/>
+        </p:spPr>
+        <p:txBody>
+          <a:bodyPr wrap="square" rtlCol="0">
+            <a:spAutoFit/>
+          </a:bodyPr>
+          <a:lstStyle/>
+          <a:p>
+            <a:r>
+              <a:rPr lang="fr-FR" dirty="0">
+                <a:latin typeface="Calibri" panose="020F0502020204030204" pitchFamily="34" charset="0"/>
+                <a:cs typeface="Calibri" panose="020F0502020204030204" pitchFamily="34" charset="0"/>
+              </a:rPr>
+              <a:t>5. Résultat</a:t>
+            </a:r>
+          </a:p>
+          <a:p>
+            <a:endParaRPr lang="fr-FR" dirty="0">
+              <a:latin typeface="Calibri" panose="020F0502020204030204" pitchFamily="34" charset="0"/>
+              <a:cs typeface="Calibri" panose="020F0502020204030204" pitchFamily="34" charset="0"/>
+            </a:endParaRPr>
+          </a:p>
+          <a:p>
+            <a:pPr algn="just"/>
+            <a:r>
+              <a:rPr lang="fr-FR" dirty="0">
+                <a:latin typeface="Calibri" panose="020F0502020204030204" pitchFamily="34" charset="0"/>
+                <a:cs typeface="Calibri" panose="020F0502020204030204" pitchFamily="34" charset="0"/>
+              </a:rPr>
+              <a:t>	Notre application web comporte plusieurs pages ayant des fonctions pour effectuer chacun des points précisés dans le cahier des charges voire plus. </a:t>
+            </a:r>
+          </a:p>
+          <a:p>
+            <a:endParaRPr lang="fr-FR" dirty="0">
+              <a:latin typeface="Calibri" panose="020F0502020204030204" pitchFamily="34" charset="0"/>
+              <a:cs typeface="Calibri" panose="020F0502020204030204" pitchFamily="34" charset="0"/>
+            </a:endParaRPr>
+          </a:p>
+          <a:p>
+            <a:pPr marL="285750" indent="-285750">
+              <a:buFont typeface="Arial" panose="020B0604020202020204" pitchFamily="34" charset="0"/>
+              <a:buChar char="•"/>
+            </a:pPr>
+            <a:r>
+              <a:rPr lang="fr-FR" dirty="0">
+                <a:latin typeface="Calibri" panose="020F0502020204030204" pitchFamily="34" charset="0"/>
+                <a:cs typeface="Calibri" panose="020F0502020204030204" pitchFamily="34" charset="0"/>
+              </a:rPr>
+              <a:t>Accueil : Historique des modifications</a:t>
+            </a:r>
+          </a:p>
+          <a:p>
+            <a:pPr marL="285750" indent="-285750">
+              <a:buFont typeface="Arial" panose="020B0604020202020204" pitchFamily="34" charset="0"/>
+              <a:buChar char="•"/>
+            </a:pPr>
+            <a:r>
+              <a:rPr lang="fr-FR" dirty="0">
+                <a:latin typeface="Calibri" panose="020F0502020204030204" pitchFamily="34" charset="0"/>
+                <a:cs typeface="Calibri" panose="020F0502020204030204" pitchFamily="34" charset="0"/>
+              </a:rPr>
+              <a:t>Stock : Accès à la liste des produits en stock</a:t>
+            </a:r>
+          </a:p>
+          <a:p>
+            <a:pPr marL="285750" indent="-285750">
+              <a:buFont typeface="Arial" panose="020B0604020202020204" pitchFamily="34" charset="0"/>
+              <a:buChar char="•"/>
+            </a:pPr>
+            <a:r>
+              <a:rPr lang="fr-FR" dirty="0">
+                <a:latin typeface="Calibri" panose="020F0502020204030204" pitchFamily="34" charset="0"/>
+                <a:cs typeface="Calibri" panose="020F0502020204030204" pitchFamily="34" charset="0"/>
+              </a:rPr>
+              <a:t>Tutoriel : Documentation du site</a:t>
+            </a:r>
+          </a:p>
+          <a:p>
+            <a:pPr marL="285750" indent="-285750">
+              <a:buFont typeface="Arial" panose="020B0604020202020204" pitchFamily="34" charset="0"/>
+              <a:buChar char="•"/>
+            </a:pPr>
+            <a:r>
+              <a:rPr lang="fr-FR" dirty="0">
+                <a:latin typeface="Calibri" panose="020F0502020204030204" pitchFamily="34" charset="0"/>
+                <a:cs typeface="Calibri" panose="020F0502020204030204" pitchFamily="34" charset="0"/>
+              </a:rPr>
+              <a:t>Utilisateurs : Gestion des utilisateurs</a:t>
+            </a:r>
+          </a:p>
+        </p:txBody>
+      </p:sp>
+      <p:pic>
+        <p:nvPicPr>
+          <p:cNvPr id="55" name="Image 54">
+            <a:extLst>
+              <a:ext uri="{FF2B5EF4-FFF2-40B4-BE49-F238E27FC236}">
+                <a16:creationId xmlns:a16="http://schemas.microsoft.com/office/drawing/2014/main" id="{A1A89E08-B875-44C8-AF9A-14B5D3A44699}"/>
+              </a:ext>
+            </a:extLst>
+          </p:cNvPr>
+          <p:cNvPicPr/>
+          <p:nvPr/>
+        </p:nvPicPr>
+        <p:blipFill>
+          <a:blip r:embed="rId9">
+            <a:extLst>
+              <a:ext uri="{28A0092B-C50C-407E-A947-70E740481C1C}">
+                <a14:useLocalDpi xmlns:a14="http://schemas.microsoft.com/office/drawing/2010/main" val="0"/>
+              </a:ext>
+            </a:extLst>
+          </a:blip>
+          <a:stretch>
+            <a:fillRect/>
+          </a:stretch>
+        </p:blipFill>
+        <p:spPr>
+          <a:xfrm>
+            <a:off x="11349948" y="6146292"/>
+            <a:ext cx="4954668" cy="4278772"/>
+          </a:xfrm>
+          <a:prstGeom prst="rect">
+            <a:avLst/>
+          </a:prstGeom>
+        </p:spPr>
+      </p:pic>
+      <p:grpSp>
+        <p:nvGrpSpPr>
+          <p:cNvPr id="54" name="Groupe 53">
+            <a:extLst>
+              <a:ext uri="{FF2B5EF4-FFF2-40B4-BE49-F238E27FC236}">
+                <a16:creationId xmlns:a16="http://schemas.microsoft.com/office/drawing/2014/main" id="{601F40B7-6933-4643-9BE1-716CCC9DD6FA}"/>
+              </a:ext>
+            </a:extLst>
+          </p:cNvPr>
+          <p:cNvGrpSpPr>
+            <a:grpSpLocks noChangeAspect="1"/>
+          </p:cNvGrpSpPr>
+          <p:nvPr/>
+        </p:nvGrpSpPr>
+        <p:grpSpPr>
+          <a:xfrm>
+            <a:off x="16592737" y="5544998"/>
+            <a:ext cx="4599570" cy="4381135"/>
+            <a:chOff x="14960080" y="5625311"/>
+            <a:chExt cx="5760721" cy="5026025"/>
+          </a:xfrm>
+        </p:grpSpPr>
+        <p:pic>
+          <p:nvPicPr>
+            <p:cNvPr id="52" name="Image 51">
+              <a:extLst>
+                <a:ext uri="{FF2B5EF4-FFF2-40B4-BE49-F238E27FC236}">
+                  <a16:creationId xmlns:a16="http://schemas.microsoft.com/office/drawing/2014/main" id="{9C1D3F3D-50DB-4794-B871-65F59552F750}"/>
+                </a:ext>
+              </a:extLst>
+            </p:cNvPr>
+            <p:cNvPicPr/>
+            <p:nvPr/>
+          </p:nvPicPr>
+          <p:blipFill rotWithShape="1">
+            <a:blip r:embed="rId10">
+              <a:extLst>
+                <a:ext uri="{28A0092B-C50C-407E-A947-70E740481C1C}">
+                  <a14:useLocalDpi xmlns:a14="http://schemas.microsoft.com/office/drawing/2010/main" val="0"/>
+                </a:ext>
+              </a:extLst>
+            </a:blip>
+            <a:srcRect l="5760" r="5760"/>
+            <a:stretch/>
+          </p:blipFill>
+          <p:spPr>
+            <a:xfrm>
+              <a:off x="14960080" y="9434676"/>
+              <a:ext cx="5760721" cy="1216660"/>
+            </a:xfrm>
+            <a:prstGeom prst="rect">
+              <a:avLst/>
+            </a:prstGeom>
+          </p:spPr>
+        </p:pic>
+        <p:pic>
+          <p:nvPicPr>
+            <p:cNvPr id="53" name="Image 52">
+              <a:extLst>
+                <a:ext uri="{FF2B5EF4-FFF2-40B4-BE49-F238E27FC236}">
+                  <a16:creationId xmlns:a16="http://schemas.microsoft.com/office/drawing/2014/main" id="{B64210FD-C202-434A-BC9A-AD5CF2E459D5}"/>
+                </a:ext>
+              </a:extLst>
+            </p:cNvPr>
+            <p:cNvPicPr/>
+            <p:nvPr/>
+          </p:nvPicPr>
+          <p:blipFill>
+            <a:blip r:embed="rId11">
+              <a:extLst>
+                <a:ext uri="{28A0092B-C50C-407E-A947-70E740481C1C}">
+                  <a14:useLocalDpi xmlns:a14="http://schemas.microsoft.com/office/drawing/2010/main" val="0"/>
+                </a:ext>
+              </a:extLst>
+            </a:blip>
+            <a:stretch>
+              <a:fillRect/>
+            </a:stretch>
+          </p:blipFill>
+          <p:spPr>
+            <a:xfrm>
+              <a:off x="14960081" y="5625311"/>
+              <a:ext cx="5760720" cy="3809365"/>
+            </a:xfrm>
+            <a:prstGeom prst="rect">
+              <a:avLst/>
+            </a:prstGeom>
+          </p:spPr>
+        </p:pic>
+      </p:grpSp>
+      <p:sp>
+        <p:nvSpPr>
+          <p:cNvPr id="56" name="ZoneTexte 55">
+            <a:extLst>
+              <a:ext uri="{FF2B5EF4-FFF2-40B4-BE49-F238E27FC236}">
+                <a16:creationId xmlns:a16="http://schemas.microsoft.com/office/drawing/2014/main" id="{44A01F0A-B6AF-4D9E-A5F3-D65F56EC4D58}"/>
+              </a:ext>
+            </a:extLst>
+          </p:cNvPr>
+          <p:cNvSpPr txBox="1"/>
+          <p:nvPr/>
+        </p:nvSpPr>
+        <p:spPr>
+          <a:xfrm>
+            <a:off x="7663413" y="12136535"/>
+            <a:ext cx="4591070" cy="2031325"/>
+          </a:xfrm>
+          <a:prstGeom prst="rect">
+            <a:avLst/>
+          </a:prstGeom>
+          <a:noFill/>
+        </p:spPr>
+        <p:txBody>
+          <a:bodyPr wrap="square" rtlCol="0">
+            <a:spAutoFit/>
+          </a:bodyPr>
+          <a:lstStyle/>
+          <a:p>
+            <a:r>
+              <a:rPr lang="fr-FR" dirty="0">
+                <a:latin typeface="Calibri" panose="020F0502020204030204" pitchFamily="34" charset="0"/>
+                <a:cs typeface="Calibri" panose="020F0502020204030204" pitchFamily="34" charset="0"/>
+              </a:rPr>
+              <a:t>6. La fonction Scanner</a:t>
+            </a:r>
+          </a:p>
+          <a:p>
+            <a:endParaRPr lang="fr-FR" dirty="0">
+              <a:latin typeface="Calibri" panose="020F0502020204030204" pitchFamily="34" charset="0"/>
+              <a:cs typeface="Calibri" panose="020F0502020204030204" pitchFamily="34" charset="0"/>
+            </a:endParaRPr>
+          </a:p>
+          <a:p>
+            <a:r>
+              <a:rPr lang="fr-FR" dirty="0">
+                <a:latin typeface="Calibri" panose="020F0502020204030204" pitchFamily="34" charset="0"/>
+                <a:cs typeface="Calibri" panose="020F0502020204030204" pitchFamily="34" charset="0"/>
+              </a:rPr>
+              <a:t>	Nous avons développé une fonction qui permet, quand c’est possible, d’ouvrir la caméra et de scanner un code-barres pour soit rechercher une produit, soit pour l’ajouter au Stock</a:t>
+            </a:r>
+          </a:p>
+        </p:txBody>
+      </p:sp>
+      <p:pic>
+        <p:nvPicPr>
+          <p:cNvPr id="57" name="Image 56">
+            <a:extLst>
+              <a:ext uri="{FF2B5EF4-FFF2-40B4-BE49-F238E27FC236}">
+                <a16:creationId xmlns:a16="http://schemas.microsoft.com/office/drawing/2014/main" id="{9D69D4DA-B551-4BE7-BBF0-A346862D5F19}"/>
+              </a:ext>
+            </a:extLst>
+          </p:cNvPr>
+          <p:cNvPicPr/>
+          <p:nvPr/>
+        </p:nvPicPr>
+        <p:blipFill>
+          <a:blip r:embed="rId12">
+            <a:extLst>
+              <a:ext uri="{28A0092B-C50C-407E-A947-70E740481C1C}">
+                <a14:useLocalDpi xmlns:a14="http://schemas.microsoft.com/office/drawing/2010/main" val="0"/>
+              </a:ext>
+            </a:extLst>
+          </a:blip>
+          <a:stretch>
+            <a:fillRect/>
+          </a:stretch>
+        </p:blipFill>
+        <p:spPr>
+          <a:xfrm>
+            <a:off x="15430922" y="10726795"/>
+            <a:ext cx="5760720" cy="3441065"/>
+          </a:xfrm>
+          <a:prstGeom prst="rect">
+            <a:avLst/>
+          </a:prstGeom>
+        </p:spPr>
+      </p:pic>
+      <p:sp>
+        <p:nvSpPr>
+          <p:cNvPr id="2" name="ZoneTexte 1">
+            <a:extLst>
+              <a:ext uri="{FF2B5EF4-FFF2-40B4-BE49-F238E27FC236}">
+                <a16:creationId xmlns:a16="http://schemas.microsoft.com/office/drawing/2014/main" id="{5399CCA3-D8CD-4538-8A06-5F41FA992006}"/>
+              </a:ext>
+            </a:extLst>
+          </p:cNvPr>
+          <p:cNvSpPr txBox="1"/>
+          <p:nvPr/>
+        </p:nvSpPr>
+        <p:spPr>
+          <a:xfrm>
+            <a:off x="19184112" y="14218713"/>
+            <a:ext cx="3061515" cy="830997"/>
+          </a:xfrm>
+          <a:prstGeom prst="rect">
+            <a:avLst/>
+          </a:prstGeom>
+          <a:noFill/>
+        </p:spPr>
+        <p:txBody>
+          <a:bodyPr wrap="square" rtlCol="0">
+            <a:spAutoFit/>
+          </a:bodyPr>
+          <a:lstStyle/>
+          <a:p>
+            <a:r>
+              <a:rPr lang="fr-FR" sz="2400" dirty="0">
+                <a:latin typeface="Calibri" panose="020F0502020204030204" pitchFamily="34" charset="0"/>
+                <a:cs typeface="Calibri" panose="020F0502020204030204" pitchFamily="34" charset="0"/>
+              </a:rPr>
+              <a:t>Flavio </a:t>
+            </a:r>
+            <a:r>
+              <a:rPr lang="fr-FR" sz="2400" dirty="0" err="1">
+                <a:latin typeface="Calibri" panose="020F0502020204030204" pitchFamily="34" charset="0"/>
+                <a:cs typeface="Calibri" panose="020F0502020204030204" pitchFamily="34" charset="0"/>
+              </a:rPr>
+              <a:t>Ranchon</a:t>
+            </a:r>
+            <a:endParaRPr lang="fr-FR" sz="2400" dirty="0">
+              <a:latin typeface="Calibri" panose="020F0502020204030204" pitchFamily="34" charset="0"/>
+              <a:cs typeface="Calibri" panose="020F0502020204030204" pitchFamily="34" charset="0"/>
+            </a:endParaRPr>
+          </a:p>
+          <a:p>
+            <a:r>
+              <a:rPr lang="fr-FR" sz="2400" dirty="0">
+                <a:latin typeface="Calibri" panose="020F0502020204030204" pitchFamily="34" charset="0"/>
+                <a:cs typeface="Calibri" panose="020F0502020204030204" pitchFamily="34" charset="0"/>
+              </a:rPr>
+              <a:t>Jaël Vavasseur</a:t>
+            </a:r>
+          </a:p>
+        </p:txBody>
+      </p:sp>
+    </p:spTree>
+    <p:extLst>
+      <p:ext uri="{BB962C8B-B14F-4D97-AF65-F5344CB8AC3E}">
+        <p14:creationId xmlns:p14="http://schemas.microsoft.com/office/powerpoint/2010/main" val="3401118317"/>
+      </p:ext>
+    </p:extLst>
+  </p:cSld>
+  <p:clrMapOvr>
+    <a:masterClrMapping/>
+  </p:clrMapOvr>
+</p:sld>
+</file>
+
 <file path=ppt/theme/theme1.xml><?xml version="1.0" encoding="utf-8"?>
 <a:theme xmlns:a="http://schemas.openxmlformats.org/drawingml/2006/main" name="Facette">
   <a:themeElements>

--- a/présentation groupe 1H.pptx
+++ b/présentation groupe 1H.pptx
@@ -8644,7 +8644,7 @@
         <p:spPr>
           <a:xfrm>
             <a:off x="928511" y="3147854"/>
-            <a:ext cx="5785121" cy="2031325"/>
+            <a:ext cx="5785121" cy="2185214"/>
           </a:xfrm>
           <a:prstGeom prst="rect">
             <a:avLst/>
@@ -8658,7 +8658,7 @@
           <a:lstStyle/>
           <a:p>
             <a:r>
-              <a:rPr lang="fr-FR" dirty="0">
+              <a:rPr lang="fr-FR" sz="2800" b="1" dirty="0">
                 <a:latin typeface="Calibri" panose="020F0502020204030204" pitchFamily="34" charset="0"/>
                 <a:cs typeface="Calibri" panose="020F0502020204030204" pitchFamily="34" charset="0"/>
               </a:rPr>
@@ -9540,7 +9540,7 @@
         <p:spPr>
           <a:xfrm>
             <a:off x="662824" y="8660505"/>
-            <a:ext cx="5486041" cy="2308324"/>
+            <a:ext cx="5486041" cy="2462213"/>
           </a:xfrm>
           <a:prstGeom prst="rect">
             <a:avLst/>
@@ -9554,11 +9554,11 @@
           <a:lstStyle/>
           <a:p>
             <a:r>
-              <a:rPr lang="fr-FR" dirty="0">
+              <a:rPr lang="fr-FR" sz="2800" b="1" dirty="0">
                 <a:latin typeface="Calibri" panose="020F0502020204030204" pitchFamily="34" charset="0"/>
                 <a:cs typeface="Calibri" panose="020F0502020204030204" pitchFamily="34" charset="0"/>
               </a:rPr>
-              <a:t>2. Conception </a:t>
+              <a:t>2. Conception</a:t>
             </a:r>
           </a:p>
           <a:p>
@@ -9636,7 +9636,7 @@
         <p:spPr>
           <a:xfrm>
             <a:off x="7202537" y="2647476"/>
-            <a:ext cx="5785121" cy="2585323"/>
+            <a:ext cx="5785121" cy="2739211"/>
           </a:xfrm>
           <a:prstGeom prst="rect">
             <a:avLst/>
@@ -9650,7 +9650,7 @@
           <a:lstStyle/>
           <a:p>
             <a:r>
-              <a:rPr lang="fr-FR" dirty="0">
+              <a:rPr lang="fr-FR" sz="2800" b="1" dirty="0">
                 <a:latin typeface="Calibri" panose="020F0502020204030204" pitchFamily="34" charset="0"/>
                 <a:cs typeface="Calibri" panose="020F0502020204030204" pitchFamily="34" charset="0"/>
               </a:rPr>
@@ -9697,8 +9697,8 @@
         </p:blipFill>
         <p:spPr>
           <a:xfrm>
-            <a:off x="7160332" y="5357806"/>
-            <a:ext cx="2538517" cy="3094622"/>
+            <a:off x="7198049" y="5384117"/>
+            <a:ext cx="5785121" cy="4531105"/>
           </a:xfrm>
           <a:prstGeom prst="rect">
             <a:avLst/>
@@ -9719,8 +9719,8 @@
         </p:nvSpPr>
         <p:spPr>
           <a:xfrm>
-            <a:off x="7231077" y="8660505"/>
-            <a:ext cx="4992624" cy="1754326"/>
+            <a:off x="7160332" y="9912651"/>
+            <a:ext cx="4992624" cy="1908215"/>
           </a:xfrm>
           <a:prstGeom prst="rect">
             <a:avLst/>
@@ -9734,7 +9734,7 @@
           <a:lstStyle/>
           <a:p>
             <a:r>
-              <a:rPr lang="fr-FR" dirty="0">
+              <a:rPr lang="fr-FR" sz="2800" b="1" dirty="0">
                 <a:latin typeface="Calibri" panose="020F0502020204030204" pitchFamily="34" charset="0"/>
                 <a:cs typeface="Calibri" panose="020F0502020204030204" pitchFamily="34" charset="0"/>
               </a:rPr>
@@ -9816,7 +9816,7 @@
         <p:spPr>
           <a:xfrm>
             <a:off x="14036842" y="2647476"/>
-            <a:ext cx="6272463" cy="2862322"/>
+            <a:ext cx="6272463" cy="3016210"/>
           </a:xfrm>
           <a:prstGeom prst="rect">
             <a:avLst/>
@@ -9830,7 +9830,7 @@
           <a:lstStyle/>
           <a:p>
             <a:r>
-              <a:rPr lang="fr-FR" dirty="0">
+              <a:rPr lang="fr-FR" sz="2800" b="1" dirty="0">
                 <a:latin typeface="Calibri" panose="020F0502020204030204" pitchFamily="34" charset="0"/>
                 <a:cs typeface="Calibri" panose="020F0502020204030204" pitchFamily="34" charset="0"/>
               </a:rPr>
@@ -9939,104 +9939,48 @@
         </p:blipFill>
         <p:spPr>
           <a:xfrm>
-            <a:off x="11349948" y="6146292"/>
-            <a:ext cx="4954668" cy="4278772"/>
+            <a:off x="14036842" y="5753208"/>
+            <a:ext cx="4954668" cy="2753652"/>
           </a:xfrm>
           <a:prstGeom prst="rect">
             <a:avLst/>
           </a:prstGeom>
         </p:spPr>
       </p:pic>
-      <p:grpSp>
-        <p:nvGrpSpPr>
-          <p:cNvPr id="54" name="Groupe 53">
+      <p:pic>
+        <p:nvPicPr>
+          <p:cNvPr id="53" name="Image 52">
             <a:extLst>
               <a:ext uri="{FF2B5EF4-FFF2-40B4-BE49-F238E27FC236}">
-                <a16:creationId xmlns:a16="http://schemas.microsoft.com/office/drawing/2014/main" id="{601F40B7-6933-4643-9BE1-716CCC9DD6FA}"/>
+                <a16:creationId xmlns:a16="http://schemas.microsoft.com/office/drawing/2014/main" id="{B64210FD-C202-434A-BC9A-AD5CF2E459D5}"/>
               </a:ext>
             </a:extLst>
           </p:cNvPr>
-          <p:cNvGrpSpPr>
-            <a:grpSpLocks noChangeAspect="1"/>
-          </p:cNvGrpSpPr>
+          <p:cNvPicPr/>
           <p:nvPr/>
-        </p:nvGrpSpPr>
-        <p:grpSpPr>
+        </p:nvPicPr>
+        <p:blipFill>
+          <a:blip r:embed="rId10">
+            <a:extLst>
+              <a:ext uri="{28A0092B-C50C-407E-A947-70E740481C1C}">
+                <a14:useLocalDpi xmlns:a14="http://schemas.microsoft.com/office/drawing/2010/main" val="0"/>
+              </a:ext>
+            </a:extLst>
+          </a:blip>
+          <a:stretch>
+            <a:fillRect/>
+          </a:stretch>
+        </p:blipFill>
+        <p:spPr>
           <a:xfrm>
-            <a:off x="16592737" y="5544998"/>
-            <a:ext cx="4599570" cy="4381135"/>
-            <a:chOff x="14960080" y="5625311"/>
-            <a:chExt cx="5760721" cy="5026025"/>
+            <a:off x="14036842" y="8660505"/>
+            <a:ext cx="4954668" cy="3391194"/>
           </a:xfrm>
-        </p:grpSpPr>
-        <p:pic>
-          <p:nvPicPr>
-            <p:cNvPr id="52" name="Image 51">
-              <a:extLst>
-                <a:ext uri="{FF2B5EF4-FFF2-40B4-BE49-F238E27FC236}">
-                  <a16:creationId xmlns:a16="http://schemas.microsoft.com/office/drawing/2014/main" id="{9C1D3F3D-50DB-4794-B871-65F59552F750}"/>
-                </a:ext>
-              </a:extLst>
-            </p:cNvPr>
-            <p:cNvPicPr/>
-            <p:nvPr/>
-          </p:nvPicPr>
-          <p:blipFill rotWithShape="1">
-            <a:blip r:embed="rId10">
-              <a:extLst>
-                <a:ext uri="{28A0092B-C50C-407E-A947-70E740481C1C}">
-                  <a14:useLocalDpi xmlns:a14="http://schemas.microsoft.com/office/drawing/2010/main" val="0"/>
-                </a:ext>
-              </a:extLst>
-            </a:blip>
-            <a:srcRect l="5760" r="5760"/>
-            <a:stretch/>
-          </p:blipFill>
-          <p:spPr>
-            <a:xfrm>
-              <a:off x="14960080" y="9434676"/>
-              <a:ext cx="5760721" cy="1216660"/>
-            </a:xfrm>
-            <a:prstGeom prst="rect">
-              <a:avLst/>
-            </a:prstGeom>
-          </p:spPr>
-        </p:pic>
-        <p:pic>
-          <p:nvPicPr>
-            <p:cNvPr id="53" name="Image 52">
-              <a:extLst>
-                <a:ext uri="{FF2B5EF4-FFF2-40B4-BE49-F238E27FC236}">
-                  <a16:creationId xmlns:a16="http://schemas.microsoft.com/office/drawing/2014/main" id="{B64210FD-C202-434A-BC9A-AD5CF2E459D5}"/>
-                </a:ext>
-              </a:extLst>
-            </p:cNvPr>
-            <p:cNvPicPr/>
-            <p:nvPr/>
-          </p:nvPicPr>
-          <p:blipFill>
-            <a:blip r:embed="rId11">
-              <a:extLst>
-                <a:ext uri="{28A0092B-C50C-407E-A947-70E740481C1C}">
-                  <a14:useLocalDpi xmlns:a14="http://schemas.microsoft.com/office/drawing/2010/main" val="0"/>
-                </a:ext>
-              </a:extLst>
-            </a:blip>
-            <a:stretch>
-              <a:fillRect/>
-            </a:stretch>
-          </p:blipFill>
-          <p:spPr>
-            <a:xfrm>
-              <a:off x="14960081" y="5625311"/>
-              <a:ext cx="5760720" cy="3809365"/>
-            </a:xfrm>
-            <a:prstGeom prst="rect">
-              <a:avLst/>
-            </a:prstGeom>
-          </p:spPr>
-        </p:pic>
-      </p:grpSp>
+          <a:prstGeom prst="rect">
+            <a:avLst/>
+          </a:prstGeom>
+        </p:spPr>
+      </p:pic>
       <p:sp>
         <p:nvSpPr>
           <p:cNvPr id="56" name="ZoneTexte 55">
@@ -10052,7 +9996,7 @@
         <p:spPr>
           <a:xfrm>
             <a:off x="7663413" y="12136535"/>
-            <a:ext cx="4591070" cy="2031325"/>
+            <a:ext cx="4591070" cy="2185214"/>
           </a:xfrm>
           <a:prstGeom prst="rect">
             <a:avLst/>
@@ -10066,7 +10010,7 @@
           <a:lstStyle/>
           <a:p>
             <a:r>
-              <a:rPr lang="fr-FR" dirty="0">
+              <a:rPr lang="fr-FR" sz="2800" b="1" dirty="0">
                 <a:latin typeface="Calibri" panose="020F0502020204030204" pitchFamily="34" charset="0"/>
                 <a:cs typeface="Calibri" panose="020F0502020204030204" pitchFamily="34" charset="0"/>
               </a:rPr>
@@ -10103,7 +10047,7 @@
           <p:nvPr/>
         </p:nvPicPr>
         <p:blipFill>
-          <a:blip r:embed="rId12">
+          <a:blip r:embed="rId11">
             <a:extLst>
               <a:ext uri="{28A0092B-C50C-407E-A947-70E740481C1C}">
                 <a14:useLocalDpi xmlns:a14="http://schemas.microsoft.com/office/drawing/2010/main" val="0"/>
@@ -10116,8 +10060,8 @@
         </p:blipFill>
         <p:spPr>
           <a:xfrm>
-            <a:off x="15430922" y="10726795"/>
-            <a:ext cx="5760720" cy="3441065"/>
+            <a:off x="14036842" y="12304735"/>
+            <a:ext cx="4954668" cy="2071872"/>
           </a:xfrm>
           <a:prstGeom prst="rect">
             <a:avLst/>

--- a/présentation groupe 1H.pptx
+++ b/présentation groupe 1H.pptx
@@ -5,8 +5,7 @@
     <p:sldMasterId id="2147483854" r:id="rId1"/>
   </p:sldMasterIdLst>
   <p:sldIdLst>
-    <p:sldId id="256" r:id="rId2"/>
-    <p:sldId id="257" r:id="rId3"/>
+    <p:sldId id="257" r:id="rId2"/>
   </p:sldIdLst>
   <p:sldSz cx="21383625" cy="15119350"/>
   <p:notesSz cx="6858000" cy="9144000"/>
@@ -6023,14 +6022,6 @@
 <file path=ppt/slides/slide1.xml><?xml version="1.0" encoding="utf-8"?>
 <p:sld xmlns:a="http://schemas.openxmlformats.org/drawingml/2006/main" xmlns:r="http://schemas.openxmlformats.org/officeDocument/2006/relationships" xmlns:p="http://schemas.openxmlformats.org/presentationml/2006/main">
   <p:cSld>
-    <p:bg>
-      <p:bgPr>
-        <a:solidFill>
-          <a:schemeClr val="bg1"/>
-        </a:solidFill>
-        <a:effectLst/>
-      </p:bgPr>
-    </p:bg>
     <p:spTree>
       <p:nvGrpSpPr>
         <p:cNvPr id="1" name=""/>
@@ -6045,2513 +6036,6 @@
           <a:chExt cx="0" cy="0"/>
         </a:xfrm>
       </p:grpSpPr>
-      <p:cxnSp>
-        <p:nvCxnSpPr>
-          <p:cNvPr id="6" name="Connecteur droit 5">
-            <a:extLst>
-              <a:ext uri="{FF2B5EF4-FFF2-40B4-BE49-F238E27FC236}">
-                <a16:creationId xmlns:a16="http://schemas.microsoft.com/office/drawing/2014/main" id="{85DF817F-EEFC-4802-B3E2-DC57ABFBA72D}"/>
-              </a:ext>
-            </a:extLst>
-          </p:cNvPr>
-          <p:cNvCxnSpPr>
-            <a:cxnSpLocks/>
-            <a:endCxn id="4" idx="0"/>
-          </p:cNvCxnSpPr>
-          <p:nvPr/>
-        </p:nvCxnSpPr>
-        <p:spPr>
-          <a:xfrm>
-            <a:off x="10741280" y="60915"/>
-            <a:ext cx="65504" cy="5532046"/>
-          </a:xfrm>
-          <a:prstGeom prst="line">
-            <a:avLst/>
-          </a:prstGeom>
-        </p:spPr>
-        <p:style>
-          <a:lnRef idx="1">
-            <a:schemeClr val="dk1"/>
-          </a:lnRef>
-          <a:fillRef idx="0">
-            <a:schemeClr val="dk1"/>
-          </a:fillRef>
-          <a:effectRef idx="0">
-            <a:schemeClr val="dk1"/>
-          </a:effectRef>
-          <a:fontRef idx="minor">
-            <a:schemeClr val="tx1"/>
-          </a:fontRef>
-        </p:style>
-      </p:cxnSp>
-      <p:cxnSp>
-        <p:nvCxnSpPr>
-          <p:cNvPr id="11" name="Connecteur droit 10">
-            <a:extLst>
-              <a:ext uri="{FF2B5EF4-FFF2-40B4-BE49-F238E27FC236}">
-                <a16:creationId xmlns:a16="http://schemas.microsoft.com/office/drawing/2014/main" id="{5EB12A4A-C604-4FA5-90CD-B1DC4E4DF28B}"/>
-              </a:ext>
-            </a:extLst>
-          </p:cNvPr>
-          <p:cNvCxnSpPr>
-            <a:cxnSpLocks/>
-            <a:stCxn id="4" idx="4"/>
-          </p:cNvCxnSpPr>
-          <p:nvPr/>
-        </p:nvCxnSpPr>
-        <p:spPr>
-          <a:xfrm flipH="1">
-            <a:off x="10741282" y="11338560"/>
-            <a:ext cx="65502" cy="3841705"/>
-          </a:xfrm>
-          <a:prstGeom prst="line">
-            <a:avLst/>
-          </a:prstGeom>
-        </p:spPr>
-        <p:style>
-          <a:lnRef idx="1">
-            <a:schemeClr val="dk1"/>
-          </a:lnRef>
-          <a:fillRef idx="0">
-            <a:schemeClr val="dk1"/>
-          </a:fillRef>
-          <a:effectRef idx="0">
-            <a:schemeClr val="dk1"/>
-          </a:effectRef>
-          <a:fontRef idx="minor">
-            <a:schemeClr val="tx1"/>
-          </a:fontRef>
-        </p:style>
-      </p:cxnSp>
-      <p:sp>
-        <p:nvSpPr>
-          <p:cNvPr id="16" name="ZoneTexte 15">
-            <a:extLst>
-              <a:ext uri="{FF2B5EF4-FFF2-40B4-BE49-F238E27FC236}">
-                <a16:creationId xmlns:a16="http://schemas.microsoft.com/office/drawing/2014/main" id="{71A06923-E9ED-4F38-BAA1-BBA30DDD0A31}"/>
-              </a:ext>
-            </a:extLst>
-          </p:cNvPr>
-          <p:cNvSpPr txBox="1"/>
-          <p:nvPr/>
-        </p:nvSpPr>
-        <p:spPr>
-          <a:xfrm>
-            <a:off x="889961" y="475487"/>
-            <a:ext cx="9281621" cy="646331"/>
-          </a:xfrm>
-          <a:prstGeom prst="rect">
-            <a:avLst/>
-          </a:prstGeom>
-          <a:noFill/>
-        </p:spPr>
-        <p:txBody>
-          <a:bodyPr wrap="square" rtlCol="0">
-            <a:spAutoFit/>
-          </a:bodyPr>
-          <a:lstStyle/>
-          <a:p>
-            <a:pPr algn="ctr"/>
-            <a:r>
-              <a:rPr lang="fr-FR" sz="3600" dirty="0"/>
-              <a:t>Structure du projet</a:t>
-            </a:r>
-          </a:p>
-        </p:txBody>
-      </p:sp>
-      <p:pic>
-        <p:nvPicPr>
-          <p:cNvPr id="20" name="Image 19">
-            <a:extLst>
-              <a:ext uri="{FF2B5EF4-FFF2-40B4-BE49-F238E27FC236}">
-                <a16:creationId xmlns:a16="http://schemas.microsoft.com/office/drawing/2014/main" id="{E15483A9-6D96-411B-A731-12E920D1B771}"/>
-              </a:ext>
-            </a:extLst>
-          </p:cNvPr>
-          <p:cNvPicPr>
-            <a:picLocks noChangeAspect="1"/>
-          </p:cNvPicPr>
-          <p:nvPr/>
-        </p:nvPicPr>
-        <p:blipFill>
-          <a:blip r:embed="rId2"/>
-          <a:stretch>
-            <a:fillRect/>
-          </a:stretch>
-        </p:blipFill>
-        <p:spPr>
-          <a:xfrm>
-            <a:off x="11041508" y="1773235"/>
-            <a:ext cx="5759819" cy="4450503"/>
-          </a:xfrm>
-          <a:prstGeom prst="rect">
-            <a:avLst/>
-          </a:prstGeom>
-        </p:spPr>
-      </p:pic>
-      <p:sp>
-        <p:nvSpPr>
-          <p:cNvPr id="17" name="ZoneTexte 16">
-            <a:extLst>
-              <a:ext uri="{FF2B5EF4-FFF2-40B4-BE49-F238E27FC236}">
-                <a16:creationId xmlns:a16="http://schemas.microsoft.com/office/drawing/2014/main" id="{5CA0CE7D-CF1B-4C5E-8072-5B2AD7376CA2}"/>
-              </a:ext>
-            </a:extLst>
-          </p:cNvPr>
-          <p:cNvSpPr txBox="1"/>
-          <p:nvPr/>
-        </p:nvSpPr>
-        <p:spPr>
-          <a:xfrm>
-            <a:off x="12730136" y="475486"/>
-            <a:ext cx="6415296" cy="646331"/>
-          </a:xfrm>
-          <a:prstGeom prst="rect">
-            <a:avLst/>
-          </a:prstGeom>
-          <a:noFill/>
-        </p:spPr>
-        <p:txBody>
-          <a:bodyPr wrap="square" rtlCol="0">
-            <a:spAutoFit/>
-          </a:bodyPr>
-          <a:lstStyle/>
-          <a:p>
-            <a:pPr algn="ctr"/>
-            <a:r>
-              <a:rPr lang="fr-FR" sz="3600" dirty="0"/>
-              <a:t>Utilisation de l’application</a:t>
-            </a:r>
-          </a:p>
-        </p:txBody>
-      </p:sp>
-      <p:sp>
-        <p:nvSpPr>
-          <p:cNvPr id="21" name="ZoneTexte 20">
-            <a:extLst>
-              <a:ext uri="{FF2B5EF4-FFF2-40B4-BE49-F238E27FC236}">
-                <a16:creationId xmlns:a16="http://schemas.microsoft.com/office/drawing/2014/main" id="{271CB567-AC93-49D4-9A5B-316C26CB0F84}"/>
-              </a:ext>
-            </a:extLst>
-          </p:cNvPr>
-          <p:cNvSpPr txBox="1"/>
-          <p:nvPr/>
-        </p:nvSpPr>
-        <p:spPr>
-          <a:xfrm>
-            <a:off x="13750481" y="1289591"/>
-            <a:ext cx="5394951" cy="461665"/>
-          </a:xfrm>
-          <a:prstGeom prst="rect">
-            <a:avLst/>
-          </a:prstGeom>
-          <a:noFill/>
-        </p:spPr>
-        <p:txBody>
-          <a:bodyPr wrap="square" rtlCol="0">
-            <a:spAutoFit/>
-          </a:bodyPr>
-          <a:lstStyle/>
-          <a:p>
-            <a:pPr algn="ctr"/>
-            <a:r>
-              <a:rPr lang="fr-FR" sz="2400" u="sng" dirty="0"/>
-              <a:t>Gestion des produits</a:t>
-            </a:r>
-          </a:p>
-        </p:txBody>
-      </p:sp>
-      <p:graphicFrame>
-        <p:nvGraphicFramePr>
-          <p:cNvPr id="30" name="Tableau 29">
-            <a:extLst>
-              <a:ext uri="{FF2B5EF4-FFF2-40B4-BE49-F238E27FC236}">
-                <a16:creationId xmlns:a16="http://schemas.microsoft.com/office/drawing/2014/main" id="{43E54C59-C253-4087-896F-5F1320C82B75}"/>
-              </a:ext>
-            </a:extLst>
-          </p:cNvPr>
-          <p:cNvGraphicFramePr>
-            <a:graphicFrameLocks noGrp="1"/>
-          </p:cNvGraphicFramePr>
-          <p:nvPr>
-            <p:extLst>
-              <p:ext uri="{D42A27DB-BD31-4B8C-83A1-F6EECF244321}">
-                <p14:modId xmlns:p14="http://schemas.microsoft.com/office/powerpoint/2010/main" val="643069611"/>
-              </p:ext>
-            </p:extLst>
-          </p:nvPr>
-        </p:nvGraphicFramePr>
-        <p:xfrm>
-          <a:off x="308550" y="7090627"/>
-          <a:ext cx="1520120" cy="3432897"/>
-        </p:xfrm>
-        <a:graphic>
-          <a:graphicData uri="http://schemas.openxmlformats.org/drawingml/2006/table">
-            <a:tbl>
-              <a:tblPr firstRow="1" bandRow="1">
-                <a:tableStyleId>{5940675A-B579-460E-94D1-54222C63F5DA}</a:tableStyleId>
-              </a:tblPr>
-              <a:tblGrid>
-                <a:gridCol w="1520120">
-                  <a:extLst>
-                    <a:ext uri="{9D8B030D-6E8A-4147-A177-3AD203B41FA5}">
-                      <a16:colId xmlns:a16="http://schemas.microsoft.com/office/drawing/2014/main" val="4082210562"/>
-                    </a:ext>
-                  </a:extLst>
-                </a:gridCol>
-              </a:tblGrid>
-              <a:tr h="1144299">
-                <a:tc>
-                  <a:txBody>
-                    <a:bodyPr/>
-                    <a:lstStyle/>
-                    <a:p>
-                      <a:endParaRPr lang="fr-FR" dirty="0"/>
-                    </a:p>
-                  </a:txBody>
-                  <a:tcPr/>
-                </a:tc>
-                <a:extLst>
-                  <a:ext uri="{0D108BD9-81ED-4DB2-BD59-A6C34878D82A}">
-                    <a16:rowId xmlns:a16="http://schemas.microsoft.com/office/drawing/2014/main" val="856462223"/>
-                  </a:ext>
-                </a:extLst>
-              </a:tr>
-              <a:tr h="1144299">
-                <a:tc>
-                  <a:txBody>
-                    <a:bodyPr/>
-                    <a:lstStyle/>
-                    <a:p>
-                      <a:endParaRPr lang="fr-FR" dirty="0"/>
-                    </a:p>
-                  </a:txBody>
-                  <a:tcPr/>
-                </a:tc>
-                <a:extLst>
-                  <a:ext uri="{0D108BD9-81ED-4DB2-BD59-A6C34878D82A}">
-                    <a16:rowId xmlns:a16="http://schemas.microsoft.com/office/drawing/2014/main" val="3887155925"/>
-                  </a:ext>
-                </a:extLst>
-              </a:tr>
-              <a:tr h="1144299">
-                <a:tc>
-                  <a:txBody>
-                    <a:bodyPr/>
-                    <a:lstStyle/>
-                    <a:p>
-                      <a:endParaRPr lang="fr-FR" dirty="0"/>
-                    </a:p>
-                  </a:txBody>
-                  <a:tcPr/>
-                </a:tc>
-                <a:extLst>
-                  <a:ext uri="{0D108BD9-81ED-4DB2-BD59-A6C34878D82A}">
-                    <a16:rowId xmlns:a16="http://schemas.microsoft.com/office/drawing/2014/main" val="136556966"/>
-                  </a:ext>
-                </a:extLst>
-              </a:tr>
-            </a:tbl>
-          </a:graphicData>
-        </a:graphic>
-      </p:graphicFrame>
-      <p:grpSp>
-        <p:nvGrpSpPr>
-          <p:cNvPr id="95" name="Groupe 94">
-            <a:extLst>
-              <a:ext uri="{FF2B5EF4-FFF2-40B4-BE49-F238E27FC236}">
-                <a16:creationId xmlns:a16="http://schemas.microsoft.com/office/drawing/2014/main" id="{4DA24D0F-1406-4717-993E-CF048740FCAF}"/>
-              </a:ext>
-            </a:extLst>
-          </p:cNvPr>
-          <p:cNvGrpSpPr/>
-          <p:nvPr/>
-        </p:nvGrpSpPr>
-        <p:grpSpPr>
-          <a:xfrm>
-            <a:off x="235659" y="4904725"/>
-            <a:ext cx="5984850" cy="2133984"/>
-            <a:chOff x="323163" y="6681780"/>
-            <a:chExt cx="5984850" cy="2133984"/>
-          </a:xfrm>
-        </p:grpSpPr>
-        <p:grpSp>
-          <p:nvGrpSpPr>
-            <p:cNvPr id="94" name="Groupe 93">
-              <a:extLst>
-                <a:ext uri="{FF2B5EF4-FFF2-40B4-BE49-F238E27FC236}">
-                  <a16:creationId xmlns:a16="http://schemas.microsoft.com/office/drawing/2014/main" id="{18225230-BE6E-4816-8F78-FC6C225FFB6D}"/>
-                </a:ext>
-              </a:extLst>
-            </p:cNvPr>
-            <p:cNvGrpSpPr/>
-            <p:nvPr/>
-          </p:nvGrpSpPr>
-          <p:grpSpPr>
-            <a:xfrm>
-              <a:off x="323163" y="6681780"/>
-              <a:ext cx="5984850" cy="2133984"/>
-              <a:chOff x="323163" y="6681780"/>
-              <a:chExt cx="5984850" cy="2133984"/>
-            </a:xfrm>
-          </p:grpSpPr>
-          <p:sp>
-            <p:nvSpPr>
-              <p:cNvPr id="23" name="ZoneTexte 22">
-                <a:extLst>
-                  <a:ext uri="{FF2B5EF4-FFF2-40B4-BE49-F238E27FC236}">
-                    <a16:creationId xmlns:a16="http://schemas.microsoft.com/office/drawing/2014/main" id="{B3385C04-8F2C-42B3-B854-9AF13CD8059C}"/>
-                  </a:ext>
-                </a:extLst>
-              </p:cNvPr>
-              <p:cNvSpPr txBox="1"/>
-              <p:nvPr/>
-            </p:nvSpPr>
-            <p:spPr>
-              <a:xfrm>
-                <a:off x="619499" y="6681780"/>
-                <a:ext cx="5394951" cy="461665"/>
-              </a:xfrm>
-              <a:prstGeom prst="rect">
-                <a:avLst/>
-              </a:prstGeom>
-              <a:noFill/>
-            </p:spPr>
-            <p:txBody>
-              <a:bodyPr wrap="square" rtlCol="0">
-                <a:spAutoFit/>
-              </a:bodyPr>
-              <a:lstStyle/>
-              <a:p>
-                <a:pPr algn="ctr"/>
-                <a:r>
-                  <a:rPr lang="fr-FR" sz="2400" u="sng" dirty="0"/>
-                  <a:t>Gestion des utilisateurs - Droits</a:t>
-                </a:r>
-              </a:p>
-            </p:txBody>
-          </p:sp>
-          <p:grpSp>
-            <p:nvGrpSpPr>
-              <p:cNvPr id="93" name="Groupe 92">
-                <a:extLst>
-                  <a:ext uri="{FF2B5EF4-FFF2-40B4-BE49-F238E27FC236}">
-                    <a16:creationId xmlns:a16="http://schemas.microsoft.com/office/drawing/2014/main" id="{B2B82651-F9A4-4100-A2A8-45ADD8ACC82D}"/>
-                  </a:ext>
-                </a:extLst>
-              </p:cNvPr>
-              <p:cNvGrpSpPr/>
-              <p:nvPr/>
-            </p:nvGrpSpPr>
-            <p:grpSpPr>
-              <a:xfrm>
-                <a:off x="323163" y="7548357"/>
-                <a:ext cx="5984850" cy="1267407"/>
-                <a:chOff x="323163" y="7548357"/>
-                <a:chExt cx="5984850" cy="1267407"/>
-              </a:xfrm>
-            </p:grpSpPr>
-            <p:grpSp>
-              <p:nvGrpSpPr>
-                <p:cNvPr id="87" name="Groupe 86">
-                  <a:extLst>
-                    <a:ext uri="{FF2B5EF4-FFF2-40B4-BE49-F238E27FC236}">
-                      <a16:creationId xmlns:a16="http://schemas.microsoft.com/office/drawing/2014/main" id="{D99429FD-81C8-433B-A708-C59EFE81B27D}"/>
-                    </a:ext>
-                  </a:extLst>
-                </p:cNvPr>
-                <p:cNvGrpSpPr/>
-                <p:nvPr/>
-              </p:nvGrpSpPr>
-              <p:grpSpPr>
-                <a:xfrm>
-                  <a:off x="4753533" y="7548357"/>
-                  <a:ext cx="1554480" cy="1224420"/>
-                  <a:chOff x="4753533" y="7548357"/>
-                  <a:chExt cx="1554480" cy="1224420"/>
-                </a:xfrm>
-              </p:grpSpPr>
-              <p:sp>
-                <p:nvSpPr>
-                  <p:cNvPr id="24" name="Ellipse 23">
-                    <a:extLst>
-                      <a:ext uri="{FF2B5EF4-FFF2-40B4-BE49-F238E27FC236}">
-                        <a16:creationId xmlns:a16="http://schemas.microsoft.com/office/drawing/2014/main" id="{D633F458-3F49-4ADA-8FA5-B62131291CFB}"/>
-                      </a:ext>
-                    </a:extLst>
-                  </p:cNvPr>
-                  <p:cNvSpPr/>
-                  <p:nvPr/>
-                </p:nvSpPr>
-                <p:spPr>
-                  <a:xfrm>
-                    <a:off x="4753533" y="7548357"/>
-                    <a:ext cx="1554480" cy="1224420"/>
-                  </a:xfrm>
-                  <a:prstGeom prst="ellipse">
-                    <a:avLst/>
-                  </a:prstGeom>
-                </p:spPr>
-                <p:style>
-                  <a:lnRef idx="2">
-                    <a:schemeClr val="accent3">
-                      <a:shade val="50000"/>
-                    </a:schemeClr>
-                  </a:lnRef>
-                  <a:fillRef idx="1">
-                    <a:schemeClr val="accent3"/>
-                  </a:fillRef>
-                  <a:effectRef idx="0">
-                    <a:schemeClr val="accent3"/>
-                  </a:effectRef>
-                  <a:fontRef idx="minor">
-                    <a:schemeClr val="lt1"/>
-                  </a:fontRef>
-                </p:style>
-                <p:txBody>
-                  <a:bodyPr rtlCol="0" anchor="ctr"/>
-                  <a:lstStyle/>
-                  <a:p>
-                    <a:pPr algn="ctr"/>
-                    <a:endParaRPr lang="fr-FR"/>
-                  </a:p>
-                </p:txBody>
-              </p:sp>
-              <p:sp>
-                <p:nvSpPr>
-                  <p:cNvPr id="27" name="ZoneTexte 26">
-                    <a:extLst>
-                      <a:ext uri="{FF2B5EF4-FFF2-40B4-BE49-F238E27FC236}">
-                        <a16:creationId xmlns:a16="http://schemas.microsoft.com/office/drawing/2014/main" id="{38AF0EFB-4C5E-4E7E-8A90-0EFA26958A8C}"/>
-                      </a:ext>
-                    </a:extLst>
-                  </p:cNvPr>
-                  <p:cNvSpPr txBox="1"/>
-                  <p:nvPr/>
-                </p:nvSpPr>
-                <p:spPr>
-                  <a:xfrm>
-                    <a:off x="4753533" y="7879282"/>
-                    <a:ext cx="1554479" cy="523220"/>
-                  </a:xfrm>
-                  <a:prstGeom prst="rect">
-                    <a:avLst/>
-                  </a:prstGeom>
-                  <a:noFill/>
-                </p:spPr>
-                <p:txBody>
-                  <a:bodyPr wrap="square" rtlCol="0">
-                    <a:spAutoFit/>
-                  </a:bodyPr>
-                  <a:lstStyle/>
-                  <a:p>
-                    <a:pPr algn="ctr"/>
-                    <a:r>
-                      <a:rPr lang="fr-FR" sz="2800" dirty="0"/>
-                      <a:t>Admin</a:t>
-                    </a:r>
-                  </a:p>
-                </p:txBody>
-              </p:sp>
-            </p:grpSp>
-            <p:grpSp>
-              <p:nvGrpSpPr>
-                <p:cNvPr id="86" name="Groupe 85">
-                  <a:extLst>
-                    <a:ext uri="{FF2B5EF4-FFF2-40B4-BE49-F238E27FC236}">
-                      <a16:creationId xmlns:a16="http://schemas.microsoft.com/office/drawing/2014/main" id="{6EE306BA-8588-496C-BD16-D342082AD7F2}"/>
-                    </a:ext>
-                  </a:extLst>
-                </p:cNvPr>
-                <p:cNvGrpSpPr/>
-                <p:nvPr/>
-              </p:nvGrpSpPr>
-              <p:grpSpPr>
-                <a:xfrm>
-                  <a:off x="2539737" y="7591344"/>
-                  <a:ext cx="1555868" cy="1224420"/>
-                  <a:chOff x="2539737" y="7591344"/>
-                  <a:chExt cx="1555868" cy="1224420"/>
-                </a:xfrm>
-              </p:grpSpPr>
-              <p:sp>
-                <p:nvSpPr>
-                  <p:cNvPr id="25" name="Ellipse 24">
-                    <a:extLst>
-                      <a:ext uri="{FF2B5EF4-FFF2-40B4-BE49-F238E27FC236}">
-                        <a16:creationId xmlns:a16="http://schemas.microsoft.com/office/drawing/2014/main" id="{126354DF-C013-4AEA-B486-C8EFD9A637DB}"/>
-                      </a:ext>
-                    </a:extLst>
-                  </p:cNvPr>
-                  <p:cNvSpPr/>
-                  <p:nvPr/>
-                </p:nvSpPr>
-                <p:spPr>
-                  <a:xfrm>
-                    <a:off x="2541125" y="7591344"/>
-                    <a:ext cx="1554480" cy="1224420"/>
-                  </a:xfrm>
-                  <a:prstGeom prst="ellipse">
-                    <a:avLst/>
-                  </a:prstGeom>
-                </p:spPr>
-                <p:style>
-                  <a:lnRef idx="2">
-                    <a:schemeClr val="accent3">
-                      <a:shade val="50000"/>
-                    </a:schemeClr>
-                  </a:lnRef>
-                  <a:fillRef idx="1">
-                    <a:schemeClr val="accent3"/>
-                  </a:fillRef>
-                  <a:effectRef idx="0">
-                    <a:schemeClr val="accent3"/>
-                  </a:effectRef>
-                  <a:fontRef idx="minor">
-                    <a:schemeClr val="lt1"/>
-                  </a:fontRef>
-                </p:style>
-                <p:txBody>
-                  <a:bodyPr rtlCol="0" anchor="ctr"/>
-                  <a:lstStyle/>
-                  <a:p>
-                    <a:pPr algn="ctr"/>
-                    <a:endParaRPr lang="fr-FR"/>
-                  </a:p>
-                </p:txBody>
-              </p:sp>
-              <p:sp>
-                <p:nvSpPr>
-                  <p:cNvPr id="28" name="ZoneTexte 27">
-                    <a:extLst>
-                      <a:ext uri="{FF2B5EF4-FFF2-40B4-BE49-F238E27FC236}">
-                        <a16:creationId xmlns:a16="http://schemas.microsoft.com/office/drawing/2014/main" id="{C6A9D79A-95A0-49F9-BB7D-0E2397DD2E17}"/>
-                      </a:ext>
-                    </a:extLst>
-                  </p:cNvPr>
-                  <p:cNvSpPr txBox="1"/>
-                  <p:nvPr/>
-                </p:nvSpPr>
-                <p:spPr>
-                  <a:xfrm>
-                    <a:off x="2539737" y="7898957"/>
-                    <a:ext cx="1554479" cy="523220"/>
-                  </a:xfrm>
-                  <a:prstGeom prst="rect">
-                    <a:avLst/>
-                  </a:prstGeom>
-                  <a:noFill/>
-                </p:spPr>
-                <p:txBody>
-                  <a:bodyPr wrap="square" rtlCol="0">
-                    <a:spAutoFit/>
-                  </a:bodyPr>
-                  <a:lstStyle/>
-                  <a:p>
-                    <a:pPr algn="ctr"/>
-                    <a:r>
-                      <a:rPr lang="fr-FR" sz="2800" dirty="0"/>
-                      <a:t>Prof</a:t>
-                    </a:r>
-                  </a:p>
-                </p:txBody>
-              </p:sp>
-            </p:grpSp>
-            <p:grpSp>
-              <p:nvGrpSpPr>
-                <p:cNvPr id="88" name="Groupe 87">
-                  <a:extLst>
-                    <a:ext uri="{FF2B5EF4-FFF2-40B4-BE49-F238E27FC236}">
-                      <a16:creationId xmlns:a16="http://schemas.microsoft.com/office/drawing/2014/main" id="{0805335F-4258-4943-8F11-4FB26D64EDC1}"/>
-                    </a:ext>
-                  </a:extLst>
-                </p:cNvPr>
-                <p:cNvGrpSpPr/>
-                <p:nvPr/>
-              </p:nvGrpSpPr>
-              <p:grpSpPr>
-                <a:xfrm>
-                  <a:off x="323163" y="7587486"/>
-                  <a:ext cx="1557257" cy="1224420"/>
-                  <a:chOff x="323163" y="7587486"/>
-                  <a:chExt cx="1557257" cy="1224420"/>
-                </a:xfrm>
-              </p:grpSpPr>
-              <p:sp>
-                <p:nvSpPr>
-                  <p:cNvPr id="26" name="Ellipse 25">
-                    <a:extLst>
-                      <a:ext uri="{FF2B5EF4-FFF2-40B4-BE49-F238E27FC236}">
-                        <a16:creationId xmlns:a16="http://schemas.microsoft.com/office/drawing/2014/main" id="{83E33968-B1D4-487B-AD6E-D418683BC9F8}"/>
-                      </a:ext>
-                    </a:extLst>
-                  </p:cNvPr>
-                  <p:cNvSpPr/>
-                  <p:nvPr/>
-                </p:nvSpPr>
-                <p:spPr>
-                  <a:xfrm>
-                    <a:off x="325941" y="7587486"/>
-                    <a:ext cx="1554479" cy="1224420"/>
-                  </a:xfrm>
-                  <a:prstGeom prst="ellipse">
-                    <a:avLst/>
-                  </a:prstGeom>
-                </p:spPr>
-                <p:style>
-                  <a:lnRef idx="2">
-                    <a:schemeClr val="accent3">
-                      <a:shade val="50000"/>
-                    </a:schemeClr>
-                  </a:lnRef>
-                  <a:fillRef idx="1">
-                    <a:schemeClr val="accent3"/>
-                  </a:fillRef>
-                  <a:effectRef idx="0">
-                    <a:schemeClr val="accent3"/>
-                  </a:effectRef>
-                  <a:fontRef idx="minor">
-                    <a:schemeClr val="lt1"/>
-                  </a:fontRef>
-                </p:style>
-                <p:txBody>
-                  <a:bodyPr rtlCol="0" anchor="ctr"/>
-                  <a:lstStyle/>
-                  <a:p>
-                    <a:pPr algn="ctr"/>
-                    <a:endParaRPr lang="fr-FR"/>
-                  </a:p>
-                </p:txBody>
-              </p:sp>
-              <p:sp>
-                <p:nvSpPr>
-                  <p:cNvPr id="29" name="ZoneTexte 28">
-                    <a:extLst>
-                      <a:ext uri="{FF2B5EF4-FFF2-40B4-BE49-F238E27FC236}">
-                        <a16:creationId xmlns:a16="http://schemas.microsoft.com/office/drawing/2014/main" id="{10FB15FB-F988-4AB8-B9C1-8A2D332FC05A}"/>
-                      </a:ext>
-                    </a:extLst>
-                  </p:cNvPr>
-                  <p:cNvSpPr txBox="1"/>
-                  <p:nvPr/>
-                </p:nvSpPr>
-                <p:spPr>
-                  <a:xfrm>
-                    <a:off x="323163" y="7918411"/>
-                    <a:ext cx="1554479" cy="523220"/>
-                  </a:xfrm>
-                  <a:prstGeom prst="rect">
-                    <a:avLst/>
-                  </a:prstGeom>
-                  <a:noFill/>
-                </p:spPr>
-                <p:txBody>
-                  <a:bodyPr wrap="square" rtlCol="0">
-                    <a:spAutoFit/>
-                  </a:bodyPr>
-                  <a:lstStyle/>
-                  <a:p>
-                    <a:pPr algn="ctr"/>
-                    <a:r>
-                      <a:rPr lang="fr-FR" sz="2800" dirty="0"/>
-                      <a:t>Etudiant</a:t>
-                    </a:r>
-                  </a:p>
-                </p:txBody>
-              </p:sp>
-            </p:grpSp>
-          </p:grpSp>
-        </p:grpSp>
-        <p:cxnSp>
-          <p:nvCxnSpPr>
-            <p:cNvPr id="32" name="Connecteur : en arc 31">
-              <a:extLst>
-                <a:ext uri="{FF2B5EF4-FFF2-40B4-BE49-F238E27FC236}">
-                  <a16:creationId xmlns:a16="http://schemas.microsoft.com/office/drawing/2014/main" id="{DD297679-9E54-4287-8C90-E162B622B7E4}"/>
-                </a:ext>
-              </a:extLst>
-            </p:cNvPr>
-            <p:cNvCxnSpPr>
-              <a:cxnSpLocks/>
-              <a:stCxn id="26" idx="0"/>
-              <a:endCxn id="28" idx="1"/>
-            </p:cNvCxnSpPr>
-            <p:nvPr/>
-          </p:nvCxnSpPr>
-          <p:spPr>
-            <a:xfrm rot="16200000" flipH="1">
-              <a:off x="1534918" y="7155748"/>
-              <a:ext cx="573081" cy="1436556"/>
-            </a:xfrm>
-            <a:prstGeom prst="curvedConnector4">
-              <a:avLst>
-                <a:gd name="adj1" fmla="val -39890"/>
-                <a:gd name="adj2" fmla="val 77052"/>
-              </a:avLst>
-            </a:prstGeom>
-            <a:ln>
-              <a:tailEnd type="triangle"/>
-            </a:ln>
-          </p:spPr>
-          <p:style>
-            <a:lnRef idx="1">
-              <a:schemeClr val="dk1"/>
-            </a:lnRef>
-            <a:fillRef idx="0">
-              <a:schemeClr val="dk1"/>
-            </a:fillRef>
-            <a:effectRef idx="0">
-              <a:schemeClr val="dk1"/>
-            </a:effectRef>
-            <a:fontRef idx="minor">
-              <a:schemeClr val="tx1"/>
-            </a:fontRef>
-          </p:style>
-        </p:cxnSp>
-        <p:cxnSp>
-          <p:nvCxnSpPr>
-            <p:cNvPr id="33" name="Connecteur : en arc 32">
-              <a:extLst>
-                <a:ext uri="{FF2B5EF4-FFF2-40B4-BE49-F238E27FC236}">
-                  <a16:creationId xmlns:a16="http://schemas.microsoft.com/office/drawing/2014/main" id="{3F09D49B-7D05-43BB-A003-73712535CF2B}"/>
-                </a:ext>
-              </a:extLst>
-            </p:cNvPr>
-            <p:cNvCxnSpPr>
-              <a:cxnSpLocks/>
-              <a:stCxn id="25" idx="0"/>
-              <a:endCxn id="27" idx="1"/>
-            </p:cNvCxnSpPr>
-            <p:nvPr/>
-          </p:nvCxnSpPr>
-          <p:spPr>
-            <a:xfrm rot="16200000" flipH="1">
-              <a:off x="3761175" y="7148534"/>
-              <a:ext cx="549548" cy="1435168"/>
-            </a:xfrm>
-            <a:prstGeom prst="curvedConnector4">
-              <a:avLst>
-                <a:gd name="adj1" fmla="val -41598"/>
-                <a:gd name="adj2" fmla="val 77078"/>
-              </a:avLst>
-            </a:prstGeom>
-            <a:ln>
-              <a:tailEnd type="triangle"/>
-            </a:ln>
-          </p:spPr>
-          <p:style>
-            <a:lnRef idx="1">
-              <a:schemeClr val="dk1"/>
-            </a:lnRef>
-            <a:fillRef idx="0">
-              <a:schemeClr val="dk1"/>
-            </a:fillRef>
-            <a:effectRef idx="0">
-              <a:schemeClr val="dk1"/>
-            </a:effectRef>
-            <a:fontRef idx="minor">
-              <a:schemeClr val="tx1"/>
-            </a:fontRef>
-          </p:style>
-        </p:cxnSp>
-      </p:grpSp>
-      <p:graphicFrame>
-        <p:nvGraphicFramePr>
-          <p:cNvPr id="36" name="Tableau 35">
-            <a:extLst>
-              <a:ext uri="{FF2B5EF4-FFF2-40B4-BE49-F238E27FC236}">
-                <a16:creationId xmlns:a16="http://schemas.microsoft.com/office/drawing/2014/main" id="{CC8ECFEE-0569-4545-8BAE-E96BC7574027}"/>
-              </a:ext>
-            </a:extLst>
-          </p:cNvPr>
-          <p:cNvGraphicFramePr>
-            <a:graphicFrameLocks noGrp="1"/>
-          </p:cNvGraphicFramePr>
-          <p:nvPr>
-            <p:extLst>
-              <p:ext uri="{D42A27DB-BD31-4B8C-83A1-F6EECF244321}">
-                <p14:modId xmlns:p14="http://schemas.microsoft.com/office/powerpoint/2010/main" val="1893976525"/>
-              </p:ext>
-            </p:extLst>
-          </p:nvPr>
-        </p:nvGraphicFramePr>
-        <p:xfrm>
-          <a:off x="2542302" y="7058906"/>
-          <a:ext cx="1520120" cy="3432897"/>
-        </p:xfrm>
-        <a:graphic>
-          <a:graphicData uri="http://schemas.openxmlformats.org/drawingml/2006/table">
-            <a:tbl>
-              <a:tblPr firstRow="1" bandRow="1">
-                <a:tableStyleId>{5940675A-B579-460E-94D1-54222C63F5DA}</a:tableStyleId>
-              </a:tblPr>
-              <a:tblGrid>
-                <a:gridCol w="1520120">
-                  <a:extLst>
-                    <a:ext uri="{9D8B030D-6E8A-4147-A177-3AD203B41FA5}">
-                      <a16:colId xmlns:a16="http://schemas.microsoft.com/office/drawing/2014/main" val="4082210562"/>
-                    </a:ext>
-                  </a:extLst>
-                </a:gridCol>
-              </a:tblGrid>
-              <a:tr h="1144299">
-                <a:tc>
-                  <a:txBody>
-                    <a:bodyPr/>
-                    <a:lstStyle/>
-                    <a:p>
-                      <a:endParaRPr lang="fr-FR" dirty="0"/>
-                    </a:p>
-                  </a:txBody>
-                  <a:tcPr/>
-                </a:tc>
-                <a:extLst>
-                  <a:ext uri="{0D108BD9-81ED-4DB2-BD59-A6C34878D82A}">
-                    <a16:rowId xmlns:a16="http://schemas.microsoft.com/office/drawing/2014/main" val="856462223"/>
-                  </a:ext>
-                </a:extLst>
-              </a:tr>
-              <a:tr h="1144299">
-                <a:tc>
-                  <a:txBody>
-                    <a:bodyPr/>
-                    <a:lstStyle/>
-                    <a:p>
-                      <a:endParaRPr lang="fr-FR" dirty="0"/>
-                    </a:p>
-                  </a:txBody>
-                  <a:tcPr/>
-                </a:tc>
-                <a:extLst>
-                  <a:ext uri="{0D108BD9-81ED-4DB2-BD59-A6C34878D82A}">
-                    <a16:rowId xmlns:a16="http://schemas.microsoft.com/office/drawing/2014/main" val="3887155925"/>
-                  </a:ext>
-                </a:extLst>
-              </a:tr>
-              <a:tr h="1144299">
-                <a:tc>
-                  <a:txBody>
-                    <a:bodyPr/>
-                    <a:lstStyle/>
-                    <a:p>
-                      <a:endParaRPr lang="fr-FR" dirty="0"/>
-                    </a:p>
-                  </a:txBody>
-                  <a:tcPr/>
-                </a:tc>
-                <a:extLst>
-                  <a:ext uri="{0D108BD9-81ED-4DB2-BD59-A6C34878D82A}">
-                    <a16:rowId xmlns:a16="http://schemas.microsoft.com/office/drawing/2014/main" val="136556966"/>
-                  </a:ext>
-                </a:extLst>
-              </a:tr>
-            </a:tbl>
-          </a:graphicData>
-        </a:graphic>
-      </p:graphicFrame>
-      <p:graphicFrame>
-        <p:nvGraphicFramePr>
-          <p:cNvPr id="38" name="Tableau 37">
-            <a:extLst>
-              <a:ext uri="{FF2B5EF4-FFF2-40B4-BE49-F238E27FC236}">
-                <a16:creationId xmlns:a16="http://schemas.microsoft.com/office/drawing/2014/main" id="{2D503EAD-FA75-4A97-9815-06A04991E96A}"/>
-              </a:ext>
-            </a:extLst>
-          </p:cNvPr>
-          <p:cNvGraphicFramePr>
-            <a:graphicFrameLocks noGrp="1"/>
-          </p:cNvGraphicFramePr>
-          <p:nvPr>
-            <p:extLst>
-              <p:ext uri="{D42A27DB-BD31-4B8C-83A1-F6EECF244321}">
-                <p14:modId xmlns:p14="http://schemas.microsoft.com/office/powerpoint/2010/main" val="2505192744"/>
-              </p:ext>
-            </p:extLst>
-          </p:nvPr>
-        </p:nvGraphicFramePr>
-        <p:xfrm>
-          <a:off x="4796692" y="7053828"/>
-          <a:ext cx="1438934" cy="1117083"/>
-        </p:xfrm>
-        <a:graphic>
-          <a:graphicData uri="http://schemas.openxmlformats.org/drawingml/2006/table">
-            <a:tbl>
-              <a:tblPr firstRow="1" bandRow="1">
-                <a:tableStyleId>{5940675A-B579-460E-94D1-54222C63F5DA}</a:tableStyleId>
-              </a:tblPr>
-              <a:tblGrid>
-                <a:gridCol w="1438934">
-                  <a:extLst>
-                    <a:ext uri="{9D8B030D-6E8A-4147-A177-3AD203B41FA5}">
-                      <a16:colId xmlns:a16="http://schemas.microsoft.com/office/drawing/2014/main" val="3579164638"/>
-                    </a:ext>
-                  </a:extLst>
-                </a:gridCol>
-              </a:tblGrid>
-              <a:tr h="1117083">
-                <a:tc>
-                  <a:txBody>
-                    <a:bodyPr/>
-                    <a:lstStyle/>
-                    <a:p>
-                      <a:endParaRPr lang="fr-FR" dirty="0"/>
-                    </a:p>
-                  </a:txBody>
-                  <a:tcPr/>
-                </a:tc>
-                <a:extLst>
-                  <a:ext uri="{0D108BD9-81ED-4DB2-BD59-A6C34878D82A}">
-                    <a16:rowId xmlns:a16="http://schemas.microsoft.com/office/drawing/2014/main" val="3295655757"/>
-                  </a:ext>
-                </a:extLst>
-              </a:tr>
-            </a:tbl>
-          </a:graphicData>
-        </a:graphic>
-      </p:graphicFrame>
-      <p:grpSp>
-        <p:nvGrpSpPr>
-          <p:cNvPr id="85" name="Groupe 84">
-            <a:extLst>
-              <a:ext uri="{FF2B5EF4-FFF2-40B4-BE49-F238E27FC236}">
-                <a16:creationId xmlns:a16="http://schemas.microsoft.com/office/drawing/2014/main" id="{10680867-FB8B-47F3-BA70-4AD7406813F9}"/>
-              </a:ext>
-            </a:extLst>
-          </p:cNvPr>
-          <p:cNvGrpSpPr/>
-          <p:nvPr/>
-        </p:nvGrpSpPr>
-        <p:grpSpPr>
-          <a:xfrm>
-            <a:off x="5664337" y="1493134"/>
-            <a:ext cx="4715570" cy="3244796"/>
-            <a:chOff x="578885" y="1594338"/>
-            <a:chExt cx="4715570" cy="3244796"/>
-          </a:xfrm>
-        </p:grpSpPr>
-        <p:sp>
-          <p:nvSpPr>
-            <p:cNvPr id="53" name="Rectangle : coins arrondis 52">
-              <a:extLst>
-                <a:ext uri="{FF2B5EF4-FFF2-40B4-BE49-F238E27FC236}">
-                  <a16:creationId xmlns:a16="http://schemas.microsoft.com/office/drawing/2014/main" id="{51A2E07E-8317-486D-A510-F0D3B1D8A7A9}"/>
-                </a:ext>
-              </a:extLst>
-            </p:cNvPr>
-            <p:cNvSpPr/>
-            <p:nvPr/>
-          </p:nvSpPr>
-          <p:spPr>
-            <a:xfrm>
-              <a:off x="703385" y="1594348"/>
-              <a:ext cx="4591070" cy="3244786"/>
-            </a:xfrm>
-            <a:prstGeom prst="roundRect">
-              <a:avLst/>
-            </a:prstGeom>
-            <a:solidFill>
-              <a:schemeClr val="bg1"/>
-            </a:solidFill>
-            <a:ln>
-              <a:solidFill>
-                <a:schemeClr val="bg1">
-                  <a:lumMod val="50000"/>
-                </a:schemeClr>
-              </a:solidFill>
-            </a:ln>
-          </p:spPr>
-          <p:style>
-            <a:lnRef idx="2">
-              <a:schemeClr val="accent1">
-                <a:shade val="50000"/>
-              </a:schemeClr>
-            </a:lnRef>
-            <a:fillRef idx="1">
-              <a:schemeClr val="accent1"/>
-            </a:fillRef>
-            <a:effectRef idx="0">
-              <a:schemeClr val="accent1"/>
-            </a:effectRef>
-            <a:fontRef idx="minor">
-              <a:schemeClr val="lt1"/>
-            </a:fontRef>
-          </p:style>
-          <p:txBody>
-            <a:bodyPr rtlCol="0" anchor="ctr"/>
-            <a:lstStyle/>
-            <a:p>
-              <a:pPr algn="ctr"/>
-              <a:endParaRPr lang="fr-FR" dirty="0">
-                <a:highlight>
-                  <a:srgbClr val="000000"/>
-                </a:highlight>
-              </a:endParaRPr>
-            </a:p>
-          </p:txBody>
-        </p:sp>
-        <p:pic>
-          <p:nvPicPr>
-            <p:cNvPr id="49" name="Image 48" descr="RÃ©sultat de recherche d'images pour &quot;php&quot;">
-              <a:extLst>
-                <a:ext uri="{FF2B5EF4-FFF2-40B4-BE49-F238E27FC236}">
-                  <a16:creationId xmlns:a16="http://schemas.microsoft.com/office/drawing/2014/main" id="{E9AD95B9-D9FB-46EF-95C8-FA21F3168041}"/>
-                </a:ext>
-              </a:extLst>
-            </p:cNvPr>
-            <p:cNvPicPr/>
-            <p:nvPr/>
-          </p:nvPicPr>
-          <p:blipFill>
-            <a:blip r:embed="rId3" cstate="print">
-              <a:extLst>
-                <a:ext uri="{28A0092B-C50C-407E-A947-70E740481C1C}">
-                  <a14:useLocalDpi xmlns:a14="http://schemas.microsoft.com/office/drawing/2010/main" val="0"/>
-                </a:ext>
-              </a:extLst>
-            </a:blip>
-            <a:srcRect/>
-            <a:stretch>
-              <a:fillRect/>
-            </a:stretch>
-          </p:blipFill>
-          <p:spPr bwMode="auto">
-            <a:xfrm>
-              <a:off x="596749" y="2309039"/>
-              <a:ext cx="2165350" cy="1082040"/>
-            </a:xfrm>
-            <a:prstGeom prst="rect">
-              <a:avLst/>
-            </a:prstGeom>
-            <a:noFill/>
-            <a:ln>
-              <a:noFill/>
-            </a:ln>
-          </p:spPr>
-        </p:pic>
-        <p:pic>
-          <p:nvPicPr>
-            <p:cNvPr id="50" name="Image 49" descr="RÃ©sultat de recherche d'images pour &quot;symfony&quot;">
-              <a:extLst>
-                <a:ext uri="{FF2B5EF4-FFF2-40B4-BE49-F238E27FC236}">
-                  <a16:creationId xmlns:a16="http://schemas.microsoft.com/office/drawing/2014/main" id="{C6766A19-9DB5-4449-AC3D-9798E2FA82CA}"/>
-                </a:ext>
-              </a:extLst>
-            </p:cNvPr>
-            <p:cNvPicPr/>
-            <p:nvPr/>
-          </p:nvPicPr>
-          <p:blipFill>
-            <a:blip r:embed="rId4" cstate="print">
-              <a:extLst>
-                <a:ext uri="{28A0092B-C50C-407E-A947-70E740481C1C}">
-                  <a14:useLocalDpi xmlns:a14="http://schemas.microsoft.com/office/drawing/2010/main" val="0"/>
-                </a:ext>
-              </a:extLst>
-            </a:blip>
-            <a:srcRect/>
-            <a:stretch>
-              <a:fillRect/>
-            </a:stretch>
-          </p:blipFill>
-          <p:spPr bwMode="auto">
-            <a:xfrm>
-              <a:off x="578885" y="3481546"/>
-              <a:ext cx="2169160" cy="1156970"/>
-            </a:xfrm>
-            <a:prstGeom prst="rect">
-              <a:avLst/>
-            </a:prstGeom>
-            <a:noFill/>
-            <a:ln>
-              <a:noFill/>
-            </a:ln>
-          </p:spPr>
-        </p:pic>
-        <p:pic>
-          <p:nvPicPr>
-            <p:cNvPr id="51" name="Image 50" descr="RÃ©sultat de recherche d'images pour &quot;html 5 css js&quot;">
-              <a:extLst>
-                <a:ext uri="{FF2B5EF4-FFF2-40B4-BE49-F238E27FC236}">
-                  <a16:creationId xmlns:a16="http://schemas.microsoft.com/office/drawing/2014/main" id="{80E14B05-F769-4EC7-8CF0-9FED8B746907}"/>
-                </a:ext>
-              </a:extLst>
-            </p:cNvPr>
-            <p:cNvPicPr/>
-            <p:nvPr/>
-          </p:nvPicPr>
-          <p:blipFill>
-            <a:blip r:embed="rId5" cstate="print">
-              <a:extLst>
-                <a:ext uri="{28A0092B-C50C-407E-A947-70E740481C1C}">
-                  <a14:useLocalDpi xmlns:a14="http://schemas.microsoft.com/office/drawing/2010/main" val="0"/>
-                </a:ext>
-              </a:extLst>
-            </a:blip>
-            <a:srcRect/>
-            <a:stretch>
-              <a:fillRect/>
-            </a:stretch>
-          </p:blipFill>
-          <p:spPr bwMode="auto">
-            <a:xfrm>
-              <a:off x="2722717" y="2226223"/>
-              <a:ext cx="2327910" cy="1309370"/>
-            </a:xfrm>
-            <a:prstGeom prst="rect">
-              <a:avLst/>
-            </a:prstGeom>
-            <a:noFill/>
-            <a:ln>
-              <a:noFill/>
-            </a:ln>
-          </p:spPr>
-        </p:pic>
-        <p:pic>
-          <p:nvPicPr>
-            <p:cNvPr id="52" name="Image 51" descr="RÃ©sultat de recherche d'images pour &quot;bootstrap&quot;">
-              <a:extLst>
-                <a:ext uri="{FF2B5EF4-FFF2-40B4-BE49-F238E27FC236}">
-                  <a16:creationId xmlns:a16="http://schemas.microsoft.com/office/drawing/2014/main" id="{7DE92D9C-5A80-46A6-BF83-202B6BDB8A6A}"/>
-                </a:ext>
-              </a:extLst>
-            </p:cNvPr>
-            <p:cNvPicPr/>
-            <p:nvPr/>
-          </p:nvPicPr>
-          <p:blipFill>
-            <a:blip r:embed="rId6" cstate="print">
-              <a:extLst>
-                <a:ext uri="{28A0092B-C50C-407E-A947-70E740481C1C}">
-                  <a14:useLocalDpi xmlns:a14="http://schemas.microsoft.com/office/drawing/2010/main" val="0"/>
-                </a:ext>
-              </a:extLst>
-            </a:blip>
-            <a:srcRect/>
-            <a:stretch>
-              <a:fillRect/>
-            </a:stretch>
-          </p:blipFill>
-          <p:spPr bwMode="auto">
-            <a:xfrm>
-              <a:off x="3004975" y="3794554"/>
-              <a:ext cx="1763395" cy="783590"/>
-            </a:xfrm>
-            <a:prstGeom prst="rect">
-              <a:avLst/>
-            </a:prstGeom>
-            <a:noFill/>
-            <a:ln>
-              <a:noFill/>
-            </a:ln>
-          </p:spPr>
-        </p:pic>
-        <p:sp>
-          <p:nvSpPr>
-            <p:cNvPr id="54" name="ZoneTexte 53">
-              <a:extLst>
-                <a:ext uri="{FF2B5EF4-FFF2-40B4-BE49-F238E27FC236}">
-                  <a16:creationId xmlns:a16="http://schemas.microsoft.com/office/drawing/2014/main" id="{038AC455-B2E5-40E3-8405-CECEDB92597B}"/>
-                </a:ext>
-              </a:extLst>
-            </p:cNvPr>
-            <p:cNvSpPr txBox="1"/>
-            <p:nvPr/>
-          </p:nvSpPr>
-          <p:spPr>
-            <a:xfrm>
-              <a:off x="855705" y="1594338"/>
-              <a:ext cx="4286429" cy="461665"/>
-            </a:xfrm>
-            <a:prstGeom prst="rect">
-              <a:avLst/>
-            </a:prstGeom>
-            <a:noFill/>
-          </p:spPr>
-          <p:txBody>
-            <a:bodyPr wrap="square" rtlCol="0">
-              <a:spAutoFit/>
-            </a:bodyPr>
-            <a:lstStyle/>
-            <a:p>
-              <a:pPr algn="ctr"/>
-              <a:r>
-                <a:rPr lang="fr-FR" sz="2400" b="1" u="sng" dirty="0"/>
-                <a:t>Technologies utilisées</a:t>
-              </a:r>
-            </a:p>
-          </p:txBody>
-        </p:sp>
-      </p:grpSp>
-      <p:grpSp>
-        <p:nvGrpSpPr>
-          <p:cNvPr id="92" name="Groupe 91">
-            <a:extLst>
-              <a:ext uri="{FF2B5EF4-FFF2-40B4-BE49-F238E27FC236}">
-                <a16:creationId xmlns:a16="http://schemas.microsoft.com/office/drawing/2014/main" id="{069730A8-025E-4CA1-88FB-BBB907538872}"/>
-              </a:ext>
-            </a:extLst>
-          </p:cNvPr>
-          <p:cNvGrpSpPr/>
-          <p:nvPr/>
-        </p:nvGrpSpPr>
-        <p:grpSpPr>
-          <a:xfrm>
-            <a:off x="308549" y="11399077"/>
-            <a:ext cx="10071357" cy="3244786"/>
-            <a:chOff x="5707122" y="11692720"/>
-            <a:chExt cx="10071357" cy="3244786"/>
-          </a:xfrm>
-        </p:grpSpPr>
-        <p:sp>
-          <p:nvSpPr>
-            <p:cNvPr id="56" name="Rectangle : coins arrondis 55">
-              <a:extLst>
-                <a:ext uri="{FF2B5EF4-FFF2-40B4-BE49-F238E27FC236}">
-                  <a16:creationId xmlns:a16="http://schemas.microsoft.com/office/drawing/2014/main" id="{F628AAC4-F9DA-4397-B079-95869252F3C6}"/>
-                </a:ext>
-              </a:extLst>
-            </p:cNvPr>
-            <p:cNvSpPr/>
-            <p:nvPr/>
-          </p:nvSpPr>
-          <p:spPr>
-            <a:xfrm>
-              <a:off x="5707122" y="11692720"/>
-              <a:ext cx="10071357" cy="3244786"/>
-            </a:xfrm>
-            <a:prstGeom prst="roundRect">
-              <a:avLst/>
-            </a:prstGeom>
-            <a:solidFill>
-              <a:schemeClr val="bg1"/>
-            </a:solidFill>
-            <a:ln>
-              <a:solidFill>
-                <a:schemeClr val="bg1">
-                  <a:lumMod val="50000"/>
-                </a:schemeClr>
-              </a:solidFill>
-            </a:ln>
-          </p:spPr>
-          <p:style>
-            <a:lnRef idx="2">
-              <a:schemeClr val="accent1">
-                <a:shade val="50000"/>
-              </a:schemeClr>
-            </a:lnRef>
-            <a:fillRef idx="1">
-              <a:schemeClr val="accent1"/>
-            </a:fillRef>
-            <a:effectRef idx="0">
-              <a:schemeClr val="accent1"/>
-            </a:effectRef>
-            <a:fontRef idx="minor">
-              <a:schemeClr val="lt1"/>
-            </a:fontRef>
-          </p:style>
-          <p:txBody>
-            <a:bodyPr rtlCol="0" anchor="ctr"/>
-            <a:lstStyle/>
-            <a:p>
-              <a:pPr algn="ctr"/>
-              <a:endParaRPr lang="fr-FR" dirty="0">
-                <a:highlight>
-                  <a:srgbClr val="000000"/>
-                </a:highlight>
-              </a:endParaRPr>
-            </a:p>
-          </p:txBody>
-        </p:sp>
-        <p:sp>
-          <p:nvSpPr>
-            <p:cNvPr id="55" name="ZoneTexte 54">
-              <a:extLst>
-                <a:ext uri="{FF2B5EF4-FFF2-40B4-BE49-F238E27FC236}">
-                  <a16:creationId xmlns:a16="http://schemas.microsoft.com/office/drawing/2014/main" id="{D986D322-6FFE-4CEA-94A7-C5BAB6CC0E01}"/>
-                </a:ext>
-              </a:extLst>
-            </p:cNvPr>
-            <p:cNvSpPr txBox="1"/>
-            <p:nvPr/>
-          </p:nvSpPr>
-          <p:spPr>
-            <a:xfrm>
-              <a:off x="9570942" y="11734600"/>
-              <a:ext cx="2541798" cy="461665"/>
-            </a:xfrm>
-            <a:prstGeom prst="rect">
-              <a:avLst/>
-            </a:prstGeom>
-            <a:noFill/>
-          </p:spPr>
-          <p:txBody>
-            <a:bodyPr wrap="square" rtlCol="0">
-              <a:spAutoFit/>
-            </a:bodyPr>
-            <a:lstStyle/>
-            <a:p>
-              <a:pPr algn="ctr"/>
-              <a:r>
-                <a:rPr lang="fr-FR" sz="2400" b="1" dirty="0"/>
-                <a:t>BDD</a:t>
-              </a:r>
-            </a:p>
-          </p:txBody>
-        </p:sp>
-        <p:pic>
-          <p:nvPicPr>
-            <p:cNvPr id="59" name="Image 58">
-              <a:extLst>
-                <a:ext uri="{FF2B5EF4-FFF2-40B4-BE49-F238E27FC236}">
-                  <a16:creationId xmlns:a16="http://schemas.microsoft.com/office/drawing/2014/main" id="{414F5D9E-5BFC-469D-9913-0E82EB068CFE}"/>
-                </a:ext>
-              </a:extLst>
-            </p:cNvPr>
-            <p:cNvPicPr/>
-            <p:nvPr/>
-          </p:nvPicPr>
-          <p:blipFill rotWithShape="1">
-            <a:blip r:embed="rId7">
-              <a:extLst>
-                <a:ext uri="{28A0092B-C50C-407E-A947-70E740481C1C}">
-                  <a14:useLocalDpi xmlns:a14="http://schemas.microsoft.com/office/drawing/2010/main" val="0"/>
-                </a:ext>
-              </a:extLst>
-            </a:blip>
-            <a:srcRect l="4428" r="4667"/>
-            <a:stretch/>
-          </p:blipFill>
-          <p:spPr>
-            <a:xfrm>
-              <a:off x="5856848" y="13007350"/>
-              <a:ext cx="4377799" cy="1662084"/>
-            </a:xfrm>
-            <a:prstGeom prst="rect">
-              <a:avLst/>
-            </a:prstGeom>
-          </p:spPr>
-        </p:pic>
-      </p:grpSp>
-      <p:grpSp>
-        <p:nvGrpSpPr>
-          <p:cNvPr id="84" name="Groupe 83">
-            <a:extLst>
-              <a:ext uri="{FF2B5EF4-FFF2-40B4-BE49-F238E27FC236}">
-                <a16:creationId xmlns:a16="http://schemas.microsoft.com/office/drawing/2014/main" id="{41B890EF-91C4-4C4B-92BA-FEBDBD65C504}"/>
-              </a:ext>
-            </a:extLst>
-          </p:cNvPr>
-          <p:cNvGrpSpPr/>
-          <p:nvPr/>
-        </p:nvGrpSpPr>
-        <p:grpSpPr>
-          <a:xfrm>
-            <a:off x="348297" y="1646591"/>
-            <a:ext cx="4954668" cy="2890721"/>
-            <a:chOff x="4470751" y="11775711"/>
-            <a:chExt cx="4954668" cy="2890721"/>
-          </a:xfrm>
-          <a:solidFill>
-            <a:schemeClr val="bg2">
-              <a:lumMod val="75000"/>
-            </a:schemeClr>
-          </a:solidFill>
-        </p:grpSpPr>
-        <p:sp>
-          <p:nvSpPr>
-            <p:cNvPr id="41" name="Rectangle 40">
-              <a:extLst>
-                <a:ext uri="{FF2B5EF4-FFF2-40B4-BE49-F238E27FC236}">
-                  <a16:creationId xmlns:a16="http://schemas.microsoft.com/office/drawing/2014/main" id="{3994C9EA-41AB-4565-989C-20E6C6CECD69}"/>
-                </a:ext>
-              </a:extLst>
-            </p:cNvPr>
-            <p:cNvSpPr/>
-            <p:nvPr/>
-          </p:nvSpPr>
-          <p:spPr>
-            <a:xfrm>
-              <a:off x="4470751" y="11775711"/>
-              <a:ext cx="4954668" cy="2890721"/>
-            </a:xfrm>
-            <a:prstGeom prst="rect">
-              <a:avLst/>
-            </a:prstGeom>
-            <a:grpFill/>
-          </p:spPr>
-          <p:style>
-            <a:lnRef idx="2">
-              <a:schemeClr val="dk1"/>
-            </a:lnRef>
-            <a:fillRef idx="1">
-              <a:schemeClr val="lt1"/>
-            </a:fillRef>
-            <a:effectRef idx="0">
-              <a:schemeClr val="dk1"/>
-            </a:effectRef>
-            <a:fontRef idx="minor">
-              <a:schemeClr val="dk1"/>
-            </a:fontRef>
-          </p:style>
-          <p:txBody>
-            <a:bodyPr rtlCol="0" anchor="ctr"/>
-            <a:lstStyle/>
-            <a:p>
-              <a:pPr algn="ctr"/>
-              <a:endParaRPr lang="fr-FR"/>
-            </a:p>
-          </p:txBody>
-        </p:sp>
-        <p:sp>
-          <p:nvSpPr>
-            <p:cNvPr id="45" name="ZoneTexte 44">
-              <a:extLst>
-                <a:ext uri="{FF2B5EF4-FFF2-40B4-BE49-F238E27FC236}">
-                  <a16:creationId xmlns:a16="http://schemas.microsoft.com/office/drawing/2014/main" id="{673826EF-96F0-4FB1-8FEC-BDF66547AE31}"/>
-                </a:ext>
-              </a:extLst>
-            </p:cNvPr>
-            <p:cNvSpPr txBox="1"/>
-            <p:nvPr/>
-          </p:nvSpPr>
-          <p:spPr>
-            <a:xfrm>
-              <a:off x="4833901" y="11853199"/>
-              <a:ext cx="4279140" cy="461665"/>
-            </a:xfrm>
-            <a:prstGeom prst="rect">
-              <a:avLst/>
-            </a:prstGeom>
-            <a:grpFill/>
-          </p:spPr>
-          <p:txBody>
-            <a:bodyPr wrap="square" rtlCol="0">
-              <a:spAutoFit/>
-            </a:bodyPr>
-            <a:lstStyle/>
-            <a:p>
-              <a:pPr algn="ctr"/>
-              <a:r>
-                <a:rPr lang="fr-FR" sz="2400" u="sng" dirty="0"/>
-                <a:t>Imprimerie – Pôle </a:t>
-              </a:r>
-              <a:r>
-                <a:rPr lang="fr-FR" sz="2400" u="sng" dirty="0" err="1"/>
-                <a:t>Plurimédia</a:t>
-              </a:r>
-              <a:endParaRPr lang="fr-FR" sz="2400" u="sng" dirty="0"/>
-            </a:p>
-          </p:txBody>
-        </p:sp>
-        <p:grpSp>
-          <p:nvGrpSpPr>
-            <p:cNvPr id="82" name="Groupe 81">
-              <a:extLst>
-                <a:ext uri="{FF2B5EF4-FFF2-40B4-BE49-F238E27FC236}">
-                  <a16:creationId xmlns:a16="http://schemas.microsoft.com/office/drawing/2014/main" id="{CA813880-C569-42CF-B957-0FAF6E38970D}"/>
-                </a:ext>
-              </a:extLst>
-            </p:cNvPr>
-            <p:cNvGrpSpPr/>
-            <p:nvPr/>
-          </p:nvGrpSpPr>
-          <p:grpSpPr>
-            <a:xfrm>
-              <a:off x="7686010" y="12387084"/>
-              <a:ext cx="1580528" cy="994814"/>
-              <a:chOff x="7453621" y="12463587"/>
-              <a:chExt cx="1580528" cy="994814"/>
-            </a:xfrm>
-            <a:grpFill/>
-          </p:grpSpPr>
-          <p:sp>
-            <p:nvSpPr>
-              <p:cNvPr id="78" name="Rectangle : coins arrondis 77">
-                <a:extLst>
-                  <a:ext uri="{FF2B5EF4-FFF2-40B4-BE49-F238E27FC236}">
-                    <a16:creationId xmlns:a16="http://schemas.microsoft.com/office/drawing/2014/main" id="{8DADBAD4-53DB-4D9D-AAFF-12F17639BD48}"/>
-                  </a:ext>
-                </a:extLst>
-              </p:cNvPr>
-              <p:cNvSpPr/>
-              <p:nvPr/>
-            </p:nvSpPr>
-            <p:spPr>
-              <a:xfrm>
-                <a:off x="7453621" y="12463587"/>
-                <a:ext cx="1580528" cy="994814"/>
-              </a:xfrm>
-              <a:prstGeom prst="roundRect">
-                <a:avLst/>
-              </a:prstGeom>
-              <a:solidFill>
-                <a:schemeClr val="accent1">
-                  <a:lumMod val="50000"/>
-                </a:schemeClr>
-              </a:solidFill>
-            </p:spPr>
-            <p:style>
-              <a:lnRef idx="2">
-                <a:schemeClr val="accent1">
-                  <a:shade val="50000"/>
-                </a:schemeClr>
-              </a:lnRef>
-              <a:fillRef idx="1">
-                <a:schemeClr val="accent1"/>
-              </a:fillRef>
-              <a:effectRef idx="0">
-                <a:schemeClr val="accent1"/>
-              </a:effectRef>
-              <a:fontRef idx="minor">
-                <a:schemeClr val="lt1"/>
-              </a:fontRef>
-            </p:style>
-            <p:txBody>
-              <a:bodyPr rtlCol="0" anchor="ctr"/>
-              <a:lstStyle/>
-              <a:p>
-                <a:pPr algn="ctr"/>
-                <a:endParaRPr lang="fr-FR" dirty="0"/>
-              </a:p>
-            </p:txBody>
-          </p:sp>
-          <p:sp>
-            <p:nvSpPr>
-              <p:cNvPr id="57" name="ZoneTexte 56">
-                <a:extLst>
-                  <a:ext uri="{FF2B5EF4-FFF2-40B4-BE49-F238E27FC236}">
-                    <a16:creationId xmlns:a16="http://schemas.microsoft.com/office/drawing/2014/main" id="{58D770DC-6079-4F1D-9700-D827408ED8EB}"/>
-                  </a:ext>
-                </a:extLst>
-              </p:cNvPr>
-              <p:cNvSpPr txBox="1"/>
-              <p:nvPr/>
-            </p:nvSpPr>
-            <p:spPr>
-              <a:xfrm>
-                <a:off x="7602278" y="12570092"/>
-                <a:ext cx="1283214" cy="830997"/>
-              </a:xfrm>
-              <a:prstGeom prst="rect">
-                <a:avLst/>
-              </a:prstGeom>
-              <a:solidFill>
-                <a:schemeClr val="accent1">
-                  <a:lumMod val="50000"/>
-                </a:schemeClr>
-              </a:solidFill>
-            </p:spPr>
-            <p:txBody>
-              <a:bodyPr wrap="square" rtlCol="0">
-                <a:spAutoFit/>
-              </a:bodyPr>
-              <a:lstStyle/>
-              <a:p>
-                <a:pPr algn="ctr"/>
-                <a:r>
-                  <a:rPr lang="fr-FR" sz="2400" b="1" dirty="0">
-                    <a:solidFill>
-                      <a:schemeClr val="bg1"/>
-                    </a:solidFill>
-                  </a:rPr>
-                  <a:t>Salle Encre </a:t>
-                </a:r>
-              </a:p>
-            </p:txBody>
-          </p:sp>
-        </p:grpSp>
-        <p:grpSp>
-          <p:nvGrpSpPr>
-            <p:cNvPr id="81" name="Groupe 80">
-              <a:extLst>
-                <a:ext uri="{FF2B5EF4-FFF2-40B4-BE49-F238E27FC236}">
-                  <a16:creationId xmlns:a16="http://schemas.microsoft.com/office/drawing/2014/main" id="{4C7C426E-F06F-40E6-AB3D-73F64DF7C18A}"/>
-                </a:ext>
-              </a:extLst>
-            </p:cNvPr>
-            <p:cNvGrpSpPr/>
-            <p:nvPr/>
-          </p:nvGrpSpPr>
-          <p:grpSpPr>
-            <a:xfrm>
-              <a:off x="6157821" y="13548651"/>
-              <a:ext cx="1580528" cy="994814"/>
-              <a:chOff x="5857965" y="13579175"/>
-              <a:chExt cx="1580528" cy="994814"/>
-            </a:xfrm>
-            <a:grpFill/>
-          </p:grpSpPr>
-          <p:sp>
-            <p:nvSpPr>
-              <p:cNvPr id="79" name="Rectangle : coins arrondis 78">
-                <a:extLst>
-                  <a:ext uri="{FF2B5EF4-FFF2-40B4-BE49-F238E27FC236}">
-                    <a16:creationId xmlns:a16="http://schemas.microsoft.com/office/drawing/2014/main" id="{E49E519E-C403-4887-B7DC-240247D38EA1}"/>
-                  </a:ext>
-                </a:extLst>
-              </p:cNvPr>
-              <p:cNvSpPr/>
-              <p:nvPr/>
-            </p:nvSpPr>
-            <p:spPr>
-              <a:xfrm>
-                <a:off x="5857965" y="13579175"/>
-                <a:ext cx="1580528" cy="994814"/>
-              </a:xfrm>
-              <a:prstGeom prst="roundRect">
-                <a:avLst/>
-              </a:prstGeom>
-              <a:solidFill>
-                <a:schemeClr val="accent1">
-                  <a:lumMod val="50000"/>
-                </a:schemeClr>
-              </a:solidFill>
-            </p:spPr>
-            <p:style>
-              <a:lnRef idx="2">
-                <a:schemeClr val="accent1">
-                  <a:shade val="50000"/>
-                </a:schemeClr>
-              </a:lnRef>
-              <a:fillRef idx="1">
-                <a:schemeClr val="accent1"/>
-              </a:fillRef>
-              <a:effectRef idx="0">
-                <a:schemeClr val="accent1"/>
-              </a:effectRef>
-              <a:fontRef idx="minor">
-                <a:schemeClr val="lt1"/>
-              </a:fontRef>
-            </p:style>
-            <p:txBody>
-              <a:bodyPr rtlCol="0" anchor="ctr"/>
-              <a:lstStyle/>
-              <a:p>
-                <a:pPr algn="ctr"/>
-                <a:endParaRPr lang="fr-FR" dirty="0"/>
-              </a:p>
-            </p:txBody>
-          </p:sp>
-          <p:sp>
-            <p:nvSpPr>
-              <p:cNvPr id="31" name="ZoneTexte 30">
-                <a:extLst>
-                  <a:ext uri="{FF2B5EF4-FFF2-40B4-BE49-F238E27FC236}">
-                    <a16:creationId xmlns:a16="http://schemas.microsoft.com/office/drawing/2014/main" id="{0392EF73-EBA4-44A5-9662-9E8E64AF1CEA}"/>
-                  </a:ext>
-                </a:extLst>
-              </p:cNvPr>
-              <p:cNvSpPr txBox="1"/>
-              <p:nvPr/>
-            </p:nvSpPr>
-            <p:spPr>
-              <a:xfrm>
-                <a:off x="5965916" y="13857127"/>
-                <a:ext cx="1364626" cy="461665"/>
-              </a:xfrm>
-              <a:prstGeom prst="rect">
-                <a:avLst/>
-              </a:prstGeom>
-              <a:solidFill>
-                <a:schemeClr val="accent1">
-                  <a:lumMod val="50000"/>
-                </a:schemeClr>
-              </a:solidFill>
-            </p:spPr>
-            <p:txBody>
-              <a:bodyPr wrap="square" rtlCol="0">
-                <a:spAutoFit/>
-              </a:bodyPr>
-              <a:lstStyle/>
-              <a:p>
-                <a:pPr algn="ctr"/>
-                <a:r>
-                  <a:rPr lang="fr-FR" sz="2400" b="1" dirty="0">
-                    <a:solidFill>
-                      <a:schemeClr val="bg1"/>
-                    </a:solidFill>
-                  </a:rPr>
-                  <a:t>Atelier </a:t>
-                </a:r>
-              </a:p>
-            </p:txBody>
-          </p:sp>
-        </p:grpSp>
-        <p:grpSp>
-          <p:nvGrpSpPr>
-            <p:cNvPr id="83" name="Groupe 82">
-              <a:extLst>
-                <a:ext uri="{FF2B5EF4-FFF2-40B4-BE49-F238E27FC236}">
-                  <a16:creationId xmlns:a16="http://schemas.microsoft.com/office/drawing/2014/main" id="{197906AE-1C0B-4BB8-B9DC-44EFA6CA32BC}"/>
-                </a:ext>
-              </a:extLst>
-            </p:cNvPr>
-            <p:cNvGrpSpPr/>
-            <p:nvPr/>
-          </p:nvGrpSpPr>
-          <p:grpSpPr>
-            <a:xfrm>
-              <a:off x="4685244" y="12398241"/>
-              <a:ext cx="1580528" cy="994814"/>
-              <a:chOff x="4504191" y="12488184"/>
-              <a:chExt cx="1580528" cy="994814"/>
-            </a:xfrm>
-            <a:grpFill/>
-          </p:grpSpPr>
-          <p:sp>
-            <p:nvSpPr>
-              <p:cNvPr id="77" name="Rectangle : coins arrondis 76">
-                <a:extLst>
-                  <a:ext uri="{FF2B5EF4-FFF2-40B4-BE49-F238E27FC236}">
-                    <a16:creationId xmlns:a16="http://schemas.microsoft.com/office/drawing/2014/main" id="{9BB30294-86ED-460E-9D3B-E5B6CFC43520}"/>
-                  </a:ext>
-                </a:extLst>
-              </p:cNvPr>
-              <p:cNvSpPr/>
-              <p:nvPr/>
-            </p:nvSpPr>
-            <p:spPr>
-              <a:xfrm>
-                <a:off x="4504191" y="12488184"/>
-                <a:ext cx="1580528" cy="994814"/>
-              </a:xfrm>
-              <a:prstGeom prst="roundRect">
-                <a:avLst/>
-              </a:prstGeom>
-              <a:solidFill>
-                <a:schemeClr val="accent1">
-                  <a:lumMod val="50000"/>
-                </a:schemeClr>
-              </a:solidFill>
-            </p:spPr>
-            <p:style>
-              <a:lnRef idx="2">
-                <a:schemeClr val="accent1">
-                  <a:shade val="50000"/>
-                </a:schemeClr>
-              </a:lnRef>
-              <a:fillRef idx="1">
-                <a:schemeClr val="accent1"/>
-              </a:fillRef>
-              <a:effectRef idx="0">
-                <a:schemeClr val="accent1"/>
-              </a:effectRef>
-              <a:fontRef idx="minor">
-                <a:schemeClr val="lt1"/>
-              </a:fontRef>
-            </p:style>
-            <p:txBody>
-              <a:bodyPr rtlCol="0" anchor="ctr"/>
-              <a:lstStyle/>
-              <a:p>
-                <a:pPr algn="ctr"/>
-                <a:endParaRPr lang="fr-FR" dirty="0"/>
-              </a:p>
-            </p:txBody>
-          </p:sp>
-          <p:sp>
-            <p:nvSpPr>
-              <p:cNvPr id="80" name="ZoneTexte 79">
-                <a:extLst>
-                  <a:ext uri="{FF2B5EF4-FFF2-40B4-BE49-F238E27FC236}">
-                    <a16:creationId xmlns:a16="http://schemas.microsoft.com/office/drawing/2014/main" id="{11758A3A-1010-4ABD-9067-4EB96EC56A01}"/>
-                  </a:ext>
-                </a:extLst>
-              </p:cNvPr>
-              <p:cNvSpPr txBox="1"/>
-              <p:nvPr/>
-            </p:nvSpPr>
-            <p:spPr>
-              <a:xfrm>
-                <a:off x="4652848" y="12570091"/>
-                <a:ext cx="1283214" cy="830997"/>
-              </a:xfrm>
-              <a:prstGeom prst="rect">
-                <a:avLst/>
-              </a:prstGeom>
-              <a:solidFill>
-                <a:schemeClr val="accent1">
-                  <a:lumMod val="50000"/>
-                </a:schemeClr>
-              </a:solidFill>
-              <a:ln>
-                <a:solidFill>
-                  <a:schemeClr val="accent1">
-                    <a:lumMod val="50000"/>
-                  </a:schemeClr>
-                </a:solidFill>
-              </a:ln>
-            </p:spPr>
-            <p:txBody>
-              <a:bodyPr wrap="square" rtlCol="0">
-                <a:spAutoFit/>
-              </a:bodyPr>
-              <a:lstStyle/>
-              <a:p>
-                <a:pPr algn="ctr"/>
-                <a:r>
-                  <a:rPr lang="fr-FR" sz="2400" b="1" dirty="0">
-                    <a:solidFill>
-                      <a:schemeClr val="bg1"/>
-                    </a:solidFill>
-                  </a:rPr>
-                  <a:t>Salle papier </a:t>
-                </a:r>
-              </a:p>
-            </p:txBody>
-          </p:sp>
-        </p:grpSp>
-      </p:grpSp>
-      <p:pic>
-        <p:nvPicPr>
-          <p:cNvPr id="91" name="Image 90">
-            <a:extLst>
-              <a:ext uri="{FF2B5EF4-FFF2-40B4-BE49-F238E27FC236}">
-                <a16:creationId xmlns:a16="http://schemas.microsoft.com/office/drawing/2014/main" id="{EC3C7F0F-FB19-430D-897A-BD70F5AABF8F}"/>
-              </a:ext>
-            </a:extLst>
-          </p:cNvPr>
-          <p:cNvPicPr>
-            <a:picLocks noChangeAspect="1"/>
-          </p:cNvPicPr>
-          <p:nvPr/>
-        </p:nvPicPr>
-        <p:blipFill>
-          <a:blip r:embed="rId8"/>
-          <a:stretch>
-            <a:fillRect/>
-          </a:stretch>
-        </p:blipFill>
-        <p:spPr>
-          <a:xfrm>
-            <a:off x="17208433" y="1797817"/>
-            <a:ext cx="3873998" cy="4722662"/>
-          </a:xfrm>
-          <a:prstGeom prst="rect">
-            <a:avLst/>
-          </a:prstGeom>
-        </p:spPr>
-      </p:pic>
-      <p:pic>
-        <p:nvPicPr>
-          <p:cNvPr id="96" name="Image 95">
-            <a:extLst>
-              <a:ext uri="{FF2B5EF4-FFF2-40B4-BE49-F238E27FC236}">
-                <a16:creationId xmlns:a16="http://schemas.microsoft.com/office/drawing/2014/main" id="{C5B74F7D-E588-4675-BB40-8A22C35C6FC5}"/>
-              </a:ext>
-            </a:extLst>
-          </p:cNvPr>
-          <p:cNvPicPr/>
-          <p:nvPr/>
-        </p:nvPicPr>
-        <p:blipFill rotWithShape="1">
-          <a:blip r:embed="rId9" cstate="print">
-            <a:extLst>
-              <a:ext uri="{28A0092B-C50C-407E-A947-70E740481C1C}">
-                <a14:useLocalDpi xmlns:a14="http://schemas.microsoft.com/office/drawing/2010/main" val="0"/>
-              </a:ext>
-            </a:extLst>
-          </a:blip>
-          <a:srcRect r="78862"/>
-          <a:stretch/>
-        </p:blipFill>
-        <p:spPr>
-          <a:xfrm>
-            <a:off x="5505272" y="12441396"/>
-            <a:ext cx="1430471" cy="1450975"/>
-          </a:xfrm>
-          <a:prstGeom prst="rect">
-            <a:avLst/>
-          </a:prstGeom>
-        </p:spPr>
-      </p:pic>
-      <p:pic>
-        <p:nvPicPr>
-          <p:cNvPr id="97" name="Image 96">
-            <a:extLst>
-              <a:ext uri="{FF2B5EF4-FFF2-40B4-BE49-F238E27FC236}">
-                <a16:creationId xmlns:a16="http://schemas.microsoft.com/office/drawing/2014/main" id="{BA231D71-01AD-401E-8730-17BBCFDEA026}"/>
-              </a:ext>
-            </a:extLst>
-          </p:cNvPr>
-          <p:cNvPicPr/>
-          <p:nvPr/>
-        </p:nvPicPr>
-        <p:blipFill rotWithShape="1">
-          <a:blip r:embed="rId9" cstate="print">
-            <a:extLst>
-              <a:ext uri="{28A0092B-C50C-407E-A947-70E740481C1C}">
-                <a14:useLocalDpi xmlns:a14="http://schemas.microsoft.com/office/drawing/2010/main" val="0"/>
-              </a:ext>
-            </a:extLst>
-          </a:blip>
-          <a:srcRect l="45391" r="33416" b="21990"/>
-          <a:stretch/>
-        </p:blipFill>
-        <p:spPr>
-          <a:xfrm>
-            <a:off x="8625533" y="12441396"/>
-            <a:ext cx="1434142" cy="1131908"/>
-          </a:xfrm>
-          <a:prstGeom prst="rect">
-            <a:avLst/>
-          </a:prstGeom>
-        </p:spPr>
-      </p:pic>
-      <p:pic>
-        <p:nvPicPr>
-          <p:cNvPr id="98" name="Image 97">
-            <a:extLst>
-              <a:ext uri="{FF2B5EF4-FFF2-40B4-BE49-F238E27FC236}">
-                <a16:creationId xmlns:a16="http://schemas.microsoft.com/office/drawing/2014/main" id="{3CBF28C5-86EE-47A4-9E90-FB47CD7DA3CC}"/>
-              </a:ext>
-            </a:extLst>
-          </p:cNvPr>
-          <p:cNvPicPr/>
-          <p:nvPr/>
-        </p:nvPicPr>
-        <p:blipFill rotWithShape="1">
-          <a:blip r:embed="rId9" cstate="print">
-            <a:extLst>
-              <a:ext uri="{28A0092B-C50C-407E-A947-70E740481C1C}">
-                <a14:useLocalDpi xmlns:a14="http://schemas.microsoft.com/office/drawing/2010/main" val="0"/>
-              </a:ext>
-            </a:extLst>
-          </a:blip>
-          <a:srcRect l="77368" b="22735"/>
-          <a:stretch/>
-        </p:blipFill>
-        <p:spPr>
-          <a:xfrm>
-            <a:off x="6925764" y="13360888"/>
-            <a:ext cx="1531579" cy="1121092"/>
-          </a:xfrm>
-          <a:prstGeom prst="rect">
-            <a:avLst/>
-          </a:prstGeom>
-        </p:spPr>
-      </p:pic>
-      <p:sp>
-        <p:nvSpPr>
-          <p:cNvPr id="100" name="ZoneTexte 99">
-            <a:extLst>
-              <a:ext uri="{FF2B5EF4-FFF2-40B4-BE49-F238E27FC236}">
-                <a16:creationId xmlns:a16="http://schemas.microsoft.com/office/drawing/2014/main" id="{080508F9-DB29-4EF4-9A36-79730233295F}"/>
-              </a:ext>
-            </a:extLst>
-          </p:cNvPr>
-          <p:cNvSpPr txBox="1"/>
-          <p:nvPr/>
-        </p:nvSpPr>
-        <p:spPr>
-          <a:xfrm>
-            <a:off x="1504079" y="11870036"/>
-            <a:ext cx="2541798" cy="400110"/>
-          </a:xfrm>
-          <a:prstGeom prst="rect">
-            <a:avLst/>
-          </a:prstGeom>
-          <a:noFill/>
-        </p:spPr>
-        <p:txBody>
-          <a:bodyPr wrap="square" rtlCol="0">
-            <a:spAutoFit/>
-          </a:bodyPr>
-          <a:lstStyle/>
-          <a:p>
-            <a:pPr algn="ctr"/>
-            <a:r>
-              <a:rPr lang="fr-FR" sz="2000" dirty="0"/>
-              <a:t>Old</a:t>
-            </a:r>
-          </a:p>
-        </p:txBody>
-      </p:sp>
-      <p:sp>
-        <p:nvSpPr>
-          <p:cNvPr id="101" name="ZoneTexte 100">
-            <a:extLst>
-              <a:ext uri="{FF2B5EF4-FFF2-40B4-BE49-F238E27FC236}">
-                <a16:creationId xmlns:a16="http://schemas.microsoft.com/office/drawing/2014/main" id="{BFC7D40F-6450-4640-9695-BF7474436A19}"/>
-              </a:ext>
-            </a:extLst>
-          </p:cNvPr>
-          <p:cNvSpPr txBox="1"/>
-          <p:nvPr/>
-        </p:nvSpPr>
-        <p:spPr>
-          <a:xfrm>
-            <a:off x="6576652" y="11811863"/>
-            <a:ext cx="2541798" cy="400110"/>
-          </a:xfrm>
-          <a:prstGeom prst="rect">
-            <a:avLst/>
-          </a:prstGeom>
-          <a:noFill/>
-        </p:spPr>
-        <p:txBody>
-          <a:bodyPr wrap="square" rtlCol="0">
-            <a:spAutoFit/>
-          </a:bodyPr>
-          <a:lstStyle/>
-          <a:p>
-            <a:pPr algn="ctr"/>
-            <a:r>
-              <a:rPr lang="fr-FR" sz="2000" dirty="0"/>
-              <a:t>Actuelle</a:t>
-            </a:r>
-          </a:p>
-        </p:txBody>
-      </p:sp>
-      <p:pic>
-        <p:nvPicPr>
-          <p:cNvPr id="109" name="Image 108">
-            <a:extLst>
-              <a:ext uri="{FF2B5EF4-FFF2-40B4-BE49-F238E27FC236}">
-                <a16:creationId xmlns:a16="http://schemas.microsoft.com/office/drawing/2014/main" id="{A21D5CF8-9EB1-42F3-92C9-837828F378F6}"/>
-              </a:ext>
-            </a:extLst>
-          </p:cNvPr>
-          <p:cNvPicPr>
-            <a:picLocks noChangeAspect="1"/>
-          </p:cNvPicPr>
-          <p:nvPr/>
-        </p:nvPicPr>
-        <p:blipFill>
-          <a:blip r:embed="rId10"/>
-          <a:stretch>
-            <a:fillRect/>
-          </a:stretch>
-        </p:blipFill>
-        <p:spPr>
-          <a:xfrm>
-            <a:off x="11147162" y="11182817"/>
-            <a:ext cx="5206637" cy="3772356"/>
-          </a:xfrm>
-          <a:prstGeom prst="rect">
-            <a:avLst/>
-          </a:prstGeom>
-        </p:spPr>
-      </p:pic>
-      <p:grpSp>
-        <p:nvGrpSpPr>
-          <p:cNvPr id="89" name="Groupe 88">
-            <a:extLst>
-              <a:ext uri="{FF2B5EF4-FFF2-40B4-BE49-F238E27FC236}">
-                <a16:creationId xmlns:a16="http://schemas.microsoft.com/office/drawing/2014/main" id="{B061B7F9-9F19-4F1E-A1F5-2B8D572361EB}"/>
-              </a:ext>
-            </a:extLst>
-          </p:cNvPr>
-          <p:cNvGrpSpPr/>
-          <p:nvPr/>
-        </p:nvGrpSpPr>
-        <p:grpSpPr>
-          <a:xfrm>
-            <a:off x="7626646" y="5592961"/>
-            <a:ext cx="6360275" cy="5745599"/>
-            <a:chOff x="7626646" y="5592961"/>
-            <a:chExt cx="6360275" cy="5745599"/>
-          </a:xfrm>
-        </p:grpSpPr>
-        <p:sp>
-          <p:nvSpPr>
-            <p:cNvPr id="4" name="Ellipse 3">
-              <a:extLst>
-                <a:ext uri="{FF2B5EF4-FFF2-40B4-BE49-F238E27FC236}">
-                  <a16:creationId xmlns:a16="http://schemas.microsoft.com/office/drawing/2014/main" id="{229EE5AC-ABE7-4DFD-986F-200C2BC10C4D}"/>
-                </a:ext>
-              </a:extLst>
-            </p:cNvPr>
-            <p:cNvSpPr/>
-            <p:nvPr/>
-          </p:nvSpPr>
-          <p:spPr>
-            <a:xfrm>
-              <a:off x="7626646" y="5592961"/>
-              <a:ext cx="6360275" cy="5745599"/>
-            </a:xfrm>
-            <a:prstGeom prst="ellipse">
-              <a:avLst/>
-            </a:prstGeom>
-          </p:spPr>
-          <p:style>
-            <a:lnRef idx="2">
-              <a:schemeClr val="dk1"/>
-            </a:lnRef>
-            <a:fillRef idx="1">
-              <a:schemeClr val="lt1"/>
-            </a:fillRef>
-            <a:effectRef idx="0">
-              <a:schemeClr val="dk1"/>
-            </a:effectRef>
-            <a:fontRef idx="minor">
-              <a:schemeClr val="dk1"/>
-            </a:fontRef>
-          </p:style>
-          <p:txBody>
-            <a:bodyPr rtlCol="0" anchor="ctr"/>
-            <a:lstStyle/>
-            <a:p>
-              <a:pPr algn="ctr"/>
-              <a:endParaRPr lang="fr-FR" b="1" dirty="0"/>
-            </a:p>
-            <a:p>
-              <a:pPr algn="ctr"/>
-              <a:endParaRPr lang="fr-FR" b="1" dirty="0"/>
-            </a:p>
-            <a:p>
-              <a:pPr algn="ctr"/>
-              <a:endParaRPr lang="fr-FR" b="1" dirty="0"/>
-            </a:p>
-          </p:txBody>
-        </p:sp>
-        <p:sp>
-          <p:nvSpPr>
-            <p:cNvPr id="46" name="ZoneTexte 45">
-              <a:extLst>
-                <a:ext uri="{FF2B5EF4-FFF2-40B4-BE49-F238E27FC236}">
-                  <a16:creationId xmlns:a16="http://schemas.microsoft.com/office/drawing/2014/main" id="{9A406C76-B2AB-461A-BBD0-DA45BDDC2607}"/>
-                </a:ext>
-              </a:extLst>
-            </p:cNvPr>
-            <p:cNvSpPr txBox="1"/>
-            <p:nvPr/>
-          </p:nvSpPr>
-          <p:spPr>
-            <a:xfrm>
-              <a:off x="9293136" y="10010786"/>
-              <a:ext cx="2900225" cy="954107"/>
-            </a:xfrm>
-            <a:prstGeom prst="rect">
-              <a:avLst/>
-            </a:prstGeom>
-            <a:noFill/>
-          </p:spPr>
-          <p:txBody>
-            <a:bodyPr wrap="square" rtlCol="0">
-              <a:spAutoFit/>
-            </a:bodyPr>
-            <a:lstStyle/>
-            <a:p>
-              <a:pPr algn="ctr"/>
-              <a:r>
-                <a:rPr lang="fr-FR" sz="2800" dirty="0"/>
-                <a:t>Flavio </a:t>
-              </a:r>
-              <a:r>
-                <a:rPr lang="fr-FR" sz="2800" dirty="0" err="1"/>
-                <a:t>Ranchon</a:t>
-              </a:r>
-              <a:endParaRPr lang="fr-FR" sz="2800" dirty="0"/>
-            </a:p>
-            <a:p>
-              <a:pPr algn="ctr"/>
-              <a:r>
-                <a:rPr lang="fr-FR" sz="2800" dirty="0"/>
-                <a:t>Jaël Vavasseur</a:t>
-              </a:r>
-            </a:p>
-          </p:txBody>
-        </p:sp>
-        <p:pic>
-          <p:nvPicPr>
-            <p:cNvPr id="47" name="Image 46">
-              <a:extLst>
-                <a:ext uri="{FF2B5EF4-FFF2-40B4-BE49-F238E27FC236}">
-                  <a16:creationId xmlns:a16="http://schemas.microsoft.com/office/drawing/2014/main" id="{A8EACDF2-19E6-4A7A-95DB-974084778036}"/>
-                </a:ext>
-              </a:extLst>
-            </p:cNvPr>
-            <p:cNvPicPr>
-              <a:picLocks noChangeAspect="1"/>
-            </p:cNvPicPr>
-            <p:nvPr/>
-          </p:nvPicPr>
-          <p:blipFill>
-            <a:blip r:embed="rId11"/>
-            <a:stretch>
-              <a:fillRect/>
-            </a:stretch>
-          </p:blipFill>
-          <p:spPr>
-            <a:xfrm>
-              <a:off x="9342604" y="6974461"/>
-              <a:ext cx="2900226" cy="2818401"/>
-            </a:xfrm>
-            <a:prstGeom prst="rect">
-              <a:avLst/>
-            </a:prstGeom>
-          </p:spPr>
-        </p:pic>
-        <p:pic>
-          <p:nvPicPr>
-            <p:cNvPr id="65" name="Image 64">
-              <a:extLst>
-                <a:ext uri="{FF2B5EF4-FFF2-40B4-BE49-F238E27FC236}">
-                  <a16:creationId xmlns:a16="http://schemas.microsoft.com/office/drawing/2014/main" id="{95F81185-164F-4741-A401-6C5164740E90}"/>
-                </a:ext>
-              </a:extLst>
-            </p:cNvPr>
-            <p:cNvPicPr>
-              <a:picLocks noChangeAspect="1"/>
-            </p:cNvPicPr>
-            <p:nvPr/>
-          </p:nvPicPr>
-          <p:blipFill>
-            <a:blip r:embed="rId12"/>
-            <a:stretch>
-              <a:fillRect/>
-            </a:stretch>
-          </p:blipFill>
-          <p:spPr>
-            <a:xfrm>
-              <a:off x="9041603" y="6119130"/>
-              <a:ext cx="3502228" cy="677168"/>
-            </a:xfrm>
-            <a:prstGeom prst="rect">
-              <a:avLst/>
-            </a:prstGeom>
-          </p:spPr>
-        </p:pic>
-      </p:grpSp>
-      <p:pic>
-        <p:nvPicPr>
-          <p:cNvPr id="102" name="Image 101">
-            <a:extLst>
-              <a:ext uri="{FF2B5EF4-FFF2-40B4-BE49-F238E27FC236}">
-                <a16:creationId xmlns:a16="http://schemas.microsoft.com/office/drawing/2014/main" id="{A8FB3516-C8F7-464E-8F6E-ED6FF8B53F96}"/>
-              </a:ext>
-            </a:extLst>
-          </p:cNvPr>
-          <p:cNvPicPr/>
-          <p:nvPr/>
-        </p:nvPicPr>
-        <p:blipFill>
-          <a:blip r:embed="rId13">
-            <a:extLst>
-              <a:ext uri="{28A0092B-C50C-407E-A947-70E740481C1C}">
-                <a14:useLocalDpi xmlns:a14="http://schemas.microsoft.com/office/drawing/2010/main" val="0"/>
-              </a:ext>
-            </a:extLst>
-          </a:blip>
-          <a:stretch>
-            <a:fillRect/>
-          </a:stretch>
-        </p:blipFill>
-        <p:spPr>
-          <a:xfrm>
-            <a:off x="14328073" y="7084875"/>
-            <a:ext cx="5760720" cy="3809365"/>
-          </a:xfrm>
-          <a:prstGeom prst="rect">
-            <a:avLst/>
-          </a:prstGeom>
-        </p:spPr>
-      </p:pic>
-      <p:grpSp>
-        <p:nvGrpSpPr>
-          <p:cNvPr id="115" name="Groupe 114">
-            <a:extLst>
-              <a:ext uri="{FF2B5EF4-FFF2-40B4-BE49-F238E27FC236}">
-                <a16:creationId xmlns:a16="http://schemas.microsoft.com/office/drawing/2014/main" id="{CEDDFD67-74E7-4D07-A3E2-4E3F36F302F9}"/>
-              </a:ext>
-            </a:extLst>
-          </p:cNvPr>
-          <p:cNvGrpSpPr/>
-          <p:nvPr/>
-        </p:nvGrpSpPr>
-        <p:grpSpPr>
-          <a:xfrm>
-            <a:off x="16313877" y="9676672"/>
-            <a:ext cx="5054892" cy="5442678"/>
-            <a:chOff x="0" y="0"/>
-            <a:chExt cx="5932968" cy="6273209"/>
-          </a:xfrm>
-        </p:grpSpPr>
-        <p:grpSp>
-          <p:nvGrpSpPr>
-            <p:cNvPr id="116" name="Groupe 115">
-              <a:extLst>
-                <a:ext uri="{FF2B5EF4-FFF2-40B4-BE49-F238E27FC236}">
-                  <a16:creationId xmlns:a16="http://schemas.microsoft.com/office/drawing/2014/main" id="{739FEE4D-4DF1-4FED-A800-871CF6B40ACF}"/>
-                </a:ext>
-              </a:extLst>
-            </p:cNvPr>
-            <p:cNvGrpSpPr/>
-            <p:nvPr/>
-          </p:nvGrpSpPr>
-          <p:grpSpPr>
-            <a:xfrm>
-              <a:off x="0" y="0"/>
-              <a:ext cx="5813883" cy="6210699"/>
-              <a:chOff x="0" y="0"/>
-              <a:chExt cx="5813883" cy="6210699"/>
-            </a:xfrm>
-          </p:grpSpPr>
-          <p:pic>
-            <p:nvPicPr>
-              <p:cNvPr id="118" name="Image 117">
-                <a:extLst>
-                  <a:ext uri="{FF2B5EF4-FFF2-40B4-BE49-F238E27FC236}">
-                    <a16:creationId xmlns:a16="http://schemas.microsoft.com/office/drawing/2014/main" id="{7FB1D00D-4FFE-4F2A-85AF-C45D5BD9588E}"/>
-                  </a:ext>
-                </a:extLst>
-              </p:cNvPr>
-              <p:cNvPicPr>
-                <a:picLocks noChangeAspect="1"/>
-              </p:cNvPicPr>
-              <p:nvPr/>
-            </p:nvPicPr>
-            <p:blipFill>
-              <a:blip r:embed="rId14">
-                <a:extLst>
-                  <a:ext uri="{28A0092B-C50C-407E-A947-70E740481C1C}">
-                    <a14:useLocalDpi xmlns:a14="http://schemas.microsoft.com/office/drawing/2010/main" val="0"/>
-                  </a:ext>
-                </a:extLst>
-              </a:blip>
-              <a:stretch>
-                <a:fillRect/>
-              </a:stretch>
-            </p:blipFill>
-            <p:spPr>
-              <a:xfrm>
-                <a:off x="53163" y="4319034"/>
-                <a:ext cx="5760720" cy="1891665"/>
-              </a:xfrm>
-              <a:prstGeom prst="rect">
-                <a:avLst/>
-              </a:prstGeom>
-            </p:spPr>
-          </p:pic>
-          <p:pic>
-            <p:nvPicPr>
-              <p:cNvPr id="119" name="Image 118">
-                <a:extLst>
-                  <a:ext uri="{FF2B5EF4-FFF2-40B4-BE49-F238E27FC236}">
-                    <a16:creationId xmlns:a16="http://schemas.microsoft.com/office/drawing/2014/main" id="{D337BE63-B7A8-4AB0-85F4-14F1C5DE64D9}"/>
-                  </a:ext>
-                </a:extLst>
-              </p:cNvPr>
-              <p:cNvPicPr>
-                <a:picLocks noChangeAspect="1"/>
-              </p:cNvPicPr>
-              <p:nvPr/>
-            </p:nvPicPr>
-            <p:blipFill rotWithShape="1">
-              <a:blip r:embed="rId15">
-                <a:extLst>
-                  <a:ext uri="{28A0092B-C50C-407E-A947-70E740481C1C}">
-                    <a14:useLocalDpi xmlns:a14="http://schemas.microsoft.com/office/drawing/2010/main" val="0"/>
-                  </a:ext>
-                </a:extLst>
-              </a:blip>
-              <a:srcRect b="21218"/>
-              <a:stretch/>
-            </p:blipFill>
-            <p:spPr bwMode="auto">
-              <a:xfrm>
-                <a:off x="0" y="0"/>
-                <a:ext cx="5760720" cy="4316730"/>
-              </a:xfrm>
-              <a:prstGeom prst="rect">
-                <a:avLst/>
-              </a:prstGeom>
-              <a:ln>
-                <a:noFill/>
-              </a:ln>
-              <a:extLst>
-                <a:ext uri="{53640926-AAD7-44D8-BBD7-CCE9431645EC}">
-                  <a14:shadowObscured xmlns:a14="http://schemas.microsoft.com/office/drawing/2010/main"/>
-                </a:ext>
-              </a:extLst>
-            </p:spPr>
-          </p:pic>
-        </p:grpSp>
-        <p:sp>
-          <p:nvSpPr>
-            <p:cNvPr id="117" name="Rectangle 116">
-              <a:extLst>
-                <a:ext uri="{FF2B5EF4-FFF2-40B4-BE49-F238E27FC236}">
-                  <a16:creationId xmlns:a16="http://schemas.microsoft.com/office/drawing/2014/main" id="{A6152799-4665-4760-B108-DBAD77CD4EB1}"/>
-                </a:ext>
-              </a:extLst>
-            </p:cNvPr>
-            <p:cNvSpPr/>
-            <p:nvPr/>
-          </p:nvSpPr>
-          <p:spPr>
-            <a:xfrm>
-              <a:off x="5635256" y="5964865"/>
-              <a:ext cx="297712" cy="308344"/>
-            </a:xfrm>
-            <a:prstGeom prst="rect">
-              <a:avLst/>
-            </a:prstGeom>
-            <a:ln>
-              <a:solidFill>
-                <a:schemeClr val="bg1"/>
-              </a:solidFill>
-            </a:ln>
-          </p:spPr>
-          <p:style>
-            <a:lnRef idx="2">
-              <a:schemeClr val="dk1"/>
-            </a:lnRef>
-            <a:fillRef idx="1">
-              <a:schemeClr val="lt1"/>
-            </a:fillRef>
-            <a:effectRef idx="0">
-              <a:schemeClr val="dk1"/>
-            </a:effectRef>
-            <a:fontRef idx="minor">
-              <a:schemeClr val="dk1"/>
-            </a:fontRef>
-          </p:style>
-          <p:txBody>
-            <a:bodyPr rot="0" spcFirstLastPara="0" vert="horz" wrap="square" lIns="91440" tIns="45720" rIns="91440" bIns="45720" numCol="1" spcCol="0" rtlCol="0" fromWordArt="0" anchor="ctr" anchorCtr="0" forceAA="0" compatLnSpc="1">
-              <a:prstTxWarp prst="textNoShape">
-                <a:avLst/>
-              </a:prstTxWarp>
-              <a:noAutofit/>
-            </a:bodyPr>
-            <a:lstStyle/>
-            <a:p>
-              <a:endParaRPr lang="fr-FR"/>
-            </a:p>
-          </p:txBody>
-        </p:sp>
-      </p:grpSp>
-    </p:spTree>
-    <p:extLst>
-      <p:ext uri="{BB962C8B-B14F-4D97-AF65-F5344CB8AC3E}">
-        <p14:creationId xmlns:p14="http://schemas.microsoft.com/office/powerpoint/2010/main" val="939056726"/>
-      </p:ext>
-    </p:extLst>
-  </p:cSld>
-  <p:clrMapOvr>
-    <a:masterClrMapping/>
-  </p:clrMapOvr>
-</p:sld>
-</file>
-
-<file path=ppt/slides/slide2.xml><?xml version="1.0" encoding="utf-8"?>
-<p:sld xmlns:a="http://schemas.openxmlformats.org/drawingml/2006/main" xmlns:r="http://schemas.openxmlformats.org/officeDocument/2006/relationships" xmlns:p="http://schemas.openxmlformats.org/presentationml/2006/main">
-  <p:cSld>
-    <p:spTree>
-      <p:nvGrpSpPr>
-        <p:cNvPr id="1" name=""/>
-        <p:cNvGrpSpPr/>
-        <p:nvPr/>
-      </p:nvGrpSpPr>
-      <p:grpSpPr>
-        <a:xfrm>
-          <a:off x="0" y="0"/>
-          <a:ext cx="0" cy="0"/>
-          <a:chOff x="0" y="0"/>
-          <a:chExt cx="0" cy="0"/>
-        </a:xfrm>
-      </p:grpSpPr>
       <p:sp>
         <p:nvSpPr>
           <p:cNvPr id="4" name="ZoneTexte 3">
@@ -8567,7 +6051,7 @@
         <p:spPr>
           <a:xfrm>
             <a:off x="4717381" y="331466"/>
-            <a:ext cx="9962936" cy="1938992"/>
+            <a:ext cx="9962936" cy="1815882"/>
           </a:xfrm>
           <a:prstGeom prst="rect">
             <a:avLst/>
@@ -8582,14 +6066,24 @@
           <a:p>
             <a:pPr algn="ctr"/>
             <a:r>
-              <a:rPr lang="fr-FR" sz="4000" dirty="0" err="1">
+              <a:rPr lang="fr-FR" sz="3600" dirty="0" err="1">
+                <a:solidFill>
+                  <a:schemeClr val="bg1">
+                    <a:lumMod val="65000"/>
+                  </a:schemeClr>
+                </a:solidFill>
                 <a:latin typeface="Lucida Sans Unicode" panose="020B0602030504020204" pitchFamily="34" charset="0"/>
                 <a:cs typeface="Lucida Sans Unicode" panose="020B0602030504020204" pitchFamily="34" charset="0"/>
               </a:rPr>
               <a:t>Profan</a:t>
             </a:r>
             <a:r>
-              <a:rPr lang="fr-FR" sz="4000" dirty="0">
+              <a:rPr lang="fr-FR" sz="3600" dirty="0">
+                <a:solidFill>
+                  <a:schemeClr val="bg1">
+                    <a:lumMod val="65000"/>
+                  </a:schemeClr>
+                </a:solidFill>
                 <a:latin typeface="Lucida Sans Unicode" panose="020B0602030504020204" pitchFamily="34" charset="0"/>
                 <a:cs typeface="Lucida Sans Unicode" panose="020B0602030504020204" pitchFamily="34" charset="0"/>
               </a:rPr>
@@ -8599,7 +6093,12 @@
           <a:p>
             <a:pPr algn="ctr"/>
             <a:r>
-              <a:rPr lang="fr-FR" sz="4000" dirty="0">
+              <a:rPr lang="fr-FR" sz="3600" dirty="0">
+                <a:solidFill>
+                  <a:schemeClr val="bg1">
+                    <a:lumMod val="65000"/>
+                  </a:schemeClr>
+                </a:solidFill>
                 <a:latin typeface="Lucida Sans Unicode" panose="020B0602030504020204" pitchFamily="34" charset="0"/>
                 <a:cs typeface="Lucida Sans Unicode" panose="020B0602030504020204" pitchFamily="34" charset="0"/>
               </a:rPr>
@@ -8643,8 +6142,8 @@
         </p:nvSpPr>
         <p:spPr>
           <a:xfrm>
-            <a:off x="928511" y="3147854"/>
-            <a:ext cx="5785121" cy="2185214"/>
+            <a:off x="662824" y="3238470"/>
+            <a:ext cx="5503624" cy="2185214"/>
           </a:xfrm>
           <a:prstGeom prst="rect">
             <a:avLst/>
@@ -8769,7 +6268,7 @@
           </p:blipFill>
           <p:spPr>
             <a:xfrm>
-              <a:off x="1671881" y="228619"/>
+              <a:off x="1690169" y="228619"/>
               <a:ext cx="2552722" cy="493577"/>
             </a:xfrm>
             <a:prstGeom prst="rect">
@@ -8792,7 +6291,7 @@
         </p:nvGrpSpPr>
         <p:grpSpPr>
           <a:xfrm>
-            <a:off x="1064956" y="5684674"/>
+            <a:off x="937302" y="5593904"/>
             <a:ext cx="4954668" cy="2890721"/>
             <a:chOff x="4470751" y="11775711"/>
             <a:chExt cx="4954668" cy="2890721"/>
@@ -9266,7 +6765,7 @@
         </p:nvGrpSpPr>
         <p:grpSpPr>
           <a:xfrm>
-            <a:off x="928511" y="11590034"/>
+            <a:off x="1056851" y="11426608"/>
             <a:ext cx="4715570" cy="3244796"/>
             <a:chOff x="578885" y="1594338"/>
             <a:chExt cx="4715570" cy="3244796"/>
@@ -9540,7 +7039,7 @@
         <p:spPr>
           <a:xfrm>
             <a:off x="662824" y="8660505"/>
-            <a:ext cx="5486041" cy="2462213"/>
+            <a:ext cx="5503624" cy="2462213"/>
           </a:xfrm>
           <a:prstGeom prst="rect">
             <a:avLst/>
@@ -9574,7 +7073,7 @@
                 <a:latin typeface="Calibri" panose="020F0502020204030204" pitchFamily="34" charset="0"/>
                 <a:cs typeface="Calibri" panose="020F0502020204030204" pitchFamily="34" charset="0"/>
               </a:rPr>
-              <a:t>	La solution doit pouvoir être disponible depuis n’importe quel appareil et depuis n’importe où. Nous avons dont opté pour une application web </a:t>
+              <a:t>	La solution doit pouvoir être disponible depuis n’importe quel appareil et depuis n’importe où. Nous avons donc opté pour une application web </a:t>
             </a:r>
             <a:r>
               <a:rPr lang="fr-FR" dirty="0" err="1">
@@ -9635,7 +7134,7 @@
         </p:nvSpPr>
         <p:spPr>
           <a:xfrm>
-            <a:off x="7202537" y="2647476"/>
+            <a:off x="7202537" y="2428020"/>
             <a:ext cx="5785121" cy="2739211"/>
           </a:xfrm>
           <a:prstGeom prst="rect">
@@ -9670,17 +7169,222 @@
                 <a:latin typeface="Calibri" panose="020F0502020204030204" pitchFamily="34" charset="0"/>
                 <a:cs typeface="Calibri" panose="020F0502020204030204" pitchFamily="34" charset="0"/>
               </a:rPr>
-              <a:t>	Nous avons du élaborer une structure de données pour concevoir notre base de données. Nous avons séparé dans un premier temps 3 types de produits, le papier, les encres et les autres. Cela rendant fastidieuse l’utilisation de l’application, nous avons finalement opté pour une structure regroupant tous les produits dans une même table avec un nombre minimal d’arguments.</a:t>
+              <a:t>	Nous avons du élaborer une structure de données pour concevoir notre base de données. Nous avons séparé dans un premier temps 3 types de produits, le papier, les encres et les autres. Cela rendait fastidieuse l’utilisation de l’application, nous avons finalement opté pour une structure regroupant tous les produits dans une même table avec un nombre minimal d’arguments.</a:t>
+            </a:r>
+          </a:p>
+        </p:txBody>
+      </p:sp>
+      <p:sp>
+        <p:nvSpPr>
+          <p:cNvPr id="49" name="ZoneTexte 48">
+            <a:extLst>
+              <a:ext uri="{FF2B5EF4-FFF2-40B4-BE49-F238E27FC236}">
+                <a16:creationId xmlns:a16="http://schemas.microsoft.com/office/drawing/2014/main" id="{04096620-DD58-45B8-87C9-E4C58D7702C8}"/>
+              </a:ext>
+            </a:extLst>
+          </p:cNvPr>
+          <p:cNvSpPr txBox="1"/>
+          <p:nvPr/>
+        </p:nvSpPr>
+        <p:spPr>
+          <a:xfrm>
+            <a:off x="7160332" y="9693195"/>
+            <a:ext cx="5822838" cy="2185214"/>
+          </a:xfrm>
+          <a:prstGeom prst="rect">
+            <a:avLst/>
+          </a:prstGeom>
+          <a:noFill/>
+        </p:spPr>
+        <p:txBody>
+          <a:bodyPr wrap="square" rtlCol="0">
+            <a:spAutoFit/>
+          </a:bodyPr>
+          <a:lstStyle/>
+          <a:p>
+            <a:r>
+              <a:rPr lang="fr-FR" sz="2800" b="1" dirty="0">
+                <a:latin typeface="Calibri" panose="020F0502020204030204" pitchFamily="34" charset="0"/>
+                <a:cs typeface="Calibri" panose="020F0502020204030204" pitchFamily="34" charset="0"/>
+              </a:rPr>
+              <a:t>4. Les droits</a:t>
+            </a:r>
+          </a:p>
+          <a:p>
+            <a:endParaRPr lang="fr-FR" dirty="0">
+              <a:latin typeface="Calibri" panose="020F0502020204030204" pitchFamily="34" charset="0"/>
+              <a:cs typeface="Calibri" panose="020F0502020204030204" pitchFamily="34" charset="0"/>
+            </a:endParaRPr>
+          </a:p>
+          <a:p>
+            <a:pPr algn="just"/>
+            <a:r>
+              <a:rPr lang="fr-FR" dirty="0">
+                <a:latin typeface="Calibri" panose="020F0502020204030204" pitchFamily="34" charset="0"/>
+                <a:cs typeface="Calibri" panose="020F0502020204030204" pitchFamily="34" charset="0"/>
+              </a:rPr>
+              <a:t>Il existe 3 types de comptes utilisateurs possédant les droits nécessaires à leur utilisation dans l’imprimerie:</a:t>
+            </a:r>
+          </a:p>
+          <a:p>
+            <a:pPr marL="742950" lvl="1" indent="-285750">
+              <a:buFont typeface="Arial" panose="020B0604020202020204" pitchFamily="34" charset="0"/>
+              <a:buChar char="•"/>
+            </a:pPr>
+            <a:r>
+              <a:rPr lang="fr-FR" dirty="0">
+                <a:latin typeface="Calibri" panose="020F0502020204030204" pitchFamily="34" charset="0"/>
+                <a:cs typeface="Calibri" panose="020F0502020204030204" pitchFamily="34" charset="0"/>
+              </a:rPr>
+              <a:t>Administrateur</a:t>
+            </a:r>
+          </a:p>
+          <a:p>
+            <a:pPr marL="742950" lvl="1" indent="-285750">
+              <a:buFont typeface="Arial" panose="020B0604020202020204" pitchFamily="34" charset="0"/>
+              <a:buChar char="•"/>
+            </a:pPr>
+            <a:r>
+              <a:rPr lang="fr-FR" dirty="0">
+                <a:latin typeface="Calibri" panose="020F0502020204030204" pitchFamily="34" charset="0"/>
+                <a:cs typeface="Calibri" panose="020F0502020204030204" pitchFamily="34" charset="0"/>
+              </a:rPr>
+              <a:t>Professeur</a:t>
+            </a:r>
+          </a:p>
+          <a:p>
+            <a:pPr marL="742950" lvl="1" indent="-285750">
+              <a:buFont typeface="Arial" panose="020B0604020202020204" pitchFamily="34" charset="0"/>
+              <a:buChar char="•"/>
+            </a:pPr>
+            <a:r>
+              <a:rPr lang="fr-FR" dirty="0">
+                <a:latin typeface="Calibri" panose="020F0502020204030204" pitchFamily="34" charset="0"/>
+                <a:cs typeface="Calibri" panose="020F0502020204030204" pitchFamily="34" charset="0"/>
+              </a:rPr>
+              <a:t>Etudiant</a:t>
+            </a:r>
+          </a:p>
+        </p:txBody>
+      </p:sp>
+      <p:sp>
+        <p:nvSpPr>
+          <p:cNvPr id="51" name="ZoneTexte 50">
+            <a:extLst>
+              <a:ext uri="{FF2B5EF4-FFF2-40B4-BE49-F238E27FC236}">
+                <a16:creationId xmlns:a16="http://schemas.microsoft.com/office/drawing/2014/main" id="{938FE817-A0CB-4537-8BF5-F0C5DE085F93}"/>
+              </a:ext>
+            </a:extLst>
+          </p:cNvPr>
+          <p:cNvSpPr txBox="1"/>
+          <p:nvPr/>
+        </p:nvSpPr>
+        <p:spPr>
+          <a:xfrm>
+            <a:off x="7202536" y="11942060"/>
+            <a:ext cx="6165991" cy="3016210"/>
+          </a:xfrm>
+          <a:prstGeom prst="rect">
+            <a:avLst/>
+          </a:prstGeom>
+          <a:noFill/>
+        </p:spPr>
+        <p:txBody>
+          <a:bodyPr wrap="square" rtlCol="0">
+            <a:spAutoFit/>
+          </a:bodyPr>
+          <a:lstStyle/>
+          <a:p>
+            <a:r>
+              <a:rPr lang="fr-FR" sz="2800" b="1" dirty="0">
+                <a:latin typeface="Calibri" panose="020F0502020204030204" pitchFamily="34" charset="0"/>
+                <a:cs typeface="Calibri" panose="020F0502020204030204" pitchFamily="34" charset="0"/>
+              </a:rPr>
+              <a:t>5. Résultat</a:t>
+            </a:r>
+          </a:p>
+          <a:p>
+            <a:endParaRPr lang="fr-FR" dirty="0">
+              <a:latin typeface="Calibri" panose="020F0502020204030204" pitchFamily="34" charset="0"/>
+              <a:cs typeface="Calibri" panose="020F0502020204030204" pitchFamily="34" charset="0"/>
+            </a:endParaRPr>
+          </a:p>
+          <a:p>
+            <a:pPr algn="just"/>
+            <a:r>
+              <a:rPr lang="fr-FR" dirty="0">
+                <a:latin typeface="Calibri" panose="020F0502020204030204" pitchFamily="34" charset="0"/>
+                <a:cs typeface="Calibri" panose="020F0502020204030204" pitchFamily="34" charset="0"/>
+              </a:rPr>
+              <a:t>	Notre application web comporte plusieurs pages ayant des fonctions pour effectuer chacun des points précisés dans le cahier des charges voire plus. </a:t>
+            </a:r>
+          </a:p>
+          <a:p>
+            <a:endParaRPr lang="fr-FR" dirty="0">
+              <a:latin typeface="Calibri" panose="020F0502020204030204" pitchFamily="34" charset="0"/>
+              <a:cs typeface="Calibri" panose="020F0502020204030204" pitchFamily="34" charset="0"/>
+            </a:endParaRPr>
+          </a:p>
+          <a:p>
+            <a:pPr marL="285750" indent="-285750">
+              <a:buFont typeface="Arial" panose="020B0604020202020204" pitchFamily="34" charset="0"/>
+              <a:buChar char="•"/>
+            </a:pPr>
+            <a:r>
+              <a:rPr lang="fr-FR" dirty="0">
+                <a:latin typeface="Calibri" panose="020F0502020204030204" pitchFamily="34" charset="0"/>
+                <a:cs typeface="Calibri" panose="020F0502020204030204" pitchFamily="34" charset="0"/>
+              </a:rPr>
+              <a:t>Accueil : Historique des modifications</a:t>
+            </a:r>
+          </a:p>
+          <a:p>
+            <a:pPr marL="285750" indent="-285750">
+              <a:buFont typeface="Arial" panose="020B0604020202020204" pitchFamily="34" charset="0"/>
+              <a:buChar char="•"/>
+            </a:pPr>
+            <a:r>
+              <a:rPr lang="fr-FR" dirty="0">
+                <a:latin typeface="Calibri" panose="020F0502020204030204" pitchFamily="34" charset="0"/>
+                <a:cs typeface="Calibri" panose="020F0502020204030204" pitchFamily="34" charset="0"/>
+              </a:rPr>
+              <a:t>Stock : Accès à la liste des produits en stock</a:t>
+            </a:r>
+          </a:p>
+          <a:p>
+            <a:pPr marL="285750" indent="-285750">
+              <a:buFont typeface="Arial" panose="020B0604020202020204" pitchFamily="34" charset="0"/>
+              <a:buChar char="•"/>
+            </a:pPr>
+            <a:r>
+              <a:rPr lang="fr-FR" dirty="0">
+                <a:latin typeface="Calibri" panose="020F0502020204030204" pitchFamily="34" charset="0"/>
+                <a:cs typeface="Calibri" panose="020F0502020204030204" pitchFamily="34" charset="0"/>
+              </a:rPr>
+              <a:t>Tutoriel : Documentation du site</a:t>
+            </a:r>
+          </a:p>
+          <a:p>
+            <a:pPr marL="285750" indent="-285750">
+              <a:buFont typeface="Arial" panose="020B0604020202020204" pitchFamily="34" charset="0"/>
+              <a:buChar char="•"/>
+            </a:pPr>
+            <a:r>
+              <a:rPr lang="fr-FR" dirty="0">
+                <a:latin typeface="Calibri" panose="020F0502020204030204" pitchFamily="34" charset="0"/>
+                <a:cs typeface="Calibri" panose="020F0502020204030204" pitchFamily="34" charset="0"/>
+              </a:rPr>
+              <a:t>Utilisateurs : Gestion des utilisateurs</a:t>
             </a:r>
           </a:p>
         </p:txBody>
       </p:sp>
       <p:pic>
         <p:nvPicPr>
-          <p:cNvPr id="48" name="Image 47">
+          <p:cNvPr id="55" name="Image 54">
             <a:extLst>
               <a:ext uri="{FF2B5EF4-FFF2-40B4-BE49-F238E27FC236}">
-                <a16:creationId xmlns:a16="http://schemas.microsoft.com/office/drawing/2014/main" id="{97F171C5-E990-473F-8296-2761BF0BB249}"/>
+                <a16:creationId xmlns:a16="http://schemas.microsoft.com/office/drawing/2014/main" id="{A1A89E08-B875-44C8-AF9A-14B5D3A44699}"/>
               </a:ext>
             </a:extLst>
           </p:cNvPr>
@@ -9690,239 +7394,39 @@
           <p:nvPr/>
         </p:nvPicPr>
         <p:blipFill>
-          <a:blip r:embed="rId8"/>
+          <a:blip r:embed="rId8">
+            <a:extLst>
+              <a:ext uri="{28A0092B-C50C-407E-A947-70E740481C1C}">
+                <a14:useLocalDpi xmlns:a14="http://schemas.microsoft.com/office/drawing/2010/main" val="0"/>
+              </a:ext>
+            </a:extLst>
+          </a:blip>
           <a:stretch>
             <a:fillRect/>
           </a:stretch>
         </p:blipFill>
         <p:spPr>
           <a:xfrm>
-            <a:off x="7198049" y="5384117"/>
-            <a:ext cx="5785121" cy="4531105"/>
+            <a:off x="14738506" y="516037"/>
+            <a:ext cx="6058613" cy="3367191"/>
           </a:xfrm>
           <a:prstGeom prst="rect">
             <a:avLst/>
           </a:prstGeom>
         </p:spPr>
       </p:pic>
-      <p:sp>
-        <p:nvSpPr>
-          <p:cNvPr id="49" name="ZoneTexte 48">
+      <p:pic>
+        <p:nvPicPr>
+          <p:cNvPr id="53" name="Image 52">
             <a:extLst>
               <a:ext uri="{FF2B5EF4-FFF2-40B4-BE49-F238E27FC236}">
-                <a16:creationId xmlns:a16="http://schemas.microsoft.com/office/drawing/2014/main" id="{04096620-DD58-45B8-87C9-E4C58D7702C8}"/>
+                <a16:creationId xmlns:a16="http://schemas.microsoft.com/office/drawing/2014/main" id="{B64210FD-C202-434A-BC9A-AD5CF2E459D5}"/>
               </a:ext>
             </a:extLst>
           </p:cNvPr>
-          <p:cNvSpPr txBox="1"/>
-          <p:nvPr/>
-        </p:nvSpPr>
-        <p:spPr>
-          <a:xfrm>
-            <a:off x="7160332" y="9912651"/>
-            <a:ext cx="4992624" cy="1908215"/>
-          </a:xfrm>
-          <a:prstGeom prst="rect">
-            <a:avLst/>
-          </a:prstGeom>
-          <a:noFill/>
-        </p:spPr>
-        <p:txBody>
-          <a:bodyPr wrap="square" rtlCol="0">
-            <a:spAutoFit/>
-          </a:bodyPr>
-          <a:lstStyle/>
-          <a:p>
-            <a:r>
-              <a:rPr lang="fr-FR" sz="2800" b="1" dirty="0">
-                <a:latin typeface="Calibri" panose="020F0502020204030204" pitchFamily="34" charset="0"/>
-                <a:cs typeface="Calibri" panose="020F0502020204030204" pitchFamily="34" charset="0"/>
-              </a:rPr>
-              <a:t>4. Les droits</a:t>
-            </a:r>
-          </a:p>
-          <a:p>
-            <a:endParaRPr lang="fr-FR" dirty="0">
-              <a:latin typeface="Calibri" panose="020F0502020204030204" pitchFamily="34" charset="0"/>
-              <a:cs typeface="Calibri" panose="020F0502020204030204" pitchFamily="34" charset="0"/>
-            </a:endParaRPr>
-          </a:p>
-          <a:p>
-            <a:r>
-              <a:rPr lang="fr-FR" dirty="0">
-                <a:latin typeface="Calibri" panose="020F0502020204030204" pitchFamily="34" charset="0"/>
-                <a:cs typeface="Calibri" panose="020F0502020204030204" pitchFamily="34" charset="0"/>
-              </a:rPr>
-              <a:t>Il existe 3 types de comptes utilisateur:</a:t>
-            </a:r>
-          </a:p>
-          <a:p>
-            <a:pPr marL="285750" indent="-285750">
-              <a:buFont typeface="Arial" panose="020B0604020202020204" pitchFamily="34" charset="0"/>
-              <a:buChar char="•"/>
-            </a:pPr>
-            <a:r>
-              <a:rPr lang="fr-FR" dirty="0" err="1">
-                <a:latin typeface="Calibri" panose="020F0502020204030204" pitchFamily="34" charset="0"/>
-                <a:cs typeface="Calibri" panose="020F0502020204030204" pitchFamily="34" charset="0"/>
-              </a:rPr>
-              <a:t>Adminitrateur</a:t>
-            </a:r>
-            <a:endParaRPr lang="fr-FR" dirty="0">
-              <a:latin typeface="Calibri" panose="020F0502020204030204" pitchFamily="34" charset="0"/>
-              <a:cs typeface="Calibri" panose="020F0502020204030204" pitchFamily="34" charset="0"/>
-            </a:endParaRPr>
-          </a:p>
-          <a:p>
-            <a:pPr marL="285750" indent="-285750">
-              <a:buFont typeface="Arial" panose="020B0604020202020204" pitchFamily="34" charset="0"/>
-              <a:buChar char="•"/>
-            </a:pPr>
-            <a:r>
-              <a:rPr lang="fr-FR" dirty="0">
-                <a:latin typeface="Calibri" panose="020F0502020204030204" pitchFamily="34" charset="0"/>
-                <a:cs typeface="Calibri" panose="020F0502020204030204" pitchFamily="34" charset="0"/>
-              </a:rPr>
-              <a:t>Professeur</a:t>
-            </a:r>
-          </a:p>
-          <a:p>
-            <a:pPr marL="285750" indent="-285750">
-              <a:buFont typeface="Arial" panose="020B0604020202020204" pitchFamily="34" charset="0"/>
-              <a:buChar char="•"/>
-            </a:pPr>
-            <a:r>
-              <a:rPr lang="fr-FR" dirty="0">
-                <a:latin typeface="Calibri" panose="020F0502020204030204" pitchFamily="34" charset="0"/>
-                <a:cs typeface="Calibri" panose="020F0502020204030204" pitchFamily="34" charset="0"/>
-              </a:rPr>
-              <a:t>Etudiant</a:t>
-            </a:r>
-          </a:p>
-        </p:txBody>
-      </p:sp>
-      <p:sp>
-        <p:nvSpPr>
-          <p:cNvPr id="51" name="ZoneTexte 50">
-            <a:extLst>
-              <a:ext uri="{FF2B5EF4-FFF2-40B4-BE49-F238E27FC236}">
-                <a16:creationId xmlns:a16="http://schemas.microsoft.com/office/drawing/2014/main" id="{938FE817-A0CB-4537-8BF5-F0C5DE085F93}"/>
-              </a:ext>
-            </a:extLst>
-          </p:cNvPr>
-          <p:cNvSpPr txBox="1"/>
-          <p:nvPr/>
-        </p:nvSpPr>
-        <p:spPr>
-          <a:xfrm>
-            <a:off x="14036842" y="2647476"/>
-            <a:ext cx="6272463" cy="3016210"/>
-          </a:xfrm>
-          <a:prstGeom prst="rect">
-            <a:avLst/>
-          </a:prstGeom>
-          <a:noFill/>
-        </p:spPr>
-        <p:txBody>
-          <a:bodyPr wrap="square" rtlCol="0">
-            <a:spAutoFit/>
-          </a:bodyPr>
-          <a:lstStyle/>
-          <a:p>
-            <a:r>
-              <a:rPr lang="fr-FR" sz="2800" b="1" dirty="0">
-                <a:latin typeface="Calibri" panose="020F0502020204030204" pitchFamily="34" charset="0"/>
-                <a:cs typeface="Calibri" panose="020F0502020204030204" pitchFamily="34" charset="0"/>
-              </a:rPr>
-              <a:t>5. Résultat</a:t>
-            </a:r>
-          </a:p>
-          <a:p>
-            <a:endParaRPr lang="fr-FR" dirty="0">
-              <a:latin typeface="Calibri" panose="020F0502020204030204" pitchFamily="34" charset="0"/>
-              <a:cs typeface="Calibri" panose="020F0502020204030204" pitchFamily="34" charset="0"/>
-            </a:endParaRPr>
-          </a:p>
-          <a:p>
-            <a:pPr algn="just"/>
-            <a:r>
-              <a:rPr lang="fr-FR" dirty="0">
-                <a:latin typeface="Calibri" panose="020F0502020204030204" pitchFamily="34" charset="0"/>
-                <a:cs typeface="Calibri" panose="020F0502020204030204" pitchFamily="34" charset="0"/>
-              </a:rPr>
-              <a:t>	Notre application web comporte plusieurs pages ayant des fonctions pour effectuer chacun des points précisés dans le cahier des charges voire plus. </a:t>
-            </a:r>
-          </a:p>
-          <a:p>
-            <a:endParaRPr lang="fr-FR" dirty="0">
-              <a:latin typeface="Calibri" panose="020F0502020204030204" pitchFamily="34" charset="0"/>
-              <a:cs typeface="Calibri" panose="020F0502020204030204" pitchFamily="34" charset="0"/>
-            </a:endParaRPr>
-          </a:p>
-          <a:p>
-            <a:pPr marL="285750" indent="-285750">
-              <a:buFont typeface="Arial" panose="020B0604020202020204" pitchFamily="34" charset="0"/>
-              <a:buChar char="•"/>
-            </a:pPr>
-            <a:r>
-              <a:rPr lang="fr-FR" dirty="0">
-                <a:latin typeface="Calibri" panose="020F0502020204030204" pitchFamily="34" charset="0"/>
-                <a:cs typeface="Calibri" panose="020F0502020204030204" pitchFamily="34" charset="0"/>
-              </a:rPr>
-              <a:t>Accueil : Historique des modifications</a:t>
-            </a:r>
-          </a:p>
-          <a:p>
-            <a:pPr marL="285750" indent="-285750">
-              <a:buFont typeface="Arial" panose="020B0604020202020204" pitchFamily="34" charset="0"/>
-              <a:buChar char="•"/>
-            </a:pPr>
-            <a:r>
-              <a:rPr lang="fr-FR" dirty="0">
-                <a:latin typeface="Calibri" panose="020F0502020204030204" pitchFamily="34" charset="0"/>
-                <a:cs typeface="Calibri" panose="020F0502020204030204" pitchFamily="34" charset="0"/>
-              </a:rPr>
-              <a:t>Stock : Accès à la liste des produits en stock</a:t>
-            </a:r>
-          </a:p>
-          <a:p>
-            <a:pPr marL="285750" indent="-285750">
-              <a:buFont typeface="Arial" panose="020B0604020202020204" pitchFamily="34" charset="0"/>
-              <a:buChar char="•"/>
-            </a:pPr>
-            <a:r>
-              <a:rPr lang="fr-FR" dirty="0">
-                <a:latin typeface="Calibri" panose="020F0502020204030204" pitchFamily="34" charset="0"/>
-                <a:cs typeface="Calibri" panose="020F0502020204030204" pitchFamily="34" charset="0"/>
-              </a:rPr>
-              <a:t>Tutoriel : Documentation du site</a:t>
-            </a:r>
-          </a:p>
-          <a:p>
-            <a:pPr marL="285750" indent="-285750">
-              <a:buFont typeface="Arial" panose="020B0604020202020204" pitchFamily="34" charset="0"/>
-              <a:buChar char="•"/>
-            </a:pPr>
-            <a:r>
-              <a:rPr lang="fr-FR" dirty="0">
-                <a:latin typeface="Calibri" panose="020F0502020204030204" pitchFamily="34" charset="0"/>
-                <a:cs typeface="Calibri" panose="020F0502020204030204" pitchFamily="34" charset="0"/>
-              </a:rPr>
-              <a:t>Utilisateurs : Gestion des utilisateurs</a:t>
-            </a:r>
-          </a:p>
-        </p:txBody>
-      </p:sp>
-      <p:pic>
-        <p:nvPicPr>
-          <p:cNvPr id="55" name="Image 54">
-            <a:extLst>
-              <a:ext uri="{FF2B5EF4-FFF2-40B4-BE49-F238E27FC236}">
-                <a16:creationId xmlns:a16="http://schemas.microsoft.com/office/drawing/2014/main" id="{A1A89E08-B875-44C8-AF9A-14B5D3A44699}"/>
-              </a:ext>
-            </a:extLst>
-          </p:cNvPr>
-          <p:cNvPicPr/>
+          <p:cNvPicPr>
+            <a:picLocks noChangeAspect="1"/>
+          </p:cNvPicPr>
           <p:nvPr/>
         </p:nvPicPr>
         <p:blipFill>
@@ -9939,8 +7443,8 @@
         </p:blipFill>
         <p:spPr>
           <a:xfrm>
-            <a:off x="14036842" y="5753208"/>
-            <a:ext cx="4954668" cy="2753652"/>
+            <a:off x="14789622" y="4062198"/>
+            <a:ext cx="6007497" cy="4111797"/>
           </a:xfrm>
           <a:prstGeom prst="rect">
             <a:avLst/>
@@ -9949,14 +7453,16 @@
       </p:pic>
       <p:pic>
         <p:nvPicPr>
-          <p:cNvPr id="53" name="Image 52">
+          <p:cNvPr id="57" name="Image 56">
             <a:extLst>
               <a:ext uri="{FF2B5EF4-FFF2-40B4-BE49-F238E27FC236}">
-                <a16:creationId xmlns:a16="http://schemas.microsoft.com/office/drawing/2014/main" id="{B64210FD-C202-434A-BC9A-AD5CF2E459D5}"/>
+                <a16:creationId xmlns:a16="http://schemas.microsoft.com/office/drawing/2014/main" id="{9D69D4DA-B551-4BE7-BBF0-A346862D5F19}"/>
               </a:ext>
             </a:extLst>
           </p:cNvPr>
-          <p:cNvPicPr/>
+          <p:cNvPicPr>
+            <a:picLocks noChangeAspect="1"/>
+          </p:cNvPicPr>
           <p:nvPr/>
         </p:nvPicPr>
         <p:blipFill>
@@ -9973,95 +7479,8 @@
         </p:blipFill>
         <p:spPr>
           <a:xfrm>
-            <a:off x="14036842" y="8660505"/>
-            <a:ext cx="4954668" cy="3391194"/>
-          </a:xfrm>
-          <a:prstGeom prst="rect">
-            <a:avLst/>
-          </a:prstGeom>
-        </p:spPr>
-      </p:pic>
-      <p:sp>
-        <p:nvSpPr>
-          <p:cNvPr id="56" name="ZoneTexte 55">
-            <a:extLst>
-              <a:ext uri="{FF2B5EF4-FFF2-40B4-BE49-F238E27FC236}">
-                <a16:creationId xmlns:a16="http://schemas.microsoft.com/office/drawing/2014/main" id="{44A01F0A-B6AF-4D9E-A5F3-D65F56EC4D58}"/>
-              </a:ext>
-            </a:extLst>
-          </p:cNvPr>
-          <p:cNvSpPr txBox="1"/>
-          <p:nvPr/>
-        </p:nvSpPr>
-        <p:spPr>
-          <a:xfrm>
-            <a:off x="7663413" y="12136535"/>
-            <a:ext cx="4591070" cy="2185214"/>
-          </a:xfrm>
-          <a:prstGeom prst="rect">
-            <a:avLst/>
-          </a:prstGeom>
-          <a:noFill/>
-        </p:spPr>
-        <p:txBody>
-          <a:bodyPr wrap="square" rtlCol="0">
-            <a:spAutoFit/>
-          </a:bodyPr>
-          <a:lstStyle/>
-          <a:p>
-            <a:r>
-              <a:rPr lang="fr-FR" sz="2800" b="1" dirty="0">
-                <a:latin typeface="Calibri" panose="020F0502020204030204" pitchFamily="34" charset="0"/>
-                <a:cs typeface="Calibri" panose="020F0502020204030204" pitchFamily="34" charset="0"/>
-              </a:rPr>
-              <a:t>6. La fonction Scanner</a:t>
-            </a:r>
-          </a:p>
-          <a:p>
-            <a:endParaRPr lang="fr-FR" dirty="0">
-              <a:latin typeface="Calibri" panose="020F0502020204030204" pitchFamily="34" charset="0"/>
-              <a:cs typeface="Calibri" panose="020F0502020204030204" pitchFamily="34" charset="0"/>
-            </a:endParaRPr>
-          </a:p>
-          <a:p>
-            <a:r>
-              <a:rPr lang="fr-FR" dirty="0">
-                <a:latin typeface="Calibri" panose="020F0502020204030204" pitchFamily="34" charset="0"/>
-                <a:cs typeface="Calibri" panose="020F0502020204030204" pitchFamily="34" charset="0"/>
-              </a:rPr>
-              <a:t>	Nous avons développé une fonction qui permet, quand c’est possible, d’ouvrir la caméra et de scanner un code-barres pour soit rechercher une produit, soit pour l’ajouter au Stock</a:t>
-            </a:r>
-          </a:p>
-        </p:txBody>
-      </p:sp>
-      <p:pic>
-        <p:nvPicPr>
-          <p:cNvPr id="57" name="Image 56">
-            <a:extLst>
-              <a:ext uri="{FF2B5EF4-FFF2-40B4-BE49-F238E27FC236}">
-                <a16:creationId xmlns:a16="http://schemas.microsoft.com/office/drawing/2014/main" id="{9D69D4DA-B551-4BE7-BBF0-A346862D5F19}"/>
-              </a:ext>
-            </a:extLst>
-          </p:cNvPr>
-          <p:cNvPicPr/>
-          <p:nvPr/>
-        </p:nvPicPr>
-        <p:blipFill>
-          <a:blip r:embed="rId11">
-            <a:extLst>
-              <a:ext uri="{28A0092B-C50C-407E-A947-70E740481C1C}">
-                <a14:useLocalDpi xmlns:a14="http://schemas.microsoft.com/office/drawing/2010/main" val="0"/>
-              </a:ext>
-            </a:extLst>
-          </a:blip>
-          <a:stretch>
-            <a:fillRect/>
-          </a:stretch>
-        </p:blipFill>
-        <p:spPr>
-          <a:xfrm>
-            <a:off x="14036842" y="12304735"/>
-            <a:ext cx="4954668" cy="2071872"/>
+            <a:off x="14789622" y="8364252"/>
+            <a:ext cx="6058209" cy="2533335"/>
           </a:xfrm>
           <a:prstGeom prst="rect">
             <a:avLst/>
@@ -10126,6 +7545,335 @@
           </a:p>
         </p:txBody>
       </p:sp>
+      <p:grpSp>
+        <p:nvGrpSpPr>
+          <p:cNvPr id="29" name="Groupe 28">
+            <a:extLst>
+              <a:ext uri="{FF2B5EF4-FFF2-40B4-BE49-F238E27FC236}">
+                <a16:creationId xmlns:a16="http://schemas.microsoft.com/office/drawing/2014/main" id="{C6EF8CAB-8572-4468-B2A0-FA2C0DAA16AD}"/>
+              </a:ext>
+            </a:extLst>
+          </p:cNvPr>
+          <p:cNvGrpSpPr/>
+          <p:nvPr/>
+        </p:nvGrpSpPr>
+        <p:grpSpPr>
+          <a:xfrm>
+            <a:off x="14512266" y="11495121"/>
+            <a:ext cx="6562208" cy="2288246"/>
+            <a:chOff x="7160332" y="12294168"/>
+            <a:chExt cx="6562208" cy="2288246"/>
+          </a:xfrm>
+        </p:grpSpPr>
+        <p:pic>
+          <p:nvPicPr>
+            <p:cNvPr id="1026" name="Picture 2" descr="RÃ©sultat de recherche d'images pour &quot;code barres&quot;">
+              <a:extLst>
+                <a:ext uri="{FF2B5EF4-FFF2-40B4-BE49-F238E27FC236}">
+                  <a16:creationId xmlns:a16="http://schemas.microsoft.com/office/drawing/2014/main" id="{AAD8237E-1321-4D41-AE95-46E2B2C1A666}"/>
+                </a:ext>
+              </a:extLst>
+            </p:cNvPr>
+            <p:cNvPicPr>
+              <a:picLocks noChangeAspect="1" noChangeArrowheads="1"/>
+            </p:cNvPicPr>
+            <p:nvPr/>
+          </p:nvPicPr>
+          <p:blipFill>
+            <a:blip r:embed="rId11">
+              <a:extLst>
+                <a:ext uri="{28A0092B-C50C-407E-A947-70E740481C1C}">
+                  <a14:useLocalDpi xmlns:a14="http://schemas.microsoft.com/office/drawing/2010/main" val="0"/>
+                </a:ext>
+              </a:extLst>
+            </a:blip>
+            <a:srcRect/>
+            <a:stretch>
+              <a:fillRect/>
+            </a:stretch>
+          </p:blipFill>
+          <p:spPr bwMode="auto">
+            <a:xfrm>
+              <a:off x="11490432" y="12962276"/>
+              <a:ext cx="2232108" cy="1620138"/>
+            </a:xfrm>
+            <a:prstGeom prst="rect">
+              <a:avLst/>
+            </a:prstGeom>
+            <a:noFill/>
+            <a:extLst>
+              <a:ext uri="{909E8E84-426E-40DD-AFC4-6F175D3DCCD1}">
+                <a14:hiddenFill xmlns:a14="http://schemas.microsoft.com/office/drawing/2010/main">
+                  <a:solidFill>
+                    <a:srgbClr val="FFFFFF"/>
+                  </a:solidFill>
+                </a14:hiddenFill>
+              </a:ext>
+            </a:extLst>
+          </p:spPr>
+        </p:pic>
+        <p:sp>
+          <p:nvSpPr>
+            <p:cNvPr id="56" name="ZoneTexte 55">
+              <a:extLst>
+                <a:ext uri="{FF2B5EF4-FFF2-40B4-BE49-F238E27FC236}">
+                  <a16:creationId xmlns:a16="http://schemas.microsoft.com/office/drawing/2014/main" id="{44A01F0A-B6AF-4D9E-A5F3-D65F56EC4D58}"/>
+                </a:ext>
+              </a:extLst>
+            </p:cNvPr>
+            <p:cNvSpPr txBox="1"/>
+            <p:nvPr/>
+          </p:nvSpPr>
+          <p:spPr>
+            <a:xfrm>
+              <a:off x="7160332" y="12294168"/>
+              <a:ext cx="4330100" cy="2185214"/>
+            </a:xfrm>
+            <a:prstGeom prst="rect">
+              <a:avLst/>
+            </a:prstGeom>
+            <a:noFill/>
+          </p:spPr>
+          <p:txBody>
+            <a:bodyPr wrap="square" rtlCol="0">
+              <a:spAutoFit/>
+            </a:bodyPr>
+            <a:lstStyle/>
+            <a:p>
+              <a:r>
+                <a:rPr lang="fr-FR" sz="2800" b="1" dirty="0">
+                  <a:latin typeface="Calibri" panose="020F0502020204030204" pitchFamily="34" charset="0"/>
+                  <a:cs typeface="Calibri" panose="020F0502020204030204" pitchFamily="34" charset="0"/>
+                </a:rPr>
+                <a:t>6. La fonction Scanner</a:t>
+              </a:r>
+            </a:p>
+            <a:p>
+              <a:endParaRPr lang="fr-FR" dirty="0">
+                <a:latin typeface="Calibri" panose="020F0502020204030204" pitchFamily="34" charset="0"/>
+                <a:cs typeface="Calibri" panose="020F0502020204030204" pitchFamily="34" charset="0"/>
+              </a:endParaRPr>
+            </a:p>
+            <a:p>
+              <a:pPr algn="just"/>
+              <a:r>
+                <a:rPr lang="fr-FR" dirty="0">
+                  <a:latin typeface="Calibri" panose="020F0502020204030204" pitchFamily="34" charset="0"/>
+                  <a:cs typeface="Calibri" panose="020F0502020204030204" pitchFamily="34" charset="0"/>
+                </a:rPr>
+                <a:t>	Nous avons développé une fonction qui permet, quand c’est possible, d’ouvrir la caméra et de scanner un code-barres pour soit rechercher une produit, soit pour l’ajouter au Stock</a:t>
+              </a:r>
+            </a:p>
+          </p:txBody>
+        </p:sp>
+        <p:sp>
+          <p:nvSpPr>
+            <p:cNvPr id="3" name="ZoneTexte 2">
+              <a:extLst>
+                <a:ext uri="{FF2B5EF4-FFF2-40B4-BE49-F238E27FC236}">
+                  <a16:creationId xmlns:a16="http://schemas.microsoft.com/office/drawing/2014/main" id="{D0BF1029-595B-465A-BDBC-9E21940A4598}"/>
+                </a:ext>
+              </a:extLst>
+            </p:cNvPr>
+            <p:cNvSpPr txBox="1"/>
+            <p:nvPr/>
+          </p:nvSpPr>
+          <p:spPr>
+            <a:xfrm>
+              <a:off x="11670528" y="12650407"/>
+              <a:ext cx="1871916" cy="307777"/>
+            </a:xfrm>
+            <a:prstGeom prst="rect">
+              <a:avLst/>
+            </a:prstGeom>
+            <a:noFill/>
+          </p:spPr>
+          <p:txBody>
+            <a:bodyPr wrap="square" rtlCol="0">
+              <a:spAutoFit/>
+            </a:bodyPr>
+            <a:lstStyle/>
+            <a:p>
+              <a:pPr algn="ctr"/>
+              <a:r>
+                <a:rPr lang="fr-FR" sz="1400" i="1" dirty="0">
+                  <a:solidFill>
+                    <a:schemeClr val="bg1">
+                      <a:lumMod val="65000"/>
+                    </a:schemeClr>
+                  </a:solidFill>
+                </a:rPr>
+                <a:t>Un essai?</a:t>
+              </a:r>
+            </a:p>
+          </p:txBody>
+        </p:sp>
+      </p:grpSp>
+      <p:grpSp>
+        <p:nvGrpSpPr>
+          <p:cNvPr id="30" name="Groupe 29">
+            <a:extLst>
+              <a:ext uri="{FF2B5EF4-FFF2-40B4-BE49-F238E27FC236}">
+                <a16:creationId xmlns:a16="http://schemas.microsoft.com/office/drawing/2014/main" id="{6B38691D-3684-4711-8F8C-8E3F6E5E9788}"/>
+              </a:ext>
+            </a:extLst>
+          </p:cNvPr>
+          <p:cNvGrpSpPr/>
+          <p:nvPr/>
+        </p:nvGrpSpPr>
+        <p:grpSpPr>
+          <a:xfrm>
+            <a:off x="7425241" y="5075791"/>
+            <a:ext cx="5557929" cy="4709018"/>
+            <a:chOff x="7425241" y="5386687"/>
+            <a:chExt cx="5557929" cy="4709018"/>
+          </a:xfrm>
+        </p:grpSpPr>
+        <p:pic>
+          <p:nvPicPr>
+            <p:cNvPr id="48" name="Image 47">
+              <a:extLst>
+                <a:ext uri="{FF2B5EF4-FFF2-40B4-BE49-F238E27FC236}">
+                  <a16:creationId xmlns:a16="http://schemas.microsoft.com/office/drawing/2014/main" id="{97F171C5-E990-473F-8296-2761BF0BB249}"/>
+                </a:ext>
+              </a:extLst>
+            </p:cNvPr>
+            <p:cNvPicPr>
+              <a:picLocks noChangeAspect="1"/>
+            </p:cNvPicPr>
+            <p:nvPr/>
+          </p:nvPicPr>
+          <p:blipFill>
+            <a:blip r:embed="rId12"/>
+            <a:stretch>
+              <a:fillRect/>
+            </a:stretch>
+          </p:blipFill>
+          <p:spPr>
+            <a:xfrm>
+              <a:off x="9813406" y="5553145"/>
+              <a:ext cx="3169764" cy="3903768"/>
+            </a:xfrm>
+            <a:prstGeom prst="rect">
+              <a:avLst/>
+            </a:prstGeom>
+          </p:spPr>
+        </p:pic>
+        <p:pic>
+          <p:nvPicPr>
+            <p:cNvPr id="27" name="Image 26">
+              <a:extLst>
+                <a:ext uri="{FF2B5EF4-FFF2-40B4-BE49-F238E27FC236}">
+                  <a16:creationId xmlns:a16="http://schemas.microsoft.com/office/drawing/2014/main" id="{0D140CC3-FC2D-4866-AEE2-AF6FCFDE9478}"/>
+                </a:ext>
+              </a:extLst>
+            </p:cNvPr>
+            <p:cNvPicPr>
+              <a:picLocks noChangeAspect="1"/>
+            </p:cNvPicPr>
+            <p:nvPr/>
+          </p:nvPicPr>
+          <p:blipFill>
+            <a:blip r:embed="rId13"/>
+            <a:stretch>
+              <a:fillRect/>
+            </a:stretch>
+          </p:blipFill>
+          <p:spPr>
+            <a:xfrm>
+              <a:off x="7425241" y="5386687"/>
+              <a:ext cx="1954806" cy="4401241"/>
+            </a:xfrm>
+            <a:prstGeom prst="rect">
+              <a:avLst/>
+            </a:prstGeom>
+          </p:spPr>
+        </p:pic>
+        <p:sp>
+          <p:nvSpPr>
+            <p:cNvPr id="39" name="ZoneTexte 38">
+              <a:extLst>
+                <a:ext uri="{FF2B5EF4-FFF2-40B4-BE49-F238E27FC236}">
+                  <a16:creationId xmlns:a16="http://schemas.microsoft.com/office/drawing/2014/main" id="{310E9D1C-A699-41F6-B2A3-A1948D9B8DA3}"/>
+                </a:ext>
+              </a:extLst>
+            </p:cNvPr>
+            <p:cNvSpPr txBox="1"/>
+            <p:nvPr/>
+          </p:nvSpPr>
+          <p:spPr>
+            <a:xfrm>
+              <a:off x="7468007" y="9787928"/>
+              <a:ext cx="1871916" cy="307777"/>
+            </a:xfrm>
+            <a:prstGeom prst="rect">
+              <a:avLst/>
+            </a:prstGeom>
+            <a:noFill/>
+          </p:spPr>
+          <p:txBody>
+            <a:bodyPr wrap="square" rtlCol="0">
+              <a:spAutoFit/>
+            </a:bodyPr>
+            <a:lstStyle/>
+            <a:p>
+              <a:pPr algn="ctr"/>
+              <a:r>
+                <a:rPr lang="fr-FR" sz="1400" i="1" dirty="0">
+                  <a:solidFill>
+                    <a:schemeClr val="bg1">
+                      <a:lumMod val="65000"/>
+                    </a:schemeClr>
+                  </a:solidFill>
+                </a:rPr>
+                <a:t>Ancienne structure</a:t>
+              </a:r>
+            </a:p>
+          </p:txBody>
+        </p:sp>
+        <p:sp>
+          <p:nvSpPr>
+            <p:cNvPr id="40" name="ZoneTexte 39">
+              <a:extLst>
+                <a:ext uri="{FF2B5EF4-FFF2-40B4-BE49-F238E27FC236}">
+                  <a16:creationId xmlns:a16="http://schemas.microsoft.com/office/drawing/2014/main" id="{49BC98D7-32D9-408A-BD03-4ABCA44E1FDB}"/>
+                </a:ext>
+              </a:extLst>
+            </p:cNvPr>
+            <p:cNvSpPr txBox="1"/>
+            <p:nvPr/>
+          </p:nvSpPr>
+          <p:spPr>
+            <a:xfrm>
+              <a:off x="10462330" y="9513188"/>
+              <a:ext cx="1871916" cy="307777"/>
+            </a:xfrm>
+            <a:prstGeom prst="rect">
+              <a:avLst/>
+            </a:prstGeom>
+            <a:noFill/>
+          </p:spPr>
+          <p:txBody>
+            <a:bodyPr wrap="square" rtlCol="0">
+              <a:spAutoFit/>
+            </a:bodyPr>
+            <a:lstStyle/>
+            <a:p>
+              <a:pPr algn="ctr"/>
+              <a:r>
+                <a:rPr lang="fr-FR" sz="1400" i="1" dirty="0">
+                  <a:solidFill>
+                    <a:schemeClr val="bg1">
+                      <a:lumMod val="65000"/>
+                    </a:schemeClr>
+                  </a:solidFill>
+                </a:rPr>
+                <a:t>Nouvelle structure</a:t>
+              </a:r>
+            </a:p>
+          </p:txBody>
+        </p:sp>
+      </p:grpSp>
     </p:spTree>
     <p:extLst>
       <p:ext uri="{BB962C8B-B14F-4D97-AF65-F5344CB8AC3E}">

--- a/présentation groupe 1H.pptx
+++ b/présentation groupe 1H.pptx
@@ -7135,7 +7135,7 @@
         <p:spPr>
           <a:xfrm>
             <a:off x="7202537" y="2428020"/>
-            <a:ext cx="5785121" cy="2739211"/>
+            <a:ext cx="5785121" cy="1908215"/>
           </a:xfrm>
           <a:prstGeom prst="rect">
             <a:avLst/>
@@ -7169,7 +7169,7 @@
                 <a:latin typeface="Calibri" panose="020F0502020204030204" pitchFamily="34" charset="0"/>
                 <a:cs typeface="Calibri" panose="020F0502020204030204" pitchFamily="34" charset="0"/>
               </a:rPr>
-              <a:t>	Nous avons du élaborer une structure de données pour concevoir notre base de données. Nous avons séparé dans un premier temps 3 types de produits, le papier, les encres et les autres. Cela rendait fastidieuse l’utilisation de l’application, nous avons finalement opté pour une structure regroupant tous les produits dans une même table avec un nombre minimal d’arguments.</a:t>
+              <a:t>	Nous avons du élaborer une structure de données pour concevoir notre base de données. Nous avons séparé dans un premier temps 3 types de produits, le papier, les encres et les autres. </a:t>
             </a:r>
           </a:p>
         </p:txBody>
@@ -7188,7 +7188,7 @@
         </p:nvSpPr>
         <p:spPr>
           <a:xfrm>
-            <a:off x="7160332" y="9693195"/>
+            <a:off x="7160332" y="9241394"/>
             <a:ext cx="5822838" cy="2185214"/>
           </a:xfrm>
           <a:prstGeom prst="rect">
@@ -7281,7 +7281,7 @@
         </p:nvSpPr>
         <p:spPr>
           <a:xfrm>
-            <a:off x="7202536" y="11942060"/>
+            <a:off x="7152537" y="11674555"/>
             <a:ext cx="6165991" cy="3016210"/>
           </a:xfrm>
           <a:prstGeom prst="rect">
@@ -7723,7 +7723,7 @@
         </p:nvGrpSpPr>
         <p:grpSpPr>
           <a:xfrm>
-            <a:off x="7425241" y="5075791"/>
+            <a:off x="7425241" y="4417423"/>
             <a:ext cx="5557929" cy="4709018"/>
             <a:chOff x="7425241" y="5386687"/>
             <a:chExt cx="5557929" cy="4709018"/>

--- a/présentation groupe 1H.pptx
+++ b/présentation groupe 1H.pptx
@@ -7169,7 +7169,7 @@
                 <a:latin typeface="Calibri" panose="020F0502020204030204" pitchFamily="34" charset="0"/>
                 <a:cs typeface="Calibri" panose="020F0502020204030204" pitchFamily="34" charset="0"/>
               </a:rPr>
-              <a:t>	Nous avons du élaborer une structure de données pour concevoir notre base de données. Nous avons séparé dans un premier temps 3 types de produits, le papier, les encres et les autres. </a:t>
+              <a:t>	Nous avons du élaborer une structure de données pour concevoir notre base de données. Nous avons séparé dans un premier temps 3 types de produits, le papier, les encres et les autres, avant de les rassembler. </a:t>
             </a:r>
           </a:p>
         </p:txBody>
@@ -7559,7 +7559,7 @@
         </p:nvGrpSpPr>
         <p:grpSpPr>
           <a:xfrm>
-            <a:off x="14512266" y="11495121"/>
+            <a:off x="14234911" y="11655527"/>
             <a:ext cx="6562208" cy="2288246"/>
             <a:chOff x="7160332" y="12294168"/>
             <a:chExt cx="6562208" cy="2288246"/>
